--- a/Robotic Process Automation.pptx
+++ b/Robotic Process Automation.pptx
@@ -7,15 +7,17 @@
   <p:sldIdLst>
     <p:sldId id="256" r:id="rId2"/>
     <p:sldId id="263" r:id="rId3"/>
-    <p:sldId id="257" r:id="rId4"/>
-    <p:sldId id="264" r:id="rId5"/>
-    <p:sldId id="265" r:id="rId6"/>
-    <p:sldId id="258" r:id="rId7"/>
-    <p:sldId id="259" r:id="rId8"/>
-    <p:sldId id="260" r:id="rId9"/>
-    <p:sldId id="266" r:id="rId10"/>
-    <p:sldId id="261" r:id="rId11"/>
-    <p:sldId id="262" r:id="rId12"/>
+    <p:sldId id="264" r:id="rId4"/>
+    <p:sldId id="268" r:id="rId5"/>
+    <p:sldId id="269" r:id="rId6"/>
+    <p:sldId id="265" r:id="rId7"/>
+    <p:sldId id="266" r:id="rId8"/>
+    <p:sldId id="270" r:id="rId9"/>
+    <p:sldId id="267" r:id="rId10"/>
+    <p:sldId id="271" r:id="rId11"/>
+    <p:sldId id="272" r:id="rId12"/>
+    <p:sldId id="261" r:id="rId13"/>
+    <p:sldId id="262" r:id="rId14"/>
   </p:sldIdLst>
   <p:sldSz cx="12192000" cy="6858000"/>
   <p:notesSz cx="6858000" cy="9144000"/>
@@ -476,6 +478,508 @@
       </pc:sldChg>
     </pc:docChg>
   </pc:docChgLst>
+  <pc:docChgLst>
+    <pc:chgData name="Arunpandian Murugan" userId="94c0bd1a42a582a3" providerId="LiveId" clId="{C057ADD1-5E72-4990-93CD-8B1EA9387F1A}"/>
+    <pc:docChg chg="undo custSel addSld delSld modSld sldOrd">
+      <pc:chgData name="Arunpandian Murugan" userId="94c0bd1a42a582a3" providerId="LiveId" clId="{C057ADD1-5E72-4990-93CD-8B1EA9387F1A}" dt="2019-07-22T03:33:43.982" v="256" actId="14100"/>
+      <pc:docMkLst>
+        <pc:docMk/>
+      </pc:docMkLst>
+      <pc:sldChg chg="ord">
+        <pc:chgData name="Arunpandian Murugan" userId="94c0bd1a42a582a3" providerId="LiveId" clId="{C057ADD1-5E72-4990-93CD-8B1EA9387F1A}" dt="2019-07-22T03:15:12.039" v="67"/>
+        <pc:sldMkLst>
+          <pc:docMk/>
+          <pc:sldMk cId="928500925" sldId="264"/>
+        </pc:sldMkLst>
+      </pc:sldChg>
+      <pc:sldChg chg="modSp ord">
+        <pc:chgData name="Arunpandian Murugan" userId="94c0bd1a42a582a3" providerId="LiveId" clId="{C057ADD1-5E72-4990-93CD-8B1EA9387F1A}" dt="2019-07-22T02:56:04.360" v="25" actId="20577"/>
+        <pc:sldMkLst>
+          <pc:docMk/>
+          <pc:sldMk cId="2231761530" sldId="266"/>
+        </pc:sldMkLst>
+        <pc:spChg chg="mod">
+          <ac:chgData name="Arunpandian Murugan" userId="94c0bd1a42a582a3" providerId="LiveId" clId="{C057ADD1-5E72-4990-93CD-8B1EA9387F1A}" dt="2019-07-22T02:56:04.360" v="25" actId="20577"/>
+          <ac:spMkLst>
+            <pc:docMk/>
+            <pc:sldMk cId="2231761530" sldId="266"/>
+            <ac:spMk id="2" creationId="{7C6D503B-DB02-4E78-B9A5-56F5E94FA5B0}"/>
+          </ac:spMkLst>
+        </pc:spChg>
+      </pc:sldChg>
+      <pc:sldChg chg="modSp add del ord">
+        <pc:chgData name="Arunpandian Murugan" userId="94c0bd1a42a582a3" providerId="LiveId" clId="{C057ADD1-5E72-4990-93CD-8B1EA9387F1A}" dt="2019-07-22T03:15:25.492" v="68" actId="47"/>
+        <pc:sldMkLst>
+          <pc:docMk/>
+          <pc:sldMk cId="613581824" sldId="271"/>
+        </pc:sldMkLst>
+        <pc:spChg chg="mod">
+          <ac:chgData name="Arunpandian Murugan" userId="94c0bd1a42a582a3" providerId="LiveId" clId="{C057ADD1-5E72-4990-93CD-8B1EA9387F1A}" dt="2019-07-22T03:10:44.445" v="65" actId="20577"/>
+          <ac:spMkLst>
+            <pc:docMk/>
+            <pc:sldMk cId="613581824" sldId="271"/>
+            <ac:spMk id="2" creationId="{AA4C1E10-E683-48D2-9FF4-2442A320B6BC}"/>
+          </ac:spMkLst>
+        </pc:spChg>
+      </pc:sldChg>
+      <pc:sldChg chg="addSp delSp modSp add">
+        <pc:chgData name="Arunpandian Murugan" userId="94c0bd1a42a582a3" providerId="LiveId" clId="{C057ADD1-5E72-4990-93CD-8B1EA9387F1A}" dt="2019-07-22T03:21:41.073" v="84" actId="20577"/>
+        <pc:sldMkLst>
+          <pc:docMk/>
+          <pc:sldMk cId="1505472304" sldId="271"/>
+        </pc:sldMkLst>
+        <pc:spChg chg="mod">
+          <ac:chgData name="Arunpandian Murugan" userId="94c0bd1a42a582a3" providerId="LiveId" clId="{C057ADD1-5E72-4990-93CD-8B1EA9387F1A}" dt="2019-07-22T03:19:09.373" v="72" actId="20577"/>
+          <ac:spMkLst>
+            <pc:docMk/>
+            <pc:sldMk cId="1505472304" sldId="271"/>
+            <ac:spMk id="2" creationId="{A05B1FE6-5CE2-4A50-A7CB-E8ED6139FBAF}"/>
+          </ac:spMkLst>
+        </pc:spChg>
+        <pc:spChg chg="del">
+          <ac:chgData name="Arunpandian Murugan" userId="94c0bd1a42a582a3" providerId="LiveId" clId="{C057ADD1-5E72-4990-93CD-8B1EA9387F1A}" dt="2019-07-22T03:20:08.555" v="73" actId="1032"/>
+          <ac:spMkLst>
+            <pc:docMk/>
+            <pc:sldMk cId="1505472304" sldId="271"/>
+            <ac:spMk id="3" creationId="{95594018-8583-43AA-B89A-CED17697BF44}"/>
+          </ac:spMkLst>
+        </pc:spChg>
+        <pc:graphicFrameChg chg="add mod">
+          <ac:chgData name="Arunpandian Murugan" userId="94c0bd1a42a582a3" providerId="LiveId" clId="{C057ADD1-5E72-4990-93CD-8B1EA9387F1A}" dt="2019-07-22T03:21:41.073" v="84" actId="20577"/>
+          <ac:graphicFrameMkLst>
+            <pc:docMk/>
+            <pc:sldMk cId="1505472304" sldId="271"/>
+            <ac:graphicFrameMk id="4" creationId="{1CA41AEC-9FBB-418D-AE8D-DC99D929FFE5}"/>
+          </ac:graphicFrameMkLst>
+        </pc:graphicFrameChg>
+      </pc:sldChg>
+      <pc:sldChg chg="addSp delSp modSp add">
+        <pc:chgData name="Arunpandian Murugan" userId="94c0bd1a42a582a3" providerId="LiveId" clId="{C057ADD1-5E72-4990-93CD-8B1EA9387F1A}" dt="2019-07-22T03:33:43.982" v="256" actId="14100"/>
+        <pc:sldMkLst>
+          <pc:docMk/>
+          <pc:sldMk cId="1350091052" sldId="272"/>
+        </pc:sldMkLst>
+        <pc:spChg chg="mod">
+          <ac:chgData name="Arunpandian Murugan" userId="94c0bd1a42a582a3" providerId="LiveId" clId="{C057ADD1-5E72-4990-93CD-8B1EA9387F1A}" dt="2019-07-22T03:26:50.777" v="138" actId="20577"/>
+          <ac:spMkLst>
+            <pc:docMk/>
+            <pc:sldMk cId="1350091052" sldId="272"/>
+            <ac:spMk id="2" creationId="{D70CB4BB-7DD5-42A8-B338-9A2E3A617897}"/>
+          </ac:spMkLst>
+        </pc:spChg>
+        <pc:spChg chg="mod">
+          <ac:chgData name="Arunpandian Murugan" userId="94c0bd1a42a582a3" providerId="LiveId" clId="{C057ADD1-5E72-4990-93CD-8B1EA9387F1A}" dt="2019-07-22T03:31:36.420" v="224" actId="1076"/>
+          <ac:spMkLst>
+            <pc:docMk/>
+            <pc:sldMk cId="1350091052" sldId="272"/>
+            <ac:spMk id="3" creationId="{B195BDF8-1240-4077-8DB3-2AABC0ED854F}"/>
+          </ac:spMkLst>
+        </pc:spChg>
+        <pc:spChg chg="add mod">
+          <ac:chgData name="Arunpandian Murugan" userId="94c0bd1a42a582a3" providerId="LiveId" clId="{C057ADD1-5E72-4990-93CD-8B1EA9387F1A}" dt="2019-07-22T03:32:11.410" v="234" actId="20577"/>
+          <ac:spMkLst>
+            <pc:docMk/>
+            <pc:sldMk cId="1350091052" sldId="272"/>
+            <ac:spMk id="5" creationId="{B33F6E9C-686D-4EAF-943C-DECCBD59CCAC}"/>
+          </ac:spMkLst>
+        </pc:spChg>
+        <pc:spChg chg="add mod">
+          <ac:chgData name="Arunpandian Murugan" userId="94c0bd1a42a582a3" providerId="LiveId" clId="{C057ADD1-5E72-4990-93CD-8B1EA9387F1A}" dt="2019-07-22T03:33:43.982" v="256" actId="14100"/>
+          <ac:spMkLst>
+            <pc:docMk/>
+            <pc:sldMk cId="1350091052" sldId="272"/>
+            <ac:spMk id="6" creationId="{BB4EEE73-337C-4F02-9CC1-58B45ACEACD9}"/>
+          </ac:spMkLst>
+        </pc:spChg>
+        <pc:picChg chg="add del mod">
+          <ac:chgData name="Arunpandian Murugan" userId="94c0bd1a42a582a3" providerId="LiveId" clId="{C057ADD1-5E72-4990-93CD-8B1EA9387F1A}" dt="2019-07-22T03:26:10.564" v="88" actId="478"/>
+          <ac:picMkLst>
+            <pc:docMk/>
+            <pc:sldMk cId="1350091052" sldId="272"/>
+            <ac:picMk id="4" creationId="{F5E2AD67-A84E-49D4-9C25-32767FF2A591}"/>
+          </ac:picMkLst>
+        </pc:picChg>
+      </pc:sldChg>
+    </pc:docChg>
+  </pc:docChgLst>
+  <pc:docChgLst>
+    <pc:chgData name="Arunpandian Murugan" userId="94c0bd1a42a582a3" providerId="LiveId" clId="{101D2684-1E5C-4D10-BCBB-D2018F4888E2}"/>
+    <pc:docChg chg="undo custSel addSld delSld modSld sldOrd">
+      <pc:chgData name="Arunpandian Murugan" userId="94c0bd1a42a582a3" providerId="LiveId" clId="{101D2684-1E5C-4D10-BCBB-D2018F4888E2}" dt="2019-07-22T02:50:27.947" v="749" actId="108"/>
+      <pc:docMkLst>
+        <pc:docMk/>
+      </pc:docMkLst>
+      <pc:sldChg chg="addSp modSp">
+        <pc:chgData name="Arunpandian Murugan" userId="94c0bd1a42a582a3" providerId="LiveId" clId="{101D2684-1E5C-4D10-BCBB-D2018F4888E2}" dt="2019-07-22T01:45:33.907" v="12" actId="1076"/>
+        <pc:sldMkLst>
+          <pc:docMk/>
+          <pc:sldMk cId="1910150192" sldId="256"/>
+        </pc:sldMkLst>
+        <pc:spChg chg="add mod">
+          <ac:chgData name="Arunpandian Murugan" userId="94c0bd1a42a582a3" providerId="LiveId" clId="{101D2684-1E5C-4D10-BCBB-D2018F4888E2}" dt="2019-07-22T01:45:33.907" v="12" actId="1076"/>
+          <ac:spMkLst>
+            <pc:docMk/>
+            <pc:sldMk cId="1910150192" sldId="256"/>
+            <ac:spMk id="4" creationId="{14D8B7CB-5335-477F-BC5E-9E962EFC7B95}"/>
+          </ac:spMkLst>
+        </pc:spChg>
+      </pc:sldChg>
+      <pc:sldChg chg="del">
+        <pc:chgData name="Arunpandian Murugan" userId="94c0bd1a42a582a3" providerId="LiveId" clId="{101D2684-1E5C-4D10-BCBB-D2018F4888E2}" dt="2019-07-22T01:47:27.100" v="14" actId="47"/>
+        <pc:sldMkLst>
+          <pc:docMk/>
+          <pc:sldMk cId="4268031158" sldId="257"/>
+        </pc:sldMkLst>
+      </pc:sldChg>
+      <pc:sldChg chg="del">
+        <pc:chgData name="Arunpandian Murugan" userId="94c0bd1a42a582a3" providerId="LiveId" clId="{101D2684-1E5C-4D10-BCBB-D2018F4888E2}" dt="2019-07-22T01:50:05.715" v="22" actId="47"/>
+        <pc:sldMkLst>
+          <pc:docMk/>
+          <pc:sldMk cId="2471924991" sldId="258"/>
+        </pc:sldMkLst>
+      </pc:sldChg>
+      <pc:sldChg chg="addSp delSp modSp del ord">
+        <pc:chgData name="Arunpandian Murugan" userId="94c0bd1a42a582a3" providerId="LiveId" clId="{101D2684-1E5C-4D10-BCBB-D2018F4888E2}" dt="2019-07-22T02:42:25.513" v="714" actId="47"/>
+        <pc:sldMkLst>
+          <pc:docMk/>
+          <pc:sldMk cId="858679602" sldId="259"/>
+        </pc:sldMkLst>
+        <pc:spChg chg="mod">
+          <ac:chgData name="Arunpandian Murugan" userId="94c0bd1a42a582a3" providerId="LiveId" clId="{101D2684-1E5C-4D10-BCBB-D2018F4888E2}" dt="2019-07-22T02:37:16.787" v="590" actId="20577"/>
+          <ac:spMkLst>
+            <pc:docMk/>
+            <pc:sldMk cId="858679602" sldId="259"/>
+            <ac:spMk id="2" creationId="{2C32D02C-0B59-45B6-BE14-97225A706536}"/>
+          </ac:spMkLst>
+        </pc:spChg>
+        <pc:spChg chg="add del mod">
+          <ac:chgData name="Arunpandian Murugan" userId="94c0bd1a42a582a3" providerId="LiveId" clId="{101D2684-1E5C-4D10-BCBB-D2018F4888E2}" dt="2019-07-22T02:37:17.137" v="591" actId="20577"/>
+          <ac:spMkLst>
+            <pc:docMk/>
+            <pc:sldMk cId="858679602" sldId="259"/>
+            <ac:spMk id="3" creationId="{1FF4677E-3B7B-400A-AE23-E60A0D7BEDF2}"/>
+          </ac:spMkLst>
+        </pc:spChg>
+        <pc:spChg chg="add">
+          <ac:chgData name="Arunpandian Murugan" userId="94c0bd1a42a582a3" providerId="LiveId" clId="{101D2684-1E5C-4D10-BCBB-D2018F4888E2}" dt="2019-07-22T01:51:10.978" v="24"/>
+          <ac:spMkLst>
+            <pc:docMk/>
+            <pc:sldMk cId="858679602" sldId="259"/>
+            <ac:spMk id="4" creationId="{47BE40D0-D4AB-4D7E-8701-3D0D2410CDBF}"/>
+          </ac:spMkLst>
+        </pc:spChg>
+        <pc:picChg chg="add del mod">
+          <ac:chgData name="Arunpandian Murugan" userId="94c0bd1a42a582a3" providerId="LiveId" clId="{101D2684-1E5C-4D10-BCBB-D2018F4888E2}" dt="2019-07-22T02:37:13.606" v="583"/>
+          <ac:picMkLst>
+            <pc:docMk/>
+            <pc:sldMk cId="858679602" sldId="259"/>
+            <ac:picMk id="6" creationId="{AF629580-AE7D-4371-81BB-25C663A0AF35}"/>
+          </ac:picMkLst>
+        </pc:picChg>
+      </pc:sldChg>
+      <pc:sldChg chg="del">
+        <pc:chgData name="Arunpandian Murugan" userId="94c0bd1a42a582a3" providerId="LiveId" clId="{101D2684-1E5C-4D10-BCBB-D2018F4888E2}" dt="2019-07-22T01:51:31.673" v="25" actId="47"/>
+        <pc:sldMkLst>
+          <pc:docMk/>
+          <pc:sldMk cId="1450696739" sldId="260"/>
+        </pc:sldMkLst>
+      </pc:sldChg>
+      <pc:sldChg chg="addSp">
+        <pc:chgData name="Arunpandian Murugan" userId="94c0bd1a42a582a3" providerId="LiveId" clId="{101D2684-1E5C-4D10-BCBB-D2018F4888E2}" dt="2019-07-22T02:03:16.993" v="208"/>
+        <pc:sldMkLst>
+          <pc:docMk/>
+          <pc:sldMk cId="1540147241" sldId="261"/>
+        </pc:sldMkLst>
+        <pc:spChg chg="add">
+          <ac:chgData name="Arunpandian Murugan" userId="94c0bd1a42a582a3" providerId="LiveId" clId="{101D2684-1E5C-4D10-BCBB-D2018F4888E2}" dt="2019-07-22T02:03:16.993" v="208"/>
+          <ac:spMkLst>
+            <pc:docMk/>
+            <pc:sldMk cId="1540147241" sldId="261"/>
+            <ac:spMk id="3" creationId="{C4D0A496-A329-4223-B5EE-11045C362EA5}"/>
+          </ac:spMkLst>
+        </pc:spChg>
+      </pc:sldChg>
+      <pc:sldChg chg="addSp">
+        <pc:chgData name="Arunpandian Murugan" userId="94c0bd1a42a582a3" providerId="LiveId" clId="{101D2684-1E5C-4D10-BCBB-D2018F4888E2}" dt="2019-07-22T02:03:18.281" v="209"/>
+        <pc:sldMkLst>
+          <pc:docMk/>
+          <pc:sldMk cId="4275251106" sldId="262"/>
+        </pc:sldMkLst>
+        <pc:spChg chg="add">
+          <ac:chgData name="Arunpandian Murugan" userId="94c0bd1a42a582a3" providerId="LiveId" clId="{101D2684-1E5C-4D10-BCBB-D2018F4888E2}" dt="2019-07-22T02:03:18.281" v="209"/>
+          <ac:spMkLst>
+            <pc:docMk/>
+            <pc:sldMk cId="4275251106" sldId="262"/>
+            <ac:spMk id="3" creationId="{5901612A-745C-4AA4-A5E1-2D84CB05360E}"/>
+          </ac:spMkLst>
+        </pc:spChg>
+      </pc:sldChg>
+      <pc:sldChg chg="addSp">
+        <pc:chgData name="Arunpandian Murugan" userId="94c0bd1a42a582a3" providerId="LiveId" clId="{101D2684-1E5C-4D10-BCBB-D2018F4888E2}" dt="2019-07-22T01:45:50.110" v="13"/>
+        <pc:sldMkLst>
+          <pc:docMk/>
+          <pc:sldMk cId="1778391866" sldId="263"/>
+        </pc:sldMkLst>
+        <pc:spChg chg="add">
+          <ac:chgData name="Arunpandian Murugan" userId="94c0bd1a42a582a3" providerId="LiveId" clId="{101D2684-1E5C-4D10-BCBB-D2018F4888E2}" dt="2019-07-22T01:45:50.110" v="13"/>
+          <ac:spMkLst>
+            <pc:docMk/>
+            <pc:sldMk cId="1778391866" sldId="263"/>
+            <ac:spMk id="4" creationId="{93139C74-DBD3-4EAB-AA24-7D23F790D846}"/>
+          </ac:spMkLst>
+        </pc:spChg>
+      </pc:sldChg>
+      <pc:sldChg chg="addSp delSp modSp ord">
+        <pc:chgData name="Arunpandian Murugan" userId="94c0bd1a42a582a3" providerId="LiveId" clId="{101D2684-1E5C-4D10-BCBB-D2018F4888E2}" dt="2019-07-22T02:43:31.355" v="715"/>
+        <pc:sldMkLst>
+          <pc:docMk/>
+          <pc:sldMk cId="928500925" sldId="264"/>
+        </pc:sldMkLst>
+        <pc:spChg chg="mod">
+          <ac:chgData name="Arunpandian Murugan" userId="94c0bd1a42a582a3" providerId="LiveId" clId="{101D2684-1E5C-4D10-BCBB-D2018F4888E2}" dt="2019-07-22T01:49:11.013" v="19" actId="108"/>
+          <ac:spMkLst>
+            <pc:docMk/>
+            <pc:sldMk cId="928500925" sldId="264"/>
+            <ac:spMk id="2" creationId="{9B59C9FF-56AE-473C-AC7C-B930CB41DF17}"/>
+          </ac:spMkLst>
+        </pc:spChg>
+        <pc:spChg chg="add del">
+          <ac:chgData name="Arunpandian Murugan" userId="94c0bd1a42a582a3" providerId="LiveId" clId="{101D2684-1E5C-4D10-BCBB-D2018F4888E2}" dt="2019-07-22T01:47:37.553" v="16"/>
+          <ac:spMkLst>
+            <pc:docMk/>
+            <pc:sldMk cId="928500925" sldId="264"/>
+            <ac:spMk id="3" creationId="{42DABDAF-3F6B-4826-B831-8A01FB1A2C60}"/>
+          </ac:spMkLst>
+        </pc:spChg>
+        <pc:spChg chg="add">
+          <ac:chgData name="Arunpandian Murugan" userId="94c0bd1a42a582a3" providerId="LiveId" clId="{101D2684-1E5C-4D10-BCBB-D2018F4888E2}" dt="2019-07-22T01:47:44.678" v="17"/>
+          <ac:spMkLst>
+            <pc:docMk/>
+            <pc:sldMk cId="928500925" sldId="264"/>
+            <ac:spMk id="5" creationId="{CD0E7A3F-BBF2-490B-8F8A-A94C97C51738}"/>
+          </ac:spMkLst>
+        </pc:spChg>
+      </pc:sldChg>
+      <pc:sldChg chg="addSp modSp">
+        <pc:chgData name="Arunpandian Murugan" userId="94c0bd1a42a582a3" providerId="LiveId" clId="{101D2684-1E5C-4D10-BCBB-D2018F4888E2}" dt="2019-07-22T01:49:54.965" v="21"/>
+        <pc:sldMkLst>
+          <pc:docMk/>
+          <pc:sldMk cId="3570668608" sldId="265"/>
+        </pc:sldMkLst>
+        <pc:spChg chg="mod">
+          <ac:chgData name="Arunpandian Murugan" userId="94c0bd1a42a582a3" providerId="LiveId" clId="{101D2684-1E5C-4D10-BCBB-D2018F4888E2}" dt="2019-07-22T01:49:45.668" v="20" actId="108"/>
+          <ac:spMkLst>
+            <pc:docMk/>
+            <pc:sldMk cId="3570668608" sldId="265"/>
+            <ac:spMk id="2" creationId="{40607BEA-D51C-42F3-B709-83B206B428E0}"/>
+          </ac:spMkLst>
+        </pc:spChg>
+        <pc:spChg chg="add">
+          <ac:chgData name="Arunpandian Murugan" userId="94c0bd1a42a582a3" providerId="LiveId" clId="{101D2684-1E5C-4D10-BCBB-D2018F4888E2}" dt="2019-07-22T01:49:54.965" v="21"/>
+          <ac:spMkLst>
+            <pc:docMk/>
+            <pc:sldMk cId="3570668608" sldId="265"/>
+            <ac:spMk id="5" creationId="{4529AEDF-07CA-4E97-A58C-86079BE9F555}"/>
+          </ac:spMkLst>
+        </pc:spChg>
+      </pc:sldChg>
+      <pc:sldChg chg="addSp">
+        <pc:chgData name="Arunpandian Murugan" userId="94c0bd1a42a582a3" providerId="LiveId" clId="{101D2684-1E5C-4D10-BCBB-D2018F4888E2}" dt="2019-07-22T01:51:36.751" v="26"/>
+        <pc:sldMkLst>
+          <pc:docMk/>
+          <pc:sldMk cId="2231761530" sldId="266"/>
+        </pc:sldMkLst>
+        <pc:spChg chg="add">
+          <ac:chgData name="Arunpandian Murugan" userId="94c0bd1a42a582a3" providerId="LiveId" clId="{101D2684-1E5C-4D10-BCBB-D2018F4888E2}" dt="2019-07-22T01:51:36.751" v="26"/>
+          <ac:spMkLst>
+            <pc:docMk/>
+            <pc:sldMk cId="2231761530" sldId="266"/>
+            <ac:spMk id="4" creationId="{ACE0CCC9-1ABB-40EF-A4B4-CB5F0DDD9216}"/>
+          </ac:spMkLst>
+        </pc:spChg>
+      </pc:sldChg>
+      <pc:sldChg chg="addSp modSp add">
+        <pc:chgData name="Arunpandian Murugan" userId="94c0bd1a42a582a3" providerId="LiveId" clId="{101D2684-1E5C-4D10-BCBB-D2018F4888E2}" dt="2019-07-22T02:45:02.041" v="730" actId="27636"/>
+        <pc:sldMkLst>
+          <pc:docMk/>
+          <pc:sldMk cId="3895806455" sldId="267"/>
+        </pc:sldMkLst>
+        <pc:spChg chg="mod">
+          <ac:chgData name="Arunpandian Murugan" userId="94c0bd1a42a582a3" providerId="LiveId" clId="{101D2684-1E5C-4D10-BCBB-D2018F4888E2}" dt="2019-07-22T02:33:02.653" v="561" actId="20577"/>
+          <ac:spMkLst>
+            <pc:docMk/>
+            <pc:sldMk cId="3895806455" sldId="267"/>
+            <ac:spMk id="2" creationId="{9C231F7C-0D7C-4E32-8265-C163B81DA9A2}"/>
+          </ac:spMkLst>
+        </pc:spChg>
+        <pc:spChg chg="mod">
+          <ac:chgData name="Arunpandian Murugan" userId="94c0bd1a42a582a3" providerId="LiveId" clId="{101D2684-1E5C-4D10-BCBB-D2018F4888E2}" dt="2019-07-22T02:45:02.041" v="730" actId="27636"/>
+          <ac:spMkLst>
+            <pc:docMk/>
+            <pc:sldMk cId="3895806455" sldId="267"/>
+            <ac:spMk id="3" creationId="{0E699B6B-7621-40E6-9735-A011EDD9FE54}"/>
+          </ac:spMkLst>
+        </pc:spChg>
+        <pc:spChg chg="add">
+          <ac:chgData name="Arunpandian Murugan" userId="94c0bd1a42a582a3" providerId="LiveId" clId="{101D2684-1E5C-4D10-BCBB-D2018F4888E2}" dt="2019-07-22T02:03:15.567" v="207"/>
+          <ac:spMkLst>
+            <pc:docMk/>
+            <pc:sldMk cId="3895806455" sldId="267"/>
+            <ac:spMk id="4" creationId="{AFD3CAD6-5660-4C26-8D7A-E939C6B82503}"/>
+          </ac:spMkLst>
+        </pc:spChg>
+      </pc:sldChg>
+      <pc:sldChg chg="addSp delSp modSp add">
+        <pc:chgData name="Arunpandian Murugan" userId="94c0bd1a42a582a3" providerId="LiveId" clId="{101D2684-1E5C-4D10-BCBB-D2018F4888E2}" dt="2019-07-22T02:29:49.754" v="496" actId="20577"/>
+        <pc:sldMkLst>
+          <pc:docMk/>
+          <pc:sldMk cId="2310820752" sldId="268"/>
+        </pc:sldMkLst>
+        <pc:spChg chg="mod">
+          <ac:chgData name="Arunpandian Murugan" userId="94c0bd1a42a582a3" providerId="LiveId" clId="{101D2684-1E5C-4D10-BCBB-D2018F4888E2}" dt="2019-07-22T02:11:32.929" v="233" actId="20577"/>
+          <ac:spMkLst>
+            <pc:docMk/>
+            <pc:sldMk cId="2310820752" sldId="268"/>
+            <ac:spMk id="2" creationId="{FA468AAC-D7F5-4ECF-917F-CFAFD70085E7}"/>
+          </ac:spMkLst>
+        </pc:spChg>
+        <pc:spChg chg="del">
+          <ac:chgData name="Arunpandian Murugan" userId="94c0bd1a42a582a3" providerId="LiveId" clId="{101D2684-1E5C-4D10-BCBB-D2018F4888E2}" dt="2019-07-22T02:12:24.019" v="234" actId="1032"/>
+          <ac:spMkLst>
+            <pc:docMk/>
+            <pc:sldMk cId="2310820752" sldId="268"/>
+            <ac:spMk id="3" creationId="{F2699E44-D734-4900-82A0-840952006660}"/>
+          </ac:spMkLst>
+        </pc:spChg>
+        <pc:spChg chg="add del mod">
+          <ac:chgData name="Arunpandian Murugan" userId="94c0bd1a42a582a3" providerId="LiveId" clId="{101D2684-1E5C-4D10-BCBB-D2018F4888E2}" dt="2019-07-22T02:13:40.818" v="294" actId="1032"/>
+          <ac:spMkLst>
+            <pc:docMk/>
+            <pc:sldMk cId="2310820752" sldId="268"/>
+            <ac:spMk id="5" creationId="{AE550491-4B4F-438B-897D-FF1C058C5B03}"/>
+          </ac:spMkLst>
+        </pc:spChg>
+        <pc:spChg chg="add">
+          <ac:chgData name="Arunpandian Murugan" userId="94c0bd1a42a582a3" providerId="LiveId" clId="{101D2684-1E5C-4D10-BCBB-D2018F4888E2}" dt="2019-07-22T02:26:53.740" v="393"/>
+          <ac:spMkLst>
+            <pc:docMk/>
+            <pc:sldMk cId="2310820752" sldId="268"/>
+            <ac:spMk id="7" creationId="{7D67E709-C971-432F-BC82-DF6FA5D34A88}"/>
+          </ac:spMkLst>
+        </pc:spChg>
+        <pc:spChg chg="add mod">
+          <ac:chgData name="Arunpandian Murugan" userId="94c0bd1a42a582a3" providerId="LiveId" clId="{101D2684-1E5C-4D10-BCBB-D2018F4888E2}" dt="2019-07-22T02:29:49.754" v="496" actId="20577"/>
+          <ac:spMkLst>
+            <pc:docMk/>
+            <pc:sldMk cId="2310820752" sldId="268"/>
+            <ac:spMk id="8" creationId="{01D1B36E-BC1D-4D5A-BBFD-5339E2777BDF}"/>
+          </ac:spMkLst>
+        </pc:spChg>
+        <pc:graphicFrameChg chg="add del mod">
+          <ac:chgData name="Arunpandian Murugan" userId="94c0bd1a42a582a3" providerId="LiveId" clId="{101D2684-1E5C-4D10-BCBB-D2018F4888E2}" dt="2019-07-22T02:13:23.697" v="293" actId="478"/>
+          <ac:graphicFrameMkLst>
+            <pc:docMk/>
+            <pc:sldMk cId="2310820752" sldId="268"/>
+            <ac:graphicFrameMk id="4" creationId="{1C6D1292-4905-4BC9-A8B7-91CC299CEC42}"/>
+          </ac:graphicFrameMkLst>
+        </pc:graphicFrameChg>
+        <pc:graphicFrameChg chg="add del mod">
+          <ac:chgData name="Arunpandian Murugan" userId="94c0bd1a42a582a3" providerId="LiveId" clId="{101D2684-1E5C-4D10-BCBB-D2018F4888E2}" dt="2019-07-22T02:29:12.288" v="402" actId="478"/>
+          <ac:graphicFrameMkLst>
+            <pc:docMk/>
+            <pc:sldMk cId="2310820752" sldId="268"/>
+            <ac:graphicFrameMk id="6" creationId="{5686073A-4901-497A-AC4A-100BA648A468}"/>
+          </ac:graphicFrameMkLst>
+        </pc:graphicFrameChg>
+      </pc:sldChg>
+      <pc:sldChg chg="addSp delSp modSp add">
+        <pc:chgData name="Arunpandian Murugan" userId="94c0bd1a42a582a3" providerId="LiveId" clId="{101D2684-1E5C-4D10-BCBB-D2018F4888E2}" dt="2019-07-22T02:42:22.736" v="713"/>
+        <pc:sldMkLst>
+          <pc:docMk/>
+          <pc:sldMk cId="2943971196" sldId="269"/>
+        </pc:sldMkLst>
+        <pc:spChg chg="mod">
+          <ac:chgData name="Arunpandian Murugan" userId="94c0bd1a42a582a3" providerId="LiveId" clId="{101D2684-1E5C-4D10-BCBB-D2018F4888E2}" dt="2019-07-22T02:38:01.954" v="619" actId="20577"/>
+          <ac:spMkLst>
+            <pc:docMk/>
+            <pc:sldMk cId="2943971196" sldId="269"/>
+            <ac:spMk id="2" creationId="{AFBDB16E-A08B-4238-BBED-8AB5E3DFEE44}"/>
+          </ac:spMkLst>
+        </pc:spChg>
+        <pc:spChg chg="del">
+          <ac:chgData name="Arunpandian Murugan" userId="94c0bd1a42a582a3" providerId="LiveId" clId="{101D2684-1E5C-4D10-BCBB-D2018F4888E2}" dt="2019-07-22T02:37:29.718" v="593"/>
+          <ac:spMkLst>
+            <pc:docMk/>
+            <pc:sldMk cId="2943971196" sldId="269"/>
+            <ac:spMk id="3" creationId="{E023E284-8862-4A7D-80D8-F8333A0C4FBF}"/>
+          </ac:spMkLst>
+        </pc:spChg>
+        <pc:spChg chg="add mod">
+          <ac:chgData name="Arunpandian Murugan" userId="94c0bd1a42a582a3" providerId="LiveId" clId="{101D2684-1E5C-4D10-BCBB-D2018F4888E2}" dt="2019-07-22T02:42:09.604" v="712" actId="20577"/>
+          <ac:spMkLst>
+            <pc:docMk/>
+            <pc:sldMk cId="2943971196" sldId="269"/>
+            <ac:spMk id="6" creationId="{1DDC1536-9C74-4053-AD73-882B81C94F4D}"/>
+          </ac:spMkLst>
+        </pc:spChg>
+        <pc:spChg chg="add">
+          <ac:chgData name="Arunpandian Murugan" userId="94c0bd1a42a582a3" providerId="LiveId" clId="{101D2684-1E5C-4D10-BCBB-D2018F4888E2}" dt="2019-07-22T02:42:22.736" v="713"/>
+          <ac:spMkLst>
+            <pc:docMk/>
+            <pc:sldMk cId="2943971196" sldId="269"/>
+            <ac:spMk id="7" creationId="{2406A06F-5F3B-45F6-BC51-9D18B2478468}"/>
+          </ac:spMkLst>
+        </pc:spChg>
+        <pc:picChg chg="add mod">
+          <ac:chgData name="Arunpandian Murugan" userId="94c0bd1a42a582a3" providerId="LiveId" clId="{101D2684-1E5C-4D10-BCBB-D2018F4888E2}" dt="2019-07-22T02:40:36.306" v="693" actId="1076"/>
+          <ac:picMkLst>
+            <pc:docMk/>
+            <pc:sldMk cId="2943971196" sldId="269"/>
+            <ac:picMk id="5" creationId="{4C22EF6D-B517-48DE-8E4D-40B0C719F1D4}"/>
+          </ac:picMkLst>
+        </pc:picChg>
+      </pc:sldChg>
+      <pc:sldChg chg="addSp delSp modSp add">
+        <pc:chgData name="Arunpandian Murugan" userId="94c0bd1a42a582a3" providerId="LiveId" clId="{101D2684-1E5C-4D10-BCBB-D2018F4888E2}" dt="2019-07-22T02:50:27.947" v="749" actId="108"/>
+        <pc:sldMkLst>
+          <pc:docMk/>
+          <pc:sldMk cId="234509536" sldId="270"/>
+        </pc:sldMkLst>
+        <pc:spChg chg="mod">
+          <ac:chgData name="Arunpandian Murugan" userId="94c0bd1a42a582a3" providerId="LiveId" clId="{101D2684-1E5C-4D10-BCBB-D2018F4888E2}" dt="2019-07-22T02:49:13.697" v="735" actId="108"/>
+          <ac:spMkLst>
+            <pc:docMk/>
+            <pc:sldMk cId="234509536" sldId="270"/>
+            <ac:spMk id="2" creationId="{9BC0EF46-B24D-4C8E-9625-B1B18DD1A7B0}"/>
+          </ac:spMkLst>
+        </pc:spChg>
+        <pc:spChg chg="mod">
+          <ac:chgData name="Arunpandian Murugan" userId="94c0bd1a42a582a3" providerId="LiveId" clId="{101D2684-1E5C-4D10-BCBB-D2018F4888E2}" dt="2019-07-22T02:50:27.947" v="749" actId="108"/>
+          <ac:spMkLst>
+            <pc:docMk/>
+            <pc:sldMk cId="234509536" sldId="270"/>
+            <ac:spMk id="3" creationId="{76B191F3-4128-444A-91F4-A7980D868776}"/>
+          </ac:spMkLst>
+        </pc:spChg>
+        <pc:spChg chg="add">
+          <ac:chgData name="Arunpandian Murugan" userId="94c0bd1a42a582a3" providerId="LiveId" clId="{101D2684-1E5C-4D10-BCBB-D2018F4888E2}" dt="2019-07-22T02:49:22.759" v="736"/>
+          <ac:spMkLst>
+            <pc:docMk/>
+            <pc:sldMk cId="234509536" sldId="270"/>
+            <ac:spMk id="4" creationId="{384AACFA-724B-4449-B0B5-7792FB624F2C}"/>
+          </ac:spMkLst>
+        </pc:spChg>
+        <pc:spChg chg="add del">
+          <ac:chgData name="Arunpandian Murugan" userId="94c0bd1a42a582a3" providerId="LiveId" clId="{101D2684-1E5C-4D10-BCBB-D2018F4888E2}" dt="2019-07-22T02:49:36.864" v="738"/>
+          <ac:spMkLst>
+            <pc:docMk/>
+            <pc:sldMk cId="234509536" sldId="270"/>
+            <ac:spMk id="5" creationId="{44382C9E-9D26-442A-BE0A-B86320F98FA8}"/>
+          </ac:spMkLst>
+        </pc:spChg>
+      </pc:sldChg>
+    </pc:docChg>
+  </pc:docChgLst>
 </pc:chgInfo>
 </file>
 
@@ -1227,6 +1731,753 @@
 </file>
 
 <file path=ppt/diagrams/colors2.xml><?xml version="1.0" encoding="utf-8"?>
+<dgm:colorsDef xmlns:dgm="http://schemas.openxmlformats.org/drawingml/2006/diagram" xmlns:a="http://schemas.openxmlformats.org/drawingml/2006/main" uniqueId="urn:microsoft.com/office/officeart/2005/8/colors/accent1_2">
+  <dgm:title val=""/>
+  <dgm:desc val=""/>
+  <dgm:catLst>
+    <dgm:cat type="accent1" pri="11200"/>
+  </dgm:catLst>
+  <dgm:styleLbl name="node0">
+    <dgm:fillClrLst meth="repeat">
+      <a:schemeClr val="accent1"/>
+    </dgm:fillClrLst>
+    <dgm:linClrLst meth="repeat">
+      <a:schemeClr val="lt1"/>
+    </dgm:linClrLst>
+    <dgm:effectClrLst/>
+    <dgm:txLinClrLst/>
+    <dgm:txFillClrLst/>
+    <dgm:txEffectClrLst/>
+  </dgm:styleLbl>
+  <dgm:styleLbl name="alignNode1">
+    <dgm:fillClrLst meth="repeat">
+      <a:schemeClr val="accent1"/>
+    </dgm:fillClrLst>
+    <dgm:linClrLst meth="repeat">
+      <a:schemeClr val="accent1"/>
+    </dgm:linClrLst>
+    <dgm:effectClrLst/>
+    <dgm:txLinClrLst/>
+    <dgm:txFillClrLst/>
+    <dgm:txEffectClrLst/>
+  </dgm:styleLbl>
+  <dgm:styleLbl name="node1">
+    <dgm:fillClrLst meth="repeat">
+      <a:schemeClr val="accent1"/>
+    </dgm:fillClrLst>
+    <dgm:linClrLst meth="repeat">
+      <a:schemeClr val="lt1"/>
+    </dgm:linClrLst>
+    <dgm:effectClrLst/>
+    <dgm:txLinClrLst/>
+    <dgm:txFillClrLst/>
+    <dgm:txEffectClrLst/>
+  </dgm:styleLbl>
+  <dgm:styleLbl name="lnNode1">
+    <dgm:fillClrLst meth="repeat">
+      <a:schemeClr val="accent1"/>
+    </dgm:fillClrLst>
+    <dgm:linClrLst meth="repeat">
+      <a:schemeClr val="lt1"/>
+    </dgm:linClrLst>
+    <dgm:effectClrLst/>
+    <dgm:txLinClrLst/>
+    <dgm:txFillClrLst/>
+    <dgm:txEffectClrLst/>
+  </dgm:styleLbl>
+  <dgm:styleLbl name="vennNode1">
+    <dgm:fillClrLst meth="repeat">
+      <a:schemeClr val="accent1">
+        <a:alpha val="50000"/>
+      </a:schemeClr>
+    </dgm:fillClrLst>
+    <dgm:linClrLst meth="repeat">
+      <a:schemeClr val="lt1"/>
+    </dgm:linClrLst>
+    <dgm:effectClrLst/>
+    <dgm:txLinClrLst/>
+    <dgm:txFillClrLst/>
+    <dgm:txEffectClrLst/>
+  </dgm:styleLbl>
+  <dgm:styleLbl name="node2">
+    <dgm:fillClrLst meth="repeat">
+      <a:schemeClr val="accent1"/>
+    </dgm:fillClrLst>
+    <dgm:linClrLst meth="repeat">
+      <a:schemeClr val="lt1"/>
+    </dgm:linClrLst>
+    <dgm:effectClrLst/>
+    <dgm:txLinClrLst/>
+    <dgm:txFillClrLst/>
+    <dgm:txEffectClrLst/>
+  </dgm:styleLbl>
+  <dgm:styleLbl name="node3">
+    <dgm:fillClrLst meth="repeat">
+      <a:schemeClr val="accent1"/>
+    </dgm:fillClrLst>
+    <dgm:linClrLst meth="repeat">
+      <a:schemeClr val="lt1"/>
+    </dgm:linClrLst>
+    <dgm:effectClrLst/>
+    <dgm:txLinClrLst/>
+    <dgm:txFillClrLst/>
+    <dgm:txEffectClrLst/>
+  </dgm:styleLbl>
+  <dgm:styleLbl name="node4">
+    <dgm:fillClrLst meth="repeat">
+      <a:schemeClr val="accent1"/>
+    </dgm:fillClrLst>
+    <dgm:linClrLst meth="repeat">
+      <a:schemeClr val="lt1"/>
+    </dgm:linClrLst>
+    <dgm:effectClrLst/>
+    <dgm:txLinClrLst/>
+    <dgm:txFillClrLst/>
+    <dgm:txEffectClrLst/>
+  </dgm:styleLbl>
+  <dgm:styleLbl name="fgImgPlace1">
+    <dgm:fillClrLst meth="repeat">
+      <a:schemeClr val="accent1">
+        <a:tint val="50000"/>
+      </a:schemeClr>
+    </dgm:fillClrLst>
+    <dgm:linClrLst meth="repeat">
+      <a:schemeClr val="lt1"/>
+    </dgm:linClrLst>
+    <dgm:effectClrLst/>
+    <dgm:txLinClrLst/>
+    <dgm:txFillClrLst meth="repeat">
+      <a:schemeClr val="lt1"/>
+    </dgm:txFillClrLst>
+    <dgm:txEffectClrLst/>
+  </dgm:styleLbl>
+  <dgm:styleLbl name="alignImgPlace1">
+    <dgm:fillClrLst meth="repeat">
+      <a:schemeClr val="accent1">
+        <a:tint val="50000"/>
+      </a:schemeClr>
+    </dgm:fillClrLst>
+    <dgm:linClrLst meth="repeat">
+      <a:schemeClr val="lt1"/>
+    </dgm:linClrLst>
+    <dgm:effectClrLst/>
+    <dgm:txLinClrLst/>
+    <dgm:txFillClrLst meth="repeat">
+      <a:schemeClr val="lt1"/>
+    </dgm:txFillClrLst>
+    <dgm:txEffectClrLst/>
+  </dgm:styleLbl>
+  <dgm:styleLbl name="bgImgPlace1">
+    <dgm:fillClrLst meth="repeat">
+      <a:schemeClr val="accent1">
+        <a:tint val="50000"/>
+      </a:schemeClr>
+    </dgm:fillClrLst>
+    <dgm:linClrLst meth="repeat">
+      <a:schemeClr val="lt1"/>
+    </dgm:linClrLst>
+    <dgm:effectClrLst/>
+    <dgm:txLinClrLst/>
+    <dgm:txFillClrLst meth="repeat">
+      <a:schemeClr val="lt1"/>
+    </dgm:txFillClrLst>
+    <dgm:txEffectClrLst/>
+  </dgm:styleLbl>
+  <dgm:styleLbl name="sibTrans2D1">
+    <dgm:fillClrLst meth="repeat">
+      <a:schemeClr val="accent1">
+        <a:tint val="60000"/>
+      </a:schemeClr>
+    </dgm:fillClrLst>
+    <dgm:linClrLst meth="repeat">
+      <a:schemeClr val="accent1">
+        <a:tint val="60000"/>
+      </a:schemeClr>
+    </dgm:linClrLst>
+    <dgm:effectClrLst/>
+    <dgm:txLinClrLst/>
+    <dgm:txFillClrLst/>
+    <dgm:txEffectClrLst/>
+  </dgm:styleLbl>
+  <dgm:styleLbl name="fgSibTrans2D1">
+    <dgm:fillClrLst meth="repeat">
+      <a:schemeClr val="accent1">
+        <a:tint val="60000"/>
+      </a:schemeClr>
+    </dgm:fillClrLst>
+    <dgm:linClrLst meth="repeat">
+      <a:schemeClr val="accent1">
+        <a:tint val="60000"/>
+      </a:schemeClr>
+    </dgm:linClrLst>
+    <dgm:effectClrLst/>
+    <dgm:txLinClrLst/>
+    <dgm:txFillClrLst/>
+    <dgm:txEffectClrLst/>
+  </dgm:styleLbl>
+  <dgm:styleLbl name="bgSibTrans2D1">
+    <dgm:fillClrLst meth="repeat">
+      <a:schemeClr val="accent1">
+        <a:tint val="60000"/>
+      </a:schemeClr>
+    </dgm:fillClrLst>
+    <dgm:linClrLst meth="repeat">
+      <a:schemeClr val="accent1">
+        <a:tint val="60000"/>
+      </a:schemeClr>
+    </dgm:linClrLst>
+    <dgm:effectClrLst/>
+    <dgm:txLinClrLst/>
+    <dgm:txFillClrLst/>
+    <dgm:txEffectClrLst/>
+  </dgm:styleLbl>
+  <dgm:styleLbl name="sibTrans1D1">
+    <dgm:fillClrLst meth="repeat">
+      <a:schemeClr val="accent1"/>
+    </dgm:fillClrLst>
+    <dgm:linClrLst meth="repeat">
+      <a:schemeClr val="accent1"/>
+    </dgm:linClrLst>
+    <dgm:effectClrLst/>
+    <dgm:txLinClrLst/>
+    <dgm:txFillClrLst meth="repeat">
+      <a:schemeClr val="tx1"/>
+    </dgm:txFillClrLst>
+    <dgm:txEffectClrLst/>
+  </dgm:styleLbl>
+  <dgm:styleLbl name="callout">
+    <dgm:fillClrLst meth="repeat">
+      <a:schemeClr val="accent1"/>
+    </dgm:fillClrLst>
+    <dgm:linClrLst meth="repeat">
+      <a:schemeClr val="accent1">
+        <a:tint val="50000"/>
+      </a:schemeClr>
+    </dgm:linClrLst>
+    <dgm:effectClrLst/>
+    <dgm:txLinClrLst/>
+    <dgm:txFillClrLst meth="repeat">
+      <a:schemeClr val="tx1"/>
+    </dgm:txFillClrLst>
+    <dgm:txEffectClrLst/>
+  </dgm:styleLbl>
+  <dgm:styleLbl name="asst0">
+    <dgm:fillClrLst meth="repeat">
+      <a:schemeClr val="accent1"/>
+    </dgm:fillClrLst>
+    <dgm:linClrLst meth="repeat">
+      <a:schemeClr val="lt1"/>
+    </dgm:linClrLst>
+    <dgm:effectClrLst/>
+    <dgm:txLinClrLst/>
+    <dgm:txFillClrLst/>
+    <dgm:txEffectClrLst/>
+  </dgm:styleLbl>
+  <dgm:styleLbl name="asst1">
+    <dgm:fillClrLst meth="repeat">
+      <a:schemeClr val="accent1"/>
+    </dgm:fillClrLst>
+    <dgm:linClrLst meth="repeat">
+      <a:schemeClr val="lt1"/>
+    </dgm:linClrLst>
+    <dgm:effectClrLst/>
+    <dgm:txLinClrLst/>
+    <dgm:txFillClrLst/>
+    <dgm:txEffectClrLst/>
+  </dgm:styleLbl>
+  <dgm:styleLbl name="asst2">
+    <dgm:fillClrLst meth="repeat">
+      <a:schemeClr val="accent1"/>
+    </dgm:fillClrLst>
+    <dgm:linClrLst meth="repeat">
+      <a:schemeClr val="lt1"/>
+    </dgm:linClrLst>
+    <dgm:effectClrLst/>
+    <dgm:txLinClrLst/>
+    <dgm:txFillClrLst/>
+    <dgm:txEffectClrLst/>
+  </dgm:styleLbl>
+  <dgm:styleLbl name="asst3">
+    <dgm:fillClrLst meth="repeat">
+      <a:schemeClr val="accent1"/>
+    </dgm:fillClrLst>
+    <dgm:linClrLst meth="repeat">
+      <a:schemeClr val="lt1"/>
+    </dgm:linClrLst>
+    <dgm:effectClrLst/>
+    <dgm:txLinClrLst/>
+    <dgm:txFillClrLst/>
+    <dgm:txEffectClrLst/>
+  </dgm:styleLbl>
+  <dgm:styleLbl name="asst4">
+    <dgm:fillClrLst meth="repeat">
+      <a:schemeClr val="accent1"/>
+    </dgm:fillClrLst>
+    <dgm:linClrLst meth="repeat">
+      <a:schemeClr val="lt1"/>
+    </dgm:linClrLst>
+    <dgm:effectClrLst/>
+    <dgm:txLinClrLst/>
+    <dgm:txFillClrLst/>
+    <dgm:txEffectClrLst/>
+  </dgm:styleLbl>
+  <dgm:styleLbl name="parChTrans2D1">
+    <dgm:fillClrLst meth="repeat">
+      <a:schemeClr val="accent1">
+        <a:tint val="60000"/>
+      </a:schemeClr>
+    </dgm:fillClrLst>
+    <dgm:linClrLst meth="repeat">
+      <a:schemeClr val="accent1">
+        <a:tint val="60000"/>
+      </a:schemeClr>
+    </dgm:linClrLst>
+    <dgm:effectClrLst/>
+    <dgm:txLinClrLst/>
+    <dgm:txFillClrLst meth="repeat">
+      <a:schemeClr val="lt1"/>
+    </dgm:txFillClrLst>
+    <dgm:txEffectClrLst/>
+  </dgm:styleLbl>
+  <dgm:styleLbl name="parChTrans2D2">
+    <dgm:fillClrLst meth="repeat">
+      <a:schemeClr val="accent1"/>
+    </dgm:fillClrLst>
+    <dgm:linClrLst meth="repeat">
+      <a:schemeClr val="accent1"/>
+    </dgm:linClrLst>
+    <dgm:effectClrLst/>
+    <dgm:txLinClrLst/>
+    <dgm:txFillClrLst meth="repeat">
+      <a:schemeClr val="lt1"/>
+    </dgm:txFillClrLst>
+    <dgm:txEffectClrLst/>
+  </dgm:styleLbl>
+  <dgm:styleLbl name="parChTrans2D3">
+    <dgm:fillClrLst meth="repeat">
+      <a:schemeClr val="accent1"/>
+    </dgm:fillClrLst>
+    <dgm:linClrLst meth="repeat">
+      <a:schemeClr val="accent1"/>
+    </dgm:linClrLst>
+    <dgm:effectClrLst/>
+    <dgm:txLinClrLst/>
+    <dgm:txFillClrLst meth="repeat">
+      <a:schemeClr val="lt1"/>
+    </dgm:txFillClrLst>
+    <dgm:txEffectClrLst/>
+  </dgm:styleLbl>
+  <dgm:styleLbl name="parChTrans2D4">
+    <dgm:fillClrLst meth="repeat">
+      <a:schemeClr val="accent1"/>
+    </dgm:fillClrLst>
+    <dgm:linClrLst meth="repeat">
+      <a:schemeClr val="accent1"/>
+    </dgm:linClrLst>
+    <dgm:effectClrLst/>
+    <dgm:txLinClrLst/>
+    <dgm:txFillClrLst meth="repeat">
+      <a:schemeClr val="lt1"/>
+    </dgm:txFillClrLst>
+    <dgm:txEffectClrLst/>
+  </dgm:styleLbl>
+  <dgm:styleLbl name="parChTrans1D1">
+    <dgm:fillClrLst meth="repeat">
+      <a:schemeClr val="accent1"/>
+    </dgm:fillClrLst>
+    <dgm:linClrLst meth="repeat">
+      <a:schemeClr val="accent1">
+        <a:shade val="60000"/>
+      </a:schemeClr>
+    </dgm:linClrLst>
+    <dgm:effectClrLst/>
+    <dgm:txLinClrLst/>
+    <dgm:txFillClrLst meth="repeat">
+      <a:schemeClr val="tx1"/>
+    </dgm:txFillClrLst>
+    <dgm:txEffectClrLst/>
+  </dgm:styleLbl>
+  <dgm:styleLbl name="parChTrans1D2">
+    <dgm:fillClrLst meth="repeat">
+      <a:schemeClr val="accent1"/>
+    </dgm:fillClrLst>
+    <dgm:linClrLst meth="repeat">
+      <a:schemeClr val="accent1">
+        <a:shade val="60000"/>
+      </a:schemeClr>
+    </dgm:linClrLst>
+    <dgm:effectClrLst/>
+    <dgm:txLinClrLst/>
+    <dgm:txFillClrLst meth="repeat">
+      <a:schemeClr val="tx1"/>
+    </dgm:txFillClrLst>
+    <dgm:txEffectClrLst/>
+  </dgm:styleLbl>
+  <dgm:styleLbl name="parChTrans1D3">
+    <dgm:fillClrLst meth="repeat">
+      <a:schemeClr val="accent1"/>
+    </dgm:fillClrLst>
+    <dgm:linClrLst meth="repeat">
+      <a:schemeClr val="accent1">
+        <a:shade val="80000"/>
+      </a:schemeClr>
+    </dgm:linClrLst>
+    <dgm:effectClrLst/>
+    <dgm:txLinClrLst/>
+    <dgm:txFillClrLst meth="repeat">
+      <a:schemeClr val="tx1"/>
+    </dgm:txFillClrLst>
+    <dgm:txEffectClrLst/>
+  </dgm:styleLbl>
+  <dgm:styleLbl name="parChTrans1D4">
+    <dgm:fillClrLst meth="repeat">
+      <a:schemeClr val="accent1"/>
+    </dgm:fillClrLst>
+    <dgm:linClrLst meth="repeat">
+      <a:schemeClr val="accent1">
+        <a:shade val="80000"/>
+      </a:schemeClr>
+    </dgm:linClrLst>
+    <dgm:effectClrLst/>
+    <dgm:txLinClrLst/>
+    <dgm:txFillClrLst meth="repeat">
+      <a:schemeClr val="tx1"/>
+    </dgm:txFillClrLst>
+    <dgm:txEffectClrLst/>
+  </dgm:styleLbl>
+  <dgm:styleLbl name="fgAcc1">
+    <dgm:fillClrLst meth="repeat">
+      <a:schemeClr val="lt1">
+        <a:alpha val="90000"/>
+      </a:schemeClr>
+    </dgm:fillClrLst>
+    <dgm:linClrLst meth="repeat">
+      <a:schemeClr val="accent1"/>
+    </dgm:linClrLst>
+    <dgm:effectClrLst/>
+    <dgm:txLinClrLst/>
+    <dgm:txFillClrLst meth="repeat">
+      <a:schemeClr val="dk1"/>
+    </dgm:txFillClrLst>
+    <dgm:txEffectClrLst/>
+  </dgm:styleLbl>
+  <dgm:styleLbl name="conFgAcc1">
+    <dgm:fillClrLst meth="repeat">
+      <a:schemeClr val="lt1">
+        <a:alpha val="90000"/>
+      </a:schemeClr>
+    </dgm:fillClrLst>
+    <dgm:linClrLst meth="repeat">
+      <a:schemeClr val="accent1"/>
+    </dgm:linClrLst>
+    <dgm:effectClrLst/>
+    <dgm:txLinClrLst/>
+    <dgm:txFillClrLst meth="repeat">
+      <a:schemeClr val="dk1"/>
+    </dgm:txFillClrLst>
+    <dgm:txEffectClrLst/>
+  </dgm:styleLbl>
+  <dgm:styleLbl name="alignAcc1">
+    <dgm:fillClrLst meth="repeat">
+      <a:schemeClr val="lt1">
+        <a:alpha val="90000"/>
+      </a:schemeClr>
+    </dgm:fillClrLst>
+    <dgm:linClrLst meth="repeat">
+      <a:schemeClr val="accent1"/>
+    </dgm:linClrLst>
+    <dgm:effectClrLst/>
+    <dgm:txLinClrLst/>
+    <dgm:txFillClrLst meth="repeat">
+      <a:schemeClr val="dk1"/>
+    </dgm:txFillClrLst>
+    <dgm:txEffectClrLst/>
+  </dgm:styleLbl>
+  <dgm:styleLbl name="trAlignAcc1">
+    <dgm:fillClrLst meth="repeat">
+      <a:schemeClr val="lt1">
+        <a:alpha val="40000"/>
+      </a:schemeClr>
+    </dgm:fillClrLst>
+    <dgm:linClrLst meth="repeat">
+      <a:schemeClr val="accent1"/>
+    </dgm:linClrLst>
+    <dgm:effectClrLst/>
+    <dgm:txLinClrLst/>
+    <dgm:txFillClrLst meth="repeat">
+      <a:schemeClr val="dk1"/>
+    </dgm:txFillClrLst>
+    <dgm:txEffectClrLst/>
+  </dgm:styleLbl>
+  <dgm:styleLbl name="bgAcc1">
+    <dgm:fillClrLst meth="repeat">
+      <a:schemeClr val="lt1">
+        <a:alpha val="90000"/>
+      </a:schemeClr>
+    </dgm:fillClrLst>
+    <dgm:linClrLst meth="repeat">
+      <a:schemeClr val="accent1"/>
+    </dgm:linClrLst>
+    <dgm:effectClrLst/>
+    <dgm:txLinClrLst/>
+    <dgm:txFillClrLst meth="repeat">
+      <a:schemeClr val="dk1"/>
+    </dgm:txFillClrLst>
+    <dgm:txEffectClrLst/>
+  </dgm:styleLbl>
+  <dgm:styleLbl name="solidFgAcc1">
+    <dgm:fillClrLst meth="repeat">
+      <a:schemeClr val="lt1"/>
+    </dgm:fillClrLst>
+    <dgm:linClrLst meth="repeat">
+      <a:schemeClr val="accent1"/>
+    </dgm:linClrLst>
+    <dgm:effectClrLst/>
+    <dgm:txLinClrLst/>
+    <dgm:txFillClrLst meth="repeat">
+      <a:schemeClr val="dk1"/>
+    </dgm:txFillClrLst>
+    <dgm:txEffectClrLst/>
+  </dgm:styleLbl>
+  <dgm:styleLbl name="solidAlignAcc1">
+    <dgm:fillClrLst meth="repeat">
+      <a:schemeClr val="lt1"/>
+    </dgm:fillClrLst>
+    <dgm:linClrLst meth="repeat">
+      <a:schemeClr val="accent1"/>
+    </dgm:linClrLst>
+    <dgm:effectClrLst/>
+    <dgm:txLinClrLst/>
+    <dgm:txFillClrLst meth="repeat">
+      <a:schemeClr val="dk1"/>
+    </dgm:txFillClrLst>
+    <dgm:txEffectClrLst/>
+  </dgm:styleLbl>
+  <dgm:styleLbl name="solidBgAcc1">
+    <dgm:fillClrLst meth="repeat">
+      <a:schemeClr val="lt1"/>
+    </dgm:fillClrLst>
+    <dgm:linClrLst meth="repeat">
+      <a:schemeClr val="accent1"/>
+    </dgm:linClrLst>
+    <dgm:effectClrLst/>
+    <dgm:txLinClrLst/>
+    <dgm:txFillClrLst meth="repeat">
+      <a:schemeClr val="dk1"/>
+    </dgm:txFillClrLst>
+    <dgm:txEffectClrLst/>
+  </dgm:styleLbl>
+  <dgm:styleLbl name="fgAccFollowNode1">
+    <dgm:fillClrLst meth="repeat">
+      <a:schemeClr val="accent1">
+        <a:alpha val="90000"/>
+        <a:tint val="40000"/>
+      </a:schemeClr>
+    </dgm:fillClrLst>
+    <dgm:linClrLst meth="repeat">
+      <a:schemeClr val="accent1">
+        <a:alpha val="90000"/>
+        <a:tint val="40000"/>
+      </a:schemeClr>
+    </dgm:linClrLst>
+    <dgm:effectClrLst/>
+    <dgm:txLinClrLst/>
+    <dgm:txFillClrLst meth="repeat">
+      <a:schemeClr val="dk1"/>
+    </dgm:txFillClrLst>
+    <dgm:txEffectClrLst/>
+  </dgm:styleLbl>
+  <dgm:styleLbl name="alignAccFollowNode1">
+    <dgm:fillClrLst meth="repeat">
+      <a:schemeClr val="accent1">
+        <a:alpha val="90000"/>
+        <a:tint val="40000"/>
+      </a:schemeClr>
+    </dgm:fillClrLst>
+    <dgm:linClrLst meth="repeat">
+      <a:schemeClr val="accent1">
+        <a:alpha val="90000"/>
+        <a:tint val="40000"/>
+      </a:schemeClr>
+    </dgm:linClrLst>
+    <dgm:effectClrLst/>
+    <dgm:txLinClrLst/>
+    <dgm:txFillClrLst meth="repeat">
+      <a:schemeClr val="dk1"/>
+    </dgm:txFillClrLst>
+    <dgm:txEffectClrLst/>
+  </dgm:styleLbl>
+  <dgm:styleLbl name="bgAccFollowNode1">
+    <dgm:fillClrLst meth="repeat">
+      <a:schemeClr val="accent1">
+        <a:alpha val="90000"/>
+        <a:tint val="40000"/>
+      </a:schemeClr>
+    </dgm:fillClrLst>
+    <dgm:linClrLst meth="repeat">
+      <a:schemeClr val="accent1">
+        <a:alpha val="90000"/>
+        <a:tint val="40000"/>
+      </a:schemeClr>
+    </dgm:linClrLst>
+    <dgm:effectClrLst/>
+    <dgm:txLinClrLst/>
+    <dgm:txFillClrLst meth="repeat">
+      <a:schemeClr val="dk1"/>
+    </dgm:txFillClrLst>
+    <dgm:txEffectClrLst/>
+  </dgm:styleLbl>
+  <dgm:styleLbl name="fgAcc0">
+    <dgm:fillClrLst meth="repeat">
+      <a:schemeClr val="lt1">
+        <a:alpha val="90000"/>
+      </a:schemeClr>
+    </dgm:fillClrLst>
+    <dgm:linClrLst meth="repeat">
+      <a:schemeClr val="accent1"/>
+    </dgm:linClrLst>
+    <dgm:effectClrLst/>
+    <dgm:txLinClrLst/>
+    <dgm:txFillClrLst meth="repeat">
+      <a:schemeClr val="dk1"/>
+    </dgm:txFillClrLst>
+    <dgm:txEffectClrLst/>
+  </dgm:styleLbl>
+  <dgm:styleLbl name="fgAcc2">
+    <dgm:fillClrLst meth="repeat">
+      <a:schemeClr val="lt1">
+        <a:alpha val="90000"/>
+      </a:schemeClr>
+    </dgm:fillClrLst>
+    <dgm:linClrLst meth="repeat">
+      <a:schemeClr val="accent1"/>
+    </dgm:linClrLst>
+    <dgm:effectClrLst/>
+    <dgm:txLinClrLst/>
+    <dgm:txFillClrLst meth="repeat">
+      <a:schemeClr val="dk1"/>
+    </dgm:txFillClrLst>
+    <dgm:txEffectClrLst/>
+  </dgm:styleLbl>
+  <dgm:styleLbl name="fgAcc3">
+    <dgm:fillClrLst meth="repeat">
+      <a:schemeClr val="lt1">
+        <a:alpha val="90000"/>
+      </a:schemeClr>
+    </dgm:fillClrLst>
+    <dgm:linClrLst meth="repeat">
+      <a:schemeClr val="accent1"/>
+    </dgm:linClrLst>
+    <dgm:effectClrLst/>
+    <dgm:txLinClrLst/>
+    <dgm:txFillClrLst meth="repeat">
+      <a:schemeClr val="dk1"/>
+    </dgm:txFillClrLst>
+    <dgm:txEffectClrLst/>
+  </dgm:styleLbl>
+  <dgm:styleLbl name="fgAcc4">
+    <dgm:fillClrLst meth="repeat">
+      <a:schemeClr val="lt1">
+        <a:alpha val="90000"/>
+      </a:schemeClr>
+    </dgm:fillClrLst>
+    <dgm:linClrLst meth="repeat">
+      <a:schemeClr val="accent1"/>
+    </dgm:linClrLst>
+    <dgm:effectClrLst/>
+    <dgm:txLinClrLst/>
+    <dgm:txFillClrLst meth="repeat">
+      <a:schemeClr val="dk1"/>
+    </dgm:txFillClrLst>
+    <dgm:txEffectClrLst/>
+  </dgm:styleLbl>
+  <dgm:styleLbl name="bgShp">
+    <dgm:fillClrLst meth="repeat">
+      <a:schemeClr val="accent1">
+        <a:tint val="40000"/>
+      </a:schemeClr>
+    </dgm:fillClrLst>
+    <dgm:linClrLst meth="repeat">
+      <a:schemeClr val="accent1"/>
+    </dgm:linClrLst>
+    <dgm:effectClrLst/>
+    <dgm:txLinClrLst/>
+    <dgm:txFillClrLst meth="repeat">
+      <a:schemeClr val="dk1"/>
+    </dgm:txFillClrLst>
+    <dgm:txEffectClrLst/>
+  </dgm:styleLbl>
+  <dgm:styleLbl name="dkBgShp">
+    <dgm:fillClrLst meth="repeat">
+      <a:schemeClr val="accent1">
+        <a:shade val="80000"/>
+      </a:schemeClr>
+    </dgm:fillClrLst>
+    <dgm:linClrLst meth="repeat">
+      <a:schemeClr val="accent1"/>
+    </dgm:linClrLst>
+    <dgm:effectClrLst/>
+    <dgm:txLinClrLst/>
+    <dgm:txFillClrLst meth="repeat">
+      <a:schemeClr val="lt1"/>
+    </dgm:txFillClrLst>
+    <dgm:txEffectClrLst/>
+  </dgm:styleLbl>
+  <dgm:styleLbl name="trBgShp">
+    <dgm:fillClrLst meth="repeat">
+      <a:schemeClr val="accent1">
+        <a:tint val="50000"/>
+        <a:alpha val="40000"/>
+      </a:schemeClr>
+    </dgm:fillClrLst>
+    <dgm:linClrLst meth="repeat">
+      <a:schemeClr val="accent1"/>
+    </dgm:linClrLst>
+    <dgm:effectClrLst/>
+    <dgm:txLinClrLst/>
+    <dgm:txFillClrLst meth="repeat">
+      <a:schemeClr val="lt1"/>
+    </dgm:txFillClrLst>
+    <dgm:txEffectClrLst/>
+  </dgm:styleLbl>
+  <dgm:styleLbl name="fgShp">
+    <dgm:fillClrLst meth="repeat">
+      <a:schemeClr val="accent1">
+        <a:tint val="60000"/>
+      </a:schemeClr>
+    </dgm:fillClrLst>
+    <dgm:linClrLst meth="repeat">
+      <a:schemeClr val="lt1"/>
+    </dgm:linClrLst>
+    <dgm:effectClrLst/>
+    <dgm:txLinClrLst/>
+    <dgm:txFillClrLst meth="repeat">
+      <a:schemeClr val="dk1"/>
+    </dgm:txFillClrLst>
+    <dgm:txEffectClrLst/>
+  </dgm:styleLbl>
+  <dgm:styleLbl name="revTx">
+    <dgm:fillClrLst meth="repeat">
+      <a:schemeClr val="lt1">
+        <a:alpha val="0"/>
+      </a:schemeClr>
+    </dgm:fillClrLst>
+    <dgm:linClrLst meth="repeat">
+      <a:schemeClr val="dk1">
+        <a:alpha val="0"/>
+      </a:schemeClr>
+    </dgm:linClrLst>
+    <dgm:effectClrLst/>
+    <dgm:txLinClrLst/>
+    <dgm:txFillClrLst meth="repeat">
+      <a:schemeClr val="tx1"/>
+    </dgm:txFillClrLst>
+    <dgm:txEffectClrLst/>
+  </dgm:styleLbl>
+</dgm:colorsDef>
+</file>
+
+<file path=ppt/diagrams/colors3.xml><?xml version="1.0" encoding="utf-8"?>
 <dgm:colorsDef xmlns:dgm="http://schemas.openxmlformats.org/drawingml/2006/diagram" xmlns:a="http://schemas.openxmlformats.org/drawingml/2006/main" uniqueId="urn:microsoft.com/office/officeart/2005/8/colors/accent1_2">
   <dgm:title val=""/>
   <dgm:desc val=""/>
@@ -2621,6 +3872,227 @@
     <dgm:cxn modelId="{8769DF0A-3749-4A88-96D9-D1A6D183BD2A}" type="presParOf" srcId="{1A3A5237-861A-4586-8455-BD5281AC2A68}" destId="{0A2F7521-D3D8-4B39-9A84-DA28B2E44169}" srcOrd="5" destOrd="0" presId="urn:microsoft.com/office/officeart/2008/layout/VerticalCurvedList"/>
     <dgm:cxn modelId="{2604B24A-178F-4A69-B0DA-F3BED0FD6A0D}" type="presParOf" srcId="{1A3A5237-861A-4586-8455-BD5281AC2A68}" destId="{51B31365-262E-449C-8167-441E47D99A85}" srcOrd="6" destOrd="0" presId="urn:microsoft.com/office/officeart/2008/layout/VerticalCurvedList"/>
     <dgm:cxn modelId="{DEBD5B14-6C39-45F0-A03B-00008F8EAB50}" type="presParOf" srcId="{51B31365-262E-449C-8167-441E47D99A85}" destId="{E3D6B4A8-C0F0-4693-89EC-7FE0E7A4593A}" srcOrd="0" destOrd="0" presId="urn:microsoft.com/office/officeart/2008/layout/VerticalCurvedList"/>
+  </dgm:cxnLst>
+  <dgm:bg/>
+  <dgm:whole/>
+  <dgm:extLst>
+    <a:ext uri="http://schemas.microsoft.com/office/drawing/2008/diagram">
+      <dsp:dataModelExt xmlns:dsp="http://schemas.microsoft.com/office/drawing/2008/diagram" relId="rId6" minVer="http://schemas.openxmlformats.org/drawingml/2006/diagram"/>
+    </a:ext>
+  </dgm:extLst>
+</dgm:dataModel>
+</file>
+
+<file path=ppt/diagrams/data3.xml><?xml version="1.0" encoding="utf-8"?>
+<dgm:dataModel xmlns:dgm="http://schemas.openxmlformats.org/drawingml/2006/diagram" xmlns:a="http://schemas.openxmlformats.org/drawingml/2006/main">
+  <dgm:ptLst>
+    <dgm:pt modelId="{4210F28C-83D7-4720-A047-386058EBE71A}" type="doc">
+      <dgm:prSet loTypeId="urn:microsoft.com/office/officeart/2005/8/layout/arrow2" loCatId="process" qsTypeId="urn:microsoft.com/office/officeart/2005/8/quickstyle/simple1" qsCatId="simple" csTypeId="urn:microsoft.com/office/officeart/2005/8/colors/accent1_2" csCatId="accent1" phldr="1"/>
+      <dgm:spPr/>
+    </dgm:pt>
+    <dgm:pt modelId="{49AB3BE1-1AA5-4E45-AC6A-80C15042E8C1}">
+      <dgm:prSet phldrT="[Text]"/>
+      <dgm:spPr/>
+      <dgm:t>
+        <a:bodyPr/>
+        <a:lstStyle/>
+        <a:p>
+          <a:r>
+            <a:rPr lang="en-US" dirty="0"/>
+            <a:t>Macros and Scripts</a:t>
+          </a:r>
+        </a:p>
+      </dgm:t>
+    </dgm:pt>
+    <dgm:pt modelId="{53B80404-DED2-4939-A116-BC67CB993E41}" type="parTrans" cxnId="{87EDD20F-3A71-493B-A7A8-F5A0D4C7D70D}">
+      <dgm:prSet/>
+      <dgm:spPr/>
+      <dgm:t>
+        <a:bodyPr/>
+        <a:lstStyle/>
+        <a:p>
+          <a:endParaRPr lang="en-US"/>
+        </a:p>
+      </dgm:t>
+    </dgm:pt>
+    <dgm:pt modelId="{84A06E41-5BBB-41E6-9A78-AD83C959F0B5}" type="sibTrans" cxnId="{87EDD20F-3A71-493B-A7A8-F5A0D4C7D70D}">
+      <dgm:prSet/>
+      <dgm:spPr/>
+      <dgm:t>
+        <a:bodyPr/>
+        <a:lstStyle/>
+        <a:p>
+          <a:endParaRPr lang="en-US"/>
+        </a:p>
+      </dgm:t>
+    </dgm:pt>
+    <dgm:pt modelId="{65216960-3EA7-40C9-8503-0CF57D2BCE21}">
+      <dgm:prSet phldrT="[Text]"/>
+      <dgm:spPr/>
+      <dgm:t>
+        <a:bodyPr/>
+        <a:lstStyle/>
+        <a:p>
+          <a:r>
+            <a:rPr lang="en-US" dirty="0"/>
+            <a:t>Robotic Process</a:t>
+          </a:r>
+        </a:p>
+        <a:p>
+          <a:r>
+            <a:rPr lang="en-US" dirty="0"/>
+            <a:t>Automation</a:t>
+          </a:r>
+        </a:p>
+      </dgm:t>
+    </dgm:pt>
+    <dgm:pt modelId="{8A6C957A-D172-4998-9B28-93E30010275C}" type="parTrans" cxnId="{81B87735-87B8-4774-8F93-90FB93743189}">
+      <dgm:prSet/>
+      <dgm:spPr/>
+      <dgm:t>
+        <a:bodyPr/>
+        <a:lstStyle/>
+        <a:p>
+          <a:endParaRPr lang="en-US"/>
+        </a:p>
+      </dgm:t>
+    </dgm:pt>
+    <dgm:pt modelId="{BB46D7F4-F561-4625-9385-967E5CACEE86}" type="sibTrans" cxnId="{81B87735-87B8-4774-8F93-90FB93743189}">
+      <dgm:prSet/>
+      <dgm:spPr/>
+      <dgm:t>
+        <a:bodyPr/>
+        <a:lstStyle/>
+        <a:p>
+          <a:endParaRPr lang="en-US"/>
+        </a:p>
+      </dgm:t>
+    </dgm:pt>
+    <dgm:pt modelId="{FB0B544D-C03D-4F50-AE2C-854D074F6212}">
+      <dgm:prSet phldrT="[Text]"/>
+      <dgm:spPr/>
+      <dgm:t>
+        <a:bodyPr/>
+        <a:lstStyle/>
+        <a:p>
+          <a:r>
+            <a:rPr lang="en-US" dirty="0"/>
+            <a:t>Intelligent</a:t>
+          </a:r>
+        </a:p>
+        <a:p>
+          <a:r>
+            <a:rPr lang="en-US" dirty="0"/>
+            <a:t>Process</a:t>
+          </a:r>
+        </a:p>
+        <a:p>
+          <a:r>
+            <a:rPr lang="en-US" dirty="0"/>
+            <a:t>Automation </a:t>
+          </a:r>
+        </a:p>
+      </dgm:t>
+    </dgm:pt>
+    <dgm:pt modelId="{60733B89-8C9C-415D-9645-F844DAA55B14}" type="parTrans" cxnId="{45BA0ABF-8464-43B3-AE45-30CAF78AA5F8}">
+      <dgm:prSet/>
+      <dgm:spPr/>
+      <dgm:t>
+        <a:bodyPr/>
+        <a:lstStyle/>
+        <a:p>
+          <a:endParaRPr lang="en-US"/>
+        </a:p>
+      </dgm:t>
+    </dgm:pt>
+    <dgm:pt modelId="{DC3C0635-385B-4321-B164-B7D84BC7E11C}" type="sibTrans" cxnId="{45BA0ABF-8464-43B3-AE45-30CAF78AA5F8}">
+      <dgm:prSet/>
+      <dgm:spPr/>
+      <dgm:t>
+        <a:bodyPr/>
+        <a:lstStyle/>
+        <a:p>
+          <a:endParaRPr lang="en-US"/>
+        </a:p>
+      </dgm:t>
+    </dgm:pt>
+    <dgm:pt modelId="{0950A561-4075-423E-8A56-9EBC48C7DB76}" type="pres">
+      <dgm:prSet presAssocID="{4210F28C-83D7-4720-A047-386058EBE71A}" presName="arrowDiagram" presStyleCnt="0">
+        <dgm:presLayoutVars>
+          <dgm:chMax val="5"/>
+          <dgm:dir/>
+          <dgm:resizeHandles val="exact"/>
+        </dgm:presLayoutVars>
+      </dgm:prSet>
+      <dgm:spPr/>
+    </dgm:pt>
+    <dgm:pt modelId="{96ED0F05-81E2-4CAF-AAF9-FFE1A16045BB}" type="pres">
+      <dgm:prSet presAssocID="{4210F28C-83D7-4720-A047-386058EBE71A}" presName="arrow" presStyleLbl="bgShp" presStyleIdx="0" presStyleCnt="1"/>
+      <dgm:spPr>
+        <a:solidFill>
+          <a:schemeClr val="accent5">
+            <a:lumMod val="50000"/>
+          </a:schemeClr>
+        </a:solidFill>
+      </dgm:spPr>
+    </dgm:pt>
+    <dgm:pt modelId="{B9D86A98-4A97-4190-BF0A-E38051358E23}" type="pres">
+      <dgm:prSet presAssocID="{4210F28C-83D7-4720-A047-386058EBE71A}" presName="arrowDiagram3" presStyleCnt="0"/>
+      <dgm:spPr/>
+    </dgm:pt>
+    <dgm:pt modelId="{CFA140E6-5EE3-4027-B6EC-A4F94B55E8A4}" type="pres">
+      <dgm:prSet presAssocID="{49AB3BE1-1AA5-4E45-AC6A-80C15042E8C1}" presName="bullet3a" presStyleLbl="node1" presStyleIdx="0" presStyleCnt="3"/>
+      <dgm:spPr/>
+    </dgm:pt>
+    <dgm:pt modelId="{1C3C1ED8-8C08-441C-8BBA-CD630943E4F6}" type="pres">
+      <dgm:prSet presAssocID="{49AB3BE1-1AA5-4E45-AC6A-80C15042E8C1}" presName="textBox3a" presStyleLbl="revTx" presStyleIdx="0" presStyleCnt="3">
+        <dgm:presLayoutVars>
+          <dgm:bulletEnabled val="1"/>
+        </dgm:presLayoutVars>
+      </dgm:prSet>
+      <dgm:spPr/>
+    </dgm:pt>
+    <dgm:pt modelId="{67EA8F5E-A46D-4B65-9043-C7720301B333}" type="pres">
+      <dgm:prSet presAssocID="{65216960-3EA7-40C9-8503-0CF57D2BCE21}" presName="bullet3b" presStyleLbl="node1" presStyleIdx="1" presStyleCnt="3"/>
+      <dgm:spPr/>
+    </dgm:pt>
+    <dgm:pt modelId="{A18DE1F7-20AA-4E36-B057-8D4BE873C8C1}" type="pres">
+      <dgm:prSet presAssocID="{65216960-3EA7-40C9-8503-0CF57D2BCE21}" presName="textBox3b" presStyleLbl="revTx" presStyleIdx="1" presStyleCnt="3">
+        <dgm:presLayoutVars>
+          <dgm:bulletEnabled val="1"/>
+        </dgm:presLayoutVars>
+      </dgm:prSet>
+      <dgm:spPr/>
+    </dgm:pt>
+    <dgm:pt modelId="{62C3C721-31B4-4206-A5D4-E8FC0AB380AC}" type="pres">
+      <dgm:prSet presAssocID="{FB0B544D-C03D-4F50-AE2C-854D074F6212}" presName="bullet3c" presStyleLbl="node1" presStyleIdx="2" presStyleCnt="3"/>
+      <dgm:spPr/>
+    </dgm:pt>
+    <dgm:pt modelId="{A4810FE3-D696-4368-BBE4-C5F55543A1EA}" type="pres">
+      <dgm:prSet presAssocID="{FB0B544D-C03D-4F50-AE2C-854D074F6212}" presName="textBox3c" presStyleLbl="revTx" presStyleIdx="2" presStyleCnt="3">
+        <dgm:presLayoutVars>
+          <dgm:bulletEnabled val="1"/>
+        </dgm:presLayoutVars>
+      </dgm:prSet>
+      <dgm:spPr/>
+    </dgm:pt>
+  </dgm:ptLst>
+  <dgm:cxnLst>
+    <dgm:cxn modelId="{87EDD20F-3A71-493B-A7A8-F5A0D4C7D70D}" srcId="{4210F28C-83D7-4720-A047-386058EBE71A}" destId="{49AB3BE1-1AA5-4E45-AC6A-80C15042E8C1}" srcOrd="0" destOrd="0" parTransId="{53B80404-DED2-4939-A116-BC67CB993E41}" sibTransId="{84A06E41-5BBB-41E6-9A78-AD83C959F0B5}"/>
+    <dgm:cxn modelId="{81B87735-87B8-4774-8F93-90FB93743189}" srcId="{4210F28C-83D7-4720-A047-386058EBE71A}" destId="{65216960-3EA7-40C9-8503-0CF57D2BCE21}" srcOrd="1" destOrd="0" parTransId="{8A6C957A-D172-4998-9B28-93E30010275C}" sibTransId="{BB46D7F4-F561-4625-9385-967E5CACEE86}"/>
+    <dgm:cxn modelId="{2C1B2140-118E-478D-BE30-A5688710F66B}" type="presOf" srcId="{49AB3BE1-1AA5-4E45-AC6A-80C15042E8C1}" destId="{1C3C1ED8-8C08-441C-8BBA-CD630943E4F6}" srcOrd="0" destOrd="0" presId="urn:microsoft.com/office/officeart/2005/8/layout/arrow2"/>
+    <dgm:cxn modelId="{1A4B9046-027F-44EC-AD7F-63610EDB0664}" type="presOf" srcId="{65216960-3EA7-40C9-8503-0CF57D2BCE21}" destId="{A18DE1F7-20AA-4E36-B057-8D4BE873C8C1}" srcOrd="0" destOrd="0" presId="urn:microsoft.com/office/officeart/2005/8/layout/arrow2"/>
+    <dgm:cxn modelId="{8E3B137C-F2D1-42FC-82DE-8E8B68520727}" type="presOf" srcId="{FB0B544D-C03D-4F50-AE2C-854D074F6212}" destId="{A4810FE3-D696-4368-BBE4-C5F55543A1EA}" srcOrd="0" destOrd="0" presId="urn:microsoft.com/office/officeart/2005/8/layout/arrow2"/>
+    <dgm:cxn modelId="{45BA0ABF-8464-43B3-AE45-30CAF78AA5F8}" srcId="{4210F28C-83D7-4720-A047-386058EBE71A}" destId="{FB0B544D-C03D-4F50-AE2C-854D074F6212}" srcOrd="2" destOrd="0" parTransId="{60733B89-8C9C-415D-9645-F844DAA55B14}" sibTransId="{DC3C0635-385B-4321-B164-B7D84BC7E11C}"/>
+    <dgm:cxn modelId="{8F1839FA-623F-48A5-B299-76EB0A3F9F1B}" type="presOf" srcId="{4210F28C-83D7-4720-A047-386058EBE71A}" destId="{0950A561-4075-423E-8A56-9EBC48C7DB76}" srcOrd="0" destOrd="0" presId="urn:microsoft.com/office/officeart/2005/8/layout/arrow2"/>
+    <dgm:cxn modelId="{08171BEE-4E73-481E-A03D-40A50C4B0A4D}" type="presParOf" srcId="{0950A561-4075-423E-8A56-9EBC48C7DB76}" destId="{96ED0F05-81E2-4CAF-AAF9-FFE1A16045BB}" srcOrd="0" destOrd="0" presId="urn:microsoft.com/office/officeart/2005/8/layout/arrow2"/>
+    <dgm:cxn modelId="{0A13F020-3FB9-4969-A86B-0CE28F15A11A}" type="presParOf" srcId="{0950A561-4075-423E-8A56-9EBC48C7DB76}" destId="{B9D86A98-4A97-4190-BF0A-E38051358E23}" srcOrd="1" destOrd="0" presId="urn:microsoft.com/office/officeart/2005/8/layout/arrow2"/>
+    <dgm:cxn modelId="{CA848D72-5996-4AA8-841B-6A3095A065E1}" type="presParOf" srcId="{B9D86A98-4A97-4190-BF0A-E38051358E23}" destId="{CFA140E6-5EE3-4027-B6EC-A4F94B55E8A4}" srcOrd="0" destOrd="0" presId="urn:microsoft.com/office/officeart/2005/8/layout/arrow2"/>
+    <dgm:cxn modelId="{E674CCA4-E125-409C-87DC-764FA0A2F189}" type="presParOf" srcId="{B9D86A98-4A97-4190-BF0A-E38051358E23}" destId="{1C3C1ED8-8C08-441C-8BBA-CD630943E4F6}" srcOrd="1" destOrd="0" presId="urn:microsoft.com/office/officeart/2005/8/layout/arrow2"/>
+    <dgm:cxn modelId="{97791081-35F0-40DD-AF73-84203E4D2BEF}" type="presParOf" srcId="{B9D86A98-4A97-4190-BF0A-E38051358E23}" destId="{67EA8F5E-A46D-4B65-9043-C7720301B333}" srcOrd="2" destOrd="0" presId="urn:microsoft.com/office/officeart/2005/8/layout/arrow2"/>
+    <dgm:cxn modelId="{BBFB4146-32BF-423C-9D9B-DF5F7CF25EF8}" type="presParOf" srcId="{B9D86A98-4A97-4190-BF0A-E38051358E23}" destId="{A18DE1F7-20AA-4E36-B057-8D4BE873C8C1}" srcOrd="3" destOrd="0" presId="urn:microsoft.com/office/officeart/2005/8/layout/arrow2"/>
+    <dgm:cxn modelId="{A1D43F1D-181E-4272-938D-B9219BC6B57A}" type="presParOf" srcId="{B9D86A98-4A97-4190-BF0A-E38051358E23}" destId="{62C3C721-31B4-4206-A5D4-E8FC0AB380AC}" srcOrd="4" destOrd="0" presId="urn:microsoft.com/office/officeart/2005/8/layout/arrow2"/>
+    <dgm:cxn modelId="{A3ACB546-9235-4E9B-B326-476DC2895D71}" type="presParOf" srcId="{B9D86A98-4A97-4190-BF0A-E38051358E23}" destId="{A4810FE3-D696-4368-BBE4-C5F55543A1EA}" srcOrd="5" destOrd="0" presId="urn:microsoft.com/office/officeart/2005/8/layout/arrow2"/>
   </dgm:cxnLst>
   <dgm:bg/>
   <dgm:whole/>
@@ -3583,6 +5055,438 @@
         </a:effectRef>
         <a:fontRef idx="minor"/>
       </dsp:style>
+    </dsp:sp>
+  </dsp:spTree>
+</dsp:drawing>
+</file>
+
+<file path=ppt/diagrams/drawing3.xml><?xml version="1.0" encoding="utf-8"?>
+<dsp:drawing xmlns:dgm="http://schemas.openxmlformats.org/drawingml/2006/diagram" xmlns:dsp="http://schemas.microsoft.com/office/drawing/2008/diagram" xmlns:a="http://schemas.openxmlformats.org/drawingml/2006/main">
+  <dsp:spTree>
+    <dsp:nvGrpSpPr>
+      <dsp:cNvPr id="0" name=""/>
+      <dsp:cNvGrpSpPr/>
+    </dsp:nvGrpSpPr>
+    <dsp:grpSpPr/>
+    <dsp:sp modelId="{96ED0F05-81E2-4CAF-AAF9-FFE1A16045BB}">
+      <dsp:nvSpPr>
+        <dsp:cNvPr id="0" name=""/>
+        <dsp:cNvSpPr/>
+      </dsp:nvSpPr>
+      <dsp:spPr>
+        <a:xfrm>
+          <a:off x="1116965" y="0"/>
+          <a:ext cx="6713219" cy="4195762"/>
+        </a:xfrm>
+        <a:prstGeom prst="swooshArrow">
+          <a:avLst>
+            <a:gd name="adj1" fmla="val 25000"/>
+            <a:gd name="adj2" fmla="val 25000"/>
+          </a:avLst>
+        </a:prstGeom>
+        <a:solidFill>
+          <a:schemeClr val="accent5">
+            <a:lumMod val="50000"/>
+          </a:schemeClr>
+        </a:solidFill>
+        <a:ln>
+          <a:noFill/>
+        </a:ln>
+        <a:effectLst/>
+      </dsp:spPr>
+      <dsp:style>
+        <a:lnRef idx="0">
+          <a:scrgbClr r="0" g="0" b="0"/>
+        </a:lnRef>
+        <a:fillRef idx="1">
+          <a:scrgbClr r="0" g="0" b="0"/>
+        </a:fillRef>
+        <a:effectRef idx="0">
+          <a:scrgbClr r="0" g="0" b="0"/>
+        </a:effectRef>
+        <a:fontRef idx="minor"/>
+      </dsp:style>
+    </dsp:sp>
+    <dsp:sp modelId="{CFA140E6-5EE3-4027-B6EC-A4F94B55E8A4}">
+      <dsp:nvSpPr>
+        <dsp:cNvPr id="0" name=""/>
+        <dsp:cNvSpPr/>
+      </dsp:nvSpPr>
+      <dsp:spPr>
+        <a:xfrm>
+          <a:off x="1969544" y="2895914"/>
+          <a:ext cx="174543" cy="174543"/>
+        </a:xfrm>
+        <a:prstGeom prst="ellipse">
+          <a:avLst/>
+        </a:prstGeom>
+        <a:solidFill>
+          <a:schemeClr val="accent1">
+            <a:hueOff val="0"/>
+            <a:satOff val="0"/>
+            <a:lumOff val="0"/>
+            <a:alphaOff val="0"/>
+          </a:schemeClr>
+        </a:solidFill>
+        <a:ln w="19050" cap="rnd" cmpd="sng" algn="ctr">
+          <a:solidFill>
+            <a:schemeClr val="lt1">
+              <a:hueOff val="0"/>
+              <a:satOff val="0"/>
+              <a:lumOff val="0"/>
+              <a:alphaOff val="0"/>
+            </a:schemeClr>
+          </a:solidFill>
+          <a:prstDash val="solid"/>
+        </a:ln>
+        <a:effectLst/>
+      </dsp:spPr>
+      <dsp:style>
+        <a:lnRef idx="2">
+          <a:scrgbClr r="0" g="0" b="0"/>
+        </a:lnRef>
+        <a:fillRef idx="1">
+          <a:scrgbClr r="0" g="0" b="0"/>
+        </a:fillRef>
+        <a:effectRef idx="0">
+          <a:scrgbClr r="0" g="0" b="0"/>
+        </a:effectRef>
+        <a:fontRef idx="minor">
+          <a:schemeClr val="lt1"/>
+        </a:fontRef>
+      </dsp:style>
+    </dsp:sp>
+    <dsp:sp modelId="{1C3C1ED8-8C08-441C-8BBA-CD630943E4F6}">
+      <dsp:nvSpPr>
+        <dsp:cNvPr id="0" name=""/>
+        <dsp:cNvSpPr/>
+      </dsp:nvSpPr>
+      <dsp:spPr>
+        <a:xfrm>
+          <a:off x="2056816" y="2983186"/>
+          <a:ext cx="1564180" cy="1212575"/>
+        </a:xfrm>
+        <a:prstGeom prst="rect">
+          <a:avLst/>
+        </a:prstGeom>
+        <a:noFill/>
+        <a:ln>
+          <a:noFill/>
+        </a:ln>
+        <a:effectLst/>
+      </dsp:spPr>
+      <dsp:style>
+        <a:lnRef idx="0">
+          <a:scrgbClr r="0" g="0" b="0"/>
+        </a:lnRef>
+        <a:fillRef idx="0">
+          <a:scrgbClr r="0" g="0" b="0"/>
+        </a:fillRef>
+        <a:effectRef idx="0">
+          <a:scrgbClr r="0" g="0" b="0"/>
+        </a:effectRef>
+        <a:fontRef idx="minor"/>
+      </dsp:style>
+      <dsp:txBody>
+        <a:bodyPr spcFirstLastPara="0" vert="horz" wrap="square" lIns="92487" tIns="0" rIns="0" bIns="0" numCol="1" spcCol="1270" anchor="t" anchorCtr="0">
+          <a:noAutofit/>
+        </a:bodyPr>
+        <a:lstStyle/>
+        <a:p>
+          <a:pPr marL="0" lvl="0" indent="0" algn="l" defTabSz="800100">
+            <a:lnSpc>
+              <a:spcPct val="90000"/>
+            </a:lnSpc>
+            <a:spcBef>
+              <a:spcPct val="0"/>
+            </a:spcBef>
+            <a:spcAft>
+              <a:spcPct val="35000"/>
+            </a:spcAft>
+            <a:buNone/>
+          </a:pPr>
+          <a:r>
+            <a:rPr lang="en-US" sz="1800" kern="1200" dirty="0"/>
+            <a:t>Macros and Scripts</a:t>
+          </a:r>
+        </a:p>
+      </dsp:txBody>
+      <dsp:txXfrm>
+        <a:off x="2056816" y="2983186"/>
+        <a:ext cx="1564180" cy="1212575"/>
+      </dsp:txXfrm>
+    </dsp:sp>
+    <dsp:sp modelId="{67EA8F5E-A46D-4B65-9043-C7720301B333}">
+      <dsp:nvSpPr>
+        <dsp:cNvPr id="0" name=""/>
+        <dsp:cNvSpPr/>
+      </dsp:nvSpPr>
+      <dsp:spPr>
+        <a:xfrm>
+          <a:off x="3510228" y="1755506"/>
+          <a:ext cx="315521" cy="315521"/>
+        </a:xfrm>
+        <a:prstGeom prst="ellipse">
+          <a:avLst/>
+        </a:prstGeom>
+        <a:solidFill>
+          <a:schemeClr val="accent1">
+            <a:hueOff val="0"/>
+            <a:satOff val="0"/>
+            <a:lumOff val="0"/>
+            <a:alphaOff val="0"/>
+          </a:schemeClr>
+        </a:solidFill>
+        <a:ln w="19050" cap="rnd" cmpd="sng" algn="ctr">
+          <a:solidFill>
+            <a:schemeClr val="lt1">
+              <a:hueOff val="0"/>
+              <a:satOff val="0"/>
+              <a:lumOff val="0"/>
+              <a:alphaOff val="0"/>
+            </a:schemeClr>
+          </a:solidFill>
+          <a:prstDash val="solid"/>
+        </a:ln>
+        <a:effectLst/>
+      </dsp:spPr>
+      <dsp:style>
+        <a:lnRef idx="2">
+          <a:scrgbClr r="0" g="0" b="0"/>
+        </a:lnRef>
+        <a:fillRef idx="1">
+          <a:scrgbClr r="0" g="0" b="0"/>
+        </a:fillRef>
+        <a:effectRef idx="0">
+          <a:scrgbClr r="0" g="0" b="0"/>
+        </a:effectRef>
+        <a:fontRef idx="minor">
+          <a:schemeClr val="lt1"/>
+        </a:fontRef>
+      </dsp:style>
+    </dsp:sp>
+    <dsp:sp modelId="{A18DE1F7-20AA-4E36-B057-8D4BE873C8C1}">
+      <dsp:nvSpPr>
+        <dsp:cNvPr id="0" name=""/>
+        <dsp:cNvSpPr/>
+      </dsp:nvSpPr>
+      <dsp:spPr>
+        <a:xfrm>
+          <a:off x="3667988" y="1913267"/>
+          <a:ext cx="1611172" cy="2282494"/>
+        </a:xfrm>
+        <a:prstGeom prst="rect">
+          <a:avLst/>
+        </a:prstGeom>
+        <a:noFill/>
+        <a:ln>
+          <a:noFill/>
+        </a:ln>
+        <a:effectLst/>
+      </dsp:spPr>
+      <dsp:style>
+        <a:lnRef idx="0">
+          <a:scrgbClr r="0" g="0" b="0"/>
+        </a:lnRef>
+        <a:fillRef idx="0">
+          <a:scrgbClr r="0" g="0" b="0"/>
+        </a:fillRef>
+        <a:effectRef idx="0">
+          <a:scrgbClr r="0" g="0" b="0"/>
+        </a:effectRef>
+        <a:fontRef idx="minor"/>
+      </dsp:style>
+      <dsp:txBody>
+        <a:bodyPr spcFirstLastPara="0" vert="horz" wrap="square" lIns="167188" tIns="0" rIns="0" bIns="0" numCol="1" spcCol="1270" anchor="t" anchorCtr="0">
+          <a:noAutofit/>
+        </a:bodyPr>
+        <a:lstStyle/>
+        <a:p>
+          <a:pPr marL="0" lvl="0" indent="0" algn="l" defTabSz="800100">
+            <a:lnSpc>
+              <a:spcPct val="90000"/>
+            </a:lnSpc>
+            <a:spcBef>
+              <a:spcPct val="0"/>
+            </a:spcBef>
+            <a:spcAft>
+              <a:spcPct val="35000"/>
+            </a:spcAft>
+            <a:buNone/>
+          </a:pPr>
+          <a:r>
+            <a:rPr lang="en-US" sz="1800" kern="1200" dirty="0"/>
+            <a:t>Robotic Process</a:t>
+          </a:r>
+        </a:p>
+        <a:p>
+          <a:pPr marL="0" lvl="0" indent="0" algn="l" defTabSz="800100">
+            <a:lnSpc>
+              <a:spcPct val="90000"/>
+            </a:lnSpc>
+            <a:spcBef>
+              <a:spcPct val="0"/>
+            </a:spcBef>
+            <a:spcAft>
+              <a:spcPct val="35000"/>
+            </a:spcAft>
+            <a:buNone/>
+          </a:pPr>
+          <a:r>
+            <a:rPr lang="en-US" sz="1800" kern="1200" dirty="0"/>
+            <a:t>Automation</a:t>
+          </a:r>
+        </a:p>
+      </dsp:txBody>
+      <dsp:txXfrm>
+        <a:off x="3667988" y="1913267"/>
+        <a:ext cx="1611172" cy="2282494"/>
+      </dsp:txXfrm>
+    </dsp:sp>
+    <dsp:sp modelId="{62C3C721-31B4-4206-A5D4-E8FC0AB380AC}">
+      <dsp:nvSpPr>
+        <dsp:cNvPr id="0" name=""/>
+        <dsp:cNvSpPr/>
+      </dsp:nvSpPr>
+      <dsp:spPr>
+        <a:xfrm>
+          <a:off x="5363076" y="1061527"/>
+          <a:ext cx="436359" cy="436359"/>
+        </a:xfrm>
+        <a:prstGeom prst="ellipse">
+          <a:avLst/>
+        </a:prstGeom>
+        <a:solidFill>
+          <a:schemeClr val="accent1">
+            <a:hueOff val="0"/>
+            <a:satOff val="0"/>
+            <a:lumOff val="0"/>
+            <a:alphaOff val="0"/>
+          </a:schemeClr>
+        </a:solidFill>
+        <a:ln w="19050" cap="rnd" cmpd="sng" algn="ctr">
+          <a:solidFill>
+            <a:schemeClr val="lt1">
+              <a:hueOff val="0"/>
+              <a:satOff val="0"/>
+              <a:lumOff val="0"/>
+              <a:alphaOff val="0"/>
+            </a:schemeClr>
+          </a:solidFill>
+          <a:prstDash val="solid"/>
+        </a:ln>
+        <a:effectLst/>
+      </dsp:spPr>
+      <dsp:style>
+        <a:lnRef idx="2">
+          <a:scrgbClr r="0" g="0" b="0"/>
+        </a:lnRef>
+        <a:fillRef idx="1">
+          <a:scrgbClr r="0" g="0" b="0"/>
+        </a:fillRef>
+        <a:effectRef idx="0">
+          <a:scrgbClr r="0" g="0" b="0"/>
+        </a:effectRef>
+        <a:fontRef idx="minor">
+          <a:schemeClr val="lt1"/>
+        </a:fontRef>
+      </dsp:style>
+    </dsp:sp>
+    <dsp:sp modelId="{A4810FE3-D696-4368-BBE4-C5F55543A1EA}">
+      <dsp:nvSpPr>
+        <dsp:cNvPr id="0" name=""/>
+        <dsp:cNvSpPr/>
+      </dsp:nvSpPr>
+      <dsp:spPr>
+        <a:xfrm>
+          <a:off x="5581256" y="1279707"/>
+          <a:ext cx="1611172" cy="2916054"/>
+        </a:xfrm>
+        <a:prstGeom prst="rect">
+          <a:avLst/>
+        </a:prstGeom>
+        <a:noFill/>
+        <a:ln>
+          <a:noFill/>
+        </a:ln>
+        <a:effectLst/>
+      </dsp:spPr>
+      <dsp:style>
+        <a:lnRef idx="0">
+          <a:scrgbClr r="0" g="0" b="0"/>
+        </a:lnRef>
+        <a:fillRef idx="0">
+          <a:scrgbClr r="0" g="0" b="0"/>
+        </a:fillRef>
+        <a:effectRef idx="0">
+          <a:scrgbClr r="0" g="0" b="0"/>
+        </a:effectRef>
+        <a:fontRef idx="minor"/>
+      </dsp:style>
+      <dsp:txBody>
+        <a:bodyPr spcFirstLastPara="0" vert="horz" wrap="square" lIns="231218" tIns="0" rIns="0" bIns="0" numCol="1" spcCol="1270" anchor="t" anchorCtr="0">
+          <a:noAutofit/>
+        </a:bodyPr>
+        <a:lstStyle/>
+        <a:p>
+          <a:pPr marL="0" lvl="0" indent="0" algn="l" defTabSz="800100">
+            <a:lnSpc>
+              <a:spcPct val="90000"/>
+            </a:lnSpc>
+            <a:spcBef>
+              <a:spcPct val="0"/>
+            </a:spcBef>
+            <a:spcAft>
+              <a:spcPct val="35000"/>
+            </a:spcAft>
+            <a:buNone/>
+          </a:pPr>
+          <a:r>
+            <a:rPr lang="en-US" sz="1800" kern="1200" dirty="0"/>
+            <a:t>Intelligent</a:t>
+          </a:r>
+        </a:p>
+        <a:p>
+          <a:pPr marL="0" lvl="0" indent="0" algn="l" defTabSz="800100">
+            <a:lnSpc>
+              <a:spcPct val="90000"/>
+            </a:lnSpc>
+            <a:spcBef>
+              <a:spcPct val="0"/>
+            </a:spcBef>
+            <a:spcAft>
+              <a:spcPct val="35000"/>
+            </a:spcAft>
+            <a:buNone/>
+          </a:pPr>
+          <a:r>
+            <a:rPr lang="en-US" sz="1800" kern="1200" dirty="0"/>
+            <a:t>Process</a:t>
+          </a:r>
+        </a:p>
+        <a:p>
+          <a:pPr marL="0" lvl="0" indent="0" algn="l" defTabSz="800100">
+            <a:lnSpc>
+              <a:spcPct val="90000"/>
+            </a:lnSpc>
+            <a:spcBef>
+              <a:spcPct val="0"/>
+            </a:spcBef>
+            <a:spcAft>
+              <a:spcPct val="35000"/>
+            </a:spcAft>
+            <a:buNone/>
+          </a:pPr>
+          <a:r>
+            <a:rPr lang="en-US" sz="1800" kern="1200" dirty="0"/>
+            <a:t>Automation </a:t>
+          </a:r>
+        </a:p>
+      </dsp:txBody>
+      <dsp:txXfrm>
+        <a:off x="5581256" y="1279707"/>
+        <a:ext cx="1611172" cy="2916054"/>
+      </dsp:txXfrm>
     </dsp:sp>
   </dsp:spTree>
 </dsp:drawing>
@@ -5184,6 +7088,1651 @@
 </dgm:layoutDef>
 </file>
 
+<file path=ppt/diagrams/layout3.xml><?xml version="1.0" encoding="utf-8"?>
+<dgm:layoutDef xmlns:dgm="http://schemas.openxmlformats.org/drawingml/2006/diagram" xmlns:a="http://schemas.openxmlformats.org/drawingml/2006/main" uniqueId="urn:microsoft.com/office/officeart/2005/8/layout/arrow2">
+  <dgm:title val=""/>
+  <dgm:desc val=""/>
+  <dgm:catLst>
+    <dgm:cat type="process" pri="23000"/>
+  </dgm:catLst>
+  <dgm:sampData useDef="1">
+    <dgm:dataModel>
+      <dgm:ptLst/>
+      <dgm:bg/>
+      <dgm:whole/>
+    </dgm:dataModel>
+  </dgm:sampData>
+  <dgm:styleData>
+    <dgm:dataModel>
+      <dgm:ptLst>
+        <dgm:pt modelId="0" type="doc"/>
+        <dgm:pt modelId="1"/>
+        <dgm:pt modelId="2"/>
+      </dgm:ptLst>
+      <dgm:cxnLst>
+        <dgm:cxn modelId="3" srcId="0" destId="1" srcOrd="0" destOrd="0"/>
+        <dgm:cxn modelId="4" srcId="0" destId="2" srcOrd="1" destOrd="0"/>
+      </dgm:cxnLst>
+      <dgm:bg/>
+      <dgm:whole/>
+    </dgm:dataModel>
+  </dgm:styleData>
+  <dgm:clrData>
+    <dgm:dataModel>
+      <dgm:ptLst>
+        <dgm:pt modelId="0" type="doc"/>
+        <dgm:pt modelId="1"/>
+        <dgm:pt modelId="2"/>
+        <dgm:pt modelId="3"/>
+        <dgm:pt modelId="4"/>
+      </dgm:ptLst>
+      <dgm:cxnLst>
+        <dgm:cxn modelId="5" srcId="0" destId="1" srcOrd="0" destOrd="0"/>
+        <dgm:cxn modelId="6" srcId="0" destId="2" srcOrd="1" destOrd="0"/>
+        <dgm:cxn modelId="7" srcId="0" destId="3" srcOrd="2" destOrd="0"/>
+        <dgm:cxn modelId="8" srcId="0" destId="4" srcOrd="3" destOrd="0"/>
+      </dgm:cxnLst>
+      <dgm:bg/>
+      <dgm:whole/>
+    </dgm:dataModel>
+  </dgm:clrData>
+  <dgm:layoutNode name="arrowDiagram">
+    <dgm:varLst>
+      <dgm:chMax val="5"/>
+      <dgm:dir/>
+      <dgm:resizeHandles val="exact"/>
+    </dgm:varLst>
+    <dgm:alg type="composite">
+      <dgm:param type="ar" val="1.6"/>
+    </dgm:alg>
+    <dgm:shape xmlns:r="http://schemas.openxmlformats.org/officeDocument/2006/relationships" r:blip="">
+      <dgm:adjLst/>
+    </dgm:shape>
+    <dgm:presOf/>
+    <dgm:constrLst>
+      <dgm:constr type="l" for="ch" forName="arrow"/>
+      <dgm:constr type="t" for="ch" forName="arrow"/>
+      <dgm:constr type="w" for="ch" forName="arrow" refType="w"/>
+      <dgm:constr type="h" for="ch" forName="arrow" refType="h"/>
+      <dgm:constr type="ctrX" for="ch" forName="arrowDiagram1" refType="w" fact="0.5"/>
+      <dgm:constr type="ctrY" for="ch" forName="arrowDiagram1" refType="h" fact="0.5"/>
+      <dgm:constr type="w" for="ch" forName="arrowDiagram1" refType="w"/>
+      <dgm:constr type="h" for="ch" forName="arrowDiagram1" refType="h"/>
+      <dgm:constr type="ctrX" for="ch" forName="arrowDiagram2" refType="w" fact="0.5"/>
+      <dgm:constr type="ctrY" for="ch" forName="arrowDiagram2" refType="h" fact="0.5"/>
+      <dgm:constr type="w" for="ch" forName="arrowDiagram2" refType="w"/>
+      <dgm:constr type="h" for="ch" forName="arrowDiagram2" refType="h"/>
+      <dgm:constr type="ctrX" for="ch" forName="arrowDiagram3" refType="w" fact="0.5"/>
+      <dgm:constr type="ctrY" for="ch" forName="arrowDiagram3" refType="h" fact="0.5"/>
+      <dgm:constr type="w" for="ch" forName="arrowDiagram3" refType="w"/>
+      <dgm:constr type="h" for="ch" forName="arrowDiagram3" refType="h"/>
+      <dgm:constr type="ctrX" for="ch" forName="arrowDiagram4" refType="w" fact="0.5"/>
+      <dgm:constr type="ctrY" for="ch" forName="arrowDiagram4" refType="h" fact="0.5"/>
+      <dgm:constr type="w" for="ch" forName="arrowDiagram4" refType="w"/>
+      <dgm:constr type="h" for="ch" forName="arrowDiagram4" refType="h"/>
+      <dgm:constr type="ctrX" for="ch" forName="arrowDiagram5" refType="w" fact="0.5"/>
+      <dgm:constr type="ctrY" for="ch" forName="arrowDiagram5" refType="h" fact="0.5"/>
+      <dgm:constr type="w" for="ch" forName="arrowDiagram5" refType="w"/>
+      <dgm:constr type="h" for="ch" forName="arrowDiagram5" refType="h"/>
+    </dgm:constrLst>
+    <dgm:ruleLst/>
+    <dgm:choose name="Name0">
+      <dgm:if name="Name1" axis="ch" ptType="node" func="cnt" op="gte" val="1">
+        <dgm:layoutNode name="arrow" styleLbl="bgShp">
+          <dgm:alg type="sp"/>
+          <dgm:shape xmlns:r="http://schemas.openxmlformats.org/officeDocument/2006/relationships" type="swooshArrow" r:blip="">
+            <dgm:adjLst>
+              <dgm:adj idx="2" val="0.25"/>
+            </dgm:adjLst>
+          </dgm:shape>
+          <dgm:presOf/>
+          <dgm:constrLst/>
+          <dgm:ruleLst/>
+        </dgm:layoutNode>
+        <dgm:choose name="Name2">
+          <dgm:if name="Name3" axis="ch" ptType="node" func="cnt" op="lt" val="1"/>
+          <dgm:if name="Name4" axis="ch" ptType="node" func="cnt" op="equ" val="1">
+            <dgm:layoutNode name="arrowDiagram1">
+              <dgm:varLst>
+                <dgm:bulletEnabled val="1"/>
+              </dgm:varLst>
+              <dgm:alg type="composite">
+                <dgm:param type="vertAlign" val="none"/>
+                <dgm:param type="horzAlign" val="none"/>
+              </dgm:alg>
+              <dgm:shape xmlns:r="http://schemas.openxmlformats.org/officeDocument/2006/relationships" r:blip="">
+                <dgm:adjLst/>
+              </dgm:shape>
+              <dgm:presOf/>
+              <dgm:constrLst>
+                <dgm:constr type="ctrX" for="ch" forName="bullet1" refType="w" fact="0.8"/>
+                <dgm:constr type="ctrY" for="ch" forName="bullet1" refType="h" fact="0.262"/>
+                <dgm:constr type="w" for="ch" forName="bullet1" refType="w" fact="0.074"/>
+                <dgm:constr type="h" for="ch" forName="bullet1" refType="w" refFor="ch" refForName="bullet1"/>
+                <dgm:constr type="r" for="ch" forName="textBox1" refType="ctrX" refFor="ch" refForName="bullet1"/>
+                <dgm:constr type="t" for="ch" forName="textBox1" refType="ctrY" refFor="ch" refForName="bullet1"/>
+                <dgm:constr type="w" for="ch" forName="textBox1" refType="w" fact="0.4"/>
+                <dgm:constr type="h" for="ch" forName="textBox1" refType="h" fact="0.738"/>
+                <dgm:constr type="userA" refType="h" refFor="ch" refForName="bullet1" fact="0.53"/>
+                <dgm:constr type="rMarg" for="ch" forName="textBox1" refType="userA" fact="2.834"/>
+                <dgm:constr type="primFontSz" for="ch" ptType="node" op="equ" val="65"/>
+              </dgm:constrLst>
+              <dgm:ruleLst/>
+              <dgm:forEach name="Name5" axis="ch" ptType="node" cnt="1">
+                <dgm:layoutNode name="bullet1" styleLbl="node1">
+                  <dgm:alg type="sp"/>
+                  <dgm:shape xmlns:r="http://schemas.openxmlformats.org/officeDocument/2006/relationships" type="ellipse" r:blip="">
+                    <dgm:adjLst/>
+                  </dgm:shape>
+                  <dgm:presOf/>
+                  <dgm:constrLst/>
+                  <dgm:ruleLst/>
+                </dgm:layoutNode>
+                <dgm:layoutNode name="textBox1" styleLbl="revTx">
+                  <dgm:varLst>
+                    <dgm:bulletEnabled val="1"/>
+                  </dgm:varLst>
+                  <dgm:alg type="tx">
+                    <dgm:param type="txAnchorVert" val="t"/>
+                    <dgm:param type="parTxLTRAlign" val="r"/>
+                    <dgm:param type="parTxRTLAlign" val="r"/>
+                  </dgm:alg>
+                  <dgm:shape xmlns:r="http://schemas.openxmlformats.org/officeDocument/2006/relationships" type="round2DiagRect" r:blip="">
+                    <dgm:adjLst/>
+                  </dgm:shape>
+                  <dgm:presOf axis="desOrSelf" ptType="node"/>
+                  <dgm:constrLst>
+                    <dgm:constr type="lMarg"/>
+                    <dgm:constr type="tMarg"/>
+                    <dgm:constr type="bMarg"/>
+                  </dgm:constrLst>
+                  <dgm:ruleLst>
+                    <dgm:rule type="primFontSz" val="5" fact="NaN" max="NaN"/>
+                  </dgm:ruleLst>
+                </dgm:layoutNode>
+              </dgm:forEach>
+            </dgm:layoutNode>
+          </dgm:if>
+          <dgm:if name="Name6" axis="ch" ptType="node" func="cnt" op="equ" val="2">
+            <dgm:layoutNode name="arrowDiagram2">
+              <dgm:alg type="composite">
+                <dgm:param type="vertAlign" val="none"/>
+                <dgm:param type="horzAlign" val="none"/>
+              </dgm:alg>
+              <dgm:shape xmlns:r="http://schemas.openxmlformats.org/officeDocument/2006/relationships" r:blip="">
+                <dgm:adjLst/>
+              </dgm:shape>
+              <dgm:presOf/>
+              <dgm:choose name="Name7">
+                <dgm:if name="Name8" func="var" arg="dir" op="equ" val="norm">
+                  <dgm:constrLst>
+                    <dgm:constr type="ctrX" for="ch" forName="bullet2a" refType="w" fact="0.25"/>
+                    <dgm:constr type="ctrY" for="ch" forName="bullet2a" refType="h" fact="0.573"/>
+                    <dgm:constr type="w" for="ch" forName="bullet2a" refType="w" fact="0.035"/>
+                    <dgm:constr type="h" for="ch" forName="bullet2a" refType="w" refFor="ch" refForName="bullet2a"/>
+                    <dgm:constr type="l" for="ch" forName="textBox2a" refType="ctrX" refFor="ch" refForName="bullet2a"/>
+                    <dgm:constr type="t" for="ch" forName="textBox2a" refType="ctrY" refFor="ch" refForName="bullet2a"/>
+                    <dgm:constr type="w" for="ch" forName="textBox2a" refType="w" fact="0.325"/>
+                    <dgm:constr type="h" for="ch" forName="textBox2a" refType="h" fact="0.427"/>
+                    <dgm:constr type="userA" refType="h" refFor="ch" refForName="bullet2a" fact="0.53"/>
+                    <dgm:constr type="lMarg" for="ch" forName="textBox2a" refType="userA" fact="2.834"/>
+                    <dgm:constr type="ctrX" for="ch" forName="bullet2b" refType="w" fact="0.585"/>
+                    <dgm:constr type="ctrY" for="ch" forName="bullet2b" refType="h" fact="0.338"/>
+                    <dgm:constr type="w" for="ch" forName="bullet2b" refType="w" fact="0.06"/>
+                    <dgm:constr type="h" for="ch" forName="bullet2b" refType="w" refFor="ch" refForName="bullet2b"/>
+                    <dgm:constr type="l" for="ch" forName="textBox2b" refType="ctrX" refFor="ch" refForName="bullet2b"/>
+                    <dgm:constr type="t" for="ch" forName="textBox2b" refType="ctrY" refFor="ch" refForName="bullet2b"/>
+                    <dgm:constr type="w" for="ch" forName="textBox2b" refType="w" fact="0.325"/>
+                    <dgm:constr type="h" for="ch" forName="textBox2b" refType="h" fact="0.662"/>
+                    <dgm:constr type="userB" refType="h" refFor="ch" refForName="bullet2b" fact="0.53"/>
+                    <dgm:constr type="lMarg" for="ch" forName="textBox2b" refType="userB" fact="2.834"/>
+                    <dgm:constr type="primFontSz" for="ch" ptType="node" op="equ" val="65"/>
+                  </dgm:constrLst>
+                </dgm:if>
+                <dgm:else name="Name9">
+                  <dgm:constrLst>
+                    <dgm:constr type="ctrX" for="ch" forName="bullet2a" refType="w" fact="0.25"/>
+                    <dgm:constr type="ctrY" for="ch" forName="bullet2a" refType="h" fact="0.573"/>
+                    <dgm:constr type="w" for="ch" forName="bullet2a" refType="w" fact="0.035"/>
+                    <dgm:constr type="h" for="ch" forName="bullet2a" refType="w" refFor="ch" refForName="bullet2a"/>
+                    <dgm:constr type="r" for="ch" forName="textBox2a" refType="ctrX" refFor="ch" refForName="bullet2a"/>
+                    <dgm:constr type="b" for="ch" forName="textBox2a" refType="ctrY" refFor="ch" refForName="bullet2a"/>
+                    <dgm:constr type="w" for="ch" forName="textBox2a" refType="w" fact="0.25"/>
+                    <dgm:constr type="h" for="ch" forName="textBox2a" refType="h" fact="0.573"/>
+                    <dgm:constr type="userA" refType="h" refFor="ch" refForName="bullet2a" fact="0.53"/>
+                    <dgm:constr type="rMarg" for="ch" forName="textBox2a" refType="userA" fact="2.834"/>
+                    <dgm:constr type="ctrX" for="ch" forName="bullet2b" refType="w" fact="0.585"/>
+                    <dgm:constr type="ctrY" for="ch" forName="bullet2b" refType="h" fact="0.338"/>
+                    <dgm:constr type="w" for="ch" forName="bullet2b" refType="w" fact="0.06"/>
+                    <dgm:constr type="h" for="ch" forName="bullet2b" refType="w" refFor="ch" refForName="bullet2b"/>
+                    <dgm:constr type="r" for="ch" forName="textBox2b" refType="ctrX" refFor="ch" refForName="bullet2b"/>
+                    <dgm:constr type="b" for="ch" forName="textBox2b" refType="ctrY" refFor="ch" refForName="bullet2b"/>
+                    <dgm:constr type="w" for="ch" forName="textBox2b" refType="w" fact="0.28"/>
+                    <dgm:constr type="h" for="ch" forName="textBox2b" refType="h" fact="0.338"/>
+                    <dgm:constr type="userB" refType="h" refFor="ch" refForName="bullet2b" fact="0.53"/>
+                    <dgm:constr type="rMarg" for="ch" forName="textBox2b" refType="userB" fact="2.834"/>
+                    <dgm:constr type="primFontSz" for="ch" ptType="node" op="equ" val="65"/>
+                  </dgm:constrLst>
+                </dgm:else>
+              </dgm:choose>
+              <dgm:ruleLst/>
+              <dgm:forEach name="Name10" axis="ch" ptType="node" cnt="1">
+                <dgm:layoutNode name="bullet2a" styleLbl="node1">
+                  <dgm:alg type="sp"/>
+                  <dgm:shape xmlns:r="http://schemas.openxmlformats.org/officeDocument/2006/relationships" type="ellipse" r:blip="">
+                    <dgm:adjLst/>
+                  </dgm:shape>
+                  <dgm:presOf/>
+                  <dgm:constrLst/>
+                  <dgm:ruleLst/>
+                </dgm:layoutNode>
+                <dgm:layoutNode name="textBox2a" styleLbl="revTx">
+                  <dgm:varLst>
+                    <dgm:bulletEnabled val="1"/>
+                  </dgm:varLst>
+                  <dgm:choose name="Name11">
+                    <dgm:if name="Name12" func="var" arg="dir" op="equ" val="norm">
+                      <dgm:choose name="Name13">
+                        <dgm:if name="Name14" axis="root des" ptType="all node" func="maxDepth" op="gt" val="1">
+                          <dgm:alg type="tx">
+                            <dgm:param type="txAnchorVert" val="t"/>
+                            <dgm:param type="parTxLTRAlign" val="l"/>
+                            <dgm:param type="parTxRTLAlign" val="r"/>
+                          </dgm:alg>
+                        </dgm:if>
+                        <dgm:else name="Name15">
+                          <dgm:alg type="tx">
+                            <dgm:param type="txAnchorVert" val="t"/>
+                            <dgm:param type="parTxLTRAlign" val="l"/>
+                            <dgm:param type="parTxRTLAlign" val="l"/>
+                          </dgm:alg>
+                        </dgm:else>
+                      </dgm:choose>
+                    </dgm:if>
+                    <dgm:else name="Name16">
+                      <dgm:choose name="Name17">
+                        <dgm:if name="Name18" axis="root des" ptType="all node" func="maxDepth" op="gt" val="1">
+                          <dgm:alg type="tx">
+                            <dgm:param type="txAnchorVert" val="b"/>
+                            <dgm:param type="txAnchorVertCh" val="b"/>
+                            <dgm:param type="parTxLTRAlign" val="l"/>
+                            <dgm:param type="parTxRTLAlign" val="r"/>
+                          </dgm:alg>
+                        </dgm:if>
+                        <dgm:else name="Name19">
+                          <dgm:alg type="tx">
+                            <dgm:param type="txAnchorVert" val="b"/>
+                            <dgm:param type="parTxLTRAlign" val="r"/>
+                            <dgm:param type="parTxRTLAlign" val="r"/>
+                          </dgm:alg>
+                        </dgm:else>
+                      </dgm:choose>
+                    </dgm:else>
+                  </dgm:choose>
+                  <dgm:shape xmlns:r="http://schemas.openxmlformats.org/officeDocument/2006/relationships" type="rect" r:blip="">
+                    <dgm:adjLst/>
+                  </dgm:shape>
+                  <dgm:presOf axis="desOrSelf" ptType="node"/>
+                  <dgm:choose name="Name20">
+                    <dgm:if name="Name21" func="var" arg="dir" op="equ" val="norm">
+                      <dgm:constrLst>
+                        <dgm:constr type="rMarg"/>
+                        <dgm:constr type="tMarg"/>
+                        <dgm:constr type="bMarg"/>
+                      </dgm:constrLst>
+                    </dgm:if>
+                    <dgm:else name="Name22">
+                      <dgm:constrLst>
+                        <dgm:constr type="lMarg"/>
+                        <dgm:constr type="tMarg"/>
+                        <dgm:constr type="bMarg"/>
+                      </dgm:constrLst>
+                    </dgm:else>
+                  </dgm:choose>
+                  <dgm:ruleLst>
+                    <dgm:rule type="primFontSz" val="5" fact="NaN" max="NaN"/>
+                  </dgm:ruleLst>
+                </dgm:layoutNode>
+              </dgm:forEach>
+              <dgm:forEach name="Name23" axis="ch" ptType="node" st="2" cnt="1">
+                <dgm:layoutNode name="bullet2b" styleLbl="node1">
+                  <dgm:alg type="sp"/>
+                  <dgm:shape xmlns:r="http://schemas.openxmlformats.org/officeDocument/2006/relationships" type="ellipse" r:blip="">
+                    <dgm:adjLst/>
+                  </dgm:shape>
+                  <dgm:presOf/>
+                  <dgm:constrLst/>
+                  <dgm:ruleLst/>
+                </dgm:layoutNode>
+                <dgm:layoutNode name="textBox2b" styleLbl="revTx">
+                  <dgm:varLst>
+                    <dgm:bulletEnabled val="1"/>
+                  </dgm:varLst>
+                  <dgm:choose name="Name24">
+                    <dgm:if name="Name25" func="var" arg="dir" op="equ" val="norm">
+                      <dgm:choose name="Name26">
+                        <dgm:if name="Name27" axis="root des" ptType="all node" func="maxDepth" op="gt" val="1">
+                          <dgm:alg type="tx">
+                            <dgm:param type="txAnchorVert" val="t"/>
+                            <dgm:param type="parTxLTRAlign" val="l"/>
+                            <dgm:param type="parTxRTLAlign" val="r"/>
+                          </dgm:alg>
+                        </dgm:if>
+                        <dgm:else name="Name28">
+                          <dgm:alg type="tx">
+                            <dgm:param type="txAnchorVert" val="t"/>
+                            <dgm:param type="parTxLTRAlign" val="l"/>
+                            <dgm:param type="parTxRTLAlign" val="l"/>
+                          </dgm:alg>
+                        </dgm:else>
+                      </dgm:choose>
+                    </dgm:if>
+                    <dgm:else name="Name29">
+                      <dgm:choose name="Name30">
+                        <dgm:if name="Name31" axis="root des" ptType="all node" func="maxDepth" op="gt" val="1">
+                          <dgm:alg type="tx">
+                            <dgm:param type="txAnchorVert" val="b"/>
+                            <dgm:param type="txAnchorVertCh" val="b"/>
+                            <dgm:param type="parTxLTRAlign" val="l"/>
+                            <dgm:param type="parTxRTLAlign" val="r"/>
+                          </dgm:alg>
+                        </dgm:if>
+                        <dgm:else name="Name32">
+                          <dgm:alg type="tx">
+                            <dgm:param type="txAnchorVert" val="b"/>
+                            <dgm:param type="parTxLTRAlign" val="r"/>
+                            <dgm:param type="parTxRTLAlign" val="r"/>
+                          </dgm:alg>
+                        </dgm:else>
+                      </dgm:choose>
+                    </dgm:else>
+                  </dgm:choose>
+                  <dgm:shape xmlns:r="http://schemas.openxmlformats.org/officeDocument/2006/relationships" type="rect" r:blip="">
+                    <dgm:adjLst/>
+                  </dgm:shape>
+                  <dgm:presOf axis="desOrSelf" ptType="node"/>
+                  <dgm:choose name="Name33">
+                    <dgm:if name="Name34" func="var" arg="dir" op="equ" val="norm">
+                      <dgm:constrLst>
+                        <dgm:constr type="rMarg"/>
+                        <dgm:constr type="tMarg"/>
+                        <dgm:constr type="bMarg"/>
+                      </dgm:constrLst>
+                    </dgm:if>
+                    <dgm:else name="Name35">
+                      <dgm:constrLst>
+                        <dgm:constr type="lMarg"/>
+                        <dgm:constr type="tMarg"/>
+                        <dgm:constr type="bMarg"/>
+                      </dgm:constrLst>
+                    </dgm:else>
+                  </dgm:choose>
+                  <dgm:ruleLst>
+                    <dgm:rule type="primFontSz" val="5" fact="NaN" max="NaN"/>
+                  </dgm:ruleLst>
+                </dgm:layoutNode>
+              </dgm:forEach>
+            </dgm:layoutNode>
+          </dgm:if>
+          <dgm:if name="Name36" axis="ch" ptType="node" func="cnt" op="equ" val="3">
+            <dgm:layoutNode name="arrowDiagram3">
+              <dgm:alg type="composite">
+                <dgm:param type="vertAlign" val="none"/>
+                <dgm:param type="horzAlign" val="none"/>
+              </dgm:alg>
+              <dgm:shape xmlns:r="http://schemas.openxmlformats.org/officeDocument/2006/relationships" r:blip="">
+                <dgm:adjLst/>
+              </dgm:shape>
+              <dgm:presOf/>
+              <dgm:choose name="Name37">
+                <dgm:if name="Name38" func="var" arg="dir" op="equ" val="norm">
+                  <dgm:constrLst>
+                    <dgm:constr type="ctrX" for="ch" forName="bullet3a" refType="w" fact="0.14"/>
+                    <dgm:constr type="ctrY" for="ch" forName="bullet3a" refType="h" fact="0.711"/>
+                    <dgm:constr type="w" for="ch" forName="bullet3a" refType="w" fact="0.026"/>
+                    <dgm:constr type="h" for="ch" forName="bullet3a" refType="w" refFor="ch" refForName="bullet3a"/>
+                    <dgm:constr type="l" for="ch" forName="textBox3a" refType="ctrX" refFor="ch" refForName="bullet3a"/>
+                    <dgm:constr type="t" for="ch" forName="textBox3a" refType="ctrY" refFor="ch" refForName="bullet3a"/>
+                    <dgm:constr type="w" for="ch" forName="textBox3a" refType="w" fact="0.233"/>
+                    <dgm:constr type="h" for="ch" forName="textBox3a" refType="h" fact="0.289"/>
+                    <dgm:constr type="userA" refType="h" refFor="ch" refForName="bullet3a" fact="0.53"/>
+                    <dgm:constr type="lMarg" for="ch" forName="textBox3a" refType="userA" fact="2.834"/>
+                    <dgm:constr type="ctrX" for="ch" forName="bullet3b" refType="w" fact="0.38"/>
+                    <dgm:constr type="ctrY" for="ch" forName="bullet3b" refType="h" fact="0.456"/>
+                    <dgm:constr type="w" for="ch" forName="bullet3b" refType="w" fact="0.047"/>
+                    <dgm:constr type="h" for="ch" forName="bullet3b" refType="w" refFor="ch" refForName="bullet3b"/>
+                    <dgm:constr type="l" for="ch" forName="textBox3b" refType="ctrX" refFor="ch" refForName="bullet3b"/>
+                    <dgm:constr type="t" for="ch" forName="textBox3b" refType="ctrY" refFor="ch" refForName="bullet3b"/>
+                    <dgm:constr type="w" for="ch" forName="textBox3b" refType="w" fact="0.24"/>
+                    <dgm:constr type="h" for="ch" forName="textBox3b" refType="h" fact="0.544"/>
+                    <dgm:constr type="userB" refType="h" refFor="ch" refForName="bullet3b" fact="0.53"/>
+                    <dgm:constr type="lMarg" for="ch" forName="textBox3b" refType="userB" fact="2.834"/>
+                    <dgm:constr type="ctrX" for="ch" forName="bullet3c" refType="w" fact="0.665"/>
+                    <dgm:constr type="ctrY" for="ch" forName="bullet3c" refType="h" fact="0.305"/>
+                    <dgm:constr type="w" for="ch" forName="bullet3c" refType="w" fact="0.065"/>
+                    <dgm:constr type="h" for="ch" forName="bullet3c" refType="w" refFor="ch" refForName="bullet3c"/>
+                    <dgm:constr type="l" for="ch" forName="textBox3c" refType="ctrX" refFor="ch" refForName="bullet3c"/>
+                    <dgm:constr type="t" for="ch" forName="textBox3c" refType="ctrY" refFor="ch" refForName="bullet3c"/>
+                    <dgm:constr type="w" for="ch" forName="textBox3c" refType="w" fact="0.24"/>
+                    <dgm:constr type="h" for="ch" forName="textBox3c" refType="h" fact="0.695"/>
+                    <dgm:constr type="userC" refType="h" refFor="ch" refForName="bullet3c" fact="0.53"/>
+                    <dgm:constr type="lMarg" for="ch" forName="textBox3c" refType="userC" fact="2.834"/>
+                    <dgm:constr type="primFontSz" for="ch" ptType="node" op="equ" val="65"/>
+                  </dgm:constrLst>
+                </dgm:if>
+                <dgm:else name="Name39">
+                  <dgm:constrLst>
+                    <dgm:constr type="ctrX" for="ch" forName="bullet3a" refType="w" fact="0.14"/>
+                    <dgm:constr type="ctrY" for="ch" forName="bullet3a" refType="h" fact="0.711"/>
+                    <dgm:constr type="w" for="ch" forName="bullet3a" refType="w" fact="0.026"/>
+                    <dgm:constr type="h" for="ch" forName="bullet3a" refType="w" refFor="ch" refForName="bullet3a"/>
+                    <dgm:constr type="r" for="ch" forName="textBox3a" refType="ctrX" refFor="ch" refForName="bullet3a"/>
+                    <dgm:constr type="b" for="ch" forName="textBox3a" refType="ctrY" refFor="ch" refForName="bullet3a"/>
+                    <dgm:constr type="w" for="ch" forName="textBox3a" refType="w" fact="0.14"/>
+                    <dgm:constr type="h" for="ch" forName="textBox3a" refType="h" fact="0.711"/>
+                    <dgm:constr type="userA" refType="h" refFor="ch" refForName="bullet3a" fact="0.53"/>
+                    <dgm:constr type="rMarg" for="ch" forName="textBox3a" refType="userA" fact="2.834"/>
+                    <dgm:constr type="ctrX" for="ch" forName="bullet3b" refType="w" fact="0.38"/>
+                    <dgm:constr type="ctrY" for="ch" forName="bullet3b" refType="h" fact="0.456"/>
+                    <dgm:constr type="w" for="ch" forName="bullet3b" refType="w" fact="0.047"/>
+                    <dgm:constr type="h" for="ch" forName="bullet3b" refType="w" refFor="ch" refForName="bullet3b"/>
+                    <dgm:constr type="r" for="ch" forName="textBox3b" refType="ctrX" refFor="ch" refForName="bullet3b"/>
+                    <dgm:constr type="b" for="ch" forName="textBox3b" refType="ctrY" refFor="ch" refForName="bullet3b"/>
+                    <dgm:constr type="w" for="ch" forName="textBox3b" refType="w" fact="0.24"/>
+                    <dgm:constr type="h" for="ch" forName="textBox3b" refType="h" fact="0.456"/>
+                    <dgm:constr type="userB" refType="h" refFor="ch" refForName="bullet3b" fact="0.53"/>
+                    <dgm:constr type="rMarg" for="ch" forName="textBox3b" refType="userB" fact="2.834"/>
+                    <dgm:constr type="ctrX" for="ch" forName="bullet3c" refType="w" fact="0.665"/>
+                    <dgm:constr type="ctrY" for="ch" forName="bullet3c" refType="h" fact="0.305"/>
+                    <dgm:constr type="w" for="ch" forName="bullet3c" refType="w" fact="0.065"/>
+                    <dgm:constr type="h" for="ch" forName="bullet3c" refType="w" refFor="ch" refForName="bullet3c"/>
+                    <dgm:constr type="r" for="ch" forName="textBox3c" refType="ctrX" refFor="ch" refForName="bullet3c"/>
+                    <dgm:constr type="b" for="ch" forName="textBox3c" refType="ctrY" refFor="ch" refForName="bullet3c"/>
+                    <dgm:constr type="w" for="ch" forName="textBox3c" refType="w" fact="0.24"/>
+                    <dgm:constr type="h" for="ch" forName="textBox3c" refType="h" fact="0.305"/>
+                    <dgm:constr type="userC" refType="h" refFor="ch" refForName="bullet3c" fact="0.53"/>
+                    <dgm:constr type="rMarg" for="ch" forName="textBox3c" refType="userC" fact="2.834"/>
+                    <dgm:constr type="primFontSz" for="ch" ptType="node" op="equ" val="65"/>
+                  </dgm:constrLst>
+                </dgm:else>
+              </dgm:choose>
+              <dgm:ruleLst/>
+              <dgm:forEach name="Name40" axis="ch" ptType="node" cnt="1">
+                <dgm:layoutNode name="bullet3a" styleLbl="node1">
+                  <dgm:alg type="sp"/>
+                  <dgm:shape xmlns:r="http://schemas.openxmlformats.org/officeDocument/2006/relationships" type="ellipse" r:blip="">
+                    <dgm:adjLst/>
+                  </dgm:shape>
+                  <dgm:presOf/>
+                  <dgm:constrLst/>
+                  <dgm:ruleLst/>
+                </dgm:layoutNode>
+                <dgm:layoutNode name="textBox3a" styleLbl="revTx">
+                  <dgm:varLst>
+                    <dgm:bulletEnabled val="1"/>
+                  </dgm:varLst>
+                  <dgm:choose name="Name41">
+                    <dgm:if name="Name42" func="var" arg="dir" op="equ" val="norm">
+                      <dgm:choose name="Name43">
+                        <dgm:if name="Name44" axis="root des" ptType="all node" func="maxDepth" op="gt" val="1">
+                          <dgm:alg type="tx">
+                            <dgm:param type="txAnchorVert" val="t"/>
+                            <dgm:param type="parTxLTRAlign" val="l"/>
+                            <dgm:param type="parTxRTLAlign" val="r"/>
+                          </dgm:alg>
+                        </dgm:if>
+                        <dgm:else name="Name45">
+                          <dgm:alg type="tx">
+                            <dgm:param type="txAnchorVert" val="t"/>
+                            <dgm:param type="parTxLTRAlign" val="l"/>
+                            <dgm:param type="parTxRTLAlign" val="l"/>
+                          </dgm:alg>
+                        </dgm:else>
+                      </dgm:choose>
+                    </dgm:if>
+                    <dgm:else name="Name46">
+                      <dgm:choose name="Name47">
+                        <dgm:if name="Name48" axis="root des" ptType="all node" func="maxDepth" op="gt" val="1">
+                          <dgm:alg type="tx">
+                            <dgm:param type="txAnchorVert" val="b"/>
+                            <dgm:param type="txAnchorVertCh" val="b"/>
+                            <dgm:param type="parTxLTRAlign" val="l"/>
+                            <dgm:param type="parTxRTLAlign" val="r"/>
+                          </dgm:alg>
+                        </dgm:if>
+                        <dgm:else name="Name49">
+                          <dgm:alg type="tx">
+                            <dgm:param type="txAnchorVert" val="b"/>
+                            <dgm:param type="parTxLTRAlign" val="r"/>
+                            <dgm:param type="parTxRTLAlign" val="r"/>
+                          </dgm:alg>
+                        </dgm:else>
+                      </dgm:choose>
+                    </dgm:else>
+                  </dgm:choose>
+                  <dgm:shape xmlns:r="http://schemas.openxmlformats.org/officeDocument/2006/relationships" type="rect" r:blip="">
+                    <dgm:adjLst/>
+                  </dgm:shape>
+                  <dgm:presOf axis="desOrSelf" ptType="node"/>
+                  <dgm:choose name="Name50">
+                    <dgm:if name="Name51" func="var" arg="dir" op="equ" val="norm">
+                      <dgm:constrLst>
+                        <dgm:constr type="rMarg"/>
+                        <dgm:constr type="tMarg"/>
+                        <dgm:constr type="bMarg"/>
+                      </dgm:constrLst>
+                    </dgm:if>
+                    <dgm:else name="Name52">
+                      <dgm:constrLst>
+                        <dgm:constr type="lMarg"/>
+                        <dgm:constr type="tMarg"/>
+                        <dgm:constr type="bMarg"/>
+                      </dgm:constrLst>
+                    </dgm:else>
+                  </dgm:choose>
+                  <dgm:ruleLst>
+                    <dgm:rule type="primFontSz" val="5" fact="NaN" max="NaN"/>
+                  </dgm:ruleLst>
+                </dgm:layoutNode>
+              </dgm:forEach>
+              <dgm:forEach name="Name53" axis="ch" ptType="node" st="2" cnt="1">
+                <dgm:layoutNode name="bullet3b" styleLbl="node1">
+                  <dgm:alg type="sp"/>
+                  <dgm:shape xmlns:r="http://schemas.openxmlformats.org/officeDocument/2006/relationships" type="ellipse" r:blip="">
+                    <dgm:adjLst/>
+                  </dgm:shape>
+                  <dgm:presOf/>
+                  <dgm:constrLst/>
+                  <dgm:ruleLst/>
+                </dgm:layoutNode>
+                <dgm:layoutNode name="textBox3b" styleLbl="revTx">
+                  <dgm:varLst>
+                    <dgm:bulletEnabled val="1"/>
+                  </dgm:varLst>
+                  <dgm:choose name="Name54">
+                    <dgm:if name="Name55" func="var" arg="dir" op="equ" val="norm">
+                      <dgm:choose name="Name56">
+                        <dgm:if name="Name57" axis="root des" ptType="all node" func="maxDepth" op="gt" val="1">
+                          <dgm:alg type="tx">
+                            <dgm:param type="txAnchorVert" val="t"/>
+                            <dgm:param type="parTxLTRAlign" val="l"/>
+                            <dgm:param type="parTxRTLAlign" val="r"/>
+                          </dgm:alg>
+                        </dgm:if>
+                        <dgm:else name="Name58">
+                          <dgm:alg type="tx">
+                            <dgm:param type="txAnchorVert" val="t"/>
+                            <dgm:param type="parTxLTRAlign" val="l"/>
+                            <dgm:param type="parTxRTLAlign" val="l"/>
+                          </dgm:alg>
+                        </dgm:else>
+                      </dgm:choose>
+                    </dgm:if>
+                    <dgm:else name="Name59">
+                      <dgm:choose name="Name60">
+                        <dgm:if name="Name61" axis="root des" ptType="all node" func="maxDepth" op="gt" val="1">
+                          <dgm:alg type="tx">
+                            <dgm:param type="txAnchorVert" val="b"/>
+                            <dgm:param type="txAnchorVertCh" val="b"/>
+                            <dgm:param type="parTxLTRAlign" val="l"/>
+                            <dgm:param type="parTxRTLAlign" val="r"/>
+                          </dgm:alg>
+                        </dgm:if>
+                        <dgm:else name="Name62">
+                          <dgm:alg type="tx">
+                            <dgm:param type="txAnchorVert" val="b"/>
+                            <dgm:param type="parTxLTRAlign" val="r"/>
+                            <dgm:param type="parTxRTLAlign" val="r"/>
+                          </dgm:alg>
+                        </dgm:else>
+                      </dgm:choose>
+                    </dgm:else>
+                  </dgm:choose>
+                  <dgm:shape xmlns:r="http://schemas.openxmlformats.org/officeDocument/2006/relationships" type="rect" r:blip="">
+                    <dgm:adjLst/>
+                  </dgm:shape>
+                  <dgm:presOf axis="desOrSelf" ptType="node"/>
+                  <dgm:choose name="Name63">
+                    <dgm:if name="Name64" func="var" arg="dir" op="equ" val="norm">
+                      <dgm:constrLst>
+                        <dgm:constr type="rMarg"/>
+                        <dgm:constr type="tMarg"/>
+                        <dgm:constr type="bMarg"/>
+                      </dgm:constrLst>
+                    </dgm:if>
+                    <dgm:else name="Name65">
+                      <dgm:constrLst>
+                        <dgm:constr type="lMarg"/>
+                        <dgm:constr type="tMarg"/>
+                        <dgm:constr type="bMarg"/>
+                      </dgm:constrLst>
+                    </dgm:else>
+                  </dgm:choose>
+                  <dgm:ruleLst>
+                    <dgm:rule type="primFontSz" val="5" fact="NaN" max="NaN"/>
+                  </dgm:ruleLst>
+                </dgm:layoutNode>
+              </dgm:forEach>
+              <dgm:forEach name="Name66" axis="ch" ptType="node" st="3" cnt="1">
+                <dgm:layoutNode name="bullet3c" styleLbl="node1">
+                  <dgm:alg type="sp"/>
+                  <dgm:shape xmlns:r="http://schemas.openxmlformats.org/officeDocument/2006/relationships" type="ellipse" r:blip="">
+                    <dgm:adjLst/>
+                  </dgm:shape>
+                  <dgm:presOf/>
+                  <dgm:constrLst/>
+                  <dgm:ruleLst/>
+                </dgm:layoutNode>
+                <dgm:layoutNode name="textBox3c" styleLbl="revTx">
+                  <dgm:varLst>
+                    <dgm:bulletEnabled val="1"/>
+                  </dgm:varLst>
+                  <dgm:choose name="Name67">
+                    <dgm:if name="Name68" func="var" arg="dir" op="equ" val="norm">
+                      <dgm:choose name="Name69">
+                        <dgm:if name="Name70" axis="root des" ptType="all node" func="maxDepth" op="gt" val="1">
+                          <dgm:alg type="tx">
+                            <dgm:param type="txAnchorVert" val="t"/>
+                            <dgm:param type="parTxLTRAlign" val="l"/>
+                            <dgm:param type="parTxRTLAlign" val="r"/>
+                          </dgm:alg>
+                        </dgm:if>
+                        <dgm:else name="Name71">
+                          <dgm:alg type="tx">
+                            <dgm:param type="txAnchorVert" val="t"/>
+                            <dgm:param type="parTxLTRAlign" val="l"/>
+                            <dgm:param type="parTxRTLAlign" val="l"/>
+                          </dgm:alg>
+                        </dgm:else>
+                      </dgm:choose>
+                    </dgm:if>
+                    <dgm:else name="Name72">
+                      <dgm:choose name="Name73">
+                        <dgm:if name="Name74" axis="root des" ptType="all node" func="maxDepth" op="gt" val="1">
+                          <dgm:alg type="tx">
+                            <dgm:param type="txAnchorVert" val="b"/>
+                            <dgm:param type="txAnchorVertCh" val="b"/>
+                            <dgm:param type="parTxLTRAlign" val="l"/>
+                            <dgm:param type="parTxRTLAlign" val="r"/>
+                          </dgm:alg>
+                        </dgm:if>
+                        <dgm:else name="Name75">
+                          <dgm:alg type="tx">
+                            <dgm:param type="txAnchorVert" val="b"/>
+                            <dgm:param type="parTxLTRAlign" val="r"/>
+                            <dgm:param type="parTxRTLAlign" val="r"/>
+                          </dgm:alg>
+                        </dgm:else>
+                      </dgm:choose>
+                    </dgm:else>
+                  </dgm:choose>
+                  <dgm:shape xmlns:r="http://schemas.openxmlformats.org/officeDocument/2006/relationships" type="rect" r:blip="">
+                    <dgm:adjLst/>
+                  </dgm:shape>
+                  <dgm:presOf axis="desOrSelf" ptType="node"/>
+                  <dgm:choose name="Name76">
+                    <dgm:if name="Name77" func="var" arg="dir" op="equ" val="norm">
+                      <dgm:constrLst>
+                        <dgm:constr type="rMarg"/>
+                        <dgm:constr type="tMarg"/>
+                        <dgm:constr type="bMarg"/>
+                      </dgm:constrLst>
+                    </dgm:if>
+                    <dgm:else name="Name78">
+                      <dgm:constrLst>
+                        <dgm:constr type="lMarg"/>
+                        <dgm:constr type="tMarg"/>
+                        <dgm:constr type="bMarg"/>
+                      </dgm:constrLst>
+                    </dgm:else>
+                  </dgm:choose>
+                  <dgm:ruleLst>
+                    <dgm:rule type="primFontSz" val="5" fact="NaN" max="NaN"/>
+                  </dgm:ruleLst>
+                </dgm:layoutNode>
+              </dgm:forEach>
+            </dgm:layoutNode>
+          </dgm:if>
+          <dgm:if name="Name79" axis="ch" ptType="node" func="cnt" op="equ" val="4">
+            <dgm:layoutNode name="arrowDiagram4">
+              <dgm:alg type="composite">
+                <dgm:param type="vertAlign" val="none"/>
+                <dgm:param type="horzAlign" val="none"/>
+              </dgm:alg>
+              <dgm:shape xmlns:r="http://schemas.openxmlformats.org/officeDocument/2006/relationships" r:blip="">
+                <dgm:adjLst/>
+              </dgm:shape>
+              <dgm:presOf/>
+              <dgm:choose name="Name80">
+                <dgm:if name="Name81" func="var" arg="dir" op="equ" val="norm">
+                  <dgm:constrLst>
+                    <dgm:constr type="ctrX" for="ch" forName="bullet4a" refType="w" fact="0.11"/>
+                    <dgm:constr type="ctrY" for="ch" forName="bullet4a" refType="h" fact="0.762"/>
+                    <dgm:constr type="w" for="ch" forName="bullet4a" refType="w" fact="0.023"/>
+                    <dgm:constr type="h" for="ch" forName="bullet4a" refType="w" refFor="ch" refForName="bullet4a"/>
+                    <dgm:constr type="l" for="ch" forName="textBox4a" refType="ctrX" refFor="ch" refForName="bullet4a"/>
+                    <dgm:constr type="t" for="ch" forName="textBox4a" refType="ctrY" refFor="ch" refForName="bullet4a"/>
+                    <dgm:constr type="w" for="ch" forName="textBox4a" refType="w" fact="0.171"/>
+                    <dgm:constr type="h" for="ch" forName="textBox4a" refType="h" fact="0.238"/>
+                    <dgm:constr type="userA" refType="h" refFor="ch" refForName="bullet4a" fact="0.53"/>
+                    <dgm:constr type="lMarg" for="ch" forName="textBox4a" refType="userA" fact="2.834"/>
+                    <dgm:constr type="ctrX" for="ch" forName="bullet4b" refType="w" fact="0.281"/>
+                    <dgm:constr type="ctrY" for="ch" forName="bullet4b" refType="h" fact="0.543"/>
+                    <dgm:constr type="w" for="ch" forName="bullet4b" refType="w" fact="0.04"/>
+                    <dgm:constr type="h" for="ch" forName="bullet4b" refType="w" refFor="ch" refForName="bullet4b"/>
+                    <dgm:constr type="l" for="ch" forName="textBox4b" refType="ctrX" refFor="ch" refForName="bullet4b"/>
+                    <dgm:constr type="t" for="ch" forName="textBox4b" refType="ctrY" refFor="ch" refForName="bullet4b"/>
+                    <dgm:constr type="w" for="ch" forName="textBox4b" refType="w" fact="0.21"/>
+                    <dgm:constr type="h" for="ch" forName="textBox4b" refType="h" fact="0.457"/>
+                    <dgm:constr type="userB" refType="h" refFor="ch" refForName="bullet4b" fact="0.53"/>
+                    <dgm:constr type="lMarg" for="ch" forName="textBox4b" refType="userB" fact="2.834"/>
+                    <dgm:constr type="ctrX" for="ch" forName="bullet4c" refType="w" fact="0.495"/>
+                    <dgm:constr type="ctrY" for="ch" forName="bullet4c" refType="h" fact="0.382"/>
+                    <dgm:constr type="w" for="ch" forName="bullet4c" refType="w" fact="0.053"/>
+                    <dgm:constr type="h" for="ch" forName="bullet4c" refType="w" refFor="ch" refForName="bullet4c"/>
+                    <dgm:constr type="l" for="ch" forName="textBox4c" refType="ctrX" refFor="ch" refForName="bullet4c"/>
+                    <dgm:constr type="t" for="ch" forName="textBox4c" refType="ctrY" refFor="ch" refForName="bullet4c"/>
+                    <dgm:constr type="w" for="ch" forName="textBox4c" refType="w" fact="0.21"/>
+                    <dgm:constr type="h" for="ch" forName="textBox4c" refType="h" fact="0.618"/>
+                    <dgm:constr type="userC" refType="h" refFor="ch" refForName="bullet4c" fact="0.53"/>
+                    <dgm:constr type="lMarg" for="ch" forName="textBox4c" refType="userC" fact="2.834"/>
+                    <dgm:constr type="ctrX" for="ch" forName="bullet4d" refType="w" fact="0.73"/>
+                    <dgm:constr type="ctrY" for="ch" forName="bullet4d" refType="h" fact="0.283"/>
+                    <dgm:constr type="w" for="ch" forName="bullet4d" refType="w" fact="0.071"/>
+                    <dgm:constr type="h" for="ch" forName="bullet4d" refType="w" refFor="ch" refForName="bullet4d"/>
+                    <dgm:constr type="l" for="ch" forName="textBox4d" refType="ctrX" refFor="ch" refForName="bullet4d"/>
+                    <dgm:constr type="t" for="ch" forName="textBox4d" refType="ctrY" refFor="ch" refForName="bullet4d"/>
+                    <dgm:constr type="w" for="ch" forName="textBox4d" refType="w" fact="0.21"/>
+                    <dgm:constr type="h" for="ch" forName="textBox4d" refType="h" fact="0.717"/>
+                    <dgm:constr type="userD" refType="h" refFor="ch" refForName="bullet4d" fact="0.53"/>
+                    <dgm:constr type="lMarg" for="ch" forName="textBox4d" refType="userD" fact="2.834"/>
+                    <dgm:constr type="primFontSz" for="ch" ptType="node" op="equ" val="65"/>
+                  </dgm:constrLst>
+                </dgm:if>
+                <dgm:else name="Name82">
+                  <dgm:constrLst>
+                    <dgm:constr type="ctrX" for="ch" forName="bullet4a" refType="w" fact="0.11"/>
+                    <dgm:constr type="ctrY" for="ch" forName="bullet4a" refType="h" fact="0.762"/>
+                    <dgm:constr type="w" for="ch" forName="bullet4a" refType="w" fact="0.023"/>
+                    <dgm:constr type="h" for="ch" forName="bullet4a" refType="w" refFor="ch" refForName="bullet4a"/>
+                    <dgm:constr type="r" for="ch" forName="textBox4a" refType="ctrX" refFor="ch" refForName="bullet4a"/>
+                    <dgm:constr type="b" for="ch" forName="textBox4a" refType="ctrY" refFor="ch" refForName="bullet4a"/>
+                    <dgm:constr type="w" for="ch" forName="textBox4a" refType="w" fact="0.11"/>
+                    <dgm:constr type="h" for="ch" forName="textBox4a" refType="h" fact="0.762"/>
+                    <dgm:constr type="userA" refType="h" refFor="ch" refForName="bullet4a" fact="0.53"/>
+                    <dgm:constr type="rMarg" for="ch" forName="textBox4a" refType="userA" fact="2.834"/>
+                    <dgm:constr type="ctrX" for="ch" forName="bullet4b" refType="w" fact="0.281"/>
+                    <dgm:constr type="ctrY" for="ch" forName="bullet4b" refType="h" fact="0.543"/>
+                    <dgm:constr type="w" for="ch" forName="bullet4b" refType="w" fact="0.04"/>
+                    <dgm:constr type="h" for="ch" forName="bullet4b" refType="w" refFor="ch" refForName="bullet4b"/>
+                    <dgm:constr type="r" for="ch" forName="textBox4b" refType="ctrX" refFor="ch" refForName="bullet4b"/>
+                    <dgm:constr type="b" for="ch" forName="textBox4b" refType="ctrY" refFor="ch" refForName="bullet4b"/>
+                    <dgm:constr type="w" for="ch" forName="textBox4b" refType="w" fact="0.171"/>
+                    <dgm:constr type="h" for="ch" forName="textBox4b" refType="h" fact="0.543"/>
+                    <dgm:constr type="userB" refType="h" refFor="ch" refForName="bullet4b" fact="0.53"/>
+                    <dgm:constr type="rMarg" for="ch" forName="textBox4b" refType="userB" fact="2.834"/>
+                    <dgm:constr type="ctrX" for="ch" forName="bullet4c" refType="w" fact="0.495"/>
+                    <dgm:constr type="ctrY" for="ch" forName="bullet4c" refType="h" fact="0.382"/>
+                    <dgm:constr type="w" for="ch" forName="bullet4c" refType="w" fact="0.053"/>
+                    <dgm:constr type="h" for="ch" forName="bullet4c" refType="w" refFor="ch" refForName="bullet4c"/>
+                    <dgm:constr type="r" for="ch" forName="textBox4c" refType="ctrX" refFor="ch" refForName="bullet4c"/>
+                    <dgm:constr type="b" for="ch" forName="textBox4c" refType="ctrY" refFor="ch" refForName="bullet4c"/>
+                    <dgm:constr type="w" for="ch" forName="textBox4c" refType="w" fact="0.21"/>
+                    <dgm:constr type="h" for="ch" forName="textBox4c" refType="h" fact="0.382"/>
+                    <dgm:constr type="userC" refType="h" refFor="ch" refForName="bullet4c" fact="0.53"/>
+                    <dgm:constr type="rMarg" for="ch" forName="textBox4c" refType="userC" fact="2.834"/>
+                    <dgm:constr type="ctrX" for="ch" forName="bullet4d" refType="w" fact="0.73"/>
+                    <dgm:constr type="ctrY" for="ch" forName="bullet4d" refType="h" fact="0.283"/>
+                    <dgm:constr type="w" for="ch" forName="bullet4d" refType="w" fact="0.071"/>
+                    <dgm:constr type="h" for="ch" forName="bullet4d" refType="w" refFor="ch" refForName="bullet4d"/>
+                    <dgm:constr type="r" for="ch" forName="textBox4d" refType="ctrX" refFor="ch" refForName="bullet4d"/>
+                    <dgm:constr type="b" for="ch" forName="textBox4d" refType="ctrY" refFor="ch" refForName="bullet4d"/>
+                    <dgm:constr type="w" for="ch" forName="textBox4d" refType="w" fact="0.21"/>
+                    <dgm:constr type="h" for="ch" forName="textBox4d" refType="h" fact="0.283"/>
+                    <dgm:constr type="userD" refType="h" refFor="ch" refForName="bullet4d" fact="0.53"/>
+                    <dgm:constr type="rMarg" for="ch" forName="textBox4d" refType="userD" fact="2.834"/>
+                    <dgm:constr type="primFontSz" for="ch" ptType="node" op="equ" val="65"/>
+                  </dgm:constrLst>
+                </dgm:else>
+              </dgm:choose>
+              <dgm:ruleLst/>
+              <dgm:forEach name="Name83" axis="ch" ptType="node" cnt="1">
+                <dgm:layoutNode name="bullet4a" styleLbl="node1">
+                  <dgm:alg type="sp"/>
+                  <dgm:shape xmlns:r="http://schemas.openxmlformats.org/officeDocument/2006/relationships" type="ellipse" r:blip="">
+                    <dgm:adjLst/>
+                  </dgm:shape>
+                  <dgm:presOf/>
+                  <dgm:constrLst/>
+                  <dgm:ruleLst/>
+                </dgm:layoutNode>
+                <dgm:layoutNode name="textBox4a" styleLbl="revTx">
+                  <dgm:varLst>
+                    <dgm:bulletEnabled val="1"/>
+                  </dgm:varLst>
+                  <dgm:choose name="Name84">
+                    <dgm:if name="Name85" func="var" arg="dir" op="equ" val="norm">
+                      <dgm:choose name="Name86">
+                        <dgm:if name="Name87" axis="root des" ptType="all node" func="maxDepth" op="gt" val="1">
+                          <dgm:alg type="tx">
+                            <dgm:param type="txAnchorVert" val="t"/>
+                            <dgm:param type="parTxLTRAlign" val="l"/>
+                            <dgm:param type="parTxRTLAlign" val="r"/>
+                          </dgm:alg>
+                        </dgm:if>
+                        <dgm:else name="Name88">
+                          <dgm:alg type="tx">
+                            <dgm:param type="txAnchorVert" val="t"/>
+                            <dgm:param type="parTxLTRAlign" val="l"/>
+                            <dgm:param type="parTxRTLAlign" val="l"/>
+                          </dgm:alg>
+                        </dgm:else>
+                      </dgm:choose>
+                    </dgm:if>
+                    <dgm:else name="Name89">
+                      <dgm:choose name="Name90">
+                        <dgm:if name="Name91" axis="root des" ptType="all node" func="maxDepth" op="gt" val="1">
+                          <dgm:alg type="tx">
+                            <dgm:param type="txAnchorVert" val="b"/>
+                            <dgm:param type="txAnchorVertCh" val="b"/>
+                            <dgm:param type="parTxLTRAlign" val="l"/>
+                            <dgm:param type="parTxRTLAlign" val="r"/>
+                          </dgm:alg>
+                        </dgm:if>
+                        <dgm:else name="Name92">
+                          <dgm:alg type="tx">
+                            <dgm:param type="txAnchorVert" val="b"/>
+                            <dgm:param type="parTxLTRAlign" val="r"/>
+                            <dgm:param type="parTxRTLAlign" val="r"/>
+                          </dgm:alg>
+                        </dgm:else>
+                      </dgm:choose>
+                    </dgm:else>
+                  </dgm:choose>
+                  <dgm:shape xmlns:r="http://schemas.openxmlformats.org/officeDocument/2006/relationships" type="rect" r:blip="">
+                    <dgm:adjLst/>
+                  </dgm:shape>
+                  <dgm:presOf axis="desOrSelf" ptType="node"/>
+                  <dgm:choose name="Name93">
+                    <dgm:if name="Name94" func="var" arg="dir" op="equ" val="norm">
+                      <dgm:constrLst>
+                        <dgm:constr type="rMarg"/>
+                        <dgm:constr type="tMarg"/>
+                        <dgm:constr type="bMarg"/>
+                      </dgm:constrLst>
+                    </dgm:if>
+                    <dgm:else name="Name95">
+                      <dgm:constrLst>
+                        <dgm:constr type="lMarg"/>
+                        <dgm:constr type="tMarg"/>
+                        <dgm:constr type="bMarg"/>
+                      </dgm:constrLst>
+                    </dgm:else>
+                  </dgm:choose>
+                  <dgm:ruleLst>
+                    <dgm:rule type="primFontSz" val="5" fact="NaN" max="NaN"/>
+                  </dgm:ruleLst>
+                </dgm:layoutNode>
+              </dgm:forEach>
+              <dgm:forEach name="Name96" axis="ch" ptType="node" st="2" cnt="1">
+                <dgm:layoutNode name="bullet4b" styleLbl="node1">
+                  <dgm:alg type="sp"/>
+                  <dgm:shape xmlns:r="http://schemas.openxmlformats.org/officeDocument/2006/relationships" type="ellipse" r:blip="">
+                    <dgm:adjLst/>
+                  </dgm:shape>
+                  <dgm:presOf/>
+                  <dgm:constrLst/>
+                  <dgm:ruleLst/>
+                </dgm:layoutNode>
+                <dgm:layoutNode name="textBox4b" styleLbl="revTx">
+                  <dgm:varLst>
+                    <dgm:bulletEnabled val="1"/>
+                  </dgm:varLst>
+                  <dgm:choose name="Name97">
+                    <dgm:if name="Name98" func="var" arg="dir" op="equ" val="norm">
+                      <dgm:choose name="Name99">
+                        <dgm:if name="Name100" axis="root des" ptType="all node" func="maxDepth" op="gt" val="1">
+                          <dgm:alg type="tx">
+                            <dgm:param type="txAnchorVert" val="t"/>
+                            <dgm:param type="parTxLTRAlign" val="l"/>
+                            <dgm:param type="parTxRTLAlign" val="r"/>
+                          </dgm:alg>
+                        </dgm:if>
+                        <dgm:else name="Name101">
+                          <dgm:alg type="tx">
+                            <dgm:param type="txAnchorVert" val="t"/>
+                            <dgm:param type="parTxLTRAlign" val="l"/>
+                            <dgm:param type="parTxRTLAlign" val="l"/>
+                          </dgm:alg>
+                        </dgm:else>
+                      </dgm:choose>
+                    </dgm:if>
+                    <dgm:else name="Name102">
+                      <dgm:choose name="Name103">
+                        <dgm:if name="Name104" axis="root des" ptType="all node" func="maxDepth" op="gt" val="1">
+                          <dgm:alg type="tx">
+                            <dgm:param type="txAnchorVert" val="b"/>
+                            <dgm:param type="txAnchorVertCh" val="b"/>
+                            <dgm:param type="parTxLTRAlign" val="l"/>
+                            <dgm:param type="parTxRTLAlign" val="r"/>
+                          </dgm:alg>
+                        </dgm:if>
+                        <dgm:else name="Name105">
+                          <dgm:alg type="tx">
+                            <dgm:param type="txAnchorVert" val="b"/>
+                            <dgm:param type="parTxLTRAlign" val="r"/>
+                            <dgm:param type="parTxRTLAlign" val="r"/>
+                          </dgm:alg>
+                        </dgm:else>
+                      </dgm:choose>
+                    </dgm:else>
+                  </dgm:choose>
+                  <dgm:shape xmlns:r="http://schemas.openxmlformats.org/officeDocument/2006/relationships" type="rect" r:blip="">
+                    <dgm:adjLst/>
+                  </dgm:shape>
+                  <dgm:presOf axis="desOrSelf" ptType="node"/>
+                  <dgm:choose name="Name106">
+                    <dgm:if name="Name107" func="var" arg="dir" op="equ" val="norm">
+                      <dgm:constrLst>
+                        <dgm:constr type="rMarg"/>
+                        <dgm:constr type="tMarg"/>
+                        <dgm:constr type="bMarg"/>
+                      </dgm:constrLst>
+                    </dgm:if>
+                    <dgm:else name="Name108">
+                      <dgm:constrLst>
+                        <dgm:constr type="lMarg"/>
+                        <dgm:constr type="tMarg"/>
+                        <dgm:constr type="bMarg"/>
+                      </dgm:constrLst>
+                    </dgm:else>
+                  </dgm:choose>
+                  <dgm:ruleLst>
+                    <dgm:rule type="primFontSz" val="5" fact="NaN" max="NaN"/>
+                  </dgm:ruleLst>
+                </dgm:layoutNode>
+              </dgm:forEach>
+              <dgm:forEach name="Name109" axis="ch" ptType="node" st="3" cnt="1">
+                <dgm:layoutNode name="bullet4c" styleLbl="node1">
+                  <dgm:alg type="sp"/>
+                  <dgm:shape xmlns:r="http://schemas.openxmlformats.org/officeDocument/2006/relationships" type="ellipse" r:blip="">
+                    <dgm:adjLst/>
+                  </dgm:shape>
+                  <dgm:presOf/>
+                  <dgm:constrLst/>
+                  <dgm:ruleLst/>
+                </dgm:layoutNode>
+                <dgm:layoutNode name="textBox4c" styleLbl="revTx">
+                  <dgm:varLst>
+                    <dgm:bulletEnabled val="1"/>
+                  </dgm:varLst>
+                  <dgm:choose name="Name110">
+                    <dgm:if name="Name111" func="var" arg="dir" op="equ" val="norm">
+                      <dgm:choose name="Name112">
+                        <dgm:if name="Name113" axis="root des" ptType="all node" func="maxDepth" op="gt" val="1">
+                          <dgm:alg type="tx">
+                            <dgm:param type="txAnchorVert" val="t"/>
+                            <dgm:param type="parTxLTRAlign" val="l"/>
+                            <dgm:param type="parTxRTLAlign" val="r"/>
+                          </dgm:alg>
+                        </dgm:if>
+                        <dgm:else name="Name114">
+                          <dgm:alg type="tx">
+                            <dgm:param type="txAnchorVert" val="t"/>
+                            <dgm:param type="parTxLTRAlign" val="l"/>
+                            <dgm:param type="parTxRTLAlign" val="l"/>
+                          </dgm:alg>
+                        </dgm:else>
+                      </dgm:choose>
+                    </dgm:if>
+                    <dgm:else name="Name115">
+                      <dgm:choose name="Name116">
+                        <dgm:if name="Name117" axis="root des" ptType="all node" func="maxDepth" op="gt" val="1">
+                          <dgm:alg type="tx">
+                            <dgm:param type="txAnchorVert" val="b"/>
+                            <dgm:param type="txAnchorVertCh" val="b"/>
+                            <dgm:param type="parTxLTRAlign" val="l"/>
+                            <dgm:param type="parTxRTLAlign" val="r"/>
+                          </dgm:alg>
+                        </dgm:if>
+                        <dgm:else name="Name118">
+                          <dgm:alg type="tx">
+                            <dgm:param type="txAnchorVert" val="b"/>
+                            <dgm:param type="parTxLTRAlign" val="r"/>
+                            <dgm:param type="parTxRTLAlign" val="r"/>
+                          </dgm:alg>
+                        </dgm:else>
+                      </dgm:choose>
+                    </dgm:else>
+                  </dgm:choose>
+                  <dgm:shape xmlns:r="http://schemas.openxmlformats.org/officeDocument/2006/relationships" type="rect" r:blip="">
+                    <dgm:adjLst/>
+                  </dgm:shape>
+                  <dgm:presOf axis="desOrSelf" ptType="node"/>
+                  <dgm:choose name="Name119">
+                    <dgm:if name="Name120" func="var" arg="dir" op="equ" val="norm">
+                      <dgm:constrLst>
+                        <dgm:constr type="rMarg"/>
+                        <dgm:constr type="tMarg"/>
+                        <dgm:constr type="bMarg"/>
+                      </dgm:constrLst>
+                    </dgm:if>
+                    <dgm:else name="Name121">
+                      <dgm:constrLst>
+                        <dgm:constr type="lMarg"/>
+                        <dgm:constr type="tMarg"/>
+                        <dgm:constr type="bMarg"/>
+                      </dgm:constrLst>
+                    </dgm:else>
+                  </dgm:choose>
+                  <dgm:ruleLst>
+                    <dgm:rule type="primFontSz" val="5" fact="NaN" max="NaN"/>
+                  </dgm:ruleLst>
+                </dgm:layoutNode>
+              </dgm:forEach>
+              <dgm:forEach name="Name122" axis="ch" ptType="node" st="4" cnt="1">
+                <dgm:layoutNode name="bullet4d" styleLbl="node1">
+                  <dgm:alg type="sp"/>
+                  <dgm:shape xmlns:r="http://schemas.openxmlformats.org/officeDocument/2006/relationships" type="ellipse" r:blip="">
+                    <dgm:adjLst/>
+                  </dgm:shape>
+                  <dgm:presOf/>
+                  <dgm:constrLst/>
+                  <dgm:ruleLst/>
+                </dgm:layoutNode>
+                <dgm:layoutNode name="textBox4d" styleLbl="revTx">
+                  <dgm:varLst>
+                    <dgm:bulletEnabled val="1"/>
+                  </dgm:varLst>
+                  <dgm:choose name="Name123">
+                    <dgm:if name="Name124" func="var" arg="dir" op="equ" val="norm">
+                      <dgm:choose name="Name125">
+                        <dgm:if name="Name126" axis="root des" ptType="all node" func="maxDepth" op="gt" val="1">
+                          <dgm:alg type="tx">
+                            <dgm:param type="txAnchorVert" val="t"/>
+                            <dgm:param type="parTxLTRAlign" val="l"/>
+                            <dgm:param type="parTxRTLAlign" val="r"/>
+                          </dgm:alg>
+                        </dgm:if>
+                        <dgm:else name="Name127">
+                          <dgm:alg type="tx">
+                            <dgm:param type="txAnchorVert" val="t"/>
+                            <dgm:param type="parTxLTRAlign" val="l"/>
+                            <dgm:param type="parTxRTLAlign" val="l"/>
+                          </dgm:alg>
+                        </dgm:else>
+                      </dgm:choose>
+                    </dgm:if>
+                    <dgm:else name="Name128">
+                      <dgm:choose name="Name129">
+                        <dgm:if name="Name130" axis="root des" ptType="all node" func="maxDepth" op="gt" val="1">
+                          <dgm:alg type="tx">
+                            <dgm:param type="txAnchorVert" val="b"/>
+                            <dgm:param type="txAnchorVertCh" val="b"/>
+                            <dgm:param type="parTxLTRAlign" val="l"/>
+                            <dgm:param type="parTxRTLAlign" val="r"/>
+                          </dgm:alg>
+                        </dgm:if>
+                        <dgm:else name="Name131">
+                          <dgm:alg type="tx">
+                            <dgm:param type="txAnchorVert" val="b"/>
+                            <dgm:param type="parTxLTRAlign" val="r"/>
+                            <dgm:param type="parTxRTLAlign" val="r"/>
+                          </dgm:alg>
+                        </dgm:else>
+                      </dgm:choose>
+                    </dgm:else>
+                  </dgm:choose>
+                  <dgm:shape xmlns:r="http://schemas.openxmlformats.org/officeDocument/2006/relationships" type="rect" r:blip="">
+                    <dgm:adjLst/>
+                  </dgm:shape>
+                  <dgm:presOf axis="desOrSelf" ptType="node"/>
+                  <dgm:choose name="Name132">
+                    <dgm:if name="Name133" func="var" arg="dir" op="equ" val="norm">
+                      <dgm:constrLst>
+                        <dgm:constr type="rMarg"/>
+                        <dgm:constr type="tMarg"/>
+                        <dgm:constr type="bMarg"/>
+                      </dgm:constrLst>
+                    </dgm:if>
+                    <dgm:else name="Name134">
+                      <dgm:constrLst>
+                        <dgm:constr type="lMarg"/>
+                        <dgm:constr type="tMarg"/>
+                        <dgm:constr type="bMarg"/>
+                      </dgm:constrLst>
+                    </dgm:else>
+                  </dgm:choose>
+                  <dgm:ruleLst>
+                    <dgm:rule type="primFontSz" val="5" fact="NaN" max="NaN"/>
+                  </dgm:ruleLst>
+                </dgm:layoutNode>
+              </dgm:forEach>
+            </dgm:layoutNode>
+          </dgm:if>
+          <dgm:else name="Name135">
+            <dgm:layoutNode name="arrowDiagram5">
+              <dgm:alg type="composite">
+                <dgm:param type="vertAlign" val="none"/>
+                <dgm:param type="horzAlign" val="none"/>
+              </dgm:alg>
+              <dgm:shape xmlns:r="http://schemas.openxmlformats.org/officeDocument/2006/relationships" r:blip="">
+                <dgm:adjLst/>
+              </dgm:shape>
+              <dgm:presOf/>
+              <dgm:choose name="Name136">
+                <dgm:if name="Name137" func="var" arg="dir" op="equ" val="norm">
+                  <dgm:constrLst>
+                    <dgm:constr type="ctrX" for="ch" forName="bullet5a" refType="w" fact="0.11"/>
+                    <dgm:constr type="ctrY" for="ch" forName="bullet5a" refType="h" fact="0.762"/>
+                    <dgm:constr type="w" for="ch" forName="bullet5a" refType="w" fact="0.023"/>
+                    <dgm:constr type="h" for="ch" forName="bullet5a" refType="w" refFor="ch" refForName="bullet5a"/>
+                    <dgm:constr type="l" for="ch" forName="textBox5a" refType="ctrX" refFor="ch" refForName="bullet5a"/>
+                    <dgm:constr type="t" for="ch" forName="textBox5a" refType="ctrY" refFor="ch" refForName="bullet5a"/>
+                    <dgm:constr type="w" for="ch" forName="textBox5a" refType="w" fact="0.131"/>
+                    <dgm:constr type="h" for="ch" forName="textBox5a" refType="h" fact="0.238"/>
+                    <dgm:constr type="userA" refType="h" refFor="ch" refForName="bullet5a" fact="0.53"/>
+                    <dgm:constr type="lMarg" for="ch" forName="textBox5a" refType="userA" fact="2.834"/>
+                    <dgm:constr type="ctrX" for="ch" forName="bullet5b" refType="w" fact="0.241"/>
+                    <dgm:constr type="ctrY" for="ch" forName="bullet5b" refType="h" fact="0.581"/>
+                    <dgm:constr type="w" for="ch" forName="bullet5b" refType="w" fact="0.036"/>
+                    <dgm:constr type="h" for="ch" forName="bullet5b" refType="w" refFor="ch" refForName="bullet5b"/>
+                    <dgm:constr type="l" for="ch" forName="textBox5b" refType="ctrX" refFor="ch" refForName="bullet5b"/>
+                    <dgm:constr type="t" for="ch" forName="textBox5b" refType="ctrY" refFor="ch" refForName="bullet5b"/>
+                    <dgm:constr type="w" for="ch" forName="textBox5b" refType="w" fact="0.166"/>
+                    <dgm:constr type="h" for="ch" forName="textBox5b" refType="h" fact="0.419"/>
+                    <dgm:constr type="userB" refType="h" refFor="ch" refForName="bullet5b" fact="0.53"/>
+                    <dgm:constr type="lMarg" for="ch" forName="textBox5b" refType="userB" fact="2.834"/>
+                    <dgm:constr type="ctrX" for="ch" forName="bullet5c" refType="w" fact="0.407"/>
+                    <dgm:constr type="ctrY" for="ch" forName="bullet5c" refType="h" fact="0.438"/>
+                    <dgm:constr type="w" for="ch" forName="bullet5c" refType="w" fact="0.048"/>
+                    <dgm:constr type="h" for="ch" forName="bullet5c" refType="w" refFor="ch" refForName="bullet5c"/>
+                    <dgm:constr type="l" for="ch" forName="textBox5c" refType="ctrX" refFor="ch" refForName="bullet5c"/>
+                    <dgm:constr type="t" for="ch" forName="textBox5c" refType="ctrY" refFor="ch" refForName="bullet5c"/>
+                    <dgm:constr type="w" for="ch" forName="textBox5c" refType="w" fact="0.193"/>
+                    <dgm:constr type="h" for="ch" forName="textBox5c" refType="h" fact="0.562"/>
+                    <dgm:constr type="userC" refType="h" refFor="ch" refForName="bullet5c" fact="0.53"/>
+                    <dgm:constr type="lMarg" for="ch" forName="textBox5c" refType="userC" fact="2.834"/>
+                    <dgm:constr type="ctrX" for="ch" forName="bullet5d" refType="w" fact="0.6"/>
+                    <dgm:constr type="ctrY" for="ch" forName="bullet5d" refType="h" fact="0.33"/>
+                    <dgm:constr type="w" for="ch" forName="bullet5d" refType="w" fact="0.062"/>
+                    <dgm:constr type="h" for="ch" forName="bullet5d" refType="w" refFor="ch" refForName="bullet5d"/>
+                    <dgm:constr type="l" for="ch" forName="textBox5d" refType="ctrX" refFor="ch" refForName="bullet5d"/>
+                    <dgm:constr type="t" for="ch" forName="textBox5d" refType="ctrY" refFor="ch" refForName="bullet5d"/>
+                    <dgm:constr type="w" for="ch" forName="textBox5d" refType="w" fact="0.2"/>
+                    <dgm:constr type="h" for="ch" forName="textBox5d" refType="h" fact="0.67"/>
+                    <dgm:constr type="userD" refType="h" refFor="ch" refForName="bullet5d" fact="0.53"/>
+                    <dgm:constr type="lMarg" for="ch" forName="textBox5d" refType="userD" fact="2.834"/>
+                    <dgm:constr type="ctrX" for="ch" forName="bullet5e" refType="w" fact="0.8"/>
+                    <dgm:constr type="ctrY" for="ch" forName="bullet5e" refType="h" fact="0.264"/>
+                    <dgm:constr type="w" for="ch" forName="bullet5e" refType="w" fact="0.079"/>
+                    <dgm:constr type="h" for="ch" forName="bullet5e" refType="w" refFor="ch" refForName="bullet5e"/>
+                    <dgm:constr type="l" for="ch" forName="textBox5e" refType="ctrX" refFor="ch" refForName="bullet5e"/>
+                    <dgm:constr type="t" for="ch" forName="textBox5e" refType="ctrY" refFor="ch" refForName="bullet5e"/>
+                    <dgm:constr type="w" for="ch" forName="textBox5e" refType="w" fact="0.2"/>
+                    <dgm:constr type="h" for="ch" forName="textBox5e" refType="h" fact="0.736"/>
+                    <dgm:constr type="userE" refType="h" refFor="ch" refForName="bullet5e" fact="0.53"/>
+                    <dgm:constr type="lMarg" for="ch" forName="textBox5e" refType="userE" fact="2.834"/>
+                    <dgm:constr type="primFontSz" for="ch" ptType="node" op="equ" val="65"/>
+                  </dgm:constrLst>
+                </dgm:if>
+                <dgm:else name="Name138">
+                  <dgm:constrLst>
+                    <dgm:constr type="ctrX" for="ch" forName="bullet5a" refType="w" fact="0.11"/>
+                    <dgm:constr type="ctrY" for="ch" forName="bullet5a" refType="h" fact="0.762"/>
+                    <dgm:constr type="w" for="ch" forName="bullet5a" refType="w" fact="0.023"/>
+                    <dgm:constr type="h" for="ch" forName="bullet5a" refType="w" refFor="ch" refForName="bullet5a"/>
+                    <dgm:constr type="r" for="ch" forName="textBox5a" refType="ctrX" refFor="ch" refForName="bullet5a"/>
+                    <dgm:constr type="b" for="ch" forName="textBox5a" refType="ctrY" refFor="ch" refForName="bullet5a"/>
+                    <dgm:constr type="w" for="ch" forName="textBox5a" refType="w" fact="0.11"/>
+                    <dgm:constr type="h" for="ch" forName="textBox5a" refType="h" fact="0.762"/>
+                    <dgm:constr type="userA" refType="h" refFor="ch" refForName="bullet5a" fact="0.53"/>
+                    <dgm:constr type="rMarg" for="ch" forName="textBox5a" refType="userA" fact="2.834"/>
+                    <dgm:constr type="ctrX" for="ch" forName="bullet5b" refType="w" fact="0.241"/>
+                    <dgm:constr type="ctrY" for="ch" forName="bullet5b" refType="h" fact="0.581"/>
+                    <dgm:constr type="w" for="ch" forName="bullet5b" refType="w" fact="0.036"/>
+                    <dgm:constr type="h" for="ch" forName="bullet5b" refType="w" refFor="ch" refForName="bullet5b"/>
+                    <dgm:constr type="r" for="ch" forName="textBox5b" refType="ctrX" refFor="ch" refForName="bullet5b"/>
+                    <dgm:constr type="b" for="ch" forName="textBox5b" refType="ctrY" refFor="ch" refForName="bullet5b"/>
+                    <dgm:constr type="w" for="ch" forName="textBox5b" refType="w" fact="0.131"/>
+                    <dgm:constr type="h" for="ch" forName="textBox5b" refType="h" fact="0.581"/>
+                    <dgm:constr type="userB" refType="h" refFor="ch" refForName="bullet5b" fact="0.53"/>
+                    <dgm:constr type="rMarg" for="ch" forName="textBox5b" refType="userB" fact="2.834"/>
+                    <dgm:constr type="ctrX" for="ch" forName="bullet5c" refType="w" fact="0.407"/>
+                    <dgm:constr type="ctrY" for="ch" forName="bullet5c" refType="h" fact="0.438"/>
+                    <dgm:constr type="w" for="ch" forName="bullet5c" refType="w" fact="0.048"/>
+                    <dgm:constr type="h" for="ch" forName="bullet5c" refType="w" refFor="ch" refForName="bullet5c"/>
+                    <dgm:constr type="r" for="ch" forName="textBox5c" refType="ctrX" refFor="ch" refForName="bullet5c"/>
+                    <dgm:constr type="b" for="ch" forName="textBox5c" refType="ctrY" refFor="ch" refForName="bullet5c"/>
+                    <dgm:constr type="w" for="ch" forName="textBox5c" refType="w" fact="0.166"/>
+                    <dgm:constr type="h" for="ch" forName="textBox5c" refType="h" fact="0.438"/>
+                    <dgm:constr type="userC" refType="h" refFor="ch" refForName="bullet5c" fact="0.53"/>
+                    <dgm:constr type="rMarg" for="ch" forName="textBox5c" refType="userC" fact="2.834"/>
+                    <dgm:constr type="ctrX" for="ch" forName="bullet5d" refType="w" fact="0.6"/>
+                    <dgm:constr type="ctrY" for="ch" forName="bullet5d" refType="h" fact="0.33"/>
+                    <dgm:constr type="w" for="ch" forName="bullet5d" refType="w" fact="0.062"/>
+                    <dgm:constr type="h" for="ch" forName="bullet5d" refType="w" refFor="ch" refForName="bullet5d"/>
+                    <dgm:constr type="r" for="ch" forName="textBox5d" refType="ctrX" refFor="ch" refForName="bullet5d"/>
+                    <dgm:constr type="b" for="ch" forName="textBox5d" refType="ctrY" refFor="ch" refForName="bullet5d"/>
+                    <dgm:constr type="w" for="ch" forName="textBox5d" refType="w" fact="0.193"/>
+                    <dgm:constr type="h" for="ch" forName="textBox5d" refType="h" fact="0.33"/>
+                    <dgm:constr type="userD" refType="h" refFor="ch" refForName="bullet5d" fact="0.53"/>
+                    <dgm:constr type="rMarg" for="ch" forName="textBox5d" refType="userD" fact="2.834"/>
+                    <dgm:constr type="ctrX" for="ch" forName="bullet5e" refType="w" fact="0.8"/>
+                    <dgm:constr type="ctrY" for="ch" forName="bullet5e" refType="h" fact="0.264"/>
+                    <dgm:constr type="w" for="ch" forName="bullet5e" refType="w" fact="0.079"/>
+                    <dgm:constr type="h" for="ch" forName="bullet5e" refType="w" refFor="ch" refForName="bullet5e"/>
+                    <dgm:constr type="r" for="ch" forName="textBox5e" refType="ctrX" refFor="ch" refForName="bullet5e"/>
+                    <dgm:constr type="b" for="ch" forName="textBox5e" refType="ctrY" refFor="ch" refForName="bullet5e"/>
+                    <dgm:constr type="w" for="ch" forName="textBox5e" refType="w" fact="0.2"/>
+                    <dgm:constr type="h" for="ch" forName="textBox5e" refType="h" fact="0.264"/>
+                    <dgm:constr type="userE" refType="h" refFor="ch" refForName="bullet5e" fact="0.53"/>
+                    <dgm:constr type="rMarg" for="ch" forName="textBox5e" refType="userE" fact="2.834"/>
+                    <dgm:constr type="primFontSz" for="ch" ptType="node" op="equ" val="65"/>
+                  </dgm:constrLst>
+                </dgm:else>
+              </dgm:choose>
+              <dgm:ruleLst/>
+              <dgm:forEach name="Name139" axis="ch" ptType="node" cnt="1">
+                <dgm:layoutNode name="bullet5a" styleLbl="node1">
+                  <dgm:alg type="sp"/>
+                  <dgm:shape xmlns:r="http://schemas.openxmlformats.org/officeDocument/2006/relationships" type="ellipse" r:blip="">
+                    <dgm:adjLst/>
+                  </dgm:shape>
+                  <dgm:presOf/>
+                  <dgm:constrLst/>
+                  <dgm:ruleLst/>
+                </dgm:layoutNode>
+                <dgm:layoutNode name="textBox5a" styleLbl="revTx">
+                  <dgm:varLst>
+                    <dgm:bulletEnabled val="1"/>
+                  </dgm:varLst>
+                  <dgm:choose name="Name140">
+                    <dgm:if name="Name141" func="var" arg="dir" op="equ" val="norm">
+                      <dgm:choose name="Name142">
+                        <dgm:if name="Name143" axis="root des" ptType="all node" func="maxDepth" op="gt" val="1">
+                          <dgm:alg type="tx">
+                            <dgm:param type="txAnchorVert" val="t"/>
+                            <dgm:param type="parTxLTRAlign" val="l"/>
+                            <dgm:param type="parTxRTLAlign" val="r"/>
+                          </dgm:alg>
+                        </dgm:if>
+                        <dgm:else name="Name144">
+                          <dgm:alg type="tx">
+                            <dgm:param type="txAnchorVert" val="t"/>
+                            <dgm:param type="parTxLTRAlign" val="l"/>
+                            <dgm:param type="parTxRTLAlign" val="l"/>
+                          </dgm:alg>
+                        </dgm:else>
+                      </dgm:choose>
+                    </dgm:if>
+                    <dgm:else name="Name145">
+                      <dgm:choose name="Name146">
+                        <dgm:if name="Name147" axis="root des" ptType="all node" func="maxDepth" op="gt" val="1">
+                          <dgm:alg type="tx">
+                            <dgm:param type="txAnchorVert" val="b"/>
+                            <dgm:param type="txAnchorVertCh" val="b"/>
+                            <dgm:param type="parTxLTRAlign" val="l"/>
+                            <dgm:param type="parTxRTLAlign" val="r"/>
+                          </dgm:alg>
+                        </dgm:if>
+                        <dgm:else name="Name148">
+                          <dgm:alg type="tx">
+                            <dgm:param type="txAnchorVert" val="b"/>
+                            <dgm:param type="parTxLTRAlign" val="r"/>
+                            <dgm:param type="parTxRTLAlign" val="r"/>
+                          </dgm:alg>
+                        </dgm:else>
+                      </dgm:choose>
+                    </dgm:else>
+                  </dgm:choose>
+                  <dgm:shape xmlns:r="http://schemas.openxmlformats.org/officeDocument/2006/relationships" type="rect" r:blip="">
+                    <dgm:adjLst/>
+                  </dgm:shape>
+                  <dgm:presOf axis="desOrSelf" ptType="node"/>
+                  <dgm:choose name="Name149">
+                    <dgm:if name="Name150" func="var" arg="dir" op="equ" val="norm">
+                      <dgm:constrLst>
+                        <dgm:constr type="rMarg"/>
+                        <dgm:constr type="tMarg"/>
+                        <dgm:constr type="bMarg"/>
+                      </dgm:constrLst>
+                    </dgm:if>
+                    <dgm:else name="Name151">
+                      <dgm:constrLst>
+                        <dgm:constr type="lMarg"/>
+                        <dgm:constr type="tMarg"/>
+                        <dgm:constr type="bMarg"/>
+                      </dgm:constrLst>
+                    </dgm:else>
+                  </dgm:choose>
+                  <dgm:ruleLst>
+                    <dgm:rule type="primFontSz" val="5" fact="NaN" max="NaN"/>
+                  </dgm:ruleLst>
+                </dgm:layoutNode>
+              </dgm:forEach>
+              <dgm:forEach name="Name152" axis="ch" ptType="node" st="2" cnt="1">
+                <dgm:layoutNode name="bullet5b" styleLbl="node1">
+                  <dgm:alg type="sp"/>
+                  <dgm:shape xmlns:r="http://schemas.openxmlformats.org/officeDocument/2006/relationships" type="ellipse" r:blip="">
+                    <dgm:adjLst/>
+                  </dgm:shape>
+                  <dgm:presOf/>
+                  <dgm:constrLst/>
+                  <dgm:ruleLst/>
+                </dgm:layoutNode>
+                <dgm:layoutNode name="textBox5b" styleLbl="revTx">
+                  <dgm:varLst>
+                    <dgm:bulletEnabled val="1"/>
+                  </dgm:varLst>
+                  <dgm:choose name="Name153">
+                    <dgm:if name="Name154" func="var" arg="dir" op="equ" val="norm">
+                      <dgm:choose name="Name155">
+                        <dgm:if name="Name156" axis="root des" ptType="all node" func="maxDepth" op="gt" val="1">
+                          <dgm:alg type="tx">
+                            <dgm:param type="txAnchorVert" val="t"/>
+                            <dgm:param type="parTxLTRAlign" val="l"/>
+                            <dgm:param type="parTxRTLAlign" val="r"/>
+                          </dgm:alg>
+                        </dgm:if>
+                        <dgm:else name="Name157">
+                          <dgm:alg type="tx">
+                            <dgm:param type="txAnchorVert" val="t"/>
+                            <dgm:param type="parTxLTRAlign" val="l"/>
+                            <dgm:param type="parTxRTLAlign" val="l"/>
+                          </dgm:alg>
+                        </dgm:else>
+                      </dgm:choose>
+                    </dgm:if>
+                    <dgm:else name="Name158">
+                      <dgm:choose name="Name159">
+                        <dgm:if name="Name160" axis="root des" ptType="all node" func="maxDepth" op="gt" val="1">
+                          <dgm:alg type="tx">
+                            <dgm:param type="txAnchorVert" val="b"/>
+                            <dgm:param type="txAnchorVertCh" val="b"/>
+                            <dgm:param type="parTxLTRAlign" val="l"/>
+                            <dgm:param type="parTxRTLAlign" val="r"/>
+                          </dgm:alg>
+                        </dgm:if>
+                        <dgm:else name="Name161">
+                          <dgm:alg type="tx">
+                            <dgm:param type="txAnchorVert" val="b"/>
+                            <dgm:param type="parTxLTRAlign" val="r"/>
+                            <dgm:param type="parTxRTLAlign" val="r"/>
+                          </dgm:alg>
+                        </dgm:else>
+                      </dgm:choose>
+                    </dgm:else>
+                  </dgm:choose>
+                  <dgm:shape xmlns:r="http://schemas.openxmlformats.org/officeDocument/2006/relationships" type="rect" r:blip="">
+                    <dgm:adjLst/>
+                  </dgm:shape>
+                  <dgm:presOf axis="desOrSelf" ptType="node"/>
+                  <dgm:choose name="Name162">
+                    <dgm:if name="Name163" func="var" arg="dir" op="equ" val="norm">
+                      <dgm:constrLst>
+                        <dgm:constr type="rMarg"/>
+                        <dgm:constr type="tMarg"/>
+                        <dgm:constr type="bMarg"/>
+                      </dgm:constrLst>
+                    </dgm:if>
+                    <dgm:else name="Name164">
+                      <dgm:constrLst>
+                        <dgm:constr type="lMarg"/>
+                        <dgm:constr type="tMarg"/>
+                        <dgm:constr type="bMarg"/>
+                      </dgm:constrLst>
+                    </dgm:else>
+                  </dgm:choose>
+                  <dgm:ruleLst>
+                    <dgm:rule type="primFontSz" val="5" fact="NaN" max="NaN"/>
+                  </dgm:ruleLst>
+                </dgm:layoutNode>
+              </dgm:forEach>
+              <dgm:forEach name="Name165" axis="ch" ptType="node" st="3" cnt="1">
+                <dgm:layoutNode name="bullet5c" styleLbl="node1">
+                  <dgm:alg type="sp"/>
+                  <dgm:shape xmlns:r="http://schemas.openxmlformats.org/officeDocument/2006/relationships" type="ellipse" r:blip="">
+                    <dgm:adjLst/>
+                  </dgm:shape>
+                  <dgm:presOf/>
+                  <dgm:constrLst/>
+                  <dgm:ruleLst/>
+                </dgm:layoutNode>
+                <dgm:layoutNode name="textBox5c" styleLbl="revTx">
+                  <dgm:varLst>
+                    <dgm:bulletEnabled val="1"/>
+                  </dgm:varLst>
+                  <dgm:choose name="Name166">
+                    <dgm:if name="Name167" func="var" arg="dir" op="equ" val="norm">
+                      <dgm:choose name="Name168">
+                        <dgm:if name="Name169" axis="root des" ptType="all node" func="maxDepth" op="gt" val="1">
+                          <dgm:alg type="tx">
+                            <dgm:param type="txAnchorVert" val="t"/>
+                            <dgm:param type="parTxLTRAlign" val="l"/>
+                            <dgm:param type="parTxRTLAlign" val="r"/>
+                          </dgm:alg>
+                        </dgm:if>
+                        <dgm:else name="Name170">
+                          <dgm:alg type="tx">
+                            <dgm:param type="txAnchorVert" val="t"/>
+                            <dgm:param type="parTxLTRAlign" val="l"/>
+                            <dgm:param type="parTxRTLAlign" val="l"/>
+                          </dgm:alg>
+                        </dgm:else>
+                      </dgm:choose>
+                    </dgm:if>
+                    <dgm:else name="Name171">
+                      <dgm:choose name="Name172">
+                        <dgm:if name="Name173" axis="root des" ptType="all node" func="maxDepth" op="gt" val="1">
+                          <dgm:alg type="tx">
+                            <dgm:param type="txAnchorVert" val="b"/>
+                            <dgm:param type="txAnchorVertCh" val="b"/>
+                            <dgm:param type="parTxLTRAlign" val="l"/>
+                            <dgm:param type="parTxRTLAlign" val="r"/>
+                          </dgm:alg>
+                        </dgm:if>
+                        <dgm:else name="Name174">
+                          <dgm:alg type="tx">
+                            <dgm:param type="txAnchorVert" val="b"/>
+                            <dgm:param type="parTxLTRAlign" val="r"/>
+                            <dgm:param type="parTxRTLAlign" val="r"/>
+                          </dgm:alg>
+                        </dgm:else>
+                      </dgm:choose>
+                    </dgm:else>
+                  </dgm:choose>
+                  <dgm:shape xmlns:r="http://schemas.openxmlformats.org/officeDocument/2006/relationships" type="rect" r:blip="">
+                    <dgm:adjLst/>
+                  </dgm:shape>
+                  <dgm:presOf axis="desOrSelf" ptType="node"/>
+                  <dgm:choose name="Name175">
+                    <dgm:if name="Name176" func="var" arg="dir" op="equ" val="norm">
+                      <dgm:constrLst>
+                        <dgm:constr type="rMarg"/>
+                        <dgm:constr type="tMarg"/>
+                        <dgm:constr type="bMarg"/>
+                      </dgm:constrLst>
+                    </dgm:if>
+                    <dgm:else name="Name177">
+                      <dgm:constrLst>
+                        <dgm:constr type="lMarg"/>
+                        <dgm:constr type="tMarg"/>
+                        <dgm:constr type="bMarg"/>
+                      </dgm:constrLst>
+                    </dgm:else>
+                  </dgm:choose>
+                  <dgm:ruleLst>
+                    <dgm:rule type="primFontSz" val="5" fact="NaN" max="NaN"/>
+                  </dgm:ruleLst>
+                </dgm:layoutNode>
+              </dgm:forEach>
+              <dgm:forEach name="Name178" axis="ch" ptType="node" st="4" cnt="1">
+                <dgm:layoutNode name="bullet5d" styleLbl="node1">
+                  <dgm:alg type="sp"/>
+                  <dgm:shape xmlns:r="http://schemas.openxmlformats.org/officeDocument/2006/relationships" type="ellipse" r:blip="">
+                    <dgm:adjLst/>
+                  </dgm:shape>
+                  <dgm:presOf/>
+                  <dgm:constrLst/>
+                  <dgm:ruleLst/>
+                </dgm:layoutNode>
+                <dgm:layoutNode name="textBox5d" styleLbl="revTx">
+                  <dgm:varLst>
+                    <dgm:bulletEnabled val="1"/>
+                  </dgm:varLst>
+                  <dgm:choose name="Name179">
+                    <dgm:if name="Name180" func="var" arg="dir" op="equ" val="norm">
+                      <dgm:choose name="Name181">
+                        <dgm:if name="Name182" axis="root des" ptType="all node" func="maxDepth" op="gt" val="1">
+                          <dgm:alg type="tx">
+                            <dgm:param type="txAnchorVert" val="t"/>
+                            <dgm:param type="parTxLTRAlign" val="l"/>
+                            <dgm:param type="parTxRTLAlign" val="r"/>
+                          </dgm:alg>
+                        </dgm:if>
+                        <dgm:else name="Name183">
+                          <dgm:alg type="tx">
+                            <dgm:param type="txAnchorVert" val="t"/>
+                            <dgm:param type="parTxLTRAlign" val="l"/>
+                            <dgm:param type="parTxRTLAlign" val="l"/>
+                          </dgm:alg>
+                        </dgm:else>
+                      </dgm:choose>
+                    </dgm:if>
+                    <dgm:else name="Name184">
+                      <dgm:choose name="Name185">
+                        <dgm:if name="Name186" axis="root des" ptType="all node" func="maxDepth" op="gt" val="1">
+                          <dgm:alg type="tx">
+                            <dgm:param type="txAnchorVert" val="b"/>
+                            <dgm:param type="txAnchorVertCh" val="b"/>
+                            <dgm:param type="parTxLTRAlign" val="l"/>
+                            <dgm:param type="parTxRTLAlign" val="r"/>
+                          </dgm:alg>
+                        </dgm:if>
+                        <dgm:else name="Name187">
+                          <dgm:alg type="tx">
+                            <dgm:param type="txAnchorVert" val="b"/>
+                            <dgm:param type="parTxLTRAlign" val="r"/>
+                            <dgm:param type="parTxRTLAlign" val="r"/>
+                          </dgm:alg>
+                        </dgm:else>
+                      </dgm:choose>
+                    </dgm:else>
+                  </dgm:choose>
+                  <dgm:shape xmlns:r="http://schemas.openxmlformats.org/officeDocument/2006/relationships" type="rect" r:blip="">
+                    <dgm:adjLst/>
+                  </dgm:shape>
+                  <dgm:presOf axis="desOrSelf" ptType="node"/>
+                  <dgm:choose name="Name188">
+                    <dgm:if name="Name189" func="var" arg="dir" op="equ" val="norm">
+                      <dgm:constrLst>
+                        <dgm:constr type="rMarg"/>
+                        <dgm:constr type="tMarg"/>
+                        <dgm:constr type="bMarg"/>
+                      </dgm:constrLst>
+                    </dgm:if>
+                    <dgm:else name="Name190">
+                      <dgm:constrLst>
+                        <dgm:constr type="lMarg"/>
+                        <dgm:constr type="tMarg"/>
+                        <dgm:constr type="bMarg"/>
+                      </dgm:constrLst>
+                    </dgm:else>
+                  </dgm:choose>
+                  <dgm:ruleLst>
+                    <dgm:rule type="primFontSz" val="5" fact="NaN" max="NaN"/>
+                  </dgm:ruleLst>
+                </dgm:layoutNode>
+              </dgm:forEach>
+              <dgm:forEach name="Name191" axis="ch" ptType="node" st="5" cnt="1">
+                <dgm:layoutNode name="bullet5e" styleLbl="node1">
+                  <dgm:alg type="sp"/>
+                  <dgm:shape xmlns:r="http://schemas.openxmlformats.org/officeDocument/2006/relationships" type="ellipse" r:blip="">
+                    <dgm:adjLst/>
+                  </dgm:shape>
+                  <dgm:presOf/>
+                  <dgm:constrLst/>
+                  <dgm:ruleLst/>
+                </dgm:layoutNode>
+                <dgm:layoutNode name="textBox5e" styleLbl="revTx">
+                  <dgm:varLst>
+                    <dgm:bulletEnabled val="1"/>
+                  </dgm:varLst>
+                  <dgm:choose name="Name192">
+                    <dgm:if name="Name193" func="var" arg="dir" op="equ" val="norm">
+                      <dgm:choose name="Name194">
+                        <dgm:if name="Name195" axis="root des" ptType="all node" func="maxDepth" op="gt" val="1">
+                          <dgm:alg type="tx">
+                            <dgm:param type="txAnchorVert" val="t"/>
+                            <dgm:param type="parTxLTRAlign" val="l"/>
+                            <dgm:param type="parTxRTLAlign" val="r"/>
+                          </dgm:alg>
+                        </dgm:if>
+                        <dgm:else name="Name196">
+                          <dgm:alg type="tx">
+                            <dgm:param type="txAnchorVert" val="t"/>
+                            <dgm:param type="parTxLTRAlign" val="l"/>
+                            <dgm:param type="parTxRTLAlign" val="l"/>
+                          </dgm:alg>
+                        </dgm:else>
+                      </dgm:choose>
+                    </dgm:if>
+                    <dgm:else name="Name197">
+                      <dgm:choose name="Name198">
+                        <dgm:if name="Name199" axis="root des" ptType="all node" func="maxDepth" op="gt" val="1">
+                          <dgm:alg type="tx">
+                            <dgm:param type="txAnchorVert" val="b"/>
+                            <dgm:param type="txAnchorVertCh" val="b"/>
+                            <dgm:param type="parTxLTRAlign" val="l"/>
+                            <dgm:param type="parTxRTLAlign" val="r"/>
+                          </dgm:alg>
+                        </dgm:if>
+                        <dgm:else name="Name200">
+                          <dgm:alg type="tx">
+                            <dgm:param type="txAnchorVert" val="b"/>
+                            <dgm:param type="parTxLTRAlign" val="r"/>
+                            <dgm:param type="parTxRTLAlign" val="r"/>
+                          </dgm:alg>
+                        </dgm:else>
+                      </dgm:choose>
+                    </dgm:else>
+                  </dgm:choose>
+                  <dgm:shape xmlns:r="http://schemas.openxmlformats.org/officeDocument/2006/relationships" type="rect" r:blip="">
+                    <dgm:adjLst/>
+                  </dgm:shape>
+                  <dgm:presOf axis="desOrSelf" ptType="node"/>
+                  <dgm:choose name="Name201">
+                    <dgm:if name="Name202" func="var" arg="dir" op="equ" val="norm">
+                      <dgm:constrLst>
+                        <dgm:constr type="rMarg"/>
+                        <dgm:constr type="tMarg"/>
+                        <dgm:constr type="bMarg"/>
+                      </dgm:constrLst>
+                    </dgm:if>
+                    <dgm:else name="Name203">
+                      <dgm:constrLst>
+                        <dgm:constr type="lMarg"/>
+                        <dgm:constr type="tMarg"/>
+                        <dgm:constr type="bMarg"/>
+                      </dgm:constrLst>
+                    </dgm:else>
+                  </dgm:choose>
+                  <dgm:ruleLst>
+                    <dgm:rule type="primFontSz" val="5" fact="NaN" max="NaN"/>
+                  </dgm:ruleLst>
+                </dgm:layoutNode>
+              </dgm:forEach>
+            </dgm:layoutNode>
+          </dgm:else>
+        </dgm:choose>
+      </dgm:if>
+      <dgm:else name="Name204"/>
+    </dgm:choose>
+  </dgm:layoutNode>
+</dgm:layoutDef>
+</file>
+
 <file path=ppt/diagrams/quickStyle1.xml><?xml version="1.0" encoding="utf-8"?>
 <dgm:styleDef xmlns:dgm="http://schemas.openxmlformats.org/drawingml/2006/diagram" xmlns:a="http://schemas.openxmlformats.org/drawingml/2006/main" uniqueId="urn:microsoft.com/office/officeart/2005/8/quickstyle/simple1">
   <dgm:title val=""/>
@@ -6219,6 +9768,1040 @@
 </file>
 
 <file path=ppt/diagrams/quickStyle2.xml><?xml version="1.0" encoding="utf-8"?>
+<dgm:styleDef xmlns:dgm="http://schemas.openxmlformats.org/drawingml/2006/diagram" xmlns:a="http://schemas.openxmlformats.org/drawingml/2006/main" uniqueId="urn:microsoft.com/office/officeart/2005/8/quickstyle/simple1">
+  <dgm:title val=""/>
+  <dgm:desc val=""/>
+  <dgm:catLst>
+    <dgm:cat type="simple" pri="10100"/>
+  </dgm:catLst>
+  <dgm:scene3d>
+    <a:camera prst="orthographicFront"/>
+    <a:lightRig rig="threePt" dir="t"/>
+  </dgm:scene3d>
+  <dgm:styleLbl name="node0">
+    <dgm:scene3d>
+      <a:camera prst="orthographicFront"/>
+      <a:lightRig rig="threePt" dir="t"/>
+    </dgm:scene3d>
+    <dgm:sp3d/>
+    <dgm:txPr/>
+    <dgm:style>
+      <a:lnRef idx="2">
+        <a:scrgbClr r="0" g="0" b="0"/>
+      </a:lnRef>
+      <a:fillRef idx="1">
+        <a:scrgbClr r="0" g="0" b="0"/>
+      </a:fillRef>
+      <a:effectRef idx="0">
+        <a:scrgbClr r="0" g="0" b="0"/>
+      </a:effectRef>
+      <a:fontRef idx="minor">
+        <a:schemeClr val="lt1"/>
+      </a:fontRef>
+    </dgm:style>
+  </dgm:styleLbl>
+  <dgm:styleLbl name="lnNode1">
+    <dgm:scene3d>
+      <a:camera prst="orthographicFront"/>
+      <a:lightRig rig="threePt" dir="t"/>
+    </dgm:scene3d>
+    <dgm:sp3d/>
+    <dgm:txPr/>
+    <dgm:style>
+      <a:lnRef idx="2">
+        <a:scrgbClr r="0" g="0" b="0"/>
+      </a:lnRef>
+      <a:fillRef idx="1">
+        <a:scrgbClr r="0" g="0" b="0"/>
+      </a:fillRef>
+      <a:effectRef idx="0">
+        <a:scrgbClr r="0" g="0" b="0"/>
+      </a:effectRef>
+      <a:fontRef idx="minor">
+        <a:schemeClr val="lt1"/>
+      </a:fontRef>
+    </dgm:style>
+  </dgm:styleLbl>
+  <dgm:styleLbl name="vennNode1">
+    <dgm:scene3d>
+      <a:camera prst="orthographicFront"/>
+      <a:lightRig rig="threePt" dir="t"/>
+    </dgm:scene3d>
+    <dgm:sp3d/>
+    <dgm:txPr/>
+    <dgm:style>
+      <a:lnRef idx="2">
+        <a:scrgbClr r="0" g="0" b="0"/>
+      </a:lnRef>
+      <a:fillRef idx="1">
+        <a:scrgbClr r="0" g="0" b="0"/>
+      </a:fillRef>
+      <a:effectRef idx="0">
+        <a:scrgbClr r="0" g="0" b="0"/>
+      </a:effectRef>
+      <a:fontRef idx="minor">
+        <a:schemeClr val="tx1"/>
+      </a:fontRef>
+    </dgm:style>
+  </dgm:styleLbl>
+  <dgm:styleLbl name="alignNode1">
+    <dgm:scene3d>
+      <a:camera prst="orthographicFront"/>
+      <a:lightRig rig="threePt" dir="t"/>
+    </dgm:scene3d>
+    <dgm:sp3d/>
+    <dgm:txPr/>
+    <dgm:style>
+      <a:lnRef idx="2">
+        <a:scrgbClr r="0" g="0" b="0"/>
+      </a:lnRef>
+      <a:fillRef idx="1">
+        <a:scrgbClr r="0" g="0" b="0"/>
+      </a:fillRef>
+      <a:effectRef idx="0">
+        <a:scrgbClr r="0" g="0" b="0"/>
+      </a:effectRef>
+      <a:fontRef idx="minor">
+        <a:schemeClr val="lt1"/>
+      </a:fontRef>
+    </dgm:style>
+  </dgm:styleLbl>
+  <dgm:styleLbl name="node1">
+    <dgm:scene3d>
+      <a:camera prst="orthographicFront"/>
+      <a:lightRig rig="threePt" dir="t"/>
+    </dgm:scene3d>
+    <dgm:sp3d/>
+    <dgm:txPr/>
+    <dgm:style>
+      <a:lnRef idx="2">
+        <a:scrgbClr r="0" g="0" b="0"/>
+      </a:lnRef>
+      <a:fillRef idx="1">
+        <a:scrgbClr r="0" g="0" b="0"/>
+      </a:fillRef>
+      <a:effectRef idx="0">
+        <a:scrgbClr r="0" g="0" b="0"/>
+      </a:effectRef>
+      <a:fontRef idx="minor">
+        <a:schemeClr val="lt1"/>
+      </a:fontRef>
+    </dgm:style>
+  </dgm:styleLbl>
+  <dgm:styleLbl name="node2">
+    <dgm:scene3d>
+      <a:camera prst="orthographicFront"/>
+      <a:lightRig rig="threePt" dir="t"/>
+    </dgm:scene3d>
+    <dgm:sp3d/>
+    <dgm:txPr/>
+    <dgm:style>
+      <a:lnRef idx="2">
+        <a:scrgbClr r="0" g="0" b="0"/>
+      </a:lnRef>
+      <a:fillRef idx="1">
+        <a:scrgbClr r="0" g="0" b="0"/>
+      </a:fillRef>
+      <a:effectRef idx="0">
+        <a:scrgbClr r="0" g="0" b="0"/>
+      </a:effectRef>
+      <a:fontRef idx="minor">
+        <a:schemeClr val="lt1"/>
+      </a:fontRef>
+    </dgm:style>
+  </dgm:styleLbl>
+  <dgm:styleLbl name="node3">
+    <dgm:scene3d>
+      <a:camera prst="orthographicFront"/>
+      <a:lightRig rig="threePt" dir="t"/>
+    </dgm:scene3d>
+    <dgm:sp3d/>
+    <dgm:txPr/>
+    <dgm:style>
+      <a:lnRef idx="2">
+        <a:scrgbClr r="0" g="0" b="0"/>
+      </a:lnRef>
+      <a:fillRef idx="1">
+        <a:scrgbClr r="0" g="0" b="0"/>
+      </a:fillRef>
+      <a:effectRef idx="0">
+        <a:scrgbClr r="0" g="0" b="0"/>
+      </a:effectRef>
+      <a:fontRef idx="minor">
+        <a:schemeClr val="lt1"/>
+      </a:fontRef>
+    </dgm:style>
+  </dgm:styleLbl>
+  <dgm:styleLbl name="node4">
+    <dgm:scene3d>
+      <a:camera prst="orthographicFront"/>
+      <a:lightRig rig="threePt" dir="t"/>
+    </dgm:scene3d>
+    <dgm:sp3d/>
+    <dgm:txPr/>
+    <dgm:style>
+      <a:lnRef idx="2">
+        <a:scrgbClr r="0" g="0" b="0"/>
+      </a:lnRef>
+      <a:fillRef idx="1">
+        <a:scrgbClr r="0" g="0" b="0"/>
+      </a:fillRef>
+      <a:effectRef idx="0">
+        <a:scrgbClr r="0" g="0" b="0"/>
+      </a:effectRef>
+      <a:fontRef idx="minor">
+        <a:schemeClr val="lt1"/>
+      </a:fontRef>
+    </dgm:style>
+  </dgm:styleLbl>
+  <dgm:styleLbl name="fgImgPlace1">
+    <dgm:scene3d>
+      <a:camera prst="orthographicFront"/>
+      <a:lightRig rig="threePt" dir="t"/>
+    </dgm:scene3d>
+    <dgm:sp3d/>
+    <dgm:txPr/>
+    <dgm:style>
+      <a:lnRef idx="2">
+        <a:scrgbClr r="0" g="0" b="0"/>
+      </a:lnRef>
+      <a:fillRef idx="1">
+        <a:scrgbClr r="0" g="0" b="0"/>
+      </a:fillRef>
+      <a:effectRef idx="0">
+        <a:scrgbClr r="0" g="0" b="0"/>
+      </a:effectRef>
+      <a:fontRef idx="minor"/>
+    </dgm:style>
+  </dgm:styleLbl>
+  <dgm:styleLbl name="alignImgPlace1">
+    <dgm:scene3d>
+      <a:camera prst="orthographicFront"/>
+      <a:lightRig rig="threePt" dir="t"/>
+    </dgm:scene3d>
+    <dgm:sp3d/>
+    <dgm:txPr/>
+    <dgm:style>
+      <a:lnRef idx="2">
+        <a:scrgbClr r="0" g="0" b="0"/>
+      </a:lnRef>
+      <a:fillRef idx="1">
+        <a:scrgbClr r="0" g="0" b="0"/>
+      </a:fillRef>
+      <a:effectRef idx="0">
+        <a:scrgbClr r="0" g="0" b="0"/>
+      </a:effectRef>
+      <a:fontRef idx="minor"/>
+    </dgm:style>
+  </dgm:styleLbl>
+  <dgm:styleLbl name="bgImgPlace1">
+    <dgm:scene3d>
+      <a:camera prst="orthographicFront"/>
+      <a:lightRig rig="threePt" dir="t"/>
+    </dgm:scene3d>
+    <dgm:sp3d/>
+    <dgm:txPr/>
+    <dgm:style>
+      <a:lnRef idx="2">
+        <a:scrgbClr r="0" g="0" b="0"/>
+      </a:lnRef>
+      <a:fillRef idx="1">
+        <a:scrgbClr r="0" g="0" b="0"/>
+      </a:fillRef>
+      <a:effectRef idx="0">
+        <a:scrgbClr r="0" g="0" b="0"/>
+      </a:effectRef>
+      <a:fontRef idx="minor"/>
+    </dgm:style>
+  </dgm:styleLbl>
+  <dgm:styleLbl name="sibTrans2D1">
+    <dgm:scene3d>
+      <a:camera prst="orthographicFront"/>
+      <a:lightRig rig="threePt" dir="t"/>
+    </dgm:scene3d>
+    <dgm:sp3d/>
+    <dgm:txPr/>
+    <dgm:style>
+      <a:lnRef idx="0">
+        <a:scrgbClr r="0" g="0" b="0"/>
+      </a:lnRef>
+      <a:fillRef idx="1">
+        <a:scrgbClr r="0" g="0" b="0"/>
+      </a:fillRef>
+      <a:effectRef idx="0">
+        <a:scrgbClr r="0" g="0" b="0"/>
+      </a:effectRef>
+      <a:fontRef idx="minor">
+        <a:schemeClr val="lt1"/>
+      </a:fontRef>
+    </dgm:style>
+  </dgm:styleLbl>
+  <dgm:styleLbl name="fgSibTrans2D1">
+    <dgm:scene3d>
+      <a:camera prst="orthographicFront"/>
+      <a:lightRig rig="threePt" dir="t"/>
+    </dgm:scene3d>
+    <dgm:sp3d/>
+    <dgm:txPr/>
+    <dgm:style>
+      <a:lnRef idx="0">
+        <a:scrgbClr r="0" g="0" b="0"/>
+      </a:lnRef>
+      <a:fillRef idx="1">
+        <a:scrgbClr r="0" g="0" b="0"/>
+      </a:fillRef>
+      <a:effectRef idx="0">
+        <a:scrgbClr r="0" g="0" b="0"/>
+      </a:effectRef>
+      <a:fontRef idx="minor">
+        <a:schemeClr val="lt1"/>
+      </a:fontRef>
+    </dgm:style>
+  </dgm:styleLbl>
+  <dgm:styleLbl name="bgSibTrans2D1">
+    <dgm:scene3d>
+      <a:camera prst="orthographicFront"/>
+      <a:lightRig rig="threePt" dir="t"/>
+    </dgm:scene3d>
+    <dgm:sp3d/>
+    <dgm:txPr/>
+    <dgm:style>
+      <a:lnRef idx="0">
+        <a:scrgbClr r="0" g="0" b="0"/>
+      </a:lnRef>
+      <a:fillRef idx="1">
+        <a:scrgbClr r="0" g="0" b="0"/>
+      </a:fillRef>
+      <a:effectRef idx="0">
+        <a:scrgbClr r="0" g="0" b="0"/>
+      </a:effectRef>
+      <a:fontRef idx="minor">
+        <a:schemeClr val="lt1"/>
+      </a:fontRef>
+    </dgm:style>
+  </dgm:styleLbl>
+  <dgm:styleLbl name="sibTrans1D1">
+    <dgm:scene3d>
+      <a:camera prst="orthographicFront"/>
+      <a:lightRig rig="threePt" dir="t"/>
+    </dgm:scene3d>
+    <dgm:sp3d/>
+    <dgm:txPr/>
+    <dgm:style>
+      <a:lnRef idx="1">
+        <a:scrgbClr r="0" g="0" b="0"/>
+      </a:lnRef>
+      <a:fillRef idx="0">
+        <a:scrgbClr r="0" g="0" b="0"/>
+      </a:fillRef>
+      <a:effectRef idx="0">
+        <a:scrgbClr r="0" g="0" b="0"/>
+      </a:effectRef>
+      <a:fontRef idx="minor"/>
+    </dgm:style>
+  </dgm:styleLbl>
+  <dgm:styleLbl name="callout">
+    <dgm:scene3d>
+      <a:camera prst="orthographicFront"/>
+      <a:lightRig rig="threePt" dir="t"/>
+    </dgm:scene3d>
+    <dgm:sp3d/>
+    <dgm:txPr/>
+    <dgm:style>
+      <a:lnRef idx="2">
+        <a:scrgbClr r="0" g="0" b="0"/>
+      </a:lnRef>
+      <a:fillRef idx="1">
+        <a:scrgbClr r="0" g="0" b="0"/>
+      </a:fillRef>
+      <a:effectRef idx="0">
+        <a:scrgbClr r="0" g="0" b="0"/>
+      </a:effectRef>
+      <a:fontRef idx="minor"/>
+    </dgm:style>
+  </dgm:styleLbl>
+  <dgm:styleLbl name="asst0">
+    <dgm:scene3d>
+      <a:camera prst="orthographicFront"/>
+      <a:lightRig rig="threePt" dir="t"/>
+    </dgm:scene3d>
+    <dgm:sp3d/>
+    <dgm:txPr/>
+    <dgm:style>
+      <a:lnRef idx="2">
+        <a:scrgbClr r="0" g="0" b="0"/>
+      </a:lnRef>
+      <a:fillRef idx="1">
+        <a:scrgbClr r="0" g="0" b="0"/>
+      </a:fillRef>
+      <a:effectRef idx="0">
+        <a:scrgbClr r="0" g="0" b="0"/>
+      </a:effectRef>
+      <a:fontRef idx="minor">
+        <a:schemeClr val="lt1"/>
+      </a:fontRef>
+    </dgm:style>
+  </dgm:styleLbl>
+  <dgm:styleLbl name="asst1">
+    <dgm:scene3d>
+      <a:camera prst="orthographicFront"/>
+      <a:lightRig rig="threePt" dir="t"/>
+    </dgm:scene3d>
+    <dgm:sp3d/>
+    <dgm:txPr/>
+    <dgm:style>
+      <a:lnRef idx="2">
+        <a:scrgbClr r="0" g="0" b="0"/>
+      </a:lnRef>
+      <a:fillRef idx="1">
+        <a:scrgbClr r="0" g="0" b="0"/>
+      </a:fillRef>
+      <a:effectRef idx="0">
+        <a:scrgbClr r="0" g="0" b="0"/>
+      </a:effectRef>
+      <a:fontRef idx="minor">
+        <a:schemeClr val="lt1"/>
+      </a:fontRef>
+    </dgm:style>
+  </dgm:styleLbl>
+  <dgm:styleLbl name="asst2">
+    <dgm:scene3d>
+      <a:camera prst="orthographicFront"/>
+      <a:lightRig rig="threePt" dir="t"/>
+    </dgm:scene3d>
+    <dgm:sp3d/>
+    <dgm:txPr/>
+    <dgm:style>
+      <a:lnRef idx="2">
+        <a:scrgbClr r="0" g="0" b="0"/>
+      </a:lnRef>
+      <a:fillRef idx="1">
+        <a:scrgbClr r="0" g="0" b="0"/>
+      </a:fillRef>
+      <a:effectRef idx="0">
+        <a:scrgbClr r="0" g="0" b="0"/>
+      </a:effectRef>
+      <a:fontRef idx="minor">
+        <a:schemeClr val="lt1"/>
+      </a:fontRef>
+    </dgm:style>
+  </dgm:styleLbl>
+  <dgm:styleLbl name="asst3">
+    <dgm:scene3d>
+      <a:camera prst="orthographicFront"/>
+      <a:lightRig rig="threePt" dir="t"/>
+    </dgm:scene3d>
+    <dgm:sp3d/>
+    <dgm:txPr/>
+    <dgm:style>
+      <a:lnRef idx="2">
+        <a:scrgbClr r="0" g="0" b="0"/>
+      </a:lnRef>
+      <a:fillRef idx="1">
+        <a:scrgbClr r="0" g="0" b="0"/>
+      </a:fillRef>
+      <a:effectRef idx="0">
+        <a:scrgbClr r="0" g="0" b="0"/>
+      </a:effectRef>
+      <a:fontRef idx="minor">
+        <a:schemeClr val="lt1"/>
+      </a:fontRef>
+    </dgm:style>
+  </dgm:styleLbl>
+  <dgm:styleLbl name="asst4">
+    <dgm:scene3d>
+      <a:camera prst="orthographicFront"/>
+      <a:lightRig rig="threePt" dir="t"/>
+    </dgm:scene3d>
+    <dgm:sp3d/>
+    <dgm:txPr/>
+    <dgm:style>
+      <a:lnRef idx="2">
+        <a:scrgbClr r="0" g="0" b="0"/>
+      </a:lnRef>
+      <a:fillRef idx="1">
+        <a:scrgbClr r="0" g="0" b="0"/>
+      </a:fillRef>
+      <a:effectRef idx="0">
+        <a:scrgbClr r="0" g="0" b="0"/>
+      </a:effectRef>
+      <a:fontRef idx="minor">
+        <a:schemeClr val="lt1"/>
+      </a:fontRef>
+    </dgm:style>
+  </dgm:styleLbl>
+  <dgm:styleLbl name="parChTrans2D1">
+    <dgm:scene3d>
+      <a:camera prst="orthographicFront"/>
+      <a:lightRig rig="threePt" dir="t"/>
+    </dgm:scene3d>
+    <dgm:sp3d/>
+    <dgm:txPr/>
+    <dgm:style>
+      <a:lnRef idx="2">
+        <a:scrgbClr r="0" g="0" b="0"/>
+      </a:lnRef>
+      <a:fillRef idx="1">
+        <a:scrgbClr r="0" g="0" b="0"/>
+      </a:fillRef>
+      <a:effectRef idx="0">
+        <a:scrgbClr r="0" g="0" b="0"/>
+      </a:effectRef>
+      <a:fontRef idx="minor">
+        <a:schemeClr val="lt1"/>
+      </a:fontRef>
+    </dgm:style>
+  </dgm:styleLbl>
+  <dgm:styleLbl name="parChTrans2D2">
+    <dgm:scene3d>
+      <a:camera prst="orthographicFront"/>
+      <a:lightRig rig="threePt" dir="t"/>
+    </dgm:scene3d>
+    <dgm:sp3d/>
+    <dgm:txPr/>
+    <dgm:style>
+      <a:lnRef idx="2">
+        <a:scrgbClr r="0" g="0" b="0"/>
+      </a:lnRef>
+      <a:fillRef idx="1">
+        <a:scrgbClr r="0" g="0" b="0"/>
+      </a:fillRef>
+      <a:effectRef idx="0">
+        <a:scrgbClr r="0" g="0" b="0"/>
+      </a:effectRef>
+      <a:fontRef idx="minor">
+        <a:schemeClr val="lt1"/>
+      </a:fontRef>
+    </dgm:style>
+  </dgm:styleLbl>
+  <dgm:styleLbl name="parChTrans2D3">
+    <dgm:scene3d>
+      <a:camera prst="orthographicFront"/>
+      <a:lightRig rig="threePt" dir="t"/>
+    </dgm:scene3d>
+    <dgm:sp3d/>
+    <dgm:txPr/>
+    <dgm:style>
+      <a:lnRef idx="2">
+        <a:scrgbClr r="0" g="0" b="0"/>
+      </a:lnRef>
+      <a:fillRef idx="1">
+        <a:scrgbClr r="0" g="0" b="0"/>
+      </a:fillRef>
+      <a:effectRef idx="0">
+        <a:scrgbClr r="0" g="0" b="0"/>
+      </a:effectRef>
+      <a:fontRef idx="minor">
+        <a:schemeClr val="lt1"/>
+      </a:fontRef>
+    </dgm:style>
+  </dgm:styleLbl>
+  <dgm:styleLbl name="parChTrans2D4">
+    <dgm:scene3d>
+      <a:camera prst="orthographicFront"/>
+      <a:lightRig rig="threePt" dir="t"/>
+    </dgm:scene3d>
+    <dgm:sp3d/>
+    <dgm:txPr/>
+    <dgm:style>
+      <a:lnRef idx="2">
+        <a:scrgbClr r="0" g="0" b="0"/>
+      </a:lnRef>
+      <a:fillRef idx="1">
+        <a:scrgbClr r="0" g="0" b="0"/>
+      </a:fillRef>
+      <a:effectRef idx="0">
+        <a:scrgbClr r="0" g="0" b="0"/>
+      </a:effectRef>
+      <a:fontRef idx="minor">
+        <a:schemeClr val="lt1"/>
+      </a:fontRef>
+    </dgm:style>
+  </dgm:styleLbl>
+  <dgm:styleLbl name="parChTrans1D1">
+    <dgm:scene3d>
+      <a:camera prst="orthographicFront"/>
+      <a:lightRig rig="threePt" dir="t"/>
+    </dgm:scene3d>
+    <dgm:sp3d/>
+    <dgm:txPr/>
+    <dgm:style>
+      <a:lnRef idx="2">
+        <a:scrgbClr r="0" g="0" b="0"/>
+      </a:lnRef>
+      <a:fillRef idx="0">
+        <a:scrgbClr r="0" g="0" b="0"/>
+      </a:fillRef>
+      <a:effectRef idx="0">
+        <a:scrgbClr r="0" g="0" b="0"/>
+      </a:effectRef>
+      <a:fontRef idx="minor"/>
+    </dgm:style>
+  </dgm:styleLbl>
+  <dgm:styleLbl name="parChTrans1D2">
+    <dgm:scene3d>
+      <a:camera prst="orthographicFront"/>
+      <a:lightRig rig="threePt" dir="t"/>
+    </dgm:scene3d>
+    <dgm:sp3d/>
+    <dgm:txPr/>
+    <dgm:style>
+      <a:lnRef idx="2">
+        <a:scrgbClr r="0" g="0" b="0"/>
+      </a:lnRef>
+      <a:fillRef idx="0">
+        <a:scrgbClr r="0" g="0" b="0"/>
+      </a:fillRef>
+      <a:effectRef idx="0">
+        <a:scrgbClr r="0" g="0" b="0"/>
+      </a:effectRef>
+      <a:fontRef idx="minor"/>
+    </dgm:style>
+  </dgm:styleLbl>
+  <dgm:styleLbl name="parChTrans1D3">
+    <dgm:scene3d>
+      <a:camera prst="orthographicFront"/>
+      <a:lightRig rig="threePt" dir="t"/>
+    </dgm:scene3d>
+    <dgm:sp3d/>
+    <dgm:txPr/>
+    <dgm:style>
+      <a:lnRef idx="2">
+        <a:scrgbClr r="0" g="0" b="0"/>
+      </a:lnRef>
+      <a:fillRef idx="0">
+        <a:scrgbClr r="0" g="0" b="0"/>
+      </a:fillRef>
+      <a:effectRef idx="0">
+        <a:scrgbClr r="0" g="0" b="0"/>
+      </a:effectRef>
+      <a:fontRef idx="minor"/>
+    </dgm:style>
+  </dgm:styleLbl>
+  <dgm:styleLbl name="parChTrans1D4">
+    <dgm:scene3d>
+      <a:camera prst="orthographicFront"/>
+      <a:lightRig rig="threePt" dir="t"/>
+    </dgm:scene3d>
+    <dgm:sp3d/>
+    <dgm:txPr/>
+    <dgm:style>
+      <a:lnRef idx="2">
+        <a:scrgbClr r="0" g="0" b="0"/>
+      </a:lnRef>
+      <a:fillRef idx="0">
+        <a:scrgbClr r="0" g="0" b="0"/>
+      </a:fillRef>
+      <a:effectRef idx="0">
+        <a:scrgbClr r="0" g="0" b="0"/>
+      </a:effectRef>
+      <a:fontRef idx="minor"/>
+    </dgm:style>
+  </dgm:styleLbl>
+  <dgm:styleLbl name="fgAcc1">
+    <dgm:scene3d>
+      <a:camera prst="orthographicFront"/>
+      <a:lightRig rig="threePt" dir="t"/>
+    </dgm:scene3d>
+    <dgm:sp3d/>
+    <dgm:txPr/>
+    <dgm:style>
+      <a:lnRef idx="2">
+        <a:scrgbClr r="0" g="0" b="0"/>
+      </a:lnRef>
+      <a:fillRef idx="1">
+        <a:scrgbClr r="0" g="0" b="0"/>
+      </a:fillRef>
+      <a:effectRef idx="0">
+        <a:scrgbClr r="0" g="0" b="0"/>
+      </a:effectRef>
+      <a:fontRef idx="minor"/>
+    </dgm:style>
+  </dgm:styleLbl>
+  <dgm:styleLbl name="conFgAcc1">
+    <dgm:scene3d>
+      <a:camera prst="orthographicFront"/>
+      <a:lightRig rig="threePt" dir="t"/>
+    </dgm:scene3d>
+    <dgm:sp3d/>
+    <dgm:txPr/>
+    <dgm:style>
+      <a:lnRef idx="2">
+        <a:scrgbClr r="0" g="0" b="0"/>
+      </a:lnRef>
+      <a:fillRef idx="1">
+        <a:scrgbClr r="0" g="0" b="0"/>
+      </a:fillRef>
+      <a:effectRef idx="0">
+        <a:scrgbClr r="0" g="0" b="0"/>
+      </a:effectRef>
+      <a:fontRef idx="minor"/>
+    </dgm:style>
+  </dgm:styleLbl>
+  <dgm:styleLbl name="alignAcc1">
+    <dgm:scene3d>
+      <a:camera prst="orthographicFront"/>
+      <a:lightRig rig="threePt" dir="t"/>
+    </dgm:scene3d>
+    <dgm:sp3d/>
+    <dgm:txPr/>
+    <dgm:style>
+      <a:lnRef idx="2">
+        <a:scrgbClr r="0" g="0" b="0"/>
+      </a:lnRef>
+      <a:fillRef idx="1">
+        <a:scrgbClr r="0" g="0" b="0"/>
+      </a:fillRef>
+      <a:effectRef idx="0">
+        <a:scrgbClr r="0" g="0" b="0"/>
+      </a:effectRef>
+      <a:fontRef idx="minor"/>
+    </dgm:style>
+  </dgm:styleLbl>
+  <dgm:styleLbl name="trAlignAcc1">
+    <dgm:scene3d>
+      <a:camera prst="orthographicFront"/>
+      <a:lightRig rig="threePt" dir="t"/>
+    </dgm:scene3d>
+    <dgm:sp3d/>
+    <dgm:txPr/>
+    <dgm:style>
+      <a:lnRef idx="1">
+        <a:scrgbClr r="0" g="0" b="0"/>
+      </a:lnRef>
+      <a:fillRef idx="1">
+        <a:scrgbClr r="0" g="0" b="0"/>
+      </a:fillRef>
+      <a:effectRef idx="0">
+        <a:scrgbClr r="0" g="0" b="0"/>
+      </a:effectRef>
+      <a:fontRef idx="minor"/>
+    </dgm:style>
+  </dgm:styleLbl>
+  <dgm:styleLbl name="bgAcc1">
+    <dgm:scene3d>
+      <a:camera prst="orthographicFront"/>
+      <a:lightRig rig="threePt" dir="t"/>
+    </dgm:scene3d>
+    <dgm:sp3d/>
+    <dgm:txPr/>
+    <dgm:style>
+      <a:lnRef idx="2">
+        <a:scrgbClr r="0" g="0" b="0"/>
+      </a:lnRef>
+      <a:fillRef idx="1">
+        <a:scrgbClr r="0" g="0" b="0"/>
+      </a:fillRef>
+      <a:effectRef idx="0">
+        <a:scrgbClr r="0" g="0" b="0"/>
+      </a:effectRef>
+      <a:fontRef idx="minor"/>
+    </dgm:style>
+  </dgm:styleLbl>
+  <dgm:styleLbl name="solidFgAcc1">
+    <dgm:scene3d>
+      <a:camera prst="orthographicFront"/>
+      <a:lightRig rig="threePt" dir="t"/>
+    </dgm:scene3d>
+    <dgm:sp3d/>
+    <dgm:txPr/>
+    <dgm:style>
+      <a:lnRef idx="2">
+        <a:scrgbClr r="0" g="0" b="0"/>
+      </a:lnRef>
+      <a:fillRef idx="1">
+        <a:scrgbClr r="0" g="0" b="0"/>
+      </a:fillRef>
+      <a:effectRef idx="0">
+        <a:scrgbClr r="0" g="0" b="0"/>
+      </a:effectRef>
+      <a:fontRef idx="minor"/>
+    </dgm:style>
+  </dgm:styleLbl>
+  <dgm:styleLbl name="solidAlignAcc1">
+    <dgm:scene3d>
+      <a:camera prst="orthographicFront"/>
+      <a:lightRig rig="threePt" dir="t"/>
+    </dgm:scene3d>
+    <dgm:sp3d/>
+    <dgm:txPr/>
+    <dgm:style>
+      <a:lnRef idx="2">
+        <a:scrgbClr r="0" g="0" b="0"/>
+      </a:lnRef>
+      <a:fillRef idx="1">
+        <a:scrgbClr r="0" g="0" b="0"/>
+      </a:fillRef>
+      <a:effectRef idx="0">
+        <a:scrgbClr r="0" g="0" b="0"/>
+      </a:effectRef>
+      <a:fontRef idx="minor"/>
+    </dgm:style>
+  </dgm:styleLbl>
+  <dgm:styleLbl name="solidBgAcc1">
+    <dgm:scene3d>
+      <a:camera prst="orthographicFront"/>
+      <a:lightRig rig="threePt" dir="t"/>
+    </dgm:scene3d>
+    <dgm:sp3d/>
+    <dgm:txPr/>
+    <dgm:style>
+      <a:lnRef idx="2">
+        <a:scrgbClr r="0" g="0" b="0"/>
+      </a:lnRef>
+      <a:fillRef idx="1">
+        <a:scrgbClr r="0" g="0" b="0"/>
+      </a:fillRef>
+      <a:effectRef idx="0">
+        <a:scrgbClr r="0" g="0" b="0"/>
+      </a:effectRef>
+      <a:fontRef idx="minor"/>
+    </dgm:style>
+  </dgm:styleLbl>
+  <dgm:styleLbl name="fgAccFollowNode1">
+    <dgm:scene3d>
+      <a:camera prst="orthographicFront"/>
+      <a:lightRig rig="threePt" dir="t"/>
+    </dgm:scene3d>
+    <dgm:sp3d/>
+    <dgm:txPr/>
+    <dgm:style>
+      <a:lnRef idx="2">
+        <a:scrgbClr r="0" g="0" b="0"/>
+      </a:lnRef>
+      <a:fillRef idx="1">
+        <a:scrgbClr r="0" g="0" b="0"/>
+      </a:fillRef>
+      <a:effectRef idx="0">
+        <a:scrgbClr r="0" g="0" b="0"/>
+      </a:effectRef>
+      <a:fontRef idx="minor"/>
+    </dgm:style>
+  </dgm:styleLbl>
+  <dgm:styleLbl name="alignAccFollowNode1">
+    <dgm:scene3d>
+      <a:camera prst="orthographicFront"/>
+      <a:lightRig rig="threePt" dir="t"/>
+    </dgm:scene3d>
+    <dgm:sp3d/>
+    <dgm:txPr/>
+    <dgm:style>
+      <a:lnRef idx="2">
+        <a:scrgbClr r="0" g="0" b="0"/>
+      </a:lnRef>
+      <a:fillRef idx="1">
+        <a:scrgbClr r="0" g="0" b="0"/>
+      </a:fillRef>
+      <a:effectRef idx="0">
+        <a:scrgbClr r="0" g="0" b="0"/>
+      </a:effectRef>
+      <a:fontRef idx="minor"/>
+    </dgm:style>
+  </dgm:styleLbl>
+  <dgm:styleLbl name="bgAccFollowNode1">
+    <dgm:scene3d>
+      <a:camera prst="orthographicFront"/>
+      <a:lightRig rig="threePt" dir="t"/>
+    </dgm:scene3d>
+    <dgm:sp3d/>
+    <dgm:txPr/>
+    <dgm:style>
+      <a:lnRef idx="2">
+        <a:scrgbClr r="0" g="0" b="0"/>
+      </a:lnRef>
+      <a:fillRef idx="1">
+        <a:scrgbClr r="0" g="0" b="0"/>
+      </a:fillRef>
+      <a:effectRef idx="0">
+        <a:scrgbClr r="0" g="0" b="0"/>
+      </a:effectRef>
+      <a:fontRef idx="minor"/>
+    </dgm:style>
+  </dgm:styleLbl>
+  <dgm:styleLbl name="fgAcc0">
+    <dgm:scene3d>
+      <a:camera prst="orthographicFront"/>
+      <a:lightRig rig="threePt" dir="t"/>
+    </dgm:scene3d>
+    <dgm:sp3d/>
+    <dgm:txPr/>
+    <dgm:style>
+      <a:lnRef idx="2">
+        <a:scrgbClr r="0" g="0" b="0"/>
+      </a:lnRef>
+      <a:fillRef idx="1">
+        <a:scrgbClr r="0" g="0" b="0"/>
+      </a:fillRef>
+      <a:effectRef idx="0">
+        <a:scrgbClr r="0" g="0" b="0"/>
+      </a:effectRef>
+      <a:fontRef idx="minor"/>
+    </dgm:style>
+  </dgm:styleLbl>
+  <dgm:styleLbl name="fgAcc2">
+    <dgm:scene3d>
+      <a:camera prst="orthographicFront"/>
+      <a:lightRig rig="threePt" dir="t"/>
+    </dgm:scene3d>
+    <dgm:sp3d/>
+    <dgm:txPr/>
+    <dgm:style>
+      <a:lnRef idx="2">
+        <a:scrgbClr r="0" g="0" b="0"/>
+      </a:lnRef>
+      <a:fillRef idx="1">
+        <a:scrgbClr r="0" g="0" b="0"/>
+      </a:fillRef>
+      <a:effectRef idx="0">
+        <a:scrgbClr r="0" g="0" b="0"/>
+      </a:effectRef>
+      <a:fontRef idx="minor"/>
+    </dgm:style>
+  </dgm:styleLbl>
+  <dgm:styleLbl name="fgAcc3">
+    <dgm:scene3d>
+      <a:camera prst="orthographicFront"/>
+      <a:lightRig rig="threePt" dir="t"/>
+    </dgm:scene3d>
+    <dgm:sp3d/>
+    <dgm:txPr/>
+    <dgm:style>
+      <a:lnRef idx="2">
+        <a:scrgbClr r="0" g="0" b="0"/>
+      </a:lnRef>
+      <a:fillRef idx="1">
+        <a:scrgbClr r="0" g="0" b="0"/>
+      </a:fillRef>
+      <a:effectRef idx="0">
+        <a:scrgbClr r="0" g="0" b="0"/>
+      </a:effectRef>
+      <a:fontRef idx="minor"/>
+    </dgm:style>
+  </dgm:styleLbl>
+  <dgm:styleLbl name="fgAcc4">
+    <dgm:scene3d>
+      <a:camera prst="orthographicFront"/>
+      <a:lightRig rig="threePt" dir="t"/>
+    </dgm:scene3d>
+    <dgm:sp3d/>
+    <dgm:txPr/>
+    <dgm:style>
+      <a:lnRef idx="2">
+        <a:scrgbClr r="0" g="0" b="0"/>
+      </a:lnRef>
+      <a:fillRef idx="1">
+        <a:scrgbClr r="0" g="0" b="0"/>
+      </a:fillRef>
+      <a:effectRef idx="0">
+        <a:scrgbClr r="0" g="0" b="0"/>
+      </a:effectRef>
+      <a:fontRef idx="minor"/>
+    </dgm:style>
+  </dgm:styleLbl>
+  <dgm:styleLbl name="bgShp">
+    <dgm:scene3d>
+      <a:camera prst="orthographicFront"/>
+      <a:lightRig rig="threePt" dir="t"/>
+    </dgm:scene3d>
+    <dgm:sp3d/>
+    <dgm:txPr/>
+    <dgm:style>
+      <a:lnRef idx="0">
+        <a:scrgbClr r="0" g="0" b="0"/>
+      </a:lnRef>
+      <a:fillRef idx="1">
+        <a:scrgbClr r="0" g="0" b="0"/>
+      </a:fillRef>
+      <a:effectRef idx="0">
+        <a:scrgbClr r="0" g="0" b="0"/>
+      </a:effectRef>
+      <a:fontRef idx="minor"/>
+    </dgm:style>
+  </dgm:styleLbl>
+  <dgm:styleLbl name="dkBgShp">
+    <dgm:scene3d>
+      <a:camera prst="orthographicFront"/>
+      <a:lightRig rig="threePt" dir="t"/>
+    </dgm:scene3d>
+    <dgm:sp3d/>
+    <dgm:txPr/>
+    <dgm:style>
+      <a:lnRef idx="0">
+        <a:scrgbClr r="0" g="0" b="0"/>
+      </a:lnRef>
+      <a:fillRef idx="1">
+        <a:scrgbClr r="0" g="0" b="0"/>
+      </a:fillRef>
+      <a:effectRef idx="0">
+        <a:scrgbClr r="0" g="0" b="0"/>
+      </a:effectRef>
+      <a:fontRef idx="minor"/>
+    </dgm:style>
+  </dgm:styleLbl>
+  <dgm:styleLbl name="trBgShp">
+    <dgm:scene3d>
+      <a:camera prst="orthographicFront"/>
+      <a:lightRig rig="threePt" dir="t"/>
+    </dgm:scene3d>
+    <dgm:sp3d/>
+    <dgm:txPr/>
+    <dgm:style>
+      <a:lnRef idx="0">
+        <a:scrgbClr r="0" g="0" b="0"/>
+      </a:lnRef>
+      <a:fillRef idx="1">
+        <a:scrgbClr r="0" g="0" b="0"/>
+      </a:fillRef>
+      <a:effectRef idx="0">
+        <a:scrgbClr r="0" g="0" b="0"/>
+      </a:effectRef>
+      <a:fontRef idx="minor"/>
+    </dgm:style>
+  </dgm:styleLbl>
+  <dgm:styleLbl name="fgShp">
+    <dgm:scene3d>
+      <a:camera prst="orthographicFront"/>
+      <a:lightRig rig="threePt" dir="t"/>
+    </dgm:scene3d>
+    <dgm:sp3d/>
+    <dgm:txPr/>
+    <dgm:style>
+      <a:lnRef idx="2">
+        <a:scrgbClr r="0" g="0" b="0"/>
+      </a:lnRef>
+      <a:fillRef idx="1">
+        <a:scrgbClr r="0" g="0" b="0"/>
+      </a:fillRef>
+      <a:effectRef idx="0">
+        <a:scrgbClr r="0" g="0" b="0"/>
+      </a:effectRef>
+      <a:fontRef idx="minor"/>
+    </dgm:style>
+  </dgm:styleLbl>
+  <dgm:styleLbl name="revTx">
+    <dgm:scene3d>
+      <a:camera prst="orthographicFront"/>
+      <a:lightRig rig="threePt" dir="t"/>
+    </dgm:scene3d>
+    <dgm:sp3d/>
+    <dgm:txPr/>
+    <dgm:style>
+      <a:lnRef idx="0">
+        <a:scrgbClr r="0" g="0" b="0"/>
+      </a:lnRef>
+      <a:fillRef idx="0">
+        <a:scrgbClr r="0" g="0" b="0"/>
+      </a:fillRef>
+      <a:effectRef idx="0">
+        <a:scrgbClr r="0" g="0" b="0"/>
+      </a:effectRef>
+      <a:fontRef idx="minor"/>
+    </dgm:style>
+  </dgm:styleLbl>
+</dgm:styleDef>
+</file>
+
+<file path=ppt/diagrams/quickStyle3.xml><?xml version="1.0" encoding="utf-8"?>
 <dgm:styleDef xmlns:dgm="http://schemas.openxmlformats.org/drawingml/2006/diagram" xmlns:a="http://schemas.openxmlformats.org/drawingml/2006/main" uniqueId="urn:microsoft.com/office/officeart/2005/8/quickstyle/simple1">
   <dgm:title val=""/>
   <dgm:desc val=""/>
@@ -7438,7 +12021,7 @@
           <a:p>
             <a:fld id="{4AAD347D-5ACD-4C99-B74B-A9C85AD731AF}" type="datetimeFigureOut">
               <a:rPr lang="en-US" dirty="0"/>
-              <a:t>7/21/2019</a:t>
+              <a:t>7/22/2019</a:t>
             </a:fld>
             <a:endParaRPr lang="en-US" dirty="0"/>
           </a:p>
@@ -7708,7 +12291,7 @@
           <a:p>
             <a:fld id="{4509A250-FF31-4206-8172-F9D3106AACB1}" type="datetimeFigureOut">
               <a:rPr lang="en-US" dirty="0"/>
-              <a:t>7/21/2019</a:t>
+              <a:t>7/22/2019</a:t>
             </a:fld>
             <a:endParaRPr lang="en-US" dirty="0"/>
           </a:p>
@@ -7897,7 +12480,7 @@
           <a:p>
             <a:fld id="{4509A250-FF31-4206-8172-F9D3106AACB1}" type="datetimeFigureOut">
               <a:rPr lang="en-US" dirty="0"/>
-              <a:t>7/21/2019</a:t>
+              <a:t>7/22/2019</a:t>
             </a:fld>
             <a:endParaRPr lang="en-US" dirty="0"/>
           </a:p>
@@ -8165,7 +12748,7 @@
           <a:p>
             <a:fld id="{4509A250-FF31-4206-8172-F9D3106AACB1}" type="datetimeFigureOut">
               <a:rPr lang="en-US" dirty="0"/>
-              <a:t>7/21/2019</a:t>
+              <a:t>7/22/2019</a:t>
             </a:fld>
             <a:endParaRPr lang="en-US" dirty="0"/>
           </a:p>
@@ -8501,7 +13084,7 @@
           <a:p>
             <a:fld id="{4509A250-FF31-4206-8172-F9D3106AACB1}" type="datetimeFigureOut">
               <a:rPr lang="en-US" dirty="0"/>
-              <a:t>7/21/2019</a:t>
+              <a:t>7/22/2019</a:t>
             </a:fld>
             <a:endParaRPr lang="en-US" dirty="0"/>
           </a:p>
@@ -9119,7 +13702,7 @@
           <a:p>
             <a:fld id="{4509A250-FF31-4206-8172-F9D3106AACB1}" type="datetimeFigureOut">
               <a:rPr lang="en-US" dirty="0"/>
-              <a:t>7/21/2019</a:t>
+              <a:t>7/22/2019</a:t>
             </a:fld>
             <a:endParaRPr lang="en-US" dirty="0"/>
           </a:p>
@@ -9974,7 +14557,7 @@
           <a:p>
             <a:fld id="{4509A250-FF31-4206-8172-F9D3106AACB1}" type="datetimeFigureOut">
               <a:rPr lang="en-US" dirty="0"/>
-              <a:t>7/21/2019</a:t>
+              <a:t>7/22/2019</a:t>
             </a:fld>
             <a:endParaRPr lang="en-US" dirty="0"/>
           </a:p>
@@ -10139,7 +14722,7 @@
           <a:p>
             <a:fld id="{4509A250-FF31-4206-8172-F9D3106AACB1}" type="datetimeFigureOut">
               <a:rPr lang="en-US" dirty="0"/>
-              <a:t>7/21/2019</a:t>
+              <a:t>7/22/2019</a:t>
             </a:fld>
             <a:endParaRPr lang="en-US" dirty="0"/>
           </a:p>
@@ -10314,7 +14897,7 @@
           <a:p>
             <a:fld id="{4509A250-FF31-4206-8172-F9D3106AACB1}" type="datetimeFigureOut">
               <a:rPr lang="en-US" dirty="0"/>
-              <a:t>7/21/2019</a:t>
+              <a:t>7/22/2019</a:t>
             </a:fld>
             <a:endParaRPr lang="en-US" dirty="0"/>
           </a:p>
@@ -10479,7 +15062,7 @@
           <a:p>
             <a:fld id="{4509A250-FF31-4206-8172-F9D3106AACB1}" type="datetimeFigureOut">
               <a:rPr lang="en-US" dirty="0"/>
-              <a:t>7/21/2019</a:t>
+              <a:t>7/22/2019</a:t>
             </a:fld>
             <a:endParaRPr lang="en-US" dirty="0"/>
           </a:p>
@@ -10721,7 +15304,7 @@
           <a:p>
             <a:fld id="{9796027F-7875-4030-9381-8BD8C4F21935}" type="datetimeFigureOut">
               <a:rPr lang="en-US" dirty="0"/>
-              <a:t>7/21/2019</a:t>
+              <a:t>7/22/2019</a:t>
             </a:fld>
             <a:endParaRPr lang="en-US" dirty="0"/>
           </a:p>
@@ -11008,7 +15591,7 @@
           <a:p>
             <a:fld id="{9796027F-7875-4030-9381-8BD8C4F21935}" type="datetimeFigureOut">
               <a:rPr lang="en-US" dirty="0"/>
-              <a:t>7/21/2019</a:t>
+              <a:t>7/22/2019</a:t>
             </a:fld>
             <a:endParaRPr lang="en-US" dirty="0"/>
           </a:p>
@@ -11447,7 +16030,7 @@
           <a:p>
             <a:fld id="{9796027F-7875-4030-9381-8BD8C4F21935}" type="datetimeFigureOut">
               <a:rPr lang="en-US" dirty="0"/>
-              <a:t>7/21/2019</a:t>
+              <a:t>7/22/2019</a:t>
             </a:fld>
             <a:endParaRPr lang="en-US" dirty="0"/>
           </a:p>
@@ -11560,7 +16143,7 @@
           <a:p>
             <a:fld id="{4509A250-FF31-4206-8172-F9D3106AACB1}" type="datetimeFigureOut">
               <a:rPr lang="en-US" dirty="0"/>
-              <a:t>7/21/2019</a:t>
+              <a:t>7/22/2019</a:t>
             </a:fld>
             <a:endParaRPr lang="en-US" dirty="0"/>
           </a:p>
@@ -11650,7 +16233,7 @@
           <a:p>
             <a:fld id="{4509A250-FF31-4206-8172-F9D3106AACB1}" type="datetimeFigureOut">
               <a:rPr lang="en-US" dirty="0"/>
-              <a:t>7/21/2019</a:t>
+              <a:t>7/22/2019</a:t>
             </a:fld>
             <a:endParaRPr lang="en-US" dirty="0"/>
           </a:p>
@@ -11924,7 +16507,7 @@
           <a:p>
             <a:fld id="{4509A250-FF31-4206-8172-F9D3106AACB1}" type="datetimeFigureOut">
               <a:rPr lang="en-US" dirty="0"/>
-              <a:t>7/21/2019</a:t>
+              <a:t>7/22/2019</a:t>
             </a:fld>
             <a:endParaRPr lang="en-US" dirty="0"/>
           </a:p>
@@ -12194,7 +16777,7 @@
           <a:p>
             <a:fld id="{4509A250-FF31-4206-8172-F9D3106AACB1}" type="datetimeFigureOut">
               <a:rPr lang="en-US" dirty="0"/>
-              <a:t>7/21/2019</a:t>
+              <a:t>7/22/2019</a:t>
             </a:fld>
             <a:endParaRPr lang="en-US" dirty="0"/>
           </a:p>
@@ -12618,7 +17201,7 @@
           <a:p>
             <a:fld id="{4AAD347D-5ACD-4C99-B74B-A9C85AD731AF}" type="datetimeFigureOut">
               <a:rPr lang="en-US" dirty="0"/>
-              <a:t>7/21/2019</a:t>
+              <a:t>7/22/2019</a:t>
             </a:fld>
             <a:endParaRPr lang="en-US" dirty="0"/>
           </a:p>
@@ -13241,6 +17824,41 @@
           </a:prstGeom>
         </p:spPr>
       </p:pic>
+      <p:sp>
+        <p:nvSpPr>
+          <p:cNvPr id="4" name="TextBox 3">
+            <a:extLst>
+              <a:ext uri="{FF2B5EF4-FFF2-40B4-BE49-F238E27FC236}">
+                <a16:creationId xmlns:a16="http://schemas.microsoft.com/office/drawing/2014/main" id="{14D8B7CB-5335-477F-BC5E-9E962EFC7B95}"/>
+              </a:ext>
+            </a:extLst>
+          </p:cNvPr>
+          <p:cNvSpPr txBox="1"/>
+          <p:nvPr/>
+        </p:nvSpPr>
+        <p:spPr>
+          <a:xfrm>
+            <a:off x="10460181" y="401781"/>
+            <a:ext cx="651163" cy="369332"/>
+          </a:xfrm>
+          <a:prstGeom prst="rect">
+            <a:avLst/>
+          </a:prstGeom>
+          <a:noFill/>
+        </p:spPr>
+        <p:txBody>
+          <a:bodyPr wrap="square" rtlCol="0">
+            <a:spAutoFit/>
+          </a:bodyPr>
+          <a:lstStyle/>
+          <a:p>
+            <a:r>
+              <a:rPr lang="en-US" b="1" dirty="0"/>
+              <a:t>RPA</a:t>
+            </a:r>
+          </a:p>
+        </p:txBody>
+      </p:sp>
     </p:spTree>
     <p:extLst>
       <p:ext uri="{BB962C8B-B14F-4D97-AF65-F5344CB8AC3E}">
@@ -13255,6 +17873,332 @@
 </file>
 
 <file path=ppt/slides/slide10.xml><?xml version="1.0" encoding="utf-8"?>
+<p:sld xmlns:a="http://schemas.openxmlformats.org/drawingml/2006/main" xmlns:r="http://schemas.openxmlformats.org/officeDocument/2006/relationships" xmlns:p="http://schemas.openxmlformats.org/presentationml/2006/main">
+  <p:cSld>
+    <p:spTree>
+      <p:nvGrpSpPr>
+        <p:cNvPr id="1" name=""/>
+        <p:cNvGrpSpPr/>
+        <p:nvPr/>
+      </p:nvGrpSpPr>
+      <p:grpSpPr>
+        <a:xfrm>
+          <a:off x="0" y="0"/>
+          <a:ext cx="0" cy="0"/>
+          <a:chOff x="0" y="0"/>
+          <a:chExt cx="0" cy="0"/>
+        </a:xfrm>
+      </p:grpSpPr>
+      <p:sp>
+        <p:nvSpPr>
+          <p:cNvPr id="2" name="Title 1">
+            <a:extLst>
+              <a:ext uri="{FF2B5EF4-FFF2-40B4-BE49-F238E27FC236}">
+                <a16:creationId xmlns:a16="http://schemas.microsoft.com/office/drawing/2014/main" id="{A05B1FE6-5CE2-4A50-A7CB-E8ED6139FBAF}"/>
+              </a:ext>
+            </a:extLst>
+          </p:cNvPr>
+          <p:cNvSpPr>
+            <a:spLocks noGrp="1"/>
+          </p:cNvSpPr>
+          <p:nvPr>
+            <p:ph type="title"/>
+          </p:nvPr>
+        </p:nvSpPr>
+        <p:spPr/>
+        <p:txBody>
+          <a:bodyPr/>
+          <a:lstStyle/>
+          <a:p>
+            <a:r>
+              <a:rPr lang="en-US" dirty="0"/>
+              <a:t>The RPA and AI Technology Continuum</a:t>
+            </a:r>
+          </a:p>
+        </p:txBody>
+      </p:sp>
+      <p:graphicFrame>
+        <p:nvGraphicFramePr>
+          <p:cNvPr id="4" name="Content Placeholder 3">
+            <a:extLst>
+              <a:ext uri="{FF2B5EF4-FFF2-40B4-BE49-F238E27FC236}">
+                <a16:creationId xmlns:a16="http://schemas.microsoft.com/office/drawing/2014/main" id="{1CA41AEC-9FBB-418D-AE8D-DC99D929FFE5}"/>
+              </a:ext>
+            </a:extLst>
+          </p:cNvPr>
+          <p:cNvGraphicFramePr>
+            <a:graphicFrameLocks noGrp="1"/>
+          </p:cNvGraphicFramePr>
+          <p:nvPr>
+            <p:ph idx="1"/>
+            <p:extLst>
+              <p:ext uri="{D42A27DB-BD31-4B8C-83A1-F6EECF244321}">
+                <p14:modId xmlns:p14="http://schemas.microsoft.com/office/powerpoint/2010/main" val="108830771"/>
+              </p:ext>
+            </p:extLst>
+          </p:nvPr>
+        </p:nvGraphicFramePr>
+        <p:xfrm>
+          <a:off x="1103684" y="2011074"/>
+          <a:ext cx="8947150" cy="4195762"/>
+        </p:xfrm>
+        <a:graphic>
+          <a:graphicData uri="http://schemas.openxmlformats.org/drawingml/2006/diagram">
+            <dgm:relIds xmlns:dgm="http://schemas.openxmlformats.org/drawingml/2006/diagram" xmlns:r="http://schemas.openxmlformats.org/officeDocument/2006/relationships" r:dm="rId2" r:lo="rId3" r:qs="rId4" r:cs="rId5"/>
+          </a:graphicData>
+        </a:graphic>
+      </p:graphicFrame>
+    </p:spTree>
+    <p:extLst>
+      <p:ext uri="{BB962C8B-B14F-4D97-AF65-F5344CB8AC3E}">
+        <p14:creationId xmlns:p14="http://schemas.microsoft.com/office/powerpoint/2010/main" val="1505472304"/>
+      </p:ext>
+    </p:extLst>
+  </p:cSld>
+  <p:clrMapOvr>
+    <a:masterClrMapping/>
+  </p:clrMapOvr>
+</p:sld>
+</file>
+
+<file path=ppt/slides/slide11.xml><?xml version="1.0" encoding="utf-8"?>
+<p:sld xmlns:a="http://schemas.openxmlformats.org/drawingml/2006/main" xmlns:r="http://schemas.openxmlformats.org/officeDocument/2006/relationships" xmlns:p="http://schemas.openxmlformats.org/presentationml/2006/main">
+  <p:cSld>
+    <p:spTree>
+      <p:nvGrpSpPr>
+        <p:cNvPr id="1" name=""/>
+        <p:cNvGrpSpPr/>
+        <p:nvPr/>
+      </p:nvGrpSpPr>
+      <p:grpSpPr>
+        <a:xfrm>
+          <a:off x="0" y="0"/>
+          <a:ext cx="0" cy="0"/>
+          <a:chOff x="0" y="0"/>
+          <a:chExt cx="0" cy="0"/>
+        </a:xfrm>
+      </p:grpSpPr>
+      <p:sp>
+        <p:nvSpPr>
+          <p:cNvPr id="2" name="Title 1">
+            <a:extLst>
+              <a:ext uri="{FF2B5EF4-FFF2-40B4-BE49-F238E27FC236}">
+                <a16:creationId xmlns:a16="http://schemas.microsoft.com/office/drawing/2014/main" id="{D70CB4BB-7DD5-42A8-B338-9A2E3A617897}"/>
+              </a:ext>
+            </a:extLst>
+          </p:cNvPr>
+          <p:cNvSpPr>
+            <a:spLocks noGrp="1"/>
+          </p:cNvSpPr>
+          <p:nvPr>
+            <p:ph type="title"/>
+          </p:nvPr>
+        </p:nvSpPr>
+        <p:spPr/>
+        <p:txBody>
+          <a:bodyPr/>
+          <a:lstStyle/>
+          <a:p>
+            <a:r>
+              <a:rPr lang="en-US" dirty="0"/>
+              <a:t>Companies Implemented RPA</a:t>
+            </a:r>
+          </a:p>
+        </p:txBody>
+      </p:sp>
+      <p:sp>
+        <p:nvSpPr>
+          <p:cNvPr id="3" name="Content Placeholder 2">
+            <a:extLst>
+              <a:ext uri="{FF2B5EF4-FFF2-40B4-BE49-F238E27FC236}">
+                <a16:creationId xmlns:a16="http://schemas.microsoft.com/office/drawing/2014/main" id="{B195BDF8-1240-4077-8DB3-2AABC0ED854F}"/>
+              </a:ext>
+            </a:extLst>
+          </p:cNvPr>
+          <p:cNvSpPr>
+            <a:spLocks noGrp="1"/>
+          </p:cNvSpPr>
+          <p:nvPr>
+            <p:ph idx="1"/>
+          </p:nvPr>
+        </p:nvSpPr>
+        <p:spPr>
+          <a:xfrm>
+            <a:off x="1103312" y="2052918"/>
+            <a:ext cx="8946541" cy="4195481"/>
+          </a:xfrm>
+        </p:spPr>
+        <p:txBody>
+          <a:bodyPr>
+            <a:normAutofit fontScale="92500" lnSpcReduction="20000"/>
+          </a:bodyPr>
+          <a:lstStyle/>
+          <a:p>
+            <a:r>
+              <a:rPr lang="en-US" dirty="0"/>
+              <a:t>Cognizant</a:t>
+            </a:r>
+          </a:p>
+          <a:p>
+            <a:r>
+              <a:rPr lang="en-US" dirty="0"/>
+              <a:t>Deloitte</a:t>
+            </a:r>
+          </a:p>
+          <a:p>
+            <a:r>
+              <a:rPr lang="en-US" dirty="0"/>
+              <a:t>PwC</a:t>
+            </a:r>
+          </a:p>
+          <a:p>
+            <a:r>
+              <a:rPr lang="en-US" dirty="0"/>
+              <a:t>Ernst &amp; Young(EY)</a:t>
+            </a:r>
+          </a:p>
+          <a:p>
+            <a:r>
+              <a:rPr lang="en-US" dirty="0"/>
+              <a:t>KPMG</a:t>
+            </a:r>
+          </a:p>
+          <a:p>
+            <a:r>
+              <a:rPr lang="en-US" dirty="0"/>
+              <a:t>Accenture</a:t>
+            </a:r>
+          </a:p>
+          <a:p>
+            <a:r>
+              <a:rPr lang="en-US" dirty="0"/>
+              <a:t>Capgemini</a:t>
+            </a:r>
+          </a:p>
+          <a:p>
+            <a:r>
+              <a:rPr lang="en-US" dirty="0"/>
+              <a:t>Wipro</a:t>
+            </a:r>
+          </a:p>
+          <a:p>
+            <a:r>
+              <a:rPr lang="en-US" dirty="0"/>
+              <a:t>IBM</a:t>
+            </a:r>
+          </a:p>
+          <a:p>
+            <a:r>
+              <a:rPr lang="en-US" dirty="0"/>
+              <a:t>TCS</a:t>
+            </a:r>
+          </a:p>
+          <a:p>
+            <a:r>
+              <a:rPr lang="en-US" dirty="0"/>
+              <a:t>Tech Mahindra</a:t>
+            </a:r>
+          </a:p>
+        </p:txBody>
+      </p:sp>
+      <p:sp>
+        <p:nvSpPr>
+          <p:cNvPr id="5" name="Right Brace 4">
+            <a:extLst>
+              <a:ext uri="{FF2B5EF4-FFF2-40B4-BE49-F238E27FC236}">
+                <a16:creationId xmlns:a16="http://schemas.microsoft.com/office/drawing/2014/main" id="{B33F6E9C-686D-4EAF-943C-DECCBD59CCAC}"/>
+              </a:ext>
+            </a:extLst>
+          </p:cNvPr>
+          <p:cNvSpPr/>
+          <p:nvPr/>
+        </p:nvSpPr>
+        <p:spPr>
+          <a:xfrm>
+            <a:off x="3283529" y="2410691"/>
+            <a:ext cx="1101436" cy="1302327"/>
+          </a:xfrm>
+          <a:prstGeom prst="rightBrace">
+            <a:avLst/>
+          </a:prstGeom>
+          <a:ln w="28575">
+            <a:solidFill>
+              <a:schemeClr val="tx1"/>
+            </a:solidFill>
+          </a:ln>
+        </p:spPr>
+        <p:style>
+          <a:lnRef idx="1">
+            <a:schemeClr val="accent1"/>
+          </a:lnRef>
+          <a:fillRef idx="0">
+            <a:schemeClr val="accent1"/>
+          </a:fillRef>
+          <a:effectRef idx="0">
+            <a:schemeClr val="accent1"/>
+          </a:effectRef>
+          <a:fontRef idx="minor">
+            <a:schemeClr val="tx1"/>
+          </a:fontRef>
+        </p:style>
+        <p:txBody>
+          <a:bodyPr rtlCol="0" anchor="ctr"/>
+          <a:lstStyle/>
+          <a:p>
+            <a:pPr algn="ctr"/>
+            <a:endParaRPr lang="en-US" dirty="0"/>
+          </a:p>
+        </p:txBody>
+      </p:sp>
+      <p:sp>
+        <p:nvSpPr>
+          <p:cNvPr id="6" name="TextBox 5">
+            <a:extLst>
+              <a:ext uri="{FF2B5EF4-FFF2-40B4-BE49-F238E27FC236}">
+                <a16:creationId xmlns:a16="http://schemas.microsoft.com/office/drawing/2014/main" id="{BB4EEE73-337C-4F02-9CC1-58B45ACEACD9}"/>
+              </a:ext>
+            </a:extLst>
+          </p:cNvPr>
+          <p:cNvSpPr txBox="1"/>
+          <p:nvPr/>
+        </p:nvSpPr>
+        <p:spPr>
+          <a:xfrm>
+            <a:off x="4495800" y="2800244"/>
+            <a:ext cx="4565073" cy="523220"/>
+          </a:xfrm>
+          <a:prstGeom prst="rect">
+            <a:avLst/>
+          </a:prstGeom>
+          <a:noFill/>
+        </p:spPr>
+        <p:txBody>
+          <a:bodyPr wrap="square" rtlCol="0">
+            <a:spAutoFit/>
+          </a:bodyPr>
+          <a:lstStyle/>
+          <a:p>
+            <a:r>
+              <a:rPr lang="en-US" sz="2800" dirty="0"/>
+              <a:t>Big four accounting firms</a:t>
+            </a:r>
+          </a:p>
+        </p:txBody>
+      </p:sp>
+    </p:spTree>
+    <p:extLst>
+      <p:ext uri="{BB962C8B-B14F-4D97-AF65-F5344CB8AC3E}">
+        <p14:creationId xmlns:p14="http://schemas.microsoft.com/office/powerpoint/2010/main" val="1350091052"/>
+      </p:ext>
+    </p:extLst>
+  </p:cSld>
+  <p:clrMapOvr>
+    <a:masterClrMapping/>
+  </p:clrMapOvr>
+</p:sld>
+</file>
+
+<file path=ppt/slides/slide12.xml><?xml version="1.0" encoding="utf-8"?>
 <p:sld xmlns:a="http://schemas.openxmlformats.org/drawingml/2006/main" xmlns:r="http://schemas.openxmlformats.org/officeDocument/2006/relationships" xmlns:p="http://schemas.openxmlformats.org/presentationml/2006/main">
   <p:cSld>
     <p:spTree>
@@ -13376,6 +18320,41 @@
           </a:p>
         </p:txBody>
       </p:sp>
+      <p:sp>
+        <p:nvSpPr>
+          <p:cNvPr id="3" name="TextBox 2">
+            <a:extLst>
+              <a:ext uri="{FF2B5EF4-FFF2-40B4-BE49-F238E27FC236}">
+                <a16:creationId xmlns:a16="http://schemas.microsoft.com/office/drawing/2014/main" id="{C4D0A496-A329-4223-B5EE-11045C362EA5}"/>
+              </a:ext>
+            </a:extLst>
+          </p:cNvPr>
+          <p:cNvSpPr txBox="1"/>
+          <p:nvPr/>
+        </p:nvSpPr>
+        <p:spPr>
+          <a:xfrm>
+            <a:off x="10460181" y="401781"/>
+            <a:ext cx="651163" cy="369332"/>
+          </a:xfrm>
+          <a:prstGeom prst="rect">
+            <a:avLst/>
+          </a:prstGeom>
+          <a:noFill/>
+        </p:spPr>
+        <p:txBody>
+          <a:bodyPr wrap="square" rtlCol="0">
+            <a:spAutoFit/>
+          </a:bodyPr>
+          <a:lstStyle/>
+          <a:p>
+            <a:r>
+              <a:rPr lang="en-US" b="1" dirty="0"/>
+              <a:t>RPA</a:t>
+            </a:r>
+          </a:p>
+        </p:txBody>
+      </p:sp>
     </p:spTree>
     <p:extLst>
       <p:ext uri="{BB962C8B-B14F-4D97-AF65-F5344CB8AC3E}">
@@ -13389,7 +18368,7 @@
 </p:sld>
 </file>
 
-<file path=ppt/slides/slide11.xml><?xml version="1.0" encoding="utf-8"?>
+<file path=ppt/slides/slide13.xml><?xml version="1.0" encoding="utf-8"?>
 <p:sld xmlns:a="http://schemas.openxmlformats.org/drawingml/2006/main" xmlns:r="http://schemas.openxmlformats.org/officeDocument/2006/relationships" xmlns:p="http://schemas.openxmlformats.org/presentationml/2006/main">
   <p:cSld>
     <p:spTree>
@@ -13511,6 +18490,41 @@
           </a:p>
         </p:txBody>
       </p:sp>
+      <p:sp>
+        <p:nvSpPr>
+          <p:cNvPr id="3" name="TextBox 2">
+            <a:extLst>
+              <a:ext uri="{FF2B5EF4-FFF2-40B4-BE49-F238E27FC236}">
+                <a16:creationId xmlns:a16="http://schemas.microsoft.com/office/drawing/2014/main" id="{5901612A-745C-4AA4-A5E1-2D84CB05360E}"/>
+              </a:ext>
+            </a:extLst>
+          </p:cNvPr>
+          <p:cNvSpPr txBox="1"/>
+          <p:nvPr/>
+        </p:nvSpPr>
+        <p:spPr>
+          <a:xfrm>
+            <a:off x="10460181" y="401781"/>
+            <a:ext cx="651163" cy="369332"/>
+          </a:xfrm>
+          <a:prstGeom prst="rect">
+            <a:avLst/>
+          </a:prstGeom>
+          <a:noFill/>
+        </p:spPr>
+        <p:txBody>
+          <a:bodyPr wrap="square" rtlCol="0">
+            <a:spAutoFit/>
+          </a:bodyPr>
+          <a:lstStyle/>
+          <a:p>
+            <a:r>
+              <a:rPr lang="en-US" b="1" dirty="0"/>
+              <a:t>RPA</a:t>
+            </a:r>
+          </a:p>
+        </p:txBody>
+      </p:sp>
     </p:spTree>
     <p:extLst>
       <p:ext uri="{BB962C8B-B14F-4D97-AF65-F5344CB8AC3E}">
@@ -13646,6 +18660,41 @@
           </a:p>
         </p:txBody>
       </p:sp>
+      <p:sp>
+        <p:nvSpPr>
+          <p:cNvPr id="4" name="TextBox 3">
+            <a:extLst>
+              <a:ext uri="{FF2B5EF4-FFF2-40B4-BE49-F238E27FC236}">
+                <a16:creationId xmlns:a16="http://schemas.microsoft.com/office/drawing/2014/main" id="{93139C74-DBD3-4EAB-AA24-7D23F790D846}"/>
+              </a:ext>
+            </a:extLst>
+          </p:cNvPr>
+          <p:cNvSpPr txBox="1"/>
+          <p:nvPr/>
+        </p:nvSpPr>
+        <p:spPr>
+          <a:xfrm>
+            <a:off x="10460181" y="401781"/>
+            <a:ext cx="651163" cy="369332"/>
+          </a:xfrm>
+          <a:prstGeom prst="rect">
+            <a:avLst/>
+          </a:prstGeom>
+          <a:noFill/>
+        </p:spPr>
+        <p:txBody>
+          <a:bodyPr wrap="square" rtlCol="0">
+            <a:spAutoFit/>
+          </a:bodyPr>
+          <a:lstStyle/>
+          <a:p>
+            <a:r>
+              <a:rPr lang="en-US" b="1" dirty="0"/>
+              <a:t>RPA</a:t>
+            </a:r>
+          </a:p>
+        </p:txBody>
+      </p:sp>
     </p:spTree>
     <p:extLst>
       <p:ext uri="{BB962C8B-B14F-4D97-AF65-F5344CB8AC3E}">
@@ -13660,143 +18709,6 @@
 </file>
 
 <file path=ppt/slides/slide3.xml><?xml version="1.0" encoding="utf-8"?>
-<p:sld xmlns:a="http://schemas.openxmlformats.org/drawingml/2006/main" xmlns:r="http://schemas.openxmlformats.org/officeDocument/2006/relationships" xmlns:p="http://schemas.openxmlformats.org/presentationml/2006/main">
-  <p:cSld>
-    <p:spTree>
-      <p:nvGrpSpPr>
-        <p:cNvPr id="1" name=""/>
-        <p:cNvGrpSpPr/>
-        <p:nvPr/>
-      </p:nvGrpSpPr>
-      <p:grpSpPr>
-        <a:xfrm>
-          <a:off x="0" y="0"/>
-          <a:ext cx="0" cy="0"/>
-          <a:chOff x="0" y="0"/>
-          <a:chExt cx="0" cy="0"/>
-        </a:xfrm>
-      </p:grpSpPr>
-      <p:sp>
-        <p:nvSpPr>
-          <p:cNvPr id="2" name="Title 1">
-            <a:extLst>
-              <a:ext uri="{FF2B5EF4-FFF2-40B4-BE49-F238E27FC236}">
-                <a16:creationId xmlns:a16="http://schemas.microsoft.com/office/drawing/2014/main" id="{CF9A4DC6-A4B6-4113-94A6-6CA432D75BC4}"/>
-              </a:ext>
-            </a:extLst>
-          </p:cNvPr>
-          <p:cNvSpPr>
-            <a:spLocks noGrp="1"/>
-          </p:cNvSpPr>
-          <p:nvPr>
-            <p:ph type="title"/>
-          </p:nvPr>
-        </p:nvSpPr>
-        <p:spPr/>
-        <p:txBody>
-          <a:bodyPr/>
-          <a:lstStyle/>
-          <a:p>
-            <a:r>
-              <a:rPr lang="en-US" dirty="0"/>
-              <a:t>What is RPA</a:t>
-            </a:r>
-            <a:r>
-              <a:rPr lang="en-US" dirty="0">
-                <a:latin typeface="Arial" panose="020B0604020202020204" pitchFamily="34" charset="0"/>
-                <a:cs typeface="Arial" panose="020B0604020202020204" pitchFamily="34" charset="0"/>
-              </a:rPr>
-              <a:t>?</a:t>
-            </a:r>
-          </a:p>
-        </p:txBody>
-      </p:sp>
-      <p:sp>
-        <p:nvSpPr>
-          <p:cNvPr id="3" name="Content Placeholder 2">
-            <a:extLst>
-              <a:ext uri="{FF2B5EF4-FFF2-40B4-BE49-F238E27FC236}">
-                <a16:creationId xmlns:a16="http://schemas.microsoft.com/office/drawing/2014/main" id="{CCCF5628-1D72-4467-A426-A442F725A8C0}"/>
-              </a:ext>
-            </a:extLst>
-          </p:cNvPr>
-          <p:cNvSpPr>
-            <a:spLocks noGrp="1"/>
-          </p:cNvSpPr>
-          <p:nvPr>
-            <p:ph idx="1"/>
-          </p:nvPr>
-        </p:nvSpPr>
-        <p:spPr>
-          <a:xfrm>
-            <a:off x="1103312" y="2036618"/>
-            <a:ext cx="8946541" cy="4211781"/>
-          </a:xfrm>
-        </p:spPr>
-        <p:txBody>
-          <a:bodyPr/>
-          <a:lstStyle/>
-          <a:p>
-            <a:r>
-              <a:rPr lang="en-US" b="1" dirty="0"/>
-              <a:t>Emulates human execution of repetitive processes using existing applications (RPA Tools)</a:t>
-            </a:r>
-          </a:p>
-          <a:p>
-            <a:endParaRPr lang="en-US" b="1" dirty="0"/>
-          </a:p>
-          <a:p>
-            <a:r>
-              <a:rPr lang="en-US" b="1" dirty="0"/>
-              <a:t>Mimics what people do </a:t>
-            </a:r>
-            <a:r>
-              <a:rPr lang="en-US" dirty="0"/>
-              <a:t>by autonomously logging on, capturing data and orchestrating various applications and systems</a:t>
-            </a:r>
-          </a:p>
-          <a:p>
-            <a:endParaRPr lang="en-US" b="1" dirty="0"/>
-          </a:p>
-          <a:p>
-            <a:r>
-              <a:rPr lang="en-US" b="1" dirty="0"/>
-              <a:t>Smart software that enables rules based outcomes </a:t>
-            </a:r>
-            <a:r>
-              <a:rPr lang="en-US" dirty="0"/>
-              <a:t>and formulae, applied in seconds</a:t>
-            </a:r>
-            <a:endParaRPr lang="en-US" b="1" dirty="0"/>
-          </a:p>
-          <a:p>
-            <a:endParaRPr lang="en-US" b="1" dirty="0"/>
-          </a:p>
-          <a:p>
-            <a:r>
-              <a:rPr lang="en-US" b="1" dirty="0"/>
-              <a:t>Creating Virtual Workforces</a:t>
-            </a:r>
-          </a:p>
-          <a:p>
-            <a:endParaRPr lang="en-US" dirty="0"/>
-          </a:p>
-        </p:txBody>
-      </p:sp>
-    </p:spTree>
-    <p:extLst>
-      <p:ext uri="{BB962C8B-B14F-4D97-AF65-F5344CB8AC3E}">
-        <p14:creationId xmlns:p14="http://schemas.microsoft.com/office/powerpoint/2010/main" val="4268031158"/>
-      </p:ext>
-    </p:extLst>
-  </p:cSld>
-  <p:clrMapOvr>
-    <a:masterClrMapping/>
-  </p:clrMapOvr>
-</p:sld>
-</file>
-
-<file path=ppt/slides/slide4.xml><?xml version="1.0" encoding="utf-8"?>
 <p:sld xmlns:a="http://schemas.openxmlformats.org/drawingml/2006/main" xmlns:r="http://schemas.openxmlformats.org/officeDocument/2006/relationships" xmlns:p="http://schemas.openxmlformats.org/presentationml/2006/main">
   <p:cSld>
     <p:spTree>
@@ -13835,10 +18747,9 @@
           <a:lstStyle/>
           <a:p>
             <a:r>
-              <a:rPr lang="en-US" b="1" dirty="0"/>
+              <a:rPr lang="en-US" dirty="0"/>
               <a:t>RPA Implementation Methodology</a:t>
             </a:r>
-            <a:endParaRPr lang="en-US" dirty="0"/>
           </a:p>
         </p:txBody>
       </p:sp>
@@ -13873,6 +18784,41 @@
           </a:graphicData>
         </a:graphic>
       </p:graphicFrame>
+      <p:sp>
+        <p:nvSpPr>
+          <p:cNvPr id="5" name="TextBox 4">
+            <a:extLst>
+              <a:ext uri="{FF2B5EF4-FFF2-40B4-BE49-F238E27FC236}">
+                <a16:creationId xmlns:a16="http://schemas.microsoft.com/office/drawing/2014/main" id="{CD0E7A3F-BBF2-490B-8F8A-A94C97C51738}"/>
+              </a:ext>
+            </a:extLst>
+          </p:cNvPr>
+          <p:cNvSpPr txBox="1"/>
+          <p:nvPr/>
+        </p:nvSpPr>
+        <p:spPr>
+          <a:xfrm>
+            <a:off x="10460181" y="401781"/>
+            <a:ext cx="651163" cy="369332"/>
+          </a:xfrm>
+          <a:prstGeom prst="rect">
+            <a:avLst/>
+          </a:prstGeom>
+          <a:noFill/>
+        </p:spPr>
+        <p:txBody>
+          <a:bodyPr wrap="square" rtlCol="0">
+            <a:spAutoFit/>
+          </a:bodyPr>
+          <a:lstStyle/>
+          <a:p>
+            <a:r>
+              <a:rPr lang="en-US" b="1" dirty="0"/>
+              <a:t>RPA</a:t>
+            </a:r>
+          </a:p>
+        </p:txBody>
+      </p:sp>
     </p:spTree>
     <p:extLst>
       <p:ext uri="{BB962C8B-B14F-4D97-AF65-F5344CB8AC3E}">
@@ -13886,7 +18832,603 @@
 </p:sld>
 </file>
 
+<file path=ppt/slides/slide4.xml><?xml version="1.0" encoding="utf-8"?>
+<p:sld xmlns:a="http://schemas.openxmlformats.org/drawingml/2006/main" xmlns:r="http://schemas.openxmlformats.org/officeDocument/2006/relationships" xmlns:p="http://schemas.openxmlformats.org/presentationml/2006/main">
+  <p:cSld>
+    <p:spTree>
+      <p:nvGrpSpPr>
+        <p:cNvPr id="1" name=""/>
+        <p:cNvGrpSpPr/>
+        <p:nvPr/>
+      </p:nvGrpSpPr>
+      <p:grpSpPr>
+        <a:xfrm>
+          <a:off x="0" y="0"/>
+          <a:ext cx="0" cy="0"/>
+          <a:chOff x="0" y="0"/>
+          <a:chExt cx="0" cy="0"/>
+        </a:xfrm>
+      </p:grpSpPr>
+      <p:sp>
+        <p:nvSpPr>
+          <p:cNvPr id="2" name="Title 1">
+            <a:extLst>
+              <a:ext uri="{FF2B5EF4-FFF2-40B4-BE49-F238E27FC236}">
+                <a16:creationId xmlns:a16="http://schemas.microsoft.com/office/drawing/2014/main" id="{FA468AAC-D7F5-4ECF-917F-CFAFD70085E7}"/>
+              </a:ext>
+            </a:extLst>
+          </p:cNvPr>
+          <p:cNvSpPr>
+            <a:spLocks noGrp="1"/>
+          </p:cNvSpPr>
+          <p:nvPr>
+            <p:ph type="title"/>
+          </p:nvPr>
+        </p:nvSpPr>
+        <p:spPr/>
+        <p:txBody>
+          <a:bodyPr/>
+          <a:lstStyle/>
+          <a:p>
+            <a:r>
+              <a:rPr lang="en-US" dirty="0"/>
+              <a:t>Various RPA Tools</a:t>
+            </a:r>
+          </a:p>
+        </p:txBody>
+      </p:sp>
+      <p:sp>
+        <p:nvSpPr>
+          <p:cNvPr id="7" name="TextBox 6">
+            <a:extLst>
+              <a:ext uri="{FF2B5EF4-FFF2-40B4-BE49-F238E27FC236}">
+                <a16:creationId xmlns:a16="http://schemas.microsoft.com/office/drawing/2014/main" id="{7D67E709-C971-432F-BC82-DF6FA5D34A88}"/>
+              </a:ext>
+            </a:extLst>
+          </p:cNvPr>
+          <p:cNvSpPr txBox="1"/>
+          <p:nvPr/>
+        </p:nvSpPr>
+        <p:spPr>
+          <a:xfrm>
+            <a:off x="10460181" y="401781"/>
+            <a:ext cx="651163" cy="369332"/>
+          </a:xfrm>
+          <a:prstGeom prst="rect">
+            <a:avLst/>
+          </a:prstGeom>
+          <a:noFill/>
+        </p:spPr>
+        <p:txBody>
+          <a:bodyPr wrap="square" rtlCol="0">
+            <a:spAutoFit/>
+          </a:bodyPr>
+          <a:lstStyle/>
+          <a:p>
+            <a:r>
+              <a:rPr lang="en-US" b="1" dirty="0"/>
+              <a:t>RPA</a:t>
+            </a:r>
+          </a:p>
+        </p:txBody>
+      </p:sp>
+      <p:sp>
+        <p:nvSpPr>
+          <p:cNvPr id="8" name="Content Placeholder 7">
+            <a:extLst>
+              <a:ext uri="{FF2B5EF4-FFF2-40B4-BE49-F238E27FC236}">
+                <a16:creationId xmlns:a16="http://schemas.microsoft.com/office/drawing/2014/main" id="{01D1B36E-BC1D-4D5A-BBFD-5339E2777BDF}"/>
+              </a:ext>
+            </a:extLst>
+          </p:cNvPr>
+          <p:cNvSpPr>
+            <a:spLocks noGrp="1"/>
+          </p:cNvSpPr>
+          <p:nvPr>
+            <p:ph idx="1"/>
+          </p:nvPr>
+        </p:nvSpPr>
+        <p:spPr/>
+        <p:txBody>
+          <a:bodyPr/>
+          <a:lstStyle/>
+          <a:p>
+            <a:r>
+              <a:rPr lang="en-US" dirty="0" err="1"/>
+              <a:t>Uipath</a:t>
+            </a:r>
+            <a:endParaRPr lang="en-US" dirty="0"/>
+          </a:p>
+          <a:p>
+            <a:endParaRPr lang="en-US" dirty="0"/>
+          </a:p>
+          <a:p>
+            <a:r>
+              <a:rPr lang="en-US" dirty="0"/>
+              <a:t>Automation Anywhere</a:t>
+            </a:r>
+          </a:p>
+          <a:p>
+            <a:endParaRPr lang="en-US" dirty="0"/>
+          </a:p>
+          <a:p>
+            <a:r>
+              <a:rPr lang="en-US" dirty="0" err="1"/>
+              <a:t>Blueprism</a:t>
+            </a:r>
+            <a:endParaRPr lang="en-US" dirty="0"/>
+          </a:p>
+          <a:p>
+            <a:endParaRPr lang="en-US" dirty="0"/>
+          </a:p>
+          <a:p>
+            <a:r>
+              <a:rPr lang="en-US" dirty="0" err="1"/>
+              <a:t>Workfusion</a:t>
+            </a:r>
+            <a:endParaRPr lang="en-US" dirty="0"/>
+          </a:p>
+          <a:p>
+            <a:endParaRPr lang="en-US" dirty="0"/>
+          </a:p>
+          <a:p>
+            <a:r>
+              <a:rPr lang="en-US" dirty="0"/>
+              <a:t>Nice</a:t>
+            </a:r>
+          </a:p>
+        </p:txBody>
+      </p:sp>
+    </p:spTree>
+    <p:extLst>
+      <p:ext uri="{BB962C8B-B14F-4D97-AF65-F5344CB8AC3E}">
+        <p14:creationId xmlns:p14="http://schemas.microsoft.com/office/powerpoint/2010/main" val="2310820752"/>
+      </p:ext>
+    </p:extLst>
+  </p:cSld>
+  <p:clrMapOvr>
+    <a:masterClrMapping/>
+  </p:clrMapOvr>
+</p:sld>
+</file>
+
 <file path=ppt/slides/slide5.xml><?xml version="1.0" encoding="utf-8"?>
+<p:sld xmlns:a="http://schemas.openxmlformats.org/drawingml/2006/main" xmlns:r="http://schemas.openxmlformats.org/officeDocument/2006/relationships" xmlns:p="http://schemas.openxmlformats.org/presentationml/2006/main">
+  <p:cSld>
+    <p:spTree>
+      <p:nvGrpSpPr>
+        <p:cNvPr id="1" name=""/>
+        <p:cNvGrpSpPr/>
+        <p:nvPr/>
+      </p:nvGrpSpPr>
+      <p:grpSpPr>
+        <a:xfrm>
+          <a:off x="0" y="0"/>
+          <a:ext cx="0" cy="0"/>
+          <a:chOff x="0" y="0"/>
+          <a:chExt cx="0" cy="0"/>
+        </a:xfrm>
+      </p:grpSpPr>
+      <p:sp>
+        <p:nvSpPr>
+          <p:cNvPr id="2" name="Title 1">
+            <a:extLst>
+              <a:ext uri="{FF2B5EF4-FFF2-40B4-BE49-F238E27FC236}">
+                <a16:creationId xmlns:a16="http://schemas.microsoft.com/office/drawing/2014/main" id="{AFBDB16E-A08B-4238-BBED-8AB5E3DFEE44}"/>
+              </a:ext>
+            </a:extLst>
+          </p:cNvPr>
+          <p:cNvSpPr>
+            <a:spLocks noGrp="1"/>
+          </p:cNvSpPr>
+          <p:nvPr>
+            <p:ph type="title"/>
+          </p:nvPr>
+        </p:nvSpPr>
+        <p:spPr/>
+        <p:txBody>
+          <a:bodyPr/>
+          <a:lstStyle/>
+          <a:p>
+            <a:r>
+              <a:rPr lang="en-US" dirty="0"/>
+              <a:t>RPA Life Cycle</a:t>
+            </a:r>
+          </a:p>
+        </p:txBody>
+      </p:sp>
+      <p:pic>
+        <p:nvPicPr>
+          <p:cNvPr id="5" name="Content Placeholder 4">
+            <a:extLst>
+              <a:ext uri="{FF2B5EF4-FFF2-40B4-BE49-F238E27FC236}">
+                <a16:creationId xmlns:a16="http://schemas.microsoft.com/office/drawing/2014/main" id="{4C22EF6D-B517-48DE-8E4D-40B0C719F1D4}"/>
+              </a:ext>
+            </a:extLst>
+          </p:cNvPr>
+          <p:cNvPicPr>
+            <a:picLocks noGrp="1" noChangeAspect="1"/>
+          </p:cNvPicPr>
+          <p:nvPr>
+            <p:ph idx="1"/>
+          </p:nvPr>
+        </p:nvPicPr>
+        <p:blipFill>
+          <a:blip r:embed="rId2"/>
+          <a:stretch>
+            <a:fillRect/>
+          </a:stretch>
+        </p:blipFill>
+        <p:spPr>
+          <a:xfrm>
+            <a:off x="1439531" y="1379175"/>
+            <a:ext cx="8477301" cy="1100477"/>
+          </a:xfrm>
+        </p:spPr>
+      </p:pic>
+      <p:sp>
+        <p:nvSpPr>
+          <p:cNvPr id="6" name="Content Placeholder 2">
+            <a:extLst>
+              <a:ext uri="{FF2B5EF4-FFF2-40B4-BE49-F238E27FC236}">
+                <a16:creationId xmlns:a16="http://schemas.microsoft.com/office/drawing/2014/main" id="{1DDC1536-9C74-4053-AD73-882B81C94F4D}"/>
+              </a:ext>
+            </a:extLst>
+          </p:cNvPr>
+          <p:cNvSpPr txBox="1">
+            <a:spLocks/>
+          </p:cNvSpPr>
+          <p:nvPr/>
+        </p:nvSpPr>
+        <p:spPr>
+          <a:xfrm>
+            <a:off x="1103312" y="2779705"/>
+            <a:ext cx="8946541" cy="3468694"/>
+          </a:xfrm>
+          <a:prstGeom prst="rect">
+            <a:avLst/>
+          </a:prstGeom>
+        </p:spPr>
+        <p:txBody>
+          <a:bodyPr vert="horz" lIns="91440" tIns="45720" rIns="91440" bIns="45720" rtlCol="0">
+            <a:normAutofit fontScale="92500" lnSpcReduction="10000"/>
+          </a:bodyPr>
+          <a:lstStyle>
+            <a:lvl1pPr marL="342900" indent="-342900" algn="l" defTabSz="457200" rtl="0" eaLnBrk="1" latinLnBrk="0" hangingPunct="1">
+              <a:spcBef>
+                <a:spcPts val="1000"/>
+              </a:spcBef>
+              <a:spcAft>
+                <a:spcPts val="0"/>
+              </a:spcAft>
+              <a:buClr>
+                <a:schemeClr val="bg2">
+                  <a:lumMod val="40000"/>
+                  <a:lumOff val="60000"/>
+                </a:schemeClr>
+              </a:buClr>
+              <a:buSzPct val="80000"/>
+              <a:buFont typeface="Wingdings 3" charset="2"/>
+              <a:buChar char=""/>
+              <a:defRPr sz="2000" b="0" i="0" kern="1200">
+                <a:solidFill>
+                  <a:schemeClr val="tx1"/>
+                </a:solidFill>
+                <a:latin typeface="+mj-lt"/>
+                <a:ea typeface="+mj-ea"/>
+                <a:cs typeface="+mj-cs"/>
+              </a:defRPr>
+            </a:lvl1pPr>
+            <a:lvl2pPr marL="742950" indent="-285750" algn="l" defTabSz="457200" rtl="0" eaLnBrk="1" latinLnBrk="0" hangingPunct="1">
+              <a:spcBef>
+                <a:spcPts val="1000"/>
+              </a:spcBef>
+              <a:spcAft>
+                <a:spcPts val="0"/>
+              </a:spcAft>
+              <a:buClr>
+                <a:schemeClr val="bg2">
+                  <a:lumMod val="40000"/>
+                  <a:lumOff val="60000"/>
+                </a:schemeClr>
+              </a:buClr>
+              <a:buSzPct val="80000"/>
+              <a:buFont typeface="Wingdings 3" charset="2"/>
+              <a:buChar char=""/>
+              <a:defRPr sz="1800" b="0" i="0" kern="1200">
+                <a:solidFill>
+                  <a:schemeClr val="tx1"/>
+                </a:solidFill>
+                <a:latin typeface="+mj-lt"/>
+                <a:ea typeface="+mj-ea"/>
+                <a:cs typeface="+mj-cs"/>
+              </a:defRPr>
+            </a:lvl2pPr>
+            <a:lvl3pPr marL="1143000" indent="-228600" algn="l" defTabSz="457200" rtl="0" eaLnBrk="1" latinLnBrk="0" hangingPunct="1">
+              <a:spcBef>
+                <a:spcPts val="1000"/>
+              </a:spcBef>
+              <a:spcAft>
+                <a:spcPts val="0"/>
+              </a:spcAft>
+              <a:buClr>
+                <a:schemeClr val="bg2">
+                  <a:lumMod val="40000"/>
+                  <a:lumOff val="60000"/>
+                </a:schemeClr>
+              </a:buClr>
+              <a:buSzPct val="80000"/>
+              <a:buFont typeface="Wingdings 3" charset="2"/>
+              <a:buChar char=""/>
+              <a:defRPr sz="1600" b="0" i="0" kern="1200">
+                <a:solidFill>
+                  <a:schemeClr val="tx1"/>
+                </a:solidFill>
+                <a:latin typeface="+mj-lt"/>
+                <a:ea typeface="+mj-ea"/>
+                <a:cs typeface="+mj-cs"/>
+              </a:defRPr>
+            </a:lvl3pPr>
+            <a:lvl4pPr marL="1600200" indent="-228600" algn="l" defTabSz="457200" rtl="0" eaLnBrk="1" latinLnBrk="0" hangingPunct="1">
+              <a:spcBef>
+                <a:spcPts val="1000"/>
+              </a:spcBef>
+              <a:spcAft>
+                <a:spcPts val="0"/>
+              </a:spcAft>
+              <a:buClr>
+                <a:schemeClr val="bg2">
+                  <a:lumMod val="40000"/>
+                  <a:lumOff val="60000"/>
+                </a:schemeClr>
+              </a:buClr>
+              <a:buSzPct val="80000"/>
+              <a:buFont typeface="Wingdings 3" charset="2"/>
+              <a:buChar char=""/>
+              <a:defRPr sz="1400" b="0" i="0" kern="1200">
+                <a:solidFill>
+                  <a:schemeClr val="tx1"/>
+                </a:solidFill>
+                <a:latin typeface="+mj-lt"/>
+                <a:ea typeface="+mj-ea"/>
+                <a:cs typeface="+mj-cs"/>
+              </a:defRPr>
+            </a:lvl4pPr>
+            <a:lvl5pPr marL="2057400" indent="-228600" algn="l" defTabSz="457200" rtl="0" eaLnBrk="1" latinLnBrk="0" hangingPunct="1">
+              <a:spcBef>
+                <a:spcPts val="1000"/>
+              </a:spcBef>
+              <a:spcAft>
+                <a:spcPts val="0"/>
+              </a:spcAft>
+              <a:buClr>
+                <a:schemeClr val="bg2">
+                  <a:lumMod val="40000"/>
+                  <a:lumOff val="60000"/>
+                </a:schemeClr>
+              </a:buClr>
+              <a:buSzPct val="80000"/>
+              <a:buFont typeface="Wingdings 3" charset="2"/>
+              <a:buChar char=""/>
+              <a:defRPr sz="1400" b="0" i="0" kern="1200">
+                <a:solidFill>
+                  <a:schemeClr val="tx1"/>
+                </a:solidFill>
+                <a:latin typeface="+mj-lt"/>
+                <a:ea typeface="+mj-ea"/>
+                <a:cs typeface="+mj-cs"/>
+              </a:defRPr>
+            </a:lvl5pPr>
+            <a:lvl6pPr marL="2506000" indent="-228600" algn="l" defTabSz="457200" rtl="0" eaLnBrk="1" latinLnBrk="0" hangingPunct="1">
+              <a:spcBef>
+                <a:spcPts val="1000"/>
+              </a:spcBef>
+              <a:spcAft>
+                <a:spcPts val="0"/>
+              </a:spcAft>
+              <a:buClr>
+                <a:schemeClr val="bg2">
+                  <a:lumMod val="40000"/>
+                  <a:lumOff val="60000"/>
+                </a:schemeClr>
+              </a:buClr>
+              <a:buSzPct val="80000"/>
+              <a:buFont typeface="Wingdings 3" charset="2"/>
+              <a:buChar char=""/>
+              <a:defRPr sz="1400" b="0" i="0" kern="1200">
+                <a:solidFill>
+                  <a:schemeClr val="tx1"/>
+                </a:solidFill>
+                <a:latin typeface="+mj-lt"/>
+                <a:ea typeface="+mj-ea"/>
+                <a:cs typeface="+mj-cs"/>
+              </a:defRPr>
+            </a:lvl6pPr>
+            <a:lvl7pPr marL="2971800" indent="-228600" algn="l" defTabSz="457200" rtl="0" eaLnBrk="1" latinLnBrk="0" hangingPunct="1">
+              <a:spcBef>
+                <a:spcPts val="1000"/>
+              </a:spcBef>
+              <a:spcAft>
+                <a:spcPts val="0"/>
+              </a:spcAft>
+              <a:buClr>
+                <a:schemeClr val="bg2">
+                  <a:lumMod val="40000"/>
+                  <a:lumOff val="60000"/>
+                </a:schemeClr>
+              </a:buClr>
+              <a:buSzPct val="80000"/>
+              <a:buFont typeface="Wingdings 3" charset="2"/>
+              <a:buChar char=""/>
+              <a:defRPr sz="1400" b="0" i="0" kern="1200">
+                <a:solidFill>
+                  <a:schemeClr val="tx1"/>
+                </a:solidFill>
+                <a:latin typeface="+mj-lt"/>
+                <a:ea typeface="+mj-ea"/>
+                <a:cs typeface="+mj-cs"/>
+              </a:defRPr>
+            </a:lvl7pPr>
+            <a:lvl8pPr marL="3429000" indent="-228600" algn="l" defTabSz="457200" rtl="0" eaLnBrk="1" latinLnBrk="0" hangingPunct="1">
+              <a:spcBef>
+                <a:spcPts val="1000"/>
+              </a:spcBef>
+              <a:spcAft>
+                <a:spcPts val="0"/>
+              </a:spcAft>
+              <a:buClr>
+                <a:schemeClr val="bg2">
+                  <a:lumMod val="40000"/>
+                  <a:lumOff val="60000"/>
+                </a:schemeClr>
+              </a:buClr>
+              <a:buSzPct val="80000"/>
+              <a:buFont typeface="Wingdings 3" charset="2"/>
+              <a:buChar char=""/>
+              <a:defRPr sz="1400" b="0" i="0" kern="1200">
+                <a:solidFill>
+                  <a:schemeClr val="tx1"/>
+                </a:solidFill>
+                <a:latin typeface="+mj-lt"/>
+                <a:ea typeface="+mj-ea"/>
+                <a:cs typeface="+mj-cs"/>
+              </a:defRPr>
+            </a:lvl8pPr>
+            <a:lvl9pPr marL="3886200" indent="-228600" algn="l" defTabSz="457200" rtl="0" eaLnBrk="1" latinLnBrk="0" hangingPunct="1">
+              <a:spcBef>
+                <a:spcPts val="1000"/>
+              </a:spcBef>
+              <a:spcAft>
+                <a:spcPts val="0"/>
+              </a:spcAft>
+              <a:buClr>
+                <a:schemeClr val="bg2">
+                  <a:lumMod val="40000"/>
+                  <a:lumOff val="60000"/>
+                </a:schemeClr>
+              </a:buClr>
+              <a:buSzPct val="80000"/>
+              <a:buFont typeface="Wingdings 3" charset="2"/>
+              <a:buChar char=""/>
+              <a:defRPr sz="1400" b="0" i="0" kern="1200">
+                <a:solidFill>
+                  <a:schemeClr val="tx1"/>
+                </a:solidFill>
+                <a:latin typeface="+mj-lt"/>
+                <a:ea typeface="+mj-ea"/>
+                <a:cs typeface="+mj-cs"/>
+              </a:defRPr>
+            </a:lvl9pPr>
+          </a:lstStyle>
+          <a:p>
+            <a:r>
+              <a:rPr lang="en-US" b="1" dirty="0"/>
+              <a:t>PLANNING –  </a:t>
+            </a:r>
+            <a:r>
+              <a:rPr lang="en-US" dirty="0"/>
+              <a:t>Chose business area where large no. of processes are still handled manually</a:t>
+            </a:r>
+            <a:endParaRPr lang="en-US" b="1" dirty="0"/>
+          </a:p>
+          <a:p>
+            <a:pPr marL="0" indent="0">
+              <a:buNone/>
+            </a:pPr>
+            <a:endParaRPr lang="en-US" b="1" dirty="0"/>
+          </a:p>
+          <a:p>
+            <a:r>
+              <a:rPr lang="en-US" b="1" dirty="0"/>
+              <a:t>DEVELOPMENT/AUTOMATION – Build robots </a:t>
+            </a:r>
+            <a:r>
+              <a:rPr lang="en-US" dirty="0"/>
+              <a:t>to perform the processes in an automated way</a:t>
+            </a:r>
+            <a:endParaRPr lang="en-US" b="1" dirty="0"/>
+          </a:p>
+          <a:p>
+            <a:endParaRPr lang="en-US" b="1" dirty="0"/>
+          </a:p>
+          <a:p>
+            <a:r>
+              <a:rPr lang="en-US" b="1" dirty="0"/>
+              <a:t>TESTING/HANDOVER – Run test cases </a:t>
+            </a:r>
+            <a:r>
+              <a:rPr lang="en-US" dirty="0"/>
+              <a:t>to identify and capture exceptions</a:t>
+            </a:r>
+            <a:r>
+              <a:rPr lang="en-US" b="1" dirty="0"/>
+              <a:t> </a:t>
+            </a:r>
+          </a:p>
+          <a:p>
+            <a:endParaRPr lang="en-US" b="1" dirty="0"/>
+          </a:p>
+          <a:p>
+            <a:r>
+              <a:rPr lang="en-US" b="1" dirty="0"/>
+              <a:t>SUPPORT/MAINTENANCE –  </a:t>
+            </a:r>
+            <a:r>
+              <a:rPr lang="en-US" dirty="0"/>
+              <a:t>Provide continuous support after going live and helps in immediate defect resolution.</a:t>
+            </a:r>
+          </a:p>
+        </p:txBody>
+      </p:sp>
+      <p:sp>
+        <p:nvSpPr>
+          <p:cNvPr id="7" name="TextBox 6">
+            <a:extLst>
+              <a:ext uri="{FF2B5EF4-FFF2-40B4-BE49-F238E27FC236}">
+                <a16:creationId xmlns:a16="http://schemas.microsoft.com/office/drawing/2014/main" id="{2406A06F-5F3B-45F6-BC51-9D18B2478468}"/>
+              </a:ext>
+            </a:extLst>
+          </p:cNvPr>
+          <p:cNvSpPr txBox="1"/>
+          <p:nvPr/>
+        </p:nvSpPr>
+        <p:spPr>
+          <a:xfrm>
+            <a:off x="10460181" y="401781"/>
+            <a:ext cx="651163" cy="369332"/>
+          </a:xfrm>
+          <a:prstGeom prst="rect">
+            <a:avLst/>
+          </a:prstGeom>
+          <a:noFill/>
+        </p:spPr>
+        <p:txBody>
+          <a:bodyPr wrap="square" rtlCol="0">
+            <a:spAutoFit/>
+          </a:bodyPr>
+          <a:lstStyle/>
+          <a:p>
+            <a:r>
+              <a:rPr lang="en-US" b="1" dirty="0"/>
+              <a:t>RPA</a:t>
+            </a:r>
+          </a:p>
+        </p:txBody>
+      </p:sp>
+    </p:spTree>
+    <p:extLst>
+      <p:ext uri="{BB962C8B-B14F-4D97-AF65-F5344CB8AC3E}">
+        <p14:creationId xmlns:p14="http://schemas.microsoft.com/office/powerpoint/2010/main" val="2943971196"/>
+      </p:ext>
+    </p:extLst>
+  </p:cSld>
+  <p:clrMapOvr>
+    <a:masterClrMapping/>
+  </p:clrMapOvr>
+</p:sld>
+</file>
+
+<file path=ppt/slides/slide6.xml><?xml version="1.0" encoding="utf-8"?>
 <p:sld xmlns:a="http://schemas.openxmlformats.org/drawingml/2006/main" xmlns:r="http://schemas.openxmlformats.org/officeDocument/2006/relationships" xmlns:p="http://schemas.openxmlformats.org/presentationml/2006/main">
   <p:cSld>
     <p:spTree>
@@ -13925,10 +19467,9 @@
           <a:lstStyle/>
           <a:p>
             <a:r>
-              <a:rPr lang="en-US" b="1" dirty="0"/>
+              <a:rPr lang="en-US" dirty="0"/>
               <a:t>BENEFITS OF RPA</a:t>
             </a:r>
-            <a:endParaRPr lang="en-US" dirty="0"/>
           </a:p>
         </p:txBody>
       </p:sp>
@@ -13963,6 +19504,41 @@
           </a:graphicData>
         </a:graphic>
       </p:graphicFrame>
+      <p:sp>
+        <p:nvSpPr>
+          <p:cNvPr id="5" name="TextBox 4">
+            <a:extLst>
+              <a:ext uri="{FF2B5EF4-FFF2-40B4-BE49-F238E27FC236}">
+                <a16:creationId xmlns:a16="http://schemas.microsoft.com/office/drawing/2014/main" id="{4529AEDF-07CA-4E97-A58C-86079BE9F555}"/>
+              </a:ext>
+            </a:extLst>
+          </p:cNvPr>
+          <p:cNvSpPr txBox="1"/>
+          <p:nvPr/>
+        </p:nvSpPr>
+        <p:spPr>
+          <a:xfrm>
+            <a:off x="10460181" y="401781"/>
+            <a:ext cx="651163" cy="369332"/>
+          </a:xfrm>
+          <a:prstGeom prst="rect">
+            <a:avLst/>
+          </a:prstGeom>
+          <a:noFill/>
+        </p:spPr>
+        <p:txBody>
+          <a:bodyPr wrap="square" rtlCol="0">
+            <a:spAutoFit/>
+          </a:bodyPr>
+          <a:lstStyle/>
+          <a:p>
+            <a:r>
+              <a:rPr lang="en-US" b="1" dirty="0"/>
+              <a:t>RPA</a:t>
+            </a:r>
+          </a:p>
+        </p:txBody>
+      </p:sp>
     </p:spTree>
     <p:extLst>
       <p:ext uri="{BB962C8B-B14F-4D97-AF65-F5344CB8AC3E}">
@@ -13976,379 +19552,7 @@
 </p:sld>
 </file>
 
-<file path=ppt/slides/slide6.xml><?xml version="1.0" encoding="utf-8"?>
-<p:sld xmlns:a="http://schemas.openxmlformats.org/drawingml/2006/main" xmlns:r="http://schemas.openxmlformats.org/officeDocument/2006/relationships" xmlns:p="http://schemas.openxmlformats.org/presentationml/2006/main">
-  <p:cSld>
-    <p:spTree>
-      <p:nvGrpSpPr>
-        <p:cNvPr id="1" name=""/>
-        <p:cNvGrpSpPr/>
-        <p:nvPr/>
-      </p:nvGrpSpPr>
-      <p:grpSpPr>
-        <a:xfrm>
-          <a:off x="0" y="0"/>
-          <a:ext cx="0" cy="0"/>
-          <a:chOff x="0" y="0"/>
-          <a:chExt cx="0" cy="0"/>
-        </a:xfrm>
-      </p:grpSpPr>
-      <p:sp>
-        <p:nvSpPr>
-          <p:cNvPr id="2" name="Title 1">
-            <a:extLst>
-              <a:ext uri="{FF2B5EF4-FFF2-40B4-BE49-F238E27FC236}">
-                <a16:creationId xmlns:a16="http://schemas.microsoft.com/office/drawing/2014/main" id="{22E95CDE-6FCE-46A0-96A1-9E2623F3E93F}"/>
-              </a:ext>
-            </a:extLst>
-          </p:cNvPr>
-          <p:cNvSpPr>
-            <a:spLocks noGrp="1"/>
-          </p:cNvSpPr>
-          <p:nvPr>
-            <p:ph type="title"/>
-          </p:nvPr>
-        </p:nvSpPr>
-        <p:spPr/>
-        <p:txBody>
-          <a:bodyPr/>
-          <a:lstStyle/>
-          <a:p>
-            <a:r>
-              <a:rPr lang="en-US" b="1" dirty="0"/>
-              <a:t>THE BENEFITS OF RPA</a:t>
-            </a:r>
-            <a:endParaRPr lang="en-US" dirty="0"/>
-          </a:p>
-        </p:txBody>
-      </p:sp>
-      <p:sp>
-        <p:nvSpPr>
-          <p:cNvPr id="3" name="Content Placeholder 2">
-            <a:extLst>
-              <a:ext uri="{FF2B5EF4-FFF2-40B4-BE49-F238E27FC236}">
-                <a16:creationId xmlns:a16="http://schemas.microsoft.com/office/drawing/2014/main" id="{11768041-0E0E-4529-9196-957EA2384F61}"/>
-              </a:ext>
-            </a:extLst>
-          </p:cNvPr>
-          <p:cNvSpPr>
-            <a:spLocks noGrp="1"/>
-          </p:cNvSpPr>
-          <p:nvPr>
-            <p:ph idx="1"/>
-          </p:nvPr>
-        </p:nvSpPr>
-        <p:spPr/>
-        <p:txBody>
-          <a:bodyPr>
-            <a:normAutofit/>
-          </a:bodyPr>
-          <a:lstStyle/>
-          <a:p>
-            <a:r>
-              <a:rPr lang="en-US" dirty="0"/>
-              <a:t>A software robot costs much less than a human worker and each does the work of 3-5 FTEs(Full time/trained Employee)</a:t>
-            </a:r>
-          </a:p>
-          <a:p>
-            <a:endParaRPr lang="en-US" dirty="0"/>
-          </a:p>
-          <a:p>
-            <a:r>
-              <a:rPr lang="en-US" dirty="0"/>
-              <a:t>4 x the processing speed and Working for 24 / 7 / 365</a:t>
-            </a:r>
-          </a:p>
-          <a:p>
-            <a:pPr marL="0" indent="0">
-              <a:buNone/>
-            </a:pPr>
-            <a:endParaRPr lang="en-US" dirty="0"/>
-          </a:p>
-          <a:p>
-            <a:r>
-              <a:rPr lang="en-US" dirty="0"/>
-              <a:t>Cuts data entry costs by up to 70%</a:t>
-            </a:r>
-          </a:p>
-          <a:p>
-            <a:endParaRPr lang="en-US" dirty="0"/>
-          </a:p>
-          <a:p>
-            <a:r>
-              <a:rPr lang="en-US" dirty="0"/>
-              <a:t>100% accuracy: no human errors, no rework</a:t>
-            </a:r>
-          </a:p>
-        </p:txBody>
-      </p:sp>
-    </p:spTree>
-    <p:extLst>
-      <p:ext uri="{BB962C8B-B14F-4D97-AF65-F5344CB8AC3E}">
-        <p14:creationId xmlns:p14="http://schemas.microsoft.com/office/powerpoint/2010/main" val="2471924991"/>
-      </p:ext>
-    </p:extLst>
-  </p:cSld>
-  <p:clrMapOvr>
-    <a:masterClrMapping/>
-  </p:clrMapOvr>
-</p:sld>
-</file>
-
 <file path=ppt/slides/slide7.xml><?xml version="1.0" encoding="utf-8"?>
-<p:sld xmlns:a="http://schemas.openxmlformats.org/drawingml/2006/main" xmlns:r="http://schemas.openxmlformats.org/officeDocument/2006/relationships" xmlns:p="http://schemas.openxmlformats.org/presentationml/2006/main">
-  <p:cSld>
-    <p:spTree>
-      <p:nvGrpSpPr>
-        <p:cNvPr id="1" name=""/>
-        <p:cNvGrpSpPr/>
-        <p:nvPr/>
-      </p:nvGrpSpPr>
-      <p:grpSpPr>
-        <a:xfrm>
-          <a:off x="0" y="0"/>
-          <a:ext cx="0" cy="0"/>
-          <a:chOff x="0" y="0"/>
-          <a:chExt cx="0" cy="0"/>
-        </a:xfrm>
-      </p:grpSpPr>
-      <p:sp>
-        <p:nvSpPr>
-          <p:cNvPr id="2" name="Title 1">
-            <a:extLst>
-              <a:ext uri="{FF2B5EF4-FFF2-40B4-BE49-F238E27FC236}">
-                <a16:creationId xmlns:a16="http://schemas.microsoft.com/office/drawing/2014/main" id="{2C32D02C-0B59-45B6-BE14-97225A706536}"/>
-              </a:ext>
-            </a:extLst>
-          </p:cNvPr>
-          <p:cNvSpPr>
-            <a:spLocks noGrp="1"/>
-          </p:cNvSpPr>
-          <p:nvPr>
-            <p:ph type="title"/>
-          </p:nvPr>
-        </p:nvSpPr>
-        <p:spPr/>
-        <p:txBody>
-          <a:bodyPr/>
-          <a:lstStyle/>
-          <a:p>
-            <a:r>
-              <a:rPr lang="en-US" dirty="0"/>
-              <a:t>THE JOURNEY TO ROBOTIC PROCESS AUTOMATION</a:t>
-            </a:r>
-          </a:p>
-        </p:txBody>
-      </p:sp>
-      <p:sp>
-        <p:nvSpPr>
-          <p:cNvPr id="3" name="Content Placeholder 2">
-            <a:extLst>
-              <a:ext uri="{FF2B5EF4-FFF2-40B4-BE49-F238E27FC236}">
-                <a16:creationId xmlns:a16="http://schemas.microsoft.com/office/drawing/2014/main" id="{1FF4677E-3B7B-400A-AE23-E60A0D7BEDF2}"/>
-              </a:ext>
-            </a:extLst>
-          </p:cNvPr>
-          <p:cNvSpPr>
-            <a:spLocks noGrp="1"/>
-          </p:cNvSpPr>
-          <p:nvPr>
-            <p:ph idx="1"/>
-          </p:nvPr>
-        </p:nvSpPr>
-        <p:spPr/>
-        <p:txBody>
-          <a:bodyPr>
-            <a:normAutofit lnSpcReduction="10000"/>
-          </a:bodyPr>
-          <a:lstStyle/>
-          <a:p>
-            <a:r>
-              <a:rPr lang="en-US" b="1" dirty="0"/>
-              <a:t>SCOPING –  </a:t>
-            </a:r>
-            <a:r>
-              <a:rPr lang="en-US" dirty="0"/>
-              <a:t>Chose business area where large no. of processes are still handled manually Identify rules-based processes with digital triggers, high volumes (with potential to release at least 3 FTE)</a:t>
-            </a:r>
-            <a:endParaRPr lang="en-US" b="1" dirty="0"/>
-          </a:p>
-          <a:p>
-            <a:endParaRPr lang="en-US" b="1" dirty="0"/>
-          </a:p>
-          <a:p>
-            <a:r>
-              <a:rPr lang="en-US" b="1" dirty="0"/>
-              <a:t>MAPPING –  Map the processes </a:t>
-            </a:r>
-            <a:r>
-              <a:rPr lang="en-US" dirty="0"/>
-              <a:t>to keystroke level (detailed walkthrough)</a:t>
-            </a:r>
-            <a:endParaRPr lang="en-US" b="1" dirty="0"/>
-          </a:p>
-          <a:p>
-            <a:endParaRPr lang="en-US" b="1" dirty="0"/>
-          </a:p>
-          <a:p>
-            <a:r>
-              <a:rPr lang="en-US" b="1" dirty="0"/>
-              <a:t>AUTOMATION – Build robots </a:t>
-            </a:r>
-            <a:r>
-              <a:rPr lang="en-US" dirty="0"/>
-              <a:t>to perform the processes in an automated way</a:t>
-            </a:r>
-            <a:endParaRPr lang="en-US" b="1" dirty="0"/>
-          </a:p>
-          <a:p>
-            <a:endParaRPr lang="en-US" b="1" dirty="0"/>
-          </a:p>
-          <a:p>
-            <a:r>
-              <a:rPr lang="en-US" b="1" dirty="0"/>
-              <a:t>TESTING/HANDOVER – Run test cases </a:t>
-            </a:r>
-            <a:r>
-              <a:rPr lang="en-US" dirty="0"/>
-              <a:t>to identify and capture exceptions</a:t>
-            </a:r>
-            <a:r>
-              <a:rPr lang="en-US" b="1" dirty="0"/>
-              <a:t> </a:t>
-            </a:r>
-            <a:endParaRPr lang="en-US" dirty="0"/>
-          </a:p>
-        </p:txBody>
-      </p:sp>
-    </p:spTree>
-    <p:extLst>
-      <p:ext uri="{BB962C8B-B14F-4D97-AF65-F5344CB8AC3E}">
-        <p14:creationId xmlns:p14="http://schemas.microsoft.com/office/powerpoint/2010/main" val="858679602"/>
-      </p:ext>
-    </p:extLst>
-  </p:cSld>
-  <p:clrMapOvr>
-    <a:masterClrMapping/>
-  </p:clrMapOvr>
-</p:sld>
-</file>
-
-<file path=ppt/slides/slide8.xml><?xml version="1.0" encoding="utf-8"?>
-<p:sld xmlns:a="http://schemas.openxmlformats.org/drawingml/2006/main" xmlns:r="http://schemas.openxmlformats.org/officeDocument/2006/relationships" xmlns:p="http://schemas.openxmlformats.org/presentationml/2006/main">
-  <p:cSld>
-    <p:spTree>
-      <p:nvGrpSpPr>
-        <p:cNvPr id="1" name=""/>
-        <p:cNvGrpSpPr/>
-        <p:nvPr/>
-      </p:nvGrpSpPr>
-      <p:grpSpPr>
-        <a:xfrm>
-          <a:off x="0" y="0"/>
-          <a:ext cx="0" cy="0"/>
-          <a:chOff x="0" y="0"/>
-          <a:chExt cx="0" cy="0"/>
-        </a:xfrm>
-      </p:grpSpPr>
-      <p:sp>
-        <p:nvSpPr>
-          <p:cNvPr id="2" name="Title 1">
-            <a:extLst>
-              <a:ext uri="{FF2B5EF4-FFF2-40B4-BE49-F238E27FC236}">
-                <a16:creationId xmlns:a16="http://schemas.microsoft.com/office/drawing/2014/main" id="{D4B284FC-3D2A-4C1A-ACC4-B5098A2CC933}"/>
-              </a:ext>
-            </a:extLst>
-          </p:cNvPr>
-          <p:cNvSpPr>
-            <a:spLocks noGrp="1"/>
-          </p:cNvSpPr>
-          <p:nvPr>
-            <p:ph type="title"/>
-          </p:nvPr>
-        </p:nvSpPr>
-        <p:spPr/>
-        <p:txBody>
-          <a:bodyPr/>
-          <a:lstStyle/>
-          <a:p>
-            <a:r>
-              <a:rPr lang="en-US" dirty="0"/>
-              <a:t>What process suits for Automation</a:t>
-            </a:r>
-            <a:r>
-              <a:rPr lang="en-US" dirty="0">
-                <a:latin typeface="Arial" panose="020B0604020202020204" pitchFamily="34" charset="0"/>
-                <a:cs typeface="Arial" panose="020B0604020202020204" pitchFamily="34" charset="0"/>
-              </a:rPr>
-              <a:t>?</a:t>
-            </a:r>
-            <a:endParaRPr lang="en-US" dirty="0"/>
-          </a:p>
-        </p:txBody>
-      </p:sp>
-      <p:sp>
-        <p:nvSpPr>
-          <p:cNvPr id="3" name="Content Placeholder 2">
-            <a:extLst>
-              <a:ext uri="{FF2B5EF4-FFF2-40B4-BE49-F238E27FC236}">
-                <a16:creationId xmlns:a16="http://schemas.microsoft.com/office/drawing/2014/main" id="{4BE7500A-5E5E-4EBB-A077-380EF5444975}"/>
-              </a:ext>
-            </a:extLst>
-          </p:cNvPr>
-          <p:cNvSpPr>
-            <a:spLocks noGrp="1"/>
-          </p:cNvSpPr>
-          <p:nvPr>
-            <p:ph idx="1"/>
-          </p:nvPr>
-        </p:nvSpPr>
-        <p:spPr/>
-        <p:txBody>
-          <a:bodyPr>
-            <a:normAutofit/>
-          </a:bodyPr>
-          <a:lstStyle/>
-          <a:p>
-            <a:r>
-              <a:rPr lang="en-US" dirty="0"/>
-              <a:t>Rules-based processes with digital triggers</a:t>
-            </a:r>
-          </a:p>
-          <a:p>
-            <a:endParaRPr lang="en-US" dirty="0"/>
-          </a:p>
-          <a:p>
-            <a:r>
-              <a:rPr lang="en-US" dirty="0"/>
-              <a:t>Chose business area where large no. of processes are still handled manually</a:t>
-            </a:r>
-          </a:p>
-          <a:p>
-            <a:endParaRPr lang="en-US" dirty="0"/>
-          </a:p>
-          <a:p>
-            <a:r>
-              <a:rPr lang="en-US" dirty="0"/>
-              <a:t>High volumes (with potential to release at least 3 FTEs),</a:t>
-            </a:r>
-          </a:p>
-        </p:txBody>
-      </p:sp>
-    </p:spTree>
-    <p:extLst>
-      <p:ext uri="{BB962C8B-B14F-4D97-AF65-F5344CB8AC3E}">
-        <p14:creationId xmlns:p14="http://schemas.microsoft.com/office/powerpoint/2010/main" val="1450696739"/>
-      </p:ext>
-    </p:extLst>
-  </p:cSld>
-  <p:clrMapOvr>
-    <a:masterClrMapping/>
-  </p:clrMapOvr>
-</p:sld>
-</file>
-
-<file path=ppt/slides/slide9.xml><?xml version="1.0" encoding="utf-8"?>
 <p:sld xmlns:a="http://schemas.openxmlformats.org/drawingml/2006/main" xmlns:r="http://schemas.openxmlformats.org/officeDocument/2006/relationships" xmlns:p="http://schemas.openxmlformats.org/presentationml/2006/main">
   <p:cSld>
     <p:spTree>
@@ -14388,7 +19592,7 @@
           <a:p>
             <a:r>
               <a:rPr lang="en-US" dirty="0"/>
-              <a:t>Challenges</a:t>
+              <a:t>Challenges &amp; limitation</a:t>
             </a:r>
           </a:p>
         </p:txBody>
@@ -14457,10 +19661,397 @@
           </a:p>
         </p:txBody>
       </p:sp>
+      <p:sp>
+        <p:nvSpPr>
+          <p:cNvPr id="4" name="TextBox 3">
+            <a:extLst>
+              <a:ext uri="{FF2B5EF4-FFF2-40B4-BE49-F238E27FC236}">
+                <a16:creationId xmlns:a16="http://schemas.microsoft.com/office/drawing/2014/main" id="{ACE0CCC9-1ABB-40EF-A4B4-CB5F0DDD9216}"/>
+              </a:ext>
+            </a:extLst>
+          </p:cNvPr>
+          <p:cNvSpPr txBox="1"/>
+          <p:nvPr/>
+        </p:nvSpPr>
+        <p:spPr>
+          <a:xfrm>
+            <a:off x="10460181" y="401781"/>
+            <a:ext cx="651163" cy="369332"/>
+          </a:xfrm>
+          <a:prstGeom prst="rect">
+            <a:avLst/>
+          </a:prstGeom>
+          <a:noFill/>
+        </p:spPr>
+        <p:txBody>
+          <a:bodyPr wrap="square" rtlCol="0">
+            <a:spAutoFit/>
+          </a:bodyPr>
+          <a:lstStyle/>
+          <a:p>
+            <a:r>
+              <a:rPr lang="en-US" b="1" dirty="0"/>
+              <a:t>RPA</a:t>
+            </a:r>
+          </a:p>
+        </p:txBody>
+      </p:sp>
     </p:spTree>
     <p:extLst>
       <p:ext uri="{BB962C8B-B14F-4D97-AF65-F5344CB8AC3E}">
         <p14:creationId xmlns:p14="http://schemas.microsoft.com/office/powerpoint/2010/main" val="2231761530"/>
+      </p:ext>
+    </p:extLst>
+  </p:cSld>
+  <p:clrMapOvr>
+    <a:masterClrMapping/>
+  </p:clrMapOvr>
+</p:sld>
+</file>
+
+<file path=ppt/slides/slide8.xml><?xml version="1.0" encoding="utf-8"?>
+<p:sld xmlns:a="http://schemas.openxmlformats.org/drawingml/2006/main" xmlns:r="http://schemas.openxmlformats.org/officeDocument/2006/relationships" xmlns:p="http://schemas.openxmlformats.org/presentationml/2006/main">
+  <p:cSld>
+    <p:spTree>
+      <p:nvGrpSpPr>
+        <p:cNvPr id="1" name=""/>
+        <p:cNvGrpSpPr/>
+        <p:nvPr/>
+      </p:nvGrpSpPr>
+      <p:grpSpPr>
+        <a:xfrm>
+          <a:off x="0" y="0"/>
+          <a:ext cx="0" cy="0"/>
+          <a:chOff x="0" y="0"/>
+          <a:chExt cx="0" cy="0"/>
+        </a:xfrm>
+      </p:grpSpPr>
+      <p:sp>
+        <p:nvSpPr>
+          <p:cNvPr id="2" name="Title 1">
+            <a:extLst>
+              <a:ext uri="{FF2B5EF4-FFF2-40B4-BE49-F238E27FC236}">
+                <a16:creationId xmlns:a16="http://schemas.microsoft.com/office/drawing/2014/main" id="{9BC0EF46-B24D-4C8E-9625-B1B18DD1A7B0}"/>
+              </a:ext>
+            </a:extLst>
+          </p:cNvPr>
+          <p:cNvSpPr>
+            <a:spLocks noGrp="1"/>
+          </p:cNvSpPr>
+          <p:nvPr>
+            <p:ph type="title"/>
+          </p:nvPr>
+        </p:nvSpPr>
+        <p:spPr/>
+        <p:txBody>
+          <a:bodyPr/>
+          <a:lstStyle/>
+          <a:p>
+            <a:r>
+              <a:rPr lang="en-US" dirty="0"/>
+              <a:t>Myths of RPA</a:t>
+            </a:r>
+          </a:p>
+        </p:txBody>
+      </p:sp>
+      <p:sp>
+        <p:nvSpPr>
+          <p:cNvPr id="3" name="Content Placeholder 2">
+            <a:extLst>
+              <a:ext uri="{FF2B5EF4-FFF2-40B4-BE49-F238E27FC236}">
+                <a16:creationId xmlns:a16="http://schemas.microsoft.com/office/drawing/2014/main" id="{76B191F3-4128-444A-91F4-A7980D868776}"/>
+              </a:ext>
+            </a:extLst>
+          </p:cNvPr>
+          <p:cNvSpPr>
+            <a:spLocks noGrp="1"/>
+          </p:cNvSpPr>
+          <p:nvPr>
+            <p:ph idx="1"/>
+          </p:nvPr>
+        </p:nvSpPr>
+        <p:spPr/>
+        <p:txBody>
+          <a:bodyPr/>
+          <a:lstStyle/>
+          <a:p>
+            <a:r>
+              <a:rPr lang="en-US" dirty="0"/>
+              <a:t>Coding is required to use RPA software</a:t>
+            </a:r>
+          </a:p>
+          <a:p>
+            <a:endParaRPr lang="en-US" dirty="0"/>
+          </a:p>
+          <a:p>
+            <a:r>
+              <a:rPr lang="en-US" dirty="0"/>
+              <a:t>RPA software does not require human supervision</a:t>
+            </a:r>
+          </a:p>
+          <a:p>
+            <a:endParaRPr lang="en-US" dirty="0"/>
+          </a:p>
+          <a:p>
+            <a:r>
+              <a:rPr lang="en-US" dirty="0"/>
+              <a:t>Only large big companies can afford to deploy RPA</a:t>
+            </a:r>
+          </a:p>
+          <a:p>
+            <a:endParaRPr lang="en-US" dirty="0"/>
+          </a:p>
+          <a:p>
+            <a:r>
+              <a:rPr lang="en-US" dirty="0"/>
+              <a:t>RPA is useful only in industries that rely heavily on software</a:t>
+            </a:r>
+          </a:p>
+          <a:p>
+            <a:endParaRPr lang="en-US" dirty="0"/>
+          </a:p>
+        </p:txBody>
+      </p:sp>
+      <p:sp>
+        <p:nvSpPr>
+          <p:cNvPr id="4" name="TextBox 3">
+            <a:extLst>
+              <a:ext uri="{FF2B5EF4-FFF2-40B4-BE49-F238E27FC236}">
+                <a16:creationId xmlns:a16="http://schemas.microsoft.com/office/drawing/2014/main" id="{384AACFA-724B-4449-B0B5-7792FB624F2C}"/>
+              </a:ext>
+            </a:extLst>
+          </p:cNvPr>
+          <p:cNvSpPr txBox="1"/>
+          <p:nvPr/>
+        </p:nvSpPr>
+        <p:spPr>
+          <a:xfrm>
+            <a:off x="10460181" y="401781"/>
+            <a:ext cx="651163" cy="369332"/>
+          </a:xfrm>
+          <a:prstGeom prst="rect">
+            <a:avLst/>
+          </a:prstGeom>
+          <a:noFill/>
+        </p:spPr>
+        <p:txBody>
+          <a:bodyPr wrap="square" rtlCol="0">
+            <a:spAutoFit/>
+          </a:bodyPr>
+          <a:lstStyle/>
+          <a:p>
+            <a:r>
+              <a:rPr lang="en-US" b="1" dirty="0"/>
+              <a:t>RPA</a:t>
+            </a:r>
+          </a:p>
+        </p:txBody>
+      </p:sp>
+    </p:spTree>
+    <p:extLst>
+      <p:ext uri="{BB962C8B-B14F-4D97-AF65-F5344CB8AC3E}">
+        <p14:creationId xmlns:p14="http://schemas.microsoft.com/office/powerpoint/2010/main" val="234509536"/>
+      </p:ext>
+    </p:extLst>
+  </p:cSld>
+  <p:clrMapOvr>
+    <a:masterClrMapping/>
+  </p:clrMapOvr>
+</p:sld>
+</file>
+
+<file path=ppt/slides/slide9.xml><?xml version="1.0" encoding="utf-8"?>
+<p:sld xmlns:a="http://schemas.openxmlformats.org/drawingml/2006/main" xmlns:r="http://schemas.openxmlformats.org/officeDocument/2006/relationships" xmlns:p="http://schemas.openxmlformats.org/presentationml/2006/main">
+  <p:cSld>
+    <p:spTree>
+      <p:nvGrpSpPr>
+        <p:cNvPr id="1" name=""/>
+        <p:cNvGrpSpPr/>
+        <p:nvPr/>
+      </p:nvGrpSpPr>
+      <p:grpSpPr>
+        <a:xfrm>
+          <a:off x="0" y="0"/>
+          <a:ext cx="0" cy="0"/>
+          <a:chOff x="0" y="0"/>
+          <a:chExt cx="0" cy="0"/>
+        </a:xfrm>
+      </p:grpSpPr>
+      <p:sp>
+        <p:nvSpPr>
+          <p:cNvPr id="2" name="Title 1">
+            <a:extLst>
+              <a:ext uri="{FF2B5EF4-FFF2-40B4-BE49-F238E27FC236}">
+                <a16:creationId xmlns:a16="http://schemas.microsoft.com/office/drawing/2014/main" id="{9C231F7C-0D7C-4E32-8265-C163B81DA9A2}"/>
+              </a:ext>
+            </a:extLst>
+          </p:cNvPr>
+          <p:cNvSpPr>
+            <a:spLocks noGrp="1"/>
+          </p:cNvSpPr>
+          <p:nvPr>
+            <p:ph type="title"/>
+          </p:nvPr>
+        </p:nvSpPr>
+        <p:spPr/>
+        <p:txBody>
+          <a:bodyPr/>
+          <a:lstStyle/>
+          <a:p>
+            <a:r>
+              <a:rPr lang="en-US" dirty="0"/>
+              <a:t>Scope of RPA</a:t>
+            </a:r>
+          </a:p>
+        </p:txBody>
+      </p:sp>
+      <p:sp>
+        <p:nvSpPr>
+          <p:cNvPr id="3" name="Content Placeholder 2">
+            <a:extLst>
+              <a:ext uri="{FF2B5EF4-FFF2-40B4-BE49-F238E27FC236}">
+                <a16:creationId xmlns:a16="http://schemas.microsoft.com/office/drawing/2014/main" id="{0E699B6B-7621-40E6-9735-A011EDD9FE54}"/>
+              </a:ext>
+            </a:extLst>
+          </p:cNvPr>
+          <p:cNvSpPr>
+            <a:spLocks noGrp="1"/>
+          </p:cNvSpPr>
+          <p:nvPr>
+            <p:ph idx="1"/>
+          </p:nvPr>
+        </p:nvSpPr>
+        <p:spPr/>
+        <p:txBody>
+          <a:bodyPr>
+            <a:normAutofit/>
+          </a:bodyPr>
+          <a:lstStyle/>
+          <a:p>
+            <a:r>
+              <a:rPr lang="en-US" b="1" dirty="0"/>
+              <a:t>Insurance</a:t>
+            </a:r>
+            <a:r>
+              <a:rPr lang="en-US" dirty="0"/>
+              <a:t> – (Claims Processing &amp; Clearance)</a:t>
+            </a:r>
+            <a:endParaRPr lang="en-US" b="1" dirty="0"/>
+          </a:p>
+          <a:p>
+            <a:endParaRPr lang="en-US" b="1" dirty="0"/>
+          </a:p>
+          <a:p>
+            <a:r>
+              <a:rPr lang="en-US" b="1" dirty="0"/>
+              <a:t>Software Services </a:t>
+            </a:r>
+            <a:r>
+              <a:rPr lang="en-US" dirty="0"/>
+              <a:t>– (Invoice Validation)</a:t>
+            </a:r>
+          </a:p>
+          <a:p>
+            <a:endParaRPr lang="en-US" dirty="0"/>
+          </a:p>
+          <a:p>
+            <a:r>
+              <a:rPr lang="en-US" b="1" dirty="0"/>
+              <a:t>Human Resources </a:t>
+            </a:r>
+            <a:r>
+              <a:rPr lang="en-US" dirty="0"/>
+              <a:t>– (Payroll process validations)</a:t>
+            </a:r>
+          </a:p>
+          <a:p>
+            <a:endParaRPr lang="en-US" dirty="0"/>
+          </a:p>
+          <a:p>
+            <a:r>
+              <a:rPr lang="en-US" b="1" dirty="0"/>
+              <a:t>Financial Services </a:t>
+            </a:r>
+            <a:r>
+              <a:rPr lang="en-US" dirty="0"/>
+              <a:t>– (Credit Card enrollment)</a:t>
+            </a:r>
+          </a:p>
+          <a:p>
+            <a:endParaRPr lang="en-US" dirty="0"/>
+          </a:p>
+          <a:p>
+            <a:r>
+              <a:rPr lang="en-US" b="1" dirty="0"/>
+              <a:t>Infrastructure Management </a:t>
+            </a:r>
+            <a:r>
+              <a:rPr lang="en-US" dirty="0"/>
+              <a:t>– (Issues processing)</a:t>
+            </a:r>
+          </a:p>
+          <a:p>
+            <a:pPr marL="0" indent="0">
+              <a:buNone/>
+            </a:pPr>
+            <a:endParaRPr lang="en-US" dirty="0"/>
+          </a:p>
+          <a:p>
+            <a:pPr marL="0" indent="0">
+              <a:buNone/>
+            </a:pPr>
+            <a:endParaRPr lang="en-US" dirty="0"/>
+          </a:p>
+          <a:p>
+            <a:endParaRPr lang="en-US" dirty="0"/>
+          </a:p>
+          <a:p>
+            <a:endParaRPr lang="en-US" dirty="0"/>
+          </a:p>
+          <a:p>
+            <a:endParaRPr lang="en-US" dirty="0"/>
+          </a:p>
+        </p:txBody>
+      </p:sp>
+      <p:sp>
+        <p:nvSpPr>
+          <p:cNvPr id="4" name="TextBox 3">
+            <a:extLst>
+              <a:ext uri="{FF2B5EF4-FFF2-40B4-BE49-F238E27FC236}">
+                <a16:creationId xmlns:a16="http://schemas.microsoft.com/office/drawing/2014/main" id="{AFD3CAD6-5660-4C26-8D7A-E939C6B82503}"/>
+              </a:ext>
+            </a:extLst>
+          </p:cNvPr>
+          <p:cNvSpPr txBox="1"/>
+          <p:nvPr/>
+        </p:nvSpPr>
+        <p:spPr>
+          <a:xfrm>
+            <a:off x="10460181" y="401781"/>
+            <a:ext cx="651163" cy="369332"/>
+          </a:xfrm>
+          <a:prstGeom prst="rect">
+            <a:avLst/>
+          </a:prstGeom>
+          <a:noFill/>
+        </p:spPr>
+        <p:txBody>
+          <a:bodyPr wrap="square" rtlCol="0">
+            <a:spAutoFit/>
+          </a:bodyPr>
+          <a:lstStyle/>
+          <a:p>
+            <a:r>
+              <a:rPr lang="en-US" b="1" dirty="0"/>
+              <a:t>RPA</a:t>
+            </a:r>
+          </a:p>
+        </p:txBody>
+      </p:sp>
+    </p:spTree>
+    <p:extLst>
+      <p:ext uri="{BB962C8B-B14F-4D97-AF65-F5344CB8AC3E}">
+        <p14:creationId xmlns:p14="http://schemas.microsoft.com/office/powerpoint/2010/main" val="3895806455"/>
       </p:ext>
     </p:extLst>
   </p:cSld>

--- a/Robotic Process Automation.pptx
+++ b/Robotic Process Automation.pptx
@@ -3497,6 +3497,13 @@
         </dgm:presLayoutVars>
       </dgm:prSet>
       <dgm:spPr/>
+      <dgm:t>
+        <a:bodyPr/>
+        <a:lstStyle/>
+        <a:p>
+          <a:endParaRPr lang="en-IN"/>
+        </a:p>
+      </dgm:t>
     </dgm:pt>
     <dgm:pt modelId="{7A67A9A2-AE01-48CD-BF3D-E59A55948E86}" type="pres">
       <dgm:prSet presAssocID="{8C3594E0-E7D6-4FF0-8A13-092D2385068D}" presName="composite" presStyleCnt="0"/>
@@ -3515,6 +3522,13 @@
         </dgm:presLayoutVars>
       </dgm:prSet>
       <dgm:spPr/>
+      <dgm:t>
+        <a:bodyPr/>
+        <a:lstStyle/>
+        <a:p>
+          <a:endParaRPr lang="en-IN"/>
+        </a:p>
+      </dgm:t>
     </dgm:pt>
     <dgm:pt modelId="{1DBCB1A7-2F4F-44F3-804C-13E0E7875FE5}" type="pres">
       <dgm:prSet presAssocID="{8C3594E0-E7D6-4FF0-8A13-092D2385068D}" presName="ChildText" presStyleLbl="revTx" presStyleIdx="0" presStyleCnt="3">
@@ -3525,6 +3539,13 @@
         </dgm:presLayoutVars>
       </dgm:prSet>
       <dgm:spPr/>
+      <dgm:t>
+        <a:bodyPr/>
+        <a:lstStyle/>
+        <a:p>
+          <a:endParaRPr lang="en-IN"/>
+        </a:p>
+      </dgm:t>
     </dgm:pt>
     <dgm:pt modelId="{5FFEA728-63FB-4F41-9526-9798C09A9239}" type="pres">
       <dgm:prSet presAssocID="{55289B16-F3DC-45DC-942E-57E60B1A81BA}" presName="sibTrans" presStyleCnt="0"/>
@@ -3547,6 +3568,13 @@
         </dgm:presLayoutVars>
       </dgm:prSet>
       <dgm:spPr/>
+      <dgm:t>
+        <a:bodyPr/>
+        <a:lstStyle/>
+        <a:p>
+          <a:endParaRPr lang="en-IN"/>
+        </a:p>
+      </dgm:t>
     </dgm:pt>
     <dgm:pt modelId="{F2E164A4-1485-4363-8683-E583265ABC6D}" type="pres">
       <dgm:prSet presAssocID="{C1DAB78F-6425-4591-9D37-855532BFECF5}" presName="ChildText" presStyleLbl="revTx" presStyleIdx="1" presStyleCnt="3">
@@ -3557,6 +3585,13 @@
         </dgm:presLayoutVars>
       </dgm:prSet>
       <dgm:spPr/>
+      <dgm:t>
+        <a:bodyPr/>
+        <a:lstStyle/>
+        <a:p>
+          <a:endParaRPr lang="en-IN"/>
+        </a:p>
+      </dgm:t>
     </dgm:pt>
     <dgm:pt modelId="{27F054BD-2554-402C-88F2-6AB116CE0E59}" type="pres">
       <dgm:prSet presAssocID="{CD9EFAAB-9F19-45AB-AD30-8E5218CE5E4C}" presName="sibTrans" presStyleCnt="0"/>
@@ -3575,6 +3610,13 @@
         </dgm:presLayoutVars>
       </dgm:prSet>
       <dgm:spPr/>
+      <dgm:t>
+        <a:bodyPr/>
+        <a:lstStyle/>
+        <a:p>
+          <a:endParaRPr lang="en-IN"/>
+        </a:p>
+      </dgm:t>
     </dgm:pt>
     <dgm:pt modelId="{0FBD62D4-E85C-4275-B08F-766C0FC294F7}" type="pres">
       <dgm:prSet presAssocID="{A045F11F-8C50-4C51-9B82-B6F3C37F016C}" presName="FinalChildText" presStyleLbl="revTx" presStyleIdx="2" presStyleCnt="3">
@@ -3585,22 +3627,29 @@
         </dgm:presLayoutVars>
       </dgm:prSet>
       <dgm:spPr/>
+      <dgm:t>
+        <a:bodyPr/>
+        <a:lstStyle/>
+        <a:p>
+          <a:endParaRPr lang="en-IN"/>
+        </a:p>
+      </dgm:t>
     </dgm:pt>
   </dgm:ptLst>
   <dgm:cxnLst>
+    <dgm:cxn modelId="{4A101711-16A8-4E1D-A56A-864909B1D1AA}" srcId="{8C3594E0-E7D6-4FF0-8A13-092D2385068D}" destId="{3737D54A-374B-471F-B32D-5C00FBCA165D}" srcOrd="0" destOrd="0" parTransId="{706C4501-5110-42FA-88D5-DFDFD814ED87}" sibTransId="{B54CD8A4-3C4E-48DA-8D29-68DBF8E7A9CB}"/>
+    <dgm:cxn modelId="{1BC3686C-2494-45B5-BA62-C50AEB9F50D6}" type="presOf" srcId="{D628C507-1F3C-47CC-B8CF-99ABE6043A6C}" destId="{F2E164A4-1485-4363-8683-E583265ABC6D}" srcOrd="0" destOrd="0" presId="urn:microsoft.com/office/officeart/2005/8/layout/StepDownProcess"/>
+    <dgm:cxn modelId="{7044AE7A-78A3-4FC6-96B0-16224A3E4868}" type="presOf" srcId="{8C3594E0-E7D6-4FF0-8A13-092D2385068D}" destId="{3D1A403D-4210-4064-95BB-DD77CC9864F7}" srcOrd="0" destOrd="0" presId="urn:microsoft.com/office/officeart/2005/8/layout/StepDownProcess"/>
+    <dgm:cxn modelId="{AAB10597-EA40-42F5-B2DC-0C71CAE0408B}" srcId="{21C60D7E-4A37-4ADA-951E-628C123BA316}" destId="{8C3594E0-E7D6-4FF0-8A13-092D2385068D}" srcOrd="0" destOrd="0" parTransId="{247C04C2-0086-4568-89A3-7F8F5D94098D}" sibTransId="{55289B16-F3DC-45DC-942E-57E60B1A81BA}"/>
     <dgm:cxn modelId="{709D0D01-CB1E-4610-B9B1-2826668E530A}" type="presOf" srcId="{C1DAB78F-6425-4591-9D37-855532BFECF5}" destId="{C275319A-0C4F-4ACA-AC5E-31E59B304638}" srcOrd="0" destOrd="0" presId="urn:microsoft.com/office/officeart/2005/8/layout/StepDownProcess"/>
-    <dgm:cxn modelId="{4A101711-16A8-4E1D-A56A-864909B1D1AA}" srcId="{8C3594E0-E7D6-4FF0-8A13-092D2385068D}" destId="{3737D54A-374B-471F-B32D-5C00FBCA165D}" srcOrd="0" destOrd="0" parTransId="{706C4501-5110-42FA-88D5-DFDFD814ED87}" sibTransId="{B54CD8A4-3C4E-48DA-8D29-68DBF8E7A9CB}"/>
-    <dgm:cxn modelId="{860A2242-6207-4025-9D3A-FC50BB5FBAC9}" srcId="{A045F11F-8C50-4C51-9B82-B6F3C37F016C}" destId="{044A0445-5B35-4BAA-8003-5BC3D5B93110}" srcOrd="0" destOrd="0" parTransId="{F2EBCD62-554B-43EC-A1A1-FE3E76F7C58A}" sibTransId="{C3265109-C2D1-4303-B2C4-C1E4FFED0F37}"/>
-    <dgm:cxn modelId="{1BC3686C-2494-45B5-BA62-C50AEB9F50D6}" type="presOf" srcId="{D628C507-1F3C-47CC-B8CF-99ABE6043A6C}" destId="{F2E164A4-1485-4363-8683-E583265ABC6D}" srcOrd="0" destOrd="0" presId="urn:microsoft.com/office/officeart/2005/8/layout/StepDownProcess"/>
     <dgm:cxn modelId="{D7109056-361F-41E7-BBAB-29049E239C47}" srcId="{C1DAB78F-6425-4591-9D37-855532BFECF5}" destId="{D628C507-1F3C-47CC-B8CF-99ABE6043A6C}" srcOrd="0" destOrd="0" parTransId="{0F911E1D-68A2-412F-8AE8-8325EB143522}" sibTransId="{5AA74D31-37E9-448C-AF14-1CD7E51D24AF}"/>
-    <dgm:cxn modelId="{7044AE7A-78A3-4FC6-96B0-16224A3E4868}" type="presOf" srcId="{8C3594E0-E7D6-4FF0-8A13-092D2385068D}" destId="{3D1A403D-4210-4064-95BB-DD77CC9864F7}" srcOrd="0" destOrd="0" presId="urn:microsoft.com/office/officeart/2005/8/layout/StepDownProcess"/>
-    <dgm:cxn modelId="{22AF0280-1DB1-46D7-85F8-CD338A2E4A6E}" type="presOf" srcId="{044A0445-5B35-4BAA-8003-5BC3D5B93110}" destId="{0FBD62D4-E85C-4275-B08F-766C0FC294F7}" srcOrd="0" destOrd="0" presId="urn:microsoft.com/office/officeart/2005/8/layout/StepDownProcess"/>
-    <dgm:cxn modelId="{C17D3E8F-B54C-4D23-90B2-2A77D61D13A1}" srcId="{21C60D7E-4A37-4ADA-951E-628C123BA316}" destId="{C1DAB78F-6425-4591-9D37-855532BFECF5}" srcOrd="1" destOrd="0" parTransId="{AA251863-4263-46A9-B95B-3526B84553DE}" sibTransId="{CD9EFAAB-9F19-45AB-AD30-8E5218CE5E4C}"/>
-    <dgm:cxn modelId="{AAB10597-EA40-42F5-B2DC-0C71CAE0408B}" srcId="{21C60D7E-4A37-4ADA-951E-628C123BA316}" destId="{8C3594E0-E7D6-4FF0-8A13-092D2385068D}" srcOrd="0" destOrd="0" parTransId="{247C04C2-0086-4568-89A3-7F8F5D94098D}" sibTransId="{55289B16-F3DC-45DC-942E-57E60B1A81BA}"/>
-    <dgm:cxn modelId="{FDA63CA1-66CC-49C0-836A-0FDF3AABCFB5}" type="presOf" srcId="{3737D54A-374B-471F-B32D-5C00FBCA165D}" destId="{1DBCB1A7-2F4F-44F3-804C-13E0E7875FE5}" srcOrd="0" destOrd="0" presId="urn:microsoft.com/office/officeart/2005/8/layout/StepDownProcess"/>
-    <dgm:cxn modelId="{705D1DA7-EEFB-4EF5-AEF9-43E3ABA37D02}" type="presOf" srcId="{21C60D7E-4A37-4ADA-951E-628C123BA316}" destId="{2D8ACA69-C71A-4E23-AEED-3D6C044071C9}" srcOrd="0" destOrd="0" presId="urn:microsoft.com/office/officeart/2005/8/layout/StepDownProcess"/>
     <dgm:cxn modelId="{97E2D6B4-2894-4895-8D22-FBFB299B0CF5}" type="presOf" srcId="{A045F11F-8C50-4C51-9B82-B6F3C37F016C}" destId="{A2BAFC09-817E-48D9-8E24-131C4BA82BB2}" srcOrd="0" destOrd="0" presId="urn:microsoft.com/office/officeart/2005/8/layout/StepDownProcess"/>
     <dgm:cxn modelId="{DF4FE7E5-E7EA-4505-AEA1-E0D1623C968F}" srcId="{21C60D7E-4A37-4ADA-951E-628C123BA316}" destId="{A045F11F-8C50-4C51-9B82-B6F3C37F016C}" srcOrd="2" destOrd="0" parTransId="{400810B3-37AB-4477-9B8F-23B2CD21CCDE}" sibTransId="{8732C136-FA0D-4BA6-A790-7F22B4C61F22}"/>
+    <dgm:cxn modelId="{C17D3E8F-B54C-4D23-90B2-2A77D61D13A1}" srcId="{21C60D7E-4A37-4ADA-951E-628C123BA316}" destId="{C1DAB78F-6425-4591-9D37-855532BFECF5}" srcOrd="1" destOrd="0" parTransId="{AA251863-4263-46A9-B95B-3526B84553DE}" sibTransId="{CD9EFAAB-9F19-45AB-AD30-8E5218CE5E4C}"/>
+    <dgm:cxn modelId="{FDA63CA1-66CC-49C0-836A-0FDF3AABCFB5}" type="presOf" srcId="{3737D54A-374B-471F-B32D-5C00FBCA165D}" destId="{1DBCB1A7-2F4F-44F3-804C-13E0E7875FE5}" srcOrd="0" destOrd="0" presId="urn:microsoft.com/office/officeart/2005/8/layout/StepDownProcess"/>
+    <dgm:cxn modelId="{860A2242-6207-4025-9D3A-FC50BB5FBAC9}" srcId="{A045F11F-8C50-4C51-9B82-B6F3C37F016C}" destId="{044A0445-5B35-4BAA-8003-5BC3D5B93110}" srcOrd="0" destOrd="0" parTransId="{F2EBCD62-554B-43EC-A1A1-FE3E76F7C58A}" sibTransId="{C3265109-C2D1-4303-B2C4-C1E4FFED0F37}"/>
+    <dgm:cxn modelId="{705D1DA7-EEFB-4EF5-AEF9-43E3ABA37D02}" type="presOf" srcId="{21C60D7E-4A37-4ADA-951E-628C123BA316}" destId="{2D8ACA69-C71A-4E23-AEED-3D6C044071C9}" srcOrd="0" destOrd="0" presId="urn:microsoft.com/office/officeart/2005/8/layout/StepDownProcess"/>
+    <dgm:cxn modelId="{22AF0280-1DB1-46D7-85F8-CD338A2E4A6E}" type="presOf" srcId="{044A0445-5B35-4BAA-8003-5BC3D5B93110}" destId="{0FBD62D4-E85C-4275-B08F-766C0FC294F7}" srcOrd="0" destOrd="0" presId="urn:microsoft.com/office/officeart/2005/8/layout/StepDownProcess"/>
     <dgm:cxn modelId="{1E360C3F-2E7D-465D-B324-E93C227341C6}" type="presParOf" srcId="{2D8ACA69-C71A-4E23-AEED-3D6C044071C9}" destId="{7A67A9A2-AE01-48CD-BF3D-E59A55948E86}" srcOrd="0" destOrd="0" presId="urn:microsoft.com/office/officeart/2005/8/layout/StepDownProcess"/>
     <dgm:cxn modelId="{1F9A0953-F4CE-436F-84F2-BCFE869611B7}" type="presParOf" srcId="{7A67A9A2-AE01-48CD-BF3D-E59A55948E86}" destId="{230B2773-ECFC-43F1-9169-B2A917136C1D}" srcOrd="0" destOrd="0" presId="urn:microsoft.com/office/officeart/2005/8/layout/StepDownProcess"/>
     <dgm:cxn modelId="{1D5396AA-AEEA-470F-B2CA-1B9CFA4CAA06}" type="presParOf" srcId="{7A67A9A2-AE01-48CD-BF3D-E59A55948E86}" destId="{3D1A403D-4210-4064-95BB-DD77CC9864F7}" srcOrd="1" destOrd="0" presId="urn:microsoft.com/office/officeart/2005/8/layout/StepDownProcess"/>
@@ -3774,6 +3823,13 @@
         </dgm:presLayoutVars>
       </dgm:prSet>
       <dgm:spPr/>
+      <dgm:t>
+        <a:bodyPr/>
+        <a:lstStyle/>
+        <a:p>
+          <a:endParaRPr lang="en-IN"/>
+        </a:p>
+      </dgm:t>
     </dgm:pt>
     <dgm:pt modelId="{1A3A5237-861A-4586-8455-BD5281AC2A68}" type="pres">
       <dgm:prSet presAssocID="{B7DBC7FC-B717-41DF-9E2F-D65BFAEE9C49}" presName="Name1" presStyleCnt="0"/>
@@ -3790,6 +3846,13 @@
     <dgm:pt modelId="{0E70B275-D795-4A32-B50B-B654156E312D}" type="pres">
       <dgm:prSet presAssocID="{B7DBC7FC-B717-41DF-9E2F-D65BFAEE9C49}" presName="conn" presStyleLbl="parChTrans1D2" presStyleIdx="0" presStyleCnt="1"/>
       <dgm:spPr/>
+      <dgm:t>
+        <a:bodyPr/>
+        <a:lstStyle/>
+        <a:p>
+          <a:endParaRPr lang="en-IN"/>
+        </a:p>
+      </dgm:t>
     </dgm:pt>
     <dgm:pt modelId="{717A671B-9C0F-41D7-90DA-D9063F90C03C}" type="pres">
       <dgm:prSet presAssocID="{B7DBC7FC-B717-41DF-9E2F-D65BFAEE9C49}" presName="extraNode" presStyleLbl="node1" presStyleIdx="0" presStyleCnt="3"/>
@@ -3806,6 +3869,13 @@
         </dgm:presLayoutVars>
       </dgm:prSet>
       <dgm:spPr/>
+      <dgm:t>
+        <a:bodyPr/>
+        <a:lstStyle/>
+        <a:p>
+          <a:endParaRPr lang="en-IN"/>
+        </a:p>
+      </dgm:t>
     </dgm:pt>
     <dgm:pt modelId="{578841AD-DE78-4D59-8F5C-0304D824CF93}" type="pres">
       <dgm:prSet presAssocID="{23F38155-1B05-4623-BAA8-7BC33EC23738}" presName="accent_1" presStyleCnt="0"/>
@@ -3822,6 +3892,13 @@
         </dgm:presLayoutVars>
       </dgm:prSet>
       <dgm:spPr/>
+      <dgm:t>
+        <a:bodyPr/>
+        <a:lstStyle/>
+        <a:p>
+          <a:endParaRPr lang="en-IN"/>
+        </a:p>
+      </dgm:t>
     </dgm:pt>
     <dgm:pt modelId="{33FA4717-D439-4249-9E35-9DF9F04DA720}" type="pres">
       <dgm:prSet presAssocID="{156514C0-9ECB-49A4-B962-7D9E116B5787}" presName="accent_2" presStyleCnt="0"/>
@@ -3838,6 +3915,13 @@
         </dgm:presLayoutVars>
       </dgm:prSet>
       <dgm:spPr/>
+      <dgm:t>
+        <a:bodyPr/>
+        <a:lstStyle/>
+        <a:p>
+          <a:endParaRPr lang="en-IN"/>
+        </a:p>
+      </dgm:t>
     </dgm:pt>
     <dgm:pt modelId="{51B31365-262E-449C-8167-441E47D99A85}" type="pres">
       <dgm:prSet presAssocID="{79A982F8-5B2E-47C8-8450-1041A0FB93C4}" presName="accent_3" presStyleCnt="0"/>
@@ -3849,13 +3933,13 @@
     </dgm:pt>
   </dgm:ptLst>
   <dgm:cxnLst>
+    <dgm:cxn modelId="{1AD15413-FED7-40A3-AEB6-4352807549AE}" type="presOf" srcId="{79A982F8-5B2E-47C8-8450-1041A0FB93C4}" destId="{0A2F7521-D3D8-4B39-9A84-DA28B2E44169}" srcOrd="0" destOrd="0" presId="urn:microsoft.com/office/officeart/2008/layout/VerticalCurvedList"/>
     <dgm:cxn modelId="{DA70820F-9A66-4EFF-9D75-4A6D42F3CA36}" type="presOf" srcId="{B7DBC7FC-B717-41DF-9E2F-D65BFAEE9C49}" destId="{B1C9B891-3AAF-447C-9E4B-AF5641B43C8C}" srcOrd="0" destOrd="0" presId="urn:microsoft.com/office/officeart/2008/layout/VerticalCurvedList"/>
+    <dgm:cxn modelId="{93143B12-4582-4CB0-8D2C-70C8A789E126}" srcId="{B7DBC7FC-B717-41DF-9E2F-D65BFAEE9C49}" destId="{79A982F8-5B2E-47C8-8450-1041A0FB93C4}" srcOrd="2" destOrd="0" parTransId="{9924D3B7-FFBD-42C2-8AB4-7B063B94D960}" sibTransId="{C945262D-3B15-4B3A-8371-1B7334809B5E}"/>
     <dgm:cxn modelId="{7EDD4411-21FB-4F85-90F5-986624AFFDB9}" srcId="{B7DBC7FC-B717-41DF-9E2F-D65BFAEE9C49}" destId="{23F38155-1B05-4623-BAA8-7BC33EC23738}" srcOrd="0" destOrd="0" parTransId="{7241B984-04D8-4841-8BDA-C143A40031F0}" sibTransId="{DDDBB5CD-FAD7-415D-BE05-B03E1FBB3DE9}"/>
-    <dgm:cxn modelId="{93143B12-4582-4CB0-8D2C-70C8A789E126}" srcId="{B7DBC7FC-B717-41DF-9E2F-D65BFAEE9C49}" destId="{79A982F8-5B2E-47C8-8450-1041A0FB93C4}" srcOrd="2" destOrd="0" parTransId="{9924D3B7-FFBD-42C2-8AB4-7B063B94D960}" sibTransId="{C945262D-3B15-4B3A-8371-1B7334809B5E}"/>
-    <dgm:cxn modelId="{1AD15413-FED7-40A3-AEB6-4352807549AE}" type="presOf" srcId="{79A982F8-5B2E-47C8-8450-1041A0FB93C4}" destId="{0A2F7521-D3D8-4B39-9A84-DA28B2E44169}" srcOrd="0" destOrd="0" presId="urn:microsoft.com/office/officeart/2008/layout/VerticalCurvedList"/>
+    <dgm:cxn modelId="{8D0775BE-E770-46F9-BFB9-840F2E326A4C}" type="presOf" srcId="{DDDBB5CD-FAD7-415D-BE05-B03E1FBB3DE9}" destId="{0E70B275-D795-4A32-B50B-B654156E312D}" srcOrd="0" destOrd="0" presId="urn:microsoft.com/office/officeart/2008/layout/VerticalCurvedList"/>
+    <dgm:cxn modelId="{9E6CA8A3-85A8-44F6-B59D-F4DC0A63ACFC}" srcId="{B7DBC7FC-B717-41DF-9E2F-D65BFAEE9C49}" destId="{156514C0-9ECB-49A4-B962-7D9E116B5787}" srcOrd="1" destOrd="0" parTransId="{CE094813-F259-4D3D-B98A-BDA31F0BE60D}" sibTransId="{2245DCCA-5FCF-443D-AC32-0603152AC0C5}"/>
     <dgm:cxn modelId="{66706A5F-C124-457C-8B40-5F554F1DF5D9}" type="presOf" srcId="{23F38155-1B05-4623-BAA8-7BC33EC23738}" destId="{FB7B1426-8EC0-45AE-B891-388F64B3369E}" srcOrd="0" destOrd="0" presId="urn:microsoft.com/office/officeart/2008/layout/VerticalCurvedList"/>
-    <dgm:cxn modelId="{9E6CA8A3-85A8-44F6-B59D-F4DC0A63ACFC}" srcId="{B7DBC7FC-B717-41DF-9E2F-D65BFAEE9C49}" destId="{156514C0-9ECB-49A4-B962-7D9E116B5787}" srcOrd="1" destOrd="0" parTransId="{CE094813-F259-4D3D-B98A-BDA31F0BE60D}" sibTransId="{2245DCCA-5FCF-443D-AC32-0603152AC0C5}"/>
-    <dgm:cxn modelId="{8D0775BE-E770-46F9-BFB9-840F2E326A4C}" type="presOf" srcId="{DDDBB5CD-FAD7-415D-BE05-B03E1FBB3DE9}" destId="{0E70B275-D795-4A32-B50B-B654156E312D}" srcOrd="0" destOrd="0" presId="urn:microsoft.com/office/officeart/2008/layout/VerticalCurvedList"/>
     <dgm:cxn modelId="{593CE9C7-05A2-4583-B340-20B81DE02720}" type="presOf" srcId="{156514C0-9ECB-49A4-B962-7D9E116B5787}" destId="{E68C06FC-4AC3-41D0-96A9-253F7D9B0142}" srcOrd="0" destOrd="0" presId="urn:microsoft.com/office/officeart/2008/layout/VerticalCurvedList"/>
     <dgm:cxn modelId="{BE42FE24-96F7-43FC-9FC7-3AE51B61FE25}" type="presParOf" srcId="{B1C9B891-3AAF-447C-9E4B-AF5641B43C8C}" destId="{1A3A5237-861A-4586-8455-BD5281AC2A68}" srcOrd="0" destOrd="0" presId="urn:microsoft.com/office/officeart/2008/layout/VerticalCurvedList"/>
     <dgm:cxn modelId="{43AC5019-B5C8-46CA-8E5A-158354C00695}" type="presParOf" srcId="{1A3A5237-861A-4586-8455-BD5281AC2A68}" destId="{CD1F89EB-B013-46E5-9C4B-7833FF06C01C}" srcOrd="0" destOrd="0" presId="urn:microsoft.com/office/officeart/2008/layout/VerticalCurvedList"/>
@@ -4051,6 +4135,13 @@
         </dgm:presLayoutVars>
       </dgm:prSet>
       <dgm:spPr/>
+      <dgm:t>
+        <a:bodyPr/>
+        <a:lstStyle/>
+        <a:p>
+          <a:endParaRPr lang="en-IN"/>
+        </a:p>
+      </dgm:t>
     </dgm:pt>
     <dgm:pt modelId="{67EA8F5E-A46D-4B65-9043-C7720301B333}" type="pres">
       <dgm:prSet presAssocID="{65216960-3EA7-40C9-8503-0CF57D2BCE21}" presName="bullet3b" presStyleLbl="node1" presStyleIdx="1" presStyleCnt="3"/>
@@ -4063,6 +4154,13 @@
         </dgm:presLayoutVars>
       </dgm:prSet>
       <dgm:spPr/>
+      <dgm:t>
+        <a:bodyPr/>
+        <a:lstStyle/>
+        <a:p>
+          <a:endParaRPr lang="en-IN"/>
+        </a:p>
+      </dgm:t>
     </dgm:pt>
     <dgm:pt modelId="{62C3C721-31B4-4206-A5D4-E8FC0AB380AC}" type="pres">
       <dgm:prSet presAssocID="{FB0B544D-C03D-4F50-AE2C-854D074F6212}" presName="bullet3c" presStyleLbl="node1" presStyleIdx="2" presStyleCnt="3"/>
@@ -4075,16 +4173,23 @@
         </dgm:presLayoutVars>
       </dgm:prSet>
       <dgm:spPr/>
+      <dgm:t>
+        <a:bodyPr/>
+        <a:lstStyle/>
+        <a:p>
+          <a:endParaRPr lang="en-IN"/>
+        </a:p>
+      </dgm:t>
     </dgm:pt>
   </dgm:ptLst>
   <dgm:cxnLst>
-    <dgm:cxn modelId="{87EDD20F-3A71-493B-A7A8-F5A0D4C7D70D}" srcId="{4210F28C-83D7-4720-A047-386058EBE71A}" destId="{49AB3BE1-1AA5-4E45-AC6A-80C15042E8C1}" srcOrd="0" destOrd="0" parTransId="{53B80404-DED2-4939-A116-BC67CB993E41}" sibTransId="{84A06E41-5BBB-41E6-9A78-AD83C959F0B5}"/>
-    <dgm:cxn modelId="{81B87735-87B8-4774-8F93-90FB93743189}" srcId="{4210F28C-83D7-4720-A047-386058EBE71A}" destId="{65216960-3EA7-40C9-8503-0CF57D2BCE21}" srcOrd="1" destOrd="0" parTransId="{8A6C957A-D172-4998-9B28-93E30010275C}" sibTransId="{BB46D7F4-F561-4625-9385-967E5CACEE86}"/>
+    <dgm:cxn modelId="{8F1839FA-623F-48A5-B299-76EB0A3F9F1B}" type="presOf" srcId="{4210F28C-83D7-4720-A047-386058EBE71A}" destId="{0950A561-4075-423E-8A56-9EBC48C7DB76}" srcOrd="0" destOrd="0" presId="urn:microsoft.com/office/officeart/2005/8/layout/arrow2"/>
     <dgm:cxn modelId="{2C1B2140-118E-478D-BE30-A5688710F66B}" type="presOf" srcId="{49AB3BE1-1AA5-4E45-AC6A-80C15042E8C1}" destId="{1C3C1ED8-8C08-441C-8BBA-CD630943E4F6}" srcOrd="0" destOrd="0" presId="urn:microsoft.com/office/officeart/2005/8/layout/arrow2"/>
     <dgm:cxn modelId="{1A4B9046-027F-44EC-AD7F-63610EDB0664}" type="presOf" srcId="{65216960-3EA7-40C9-8503-0CF57D2BCE21}" destId="{A18DE1F7-20AA-4E36-B057-8D4BE873C8C1}" srcOrd="0" destOrd="0" presId="urn:microsoft.com/office/officeart/2005/8/layout/arrow2"/>
+    <dgm:cxn modelId="{87EDD20F-3A71-493B-A7A8-F5A0D4C7D70D}" srcId="{4210F28C-83D7-4720-A047-386058EBE71A}" destId="{49AB3BE1-1AA5-4E45-AC6A-80C15042E8C1}" srcOrd="0" destOrd="0" parTransId="{53B80404-DED2-4939-A116-BC67CB993E41}" sibTransId="{84A06E41-5BBB-41E6-9A78-AD83C959F0B5}"/>
+    <dgm:cxn modelId="{45BA0ABF-8464-43B3-AE45-30CAF78AA5F8}" srcId="{4210F28C-83D7-4720-A047-386058EBE71A}" destId="{FB0B544D-C03D-4F50-AE2C-854D074F6212}" srcOrd="2" destOrd="0" parTransId="{60733B89-8C9C-415D-9645-F844DAA55B14}" sibTransId="{DC3C0635-385B-4321-B164-B7D84BC7E11C}"/>
     <dgm:cxn modelId="{8E3B137C-F2D1-42FC-82DE-8E8B68520727}" type="presOf" srcId="{FB0B544D-C03D-4F50-AE2C-854D074F6212}" destId="{A4810FE3-D696-4368-BBE4-C5F55543A1EA}" srcOrd="0" destOrd="0" presId="urn:microsoft.com/office/officeart/2005/8/layout/arrow2"/>
-    <dgm:cxn modelId="{45BA0ABF-8464-43B3-AE45-30CAF78AA5F8}" srcId="{4210F28C-83D7-4720-A047-386058EBE71A}" destId="{FB0B544D-C03D-4F50-AE2C-854D074F6212}" srcOrd="2" destOrd="0" parTransId="{60733B89-8C9C-415D-9645-F844DAA55B14}" sibTransId="{DC3C0635-385B-4321-B164-B7D84BC7E11C}"/>
-    <dgm:cxn modelId="{8F1839FA-623F-48A5-B299-76EB0A3F9F1B}" type="presOf" srcId="{4210F28C-83D7-4720-A047-386058EBE71A}" destId="{0950A561-4075-423E-8A56-9EBC48C7DB76}" srcOrd="0" destOrd="0" presId="urn:microsoft.com/office/officeart/2005/8/layout/arrow2"/>
+    <dgm:cxn modelId="{81B87735-87B8-4774-8F93-90FB93743189}" srcId="{4210F28C-83D7-4720-A047-386058EBE71A}" destId="{65216960-3EA7-40C9-8503-0CF57D2BCE21}" srcOrd="1" destOrd="0" parTransId="{8A6C957A-D172-4998-9B28-93E30010275C}" sibTransId="{BB46D7F4-F561-4625-9385-967E5CACEE86}"/>
     <dgm:cxn modelId="{08171BEE-4E73-481E-A03D-40A50C4B0A4D}" type="presParOf" srcId="{0950A561-4075-423E-8A56-9EBC48C7DB76}" destId="{96ED0F05-81E2-4CAF-AAF9-FFE1A16045BB}" srcOrd="0" destOrd="0" presId="urn:microsoft.com/office/officeart/2005/8/layout/arrow2"/>
     <dgm:cxn modelId="{0A13F020-3FB9-4969-A86B-0CE28F15A11A}" type="presParOf" srcId="{0950A561-4075-423E-8A56-9EBC48C7DB76}" destId="{B9D86A98-4A97-4190-BF0A-E38051358E23}" srcOrd="1" destOrd="0" presId="urn:microsoft.com/office/officeart/2005/8/layout/arrow2"/>
     <dgm:cxn modelId="{CA848D72-5996-4AA8-841B-6A3095A065E1}" type="presParOf" srcId="{B9D86A98-4A97-4190-BF0A-E38051358E23}" destId="{CFA140E6-5EE3-4027-B6EC-A4F94B55E8A4}" srcOrd="0" destOrd="0" presId="urn:microsoft.com/office/officeart/2005/8/layout/arrow2"/>
@@ -4217,7 +4322,7 @@
         </a:bodyPr>
         <a:lstStyle/>
         <a:p>
-          <a:pPr marL="0" lvl="0" indent="0" algn="ctr" defTabSz="1377950">
+          <a:pPr lvl="0" algn="ctr" defTabSz="1377950">
             <a:lnSpc>
               <a:spcPct val="90000"/>
             </a:lnSpc>
@@ -4227,7 +4332,6 @@
             <a:spcAft>
               <a:spcPct val="35000"/>
             </a:spcAft>
-            <a:buNone/>
           </a:pPr>
           <a:r>
             <a:rPr lang="en-US" sz="3100" kern="1200" dirty="0"/>
@@ -4287,7 +4391,7 @@
             <a:spcAft>
               <a:spcPct val="15000"/>
             </a:spcAft>
-            <a:buChar char="•"/>
+            <a:buChar char="••"/>
           </a:pPr>
           <a:r>
             <a:rPr lang="en-US" sz="1500" kern="1200" dirty="0"/>
@@ -4405,7 +4509,7 @@
         </a:bodyPr>
         <a:lstStyle/>
         <a:p>
-          <a:pPr marL="0" lvl="0" indent="0" algn="ctr" defTabSz="1377950">
+          <a:pPr lvl="0" algn="ctr" defTabSz="1377950">
             <a:lnSpc>
               <a:spcPct val="90000"/>
             </a:lnSpc>
@@ -4415,7 +4519,6 @@
             <a:spcAft>
               <a:spcPct val="35000"/>
             </a:spcAft>
-            <a:buNone/>
           </a:pPr>
           <a:r>
             <a:rPr lang="en-US" sz="3100" kern="1200" dirty="0"/>
@@ -4475,7 +4578,7 @@
             <a:spcAft>
               <a:spcPct val="15000"/>
             </a:spcAft>
-            <a:buChar char="•"/>
+            <a:buChar char="••"/>
           </a:pPr>
           <a:r>
             <a:rPr lang="en-US" sz="1500" kern="1200" dirty="0"/>
@@ -4541,7 +4644,7 @@
         </a:bodyPr>
         <a:lstStyle/>
         <a:p>
-          <a:pPr marL="0" lvl="0" indent="0" algn="ctr" defTabSz="1377950">
+          <a:pPr lvl="0" algn="ctr" defTabSz="1377950">
             <a:lnSpc>
               <a:spcPct val="90000"/>
             </a:lnSpc>
@@ -4551,7 +4654,6 @@
             <a:spcAft>
               <a:spcPct val="35000"/>
             </a:spcAft>
-            <a:buNone/>
           </a:pPr>
           <a:r>
             <a:rPr lang="en-US" sz="3100" kern="1200" dirty="0"/>
@@ -4611,7 +4713,7 @@
             <a:spcAft>
               <a:spcPct val="15000"/>
             </a:spcAft>
-            <a:buChar char="•"/>
+            <a:buChar char="••"/>
           </a:pPr>
           <a:r>
             <a:rPr lang="en-US" sz="1500" kern="1200" dirty="0">
@@ -4744,7 +4846,7 @@
         </a:bodyPr>
         <a:lstStyle/>
         <a:p>
-          <a:pPr marL="0" lvl="0" indent="0" algn="l" defTabSz="1155700">
+          <a:pPr lvl="0" algn="l" defTabSz="1155700">
             <a:lnSpc>
               <a:spcPct val="90000"/>
             </a:lnSpc>
@@ -4754,7 +4856,6 @@
             <a:spcAft>
               <a:spcPct val="35000"/>
             </a:spcAft>
-            <a:buNone/>
           </a:pPr>
           <a:r>
             <a:rPr lang="en-US" sz="2600" kern="1200" dirty="0"/>
@@ -4865,7 +4966,7 @@
         </a:bodyPr>
         <a:lstStyle/>
         <a:p>
-          <a:pPr marL="0" lvl="0" indent="0" algn="l" defTabSz="1155700">
+          <a:pPr lvl="0" algn="l" defTabSz="1155700">
             <a:lnSpc>
               <a:spcPct val="90000"/>
             </a:lnSpc>
@@ -4875,7 +4976,6 @@
             <a:spcAft>
               <a:spcPct val="35000"/>
             </a:spcAft>
-            <a:buNone/>
           </a:pPr>
           <a:r>
             <a:rPr lang="en-US" sz="2600" kern="1200" dirty="0"/>
@@ -4986,7 +5086,7 @@
         </a:bodyPr>
         <a:lstStyle/>
         <a:p>
-          <a:pPr marL="0" lvl="0" indent="0" algn="l" defTabSz="1155700">
+          <a:pPr lvl="0" algn="l" defTabSz="1155700">
             <a:lnSpc>
               <a:spcPct val="90000"/>
             </a:lnSpc>
@@ -4996,7 +5096,6 @@
             <a:spcAft>
               <a:spcPct val="35000"/>
             </a:spcAft>
-            <a:buNone/>
           </a:pPr>
           <a:r>
             <a:rPr lang="en-US" sz="2600" kern="1200" dirty="0"/>
@@ -5193,7 +5292,7 @@
         </a:bodyPr>
         <a:lstStyle/>
         <a:p>
-          <a:pPr marL="0" lvl="0" indent="0" algn="l" defTabSz="800100">
+          <a:pPr lvl="0" algn="l" defTabSz="800100">
             <a:lnSpc>
               <a:spcPct val="90000"/>
             </a:lnSpc>
@@ -5203,7 +5302,6 @@
             <a:spcAft>
               <a:spcPct val="35000"/>
             </a:spcAft>
-            <a:buNone/>
           </a:pPr>
           <a:r>
             <a:rPr lang="en-US" sz="1800" kern="1200" dirty="0"/>
@@ -5302,7 +5400,7 @@
         </a:bodyPr>
         <a:lstStyle/>
         <a:p>
-          <a:pPr marL="0" lvl="0" indent="0" algn="l" defTabSz="800100">
+          <a:pPr lvl="0" algn="l" defTabSz="800100">
             <a:lnSpc>
               <a:spcPct val="90000"/>
             </a:lnSpc>
@@ -5312,7 +5410,6 @@
             <a:spcAft>
               <a:spcPct val="35000"/>
             </a:spcAft>
-            <a:buNone/>
           </a:pPr>
           <a:r>
             <a:rPr lang="en-US" sz="1800" kern="1200" dirty="0"/>
@@ -5320,7 +5417,7 @@
           </a:r>
         </a:p>
         <a:p>
-          <a:pPr marL="0" lvl="0" indent="0" algn="l" defTabSz="800100">
+          <a:pPr lvl="0" algn="l" defTabSz="800100">
             <a:lnSpc>
               <a:spcPct val="90000"/>
             </a:lnSpc>
@@ -5330,7 +5427,6 @@
             <a:spcAft>
               <a:spcPct val="35000"/>
             </a:spcAft>
-            <a:buNone/>
           </a:pPr>
           <a:r>
             <a:rPr lang="en-US" sz="1800" kern="1200" dirty="0"/>
@@ -5429,7 +5525,7 @@
         </a:bodyPr>
         <a:lstStyle/>
         <a:p>
-          <a:pPr marL="0" lvl="0" indent="0" algn="l" defTabSz="800100">
+          <a:pPr lvl="0" algn="l" defTabSz="800100">
             <a:lnSpc>
               <a:spcPct val="90000"/>
             </a:lnSpc>
@@ -5439,7 +5535,6 @@
             <a:spcAft>
               <a:spcPct val="35000"/>
             </a:spcAft>
-            <a:buNone/>
           </a:pPr>
           <a:r>
             <a:rPr lang="en-US" sz="1800" kern="1200" dirty="0"/>
@@ -5447,7 +5542,7 @@
           </a:r>
         </a:p>
         <a:p>
-          <a:pPr marL="0" lvl="0" indent="0" algn="l" defTabSz="800100">
+          <a:pPr lvl="0" algn="l" defTabSz="800100">
             <a:lnSpc>
               <a:spcPct val="90000"/>
             </a:lnSpc>
@@ -5457,7 +5552,6 @@
             <a:spcAft>
               <a:spcPct val="35000"/>
             </a:spcAft>
-            <a:buNone/>
           </a:pPr>
           <a:r>
             <a:rPr lang="en-US" sz="1800" kern="1200" dirty="0"/>
@@ -5465,7 +5559,7 @@
           </a:r>
         </a:p>
         <a:p>
-          <a:pPr marL="0" lvl="0" indent="0" algn="l" defTabSz="800100">
+          <a:pPr lvl="0" algn="l" defTabSz="800100">
             <a:lnSpc>
               <a:spcPct val="90000"/>
             </a:lnSpc>
@@ -5475,7 +5569,6 @@
             <a:spcAft>
               <a:spcPct val="35000"/>
             </a:spcAft>
-            <a:buNone/>
           </a:pPr>
           <a:r>
             <a:rPr lang="en-US" sz="1800" kern="1200" dirty="0"/>
@@ -17730,7 +17823,7 @@
           <p:cNvPr id="2" name="Title 1">
             <a:extLst>
               <a:ext uri="{FF2B5EF4-FFF2-40B4-BE49-F238E27FC236}">
-                <a16:creationId xmlns:a16="http://schemas.microsoft.com/office/drawing/2014/main" id="{3B1BE3E3-4FCD-4098-891A-7F1BD83F2F74}"/>
+                <a16:creationId xmlns:a16="http://schemas.microsoft.com/office/drawing/2014/main" xmlns="" id="{3B1BE3E3-4FCD-4098-891A-7F1BD83F2F74}"/>
               </a:ext>
             </a:extLst>
           </p:cNvPr>
@@ -17758,7 +17851,7 @@
           <p:cNvPr id="3" name="Subtitle 2">
             <a:extLst>
               <a:ext uri="{FF2B5EF4-FFF2-40B4-BE49-F238E27FC236}">
-                <a16:creationId xmlns:a16="http://schemas.microsoft.com/office/drawing/2014/main" id="{1644244F-D050-4C37-96C2-A4644D7EC8DB}"/>
+                <a16:creationId xmlns:a16="http://schemas.microsoft.com/office/drawing/2014/main" xmlns="" id="{1644244F-D050-4C37-96C2-A4644D7EC8DB}"/>
               </a:ext>
             </a:extLst>
           </p:cNvPr>
@@ -17799,7 +17892,7 @@
           <p:cNvPr id="5" name="Picture 4">
             <a:extLst>
               <a:ext uri="{FF2B5EF4-FFF2-40B4-BE49-F238E27FC236}">
-                <a16:creationId xmlns:a16="http://schemas.microsoft.com/office/drawing/2014/main" id="{19F0BFB3-BAD2-4EA8-B154-9DBF04047790}"/>
+                <a16:creationId xmlns:a16="http://schemas.microsoft.com/office/drawing/2014/main" xmlns="" id="{19F0BFB3-BAD2-4EA8-B154-9DBF04047790}"/>
               </a:ext>
             </a:extLst>
           </p:cNvPr>
@@ -17829,7 +17922,7 @@
           <p:cNvPr id="4" name="TextBox 3">
             <a:extLst>
               <a:ext uri="{FF2B5EF4-FFF2-40B4-BE49-F238E27FC236}">
-                <a16:creationId xmlns:a16="http://schemas.microsoft.com/office/drawing/2014/main" id="{14D8B7CB-5335-477F-BC5E-9E962EFC7B95}"/>
+                <a16:creationId xmlns:a16="http://schemas.microsoft.com/office/drawing/2014/main" xmlns="" id="{14D8B7CB-5335-477F-BC5E-9E962EFC7B95}"/>
               </a:ext>
             </a:extLst>
           </p:cNvPr>
@@ -17869,6 +17962,13 @@
   <p:clrMapOvr>
     <a:masterClrMapping/>
   </p:clrMapOvr>
+  <p:timing>
+    <p:tnLst>
+      <p:par>
+        <p:cTn id="1" dur="indefinite" restart="never" nodeType="tmRoot"/>
+      </p:par>
+    </p:tnLst>
+  </p:timing>
 </p:sld>
 </file>
 
@@ -17894,7 +17994,7 @@
           <p:cNvPr id="2" name="Title 1">
             <a:extLst>
               <a:ext uri="{FF2B5EF4-FFF2-40B4-BE49-F238E27FC236}">
-                <a16:creationId xmlns:a16="http://schemas.microsoft.com/office/drawing/2014/main" id="{A05B1FE6-5CE2-4A50-A7CB-E8ED6139FBAF}"/>
+                <a16:creationId xmlns:a16="http://schemas.microsoft.com/office/drawing/2014/main" xmlns="" id="{A05B1FE6-5CE2-4A50-A7CB-E8ED6139FBAF}"/>
               </a:ext>
             </a:extLst>
           </p:cNvPr>
@@ -17922,7 +18022,7 @@
           <p:cNvPr id="4" name="Content Placeholder 3">
             <a:extLst>
               <a:ext uri="{FF2B5EF4-FFF2-40B4-BE49-F238E27FC236}">
-                <a16:creationId xmlns:a16="http://schemas.microsoft.com/office/drawing/2014/main" id="{1CA41AEC-9FBB-418D-AE8D-DC99D929FFE5}"/>
+                <a16:creationId xmlns:a16="http://schemas.microsoft.com/office/drawing/2014/main" xmlns="" id="{1CA41AEC-9FBB-418D-AE8D-DC99D929FFE5}"/>
               </a:ext>
             </a:extLst>
           </p:cNvPr>
@@ -17948,6 +18048,42 @@
           </a:graphicData>
         </a:graphic>
       </p:graphicFrame>
+      <p:sp>
+        <p:nvSpPr>
+          <p:cNvPr id="5" name="TextBox 4">
+            <a:extLst>
+              <a:ext uri="{FF2B5EF4-FFF2-40B4-BE49-F238E27FC236}">
+                <a16:creationId xmlns:a16="http://schemas.microsoft.com/office/drawing/2014/main" xmlns="" id="{AFD3CAD6-5660-4C26-8D7A-E939C6B82503}"/>
+              </a:ext>
+            </a:extLst>
+          </p:cNvPr>
+          <p:cNvSpPr txBox="1"/>
+          <p:nvPr/>
+        </p:nvSpPr>
+        <p:spPr>
+          <a:xfrm>
+            <a:off x="10460181" y="401781"/>
+            <a:ext cx="651163" cy="369332"/>
+          </a:xfrm>
+          <a:prstGeom prst="rect">
+            <a:avLst/>
+          </a:prstGeom>
+          <a:noFill/>
+        </p:spPr>
+        <p:txBody>
+          <a:bodyPr wrap="square" rtlCol="0">
+            <a:spAutoFit/>
+          </a:bodyPr>
+          <a:lstStyle/>
+          <a:p>
+            <a:r>
+              <a:rPr lang="en-US" b="1" dirty="0" smtClean="0"/>
+              <a:t>RPA</a:t>
+            </a:r>
+            <a:endParaRPr lang="en-US" b="1" dirty="0"/>
+          </a:p>
+        </p:txBody>
+      </p:sp>
     </p:spTree>
     <p:extLst>
       <p:ext uri="{BB962C8B-B14F-4D97-AF65-F5344CB8AC3E}">
@@ -17958,6 +18094,13 @@
   <p:clrMapOvr>
     <a:masterClrMapping/>
   </p:clrMapOvr>
+  <p:timing>
+    <p:tnLst>
+      <p:par>
+        <p:cTn id="1" dur="indefinite" restart="never" nodeType="tmRoot"/>
+      </p:par>
+    </p:tnLst>
+  </p:timing>
 </p:sld>
 </file>
 
@@ -17983,7 +18126,7 @@
           <p:cNvPr id="2" name="Title 1">
             <a:extLst>
               <a:ext uri="{FF2B5EF4-FFF2-40B4-BE49-F238E27FC236}">
-                <a16:creationId xmlns:a16="http://schemas.microsoft.com/office/drawing/2014/main" id="{D70CB4BB-7DD5-42A8-B338-9A2E3A617897}"/>
+                <a16:creationId xmlns:a16="http://schemas.microsoft.com/office/drawing/2014/main" xmlns="" id="{D70CB4BB-7DD5-42A8-B338-9A2E3A617897}"/>
               </a:ext>
             </a:extLst>
           </p:cNvPr>
@@ -18011,7 +18154,7 @@
           <p:cNvPr id="3" name="Content Placeholder 2">
             <a:extLst>
               <a:ext uri="{FF2B5EF4-FFF2-40B4-BE49-F238E27FC236}">
-                <a16:creationId xmlns:a16="http://schemas.microsoft.com/office/drawing/2014/main" id="{B195BDF8-1240-4077-8DB3-2AABC0ED854F}"/>
+                <a16:creationId xmlns:a16="http://schemas.microsoft.com/office/drawing/2014/main" xmlns="" id="{B195BDF8-1240-4077-8DB3-2AABC0ED854F}"/>
               </a:ext>
             </a:extLst>
           </p:cNvPr>
@@ -18106,7 +18249,7 @@
           <p:cNvPr id="5" name="Right Brace 4">
             <a:extLst>
               <a:ext uri="{FF2B5EF4-FFF2-40B4-BE49-F238E27FC236}">
-                <a16:creationId xmlns:a16="http://schemas.microsoft.com/office/drawing/2014/main" id="{B33F6E9C-686D-4EAF-943C-DECCBD59CCAC}"/>
+                <a16:creationId xmlns:a16="http://schemas.microsoft.com/office/drawing/2014/main" xmlns="" id="{B33F6E9C-686D-4EAF-943C-DECCBD59CCAC}"/>
               </a:ext>
             </a:extLst>
           </p:cNvPr>
@@ -18155,7 +18298,7 @@
           <p:cNvPr id="6" name="TextBox 5">
             <a:extLst>
               <a:ext uri="{FF2B5EF4-FFF2-40B4-BE49-F238E27FC236}">
-                <a16:creationId xmlns:a16="http://schemas.microsoft.com/office/drawing/2014/main" id="{BB4EEE73-337C-4F02-9CC1-58B45ACEACD9}"/>
+                <a16:creationId xmlns:a16="http://schemas.microsoft.com/office/drawing/2014/main" xmlns="" id="{BB4EEE73-337C-4F02-9CC1-58B45ACEACD9}"/>
               </a:ext>
             </a:extLst>
           </p:cNvPr>
@@ -18185,6 +18328,42 @@
           </a:p>
         </p:txBody>
       </p:sp>
+      <p:sp>
+        <p:nvSpPr>
+          <p:cNvPr id="7" name="TextBox 6">
+            <a:extLst>
+              <a:ext uri="{FF2B5EF4-FFF2-40B4-BE49-F238E27FC236}">
+                <a16:creationId xmlns:a16="http://schemas.microsoft.com/office/drawing/2014/main" xmlns="" id="{AFD3CAD6-5660-4C26-8D7A-E939C6B82503}"/>
+              </a:ext>
+            </a:extLst>
+          </p:cNvPr>
+          <p:cNvSpPr txBox="1"/>
+          <p:nvPr/>
+        </p:nvSpPr>
+        <p:spPr>
+          <a:xfrm>
+            <a:off x="10460181" y="401781"/>
+            <a:ext cx="651163" cy="369332"/>
+          </a:xfrm>
+          <a:prstGeom prst="rect">
+            <a:avLst/>
+          </a:prstGeom>
+          <a:noFill/>
+        </p:spPr>
+        <p:txBody>
+          <a:bodyPr wrap="square" rtlCol="0">
+            <a:spAutoFit/>
+          </a:bodyPr>
+          <a:lstStyle/>
+          <a:p>
+            <a:r>
+              <a:rPr lang="en-US" b="1" dirty="0" smtClean="0"/>
+              <a:t>RPA</a:t>
+            </a:r>
+            <a:endParaRPr lang="en-US" b="1" dirty="0"/>
+          </a:p>
+        </p:txBody>
+      </p:sp>
     </p:spTree>
     <p:extLst>
       <p:ext uri="{BB962C8B-B14F-4D97-AF65-F5344CB8AC3E}">
@@ -18195,6 +18374,13 @@
   <p:clrMapOvr>
     <a:masterClrMapping/>
   </p:clrMapOvr>
+  <p:timing>
+    <p:tnLst>
+      <p:par>
+        <p:cTn id="1" dur="indefinite" restart="never" nodeType="tmRoot"/>
+      </p:par>
+    </p:tnLst>
+  </p:timing>
 </p:sld>
 </file>
 
@@ -18220,7 +18406,7 @@
           <p:cNvPr id="7" name="Title 1">
             <a:extLst>
               <a:ext uri="{FF2B5EF4-FFF2-40B4-BE49-F238E27FC236}">
-                <a16:creationId xmlns:a16="http://schemas.microsoft.com/office/drawing/2014/main" id="{5EA7A13D-5500-46B1-AD10-0F8B9B72C3AE}"/>
+                <a16:creationId xmlns:a16="http://schemas.microsoft.com/office/drawing/2014/main" xmlns="" id="{5EA7A13D-5500-46B1-AD10-0F8B9B72C3AE}"/>
               </a:ext>
             </a:extLst>
           </p:cNvPr>
@@ -18325,7 +18511,7 @@
           <p:cNvPr id="3" name="TextBox 2">
             <a:extLst>
               <a:ext uri="{FF2B5EF4-FFF2-40B4-BE49-F238E27FC236}">
-                <a16:creationId xmlns:a16="http://schemas.microsoft.com/office/drawing/2014/main" id="{C4D0A496-A329-4223-B5EE-11045C362EA5}"/>
+                <a16:creationId xmlns:a16="http://schemas.microsoft.com/office/drawing/2014/main" xmlns="" id="{C4D0A496-A329-4223-B5EE-11045C362EA5}"/>
               </a:ext>
             </a:extLst>
           </p:cNvPr>
@@ -18365,6 +18551,13 @@
   <p:clrMapOvr>
     <a:masterClrMapping/>
   </p:clrMapOvr>
+  <p:timing>
+    <p:tnLst>
+      <p:par>
+        <p:cTn id="1" dur="indefinite" restart="never" nodeType="tmRoot"/>
+      </p:par>
+    </p:tnLst>
+  </p:timing>
 </p:sld>
 </file>
 
@@ -18390,7 +18583,7 @@
           <p:cNvPr id="7" name="Title 1">
             <a:extLst>
               <a:ext uri="{FF2B5EF4-FFF2-40B4-BE49-F238E27FC236}">
-                <a16:creationId xmlns:a16="http://schemas.microsoft.com/office/drawing/2014/main" id="{5EA7A13D-5500-46B1-AD10-0F8B9B72C3AE}"/>
+                <a16:creationId xmlns:a16="http://schemas.microsoft.com/office/drawing/2014/main" xmlns="" id="{5EA7A13D-5500-46B1-AD10-0F8B9B72C3AE}"/>
               </a:ext>
             </a:extLst>
           </p:cNvPr>
@@ -18495,7 +18688,7 @@
           <p:cNvPr id="3" name="TextBox 2">
             <a:extLst>
               <a:ext uri="{FF2B5EF4-FFF2-40B4-BE49-F238E27FC236}">
-                <a16:creationId xmlns:a16="http://schemas.microsoft.com/office/drawing/2014/main" id="{5901612A-745C-4AA4-A5E1-2D84CB05360E}"/>
+                <a16:creationId xmlns:a16="http://schemas.microsoft.com/office/drawing/2014/main" xmlns="" id="{5901612A-745C-4AA4-A5E1-2D84CB05360E}"/>
               </a:ext>
             </a:extLst>
           </p:cNvPr>
@@ -18535,6 +18728,13 @@
   <p:clrMapOvr>
     <a:masterClrMapping/>
   </p:clrMapOvr>
+  <p:timing>
+    <p:tnLst>
+      <p:par>
+        <p:cTn id="1" dur="indefinite" restart="never" nodeType="tmRoot"/>
+      </p:par>
+    </p:tnLst>
+  </p:timing>
 </p:sld>
 </file>
 
@@ -18560,7 +18760,7 @@
           <p:cNvPr id="2" name="Title 1">
             <a:extLst>
               <a:ext uri="{FF2B5EF4-FFF2-40B4-BE49-F238E27FC236}">
-                <a16:creationId xmlns:a16="http://schemas.microsoft.com/office/drawing/2014/main" id="{FFDA49A7-9FE7-4AFE-B562-B4FF87D308F3}"/>
+                <a16:creationId xmlns:a16="http://schemas.microsoft.com/office/drawing/2014/main" xmlns="" id="{FFDA49A7-9FE7-4AFE-B562-B4FF87D308F3}"/>
               </a:ext>
             </a:extLst>
           </p:cNvPr>
@@ -18596,7 +18796,7 @@
           <p:cNvPr id="3" name="Content Placeholder 2">
             <a:extLst>
               <a:ext uri="{FF2B5EF4-FFF2-40B4-BE49-F238E27FC236}">
-                <a16:creationId xmlns:a16="http://schemas.microsoft.com/office/drawing/2014/main" id="{ED8BD3E8-825D-4988-88E4-3714A2F9E242}"/>
+                <a16:creationId xmlns:a16="http://schemas.microsoft.com/office/drawing/2014/main" xmlns="" id="{ED8BD3E8-825D-4988-88E4-3714A2F9E242}"/>
               </a:ext>
             </a:extLst>
           </p:cNvPr>
@@ -18652,7 +18852,19 @@
           <a:p>
             <a:r>
               <a:rPr lang="en-US" dirty="0"/>
-              <a:t>The main goal of Robotics process automation process to replace repetitive and boring task performed by humans, with a virtual workforce. </a:t>
+              <a:t>The main goal of Robotics process automation process to </a:t>
+            </a:r>
+            <a:r>
+              <a:rPr lang="en-US"/>
+              <a:t>replace </a:t>
+            </a:r>
+            <a:r>
+              <a:rPr lang="en-US" smtClean="0"/>
+              <a:t>repetitive </a:t>
+            </a:r>
+            <a:r>
+              <a:rPr lang="en-US" dirty="0"/>
+              <a:t>task performed by humans, with a virtual workforce. </a:t>
             </a:r>
           </a:p>
           <a:p>
@@ -18665,7 +18877,7 @@
           <p:cNvPr id="4" name="TextBox 3">
             <a:extLst>
               <a:ext uri="{FF2B5EF4-FFF2-40B4-BE49-F238E27FC236}">
-                <a16:creationId xmlns:a16="http://schemas.microsoft.com/office/drawing/2014/main" id="{93139C74-DBD3-4EAB-AA24-7D23F790D846}"/>
+                <a16:creationId xmlns:a16="http://schemas.microsoft.com/office/drawing/2014/main" xmlns="" id="{93139C74-DBD3-4EAB-AA24-7D23F790D846}"/>
               </a:ext>
             </a:extLst>
           </p:cNvPr>
@@ -18705,6 +18917,13 @@
   <p:clrMapOvr>
     <a:masterClrMapping/>
   </p:clrMapOvr>
+  <p:timing>
+    <p:tnLst>
+      <p:par>
+        <p:cTn id="1" dur="indefinite" restart="never" nodeType="tmRoot"/>
+      </p:par>
+    </p:tnLst>
+  </p:timing>
 </p:sld>
 </file>
 
@@ -18730,7 +18949,7 @@
           <p:cNvPr id="2" name="Title 1">
             <a:extLst>
               <a:ext uri="{FF2B5EF4-FFF2-40B4-BE49-F238E27FC236}">
-                <a16:creationId xmlns:a16="http://schemas.microsoft.com/office/drawing/2014/main" id="{9B59C9FF-56AE-473C-AC7C-B930CB41DF17}"/>
+                <a16:creationId xmlns:a16="http://schemas.microsoft.com/office/drawing/2014/main" xmlns="" id="{9B59C9FF-56AE-473C-AC7C-B930CB41DF17}"/>
               </a:ext>
             </a:extLst>
           </p:cNvPr>
@@ -18758,7 +18977,7 @@
           <p:cNvPr id="4" name="Content Placeholder 3">
             <a:extLst>
               <a:ext uri="{FF2B5EF4-FFF2-40B4-BE49-F238E27FC236}">
-                <a16:creationId xmlns:a16="http://schemas.microsoft.com/office/drawing/2014/main" id="{819DFCF8-8DDA-46A2-9D14-5B2B6F7A6B3D}"/>
+                <a16:creationId xmlns:a16="http://schemas.microsoft.com/office/drawing/2014/main" xmlns="" id="{819DFCF8-8DDA-46A2-9D14-5B2B6F7A6B3D}"/>
               </a:ext>
             </a:extLst>
           </p:cNvPr>
@@ -18789,7 +19008,7 @@
           <p:cNvPr id="5" name="TextBox 4">
             <a:extLst>
               <a:ext uri="{FF2B5EF4-FFF2-40B4-BE49-F238E27FC236}">
-                <a16:creationId xmlns:a16="http://schemas.microsoft.com/office/drawing/2014/main" id="{CD0E7A3F-BBF2-490B-8F8A-A94C97C51738}"/>
+                <a16:creationId xmlns:a16="http://schemas.microsoft.com/office/drawing/2014/main" xmlns="" id="{CD0E7A3F-BBF2-490B-8F8A-A94C97C51738}"/>
               </a:ext>
             </a:extLst>
           </p:cNvPr>
@@ -18829,6 +19048,13 @@
   <p:clrMapOvr>
     <a:masterClrMapping/>
   </p:clrMapOvr>
+  <p:timing>
+    <p:tnLst>
+      <p:par>
+        <p:cTn id="1" dur="indefinite" restart="never" nodeType="tmRoot"/>
+      </p:par>
+    </p:tnLst>
+  </p:timing>
 </p:sld>
 </file>
 
@@ -18854,7 +19080,7 @@
           <p:cNvPr id="2" name="Title 1">
             <a:extLst>
               <a:ext uri="{FF2B5EF4-FFF2-40B4-BE49-F238E27FC236}">
-                <a16:creationId xmlns:a16="http://schemas.microsoft.com/office/drawing/2014/main" id="{FA468AAC-D7F5-4ECF-917F-CFAFD70085E7}"/>
+                <a16:creationId xmlns:a16="http://schemas.microsoft.com/office/drawing/2014/main" xmlns="" id="{FA468AAC-D7F5-4ECF-917F-CFAFD70085E7}"/>
               </a:ext>
             </a:extLst>
           </p:cNvPr>
@@ -18882,7 +19108,7 @@
           <p:cNvPr id="7" name="TextBox 6">
             <a:extLst>
               <a:ext uri="{FF2B5EF4-FFF2-40B4-BE49-F238E27FC236}">
-                <a16:creationId xmlns:a16="http://schemas.microsoft.com/office/drawing/2014/main" id="{7D67E709-C971-432F-BC82-DF6FA5D34A88}"/>
+                <a16:creationId xmlns:a16="http://schemas.microsoft.com/office/drawing/2014/main" xmlns="" id="{7D67E709-C971-432F-BC82-DF6FA5D34A88}"/>
               </a:ext>
             </a:extLst>
           </p:cNvPr>
@@ -18917,7 +19143,7 @@
           <p:cNvPr id="8" name="Content Placeholder 7">
             <a:extLst>
               <a:ext uri="{FF2B5EF4-FFF2-40B4-BE49-F238E27FC236}">
-                <a16:creationId xmlns:a16="http://schemas.microsoft.com/office/drawing/2014/main" id="{01D1B36E-BC1D-4D5A-BBFD-5339E2777BDF}"/>
+                <a16:creationId xmlns:a16="http://schemas.microsoft.com/office/drawing/2014/main" xmlns="" id="{01D1B36E-BC1D-4D5A-BBFD-5339E2777BDF}"/>
               </a:ext>
             </a:extLst>
           </p:cNvPr>
@@ -18989,6 +19215,13 @@
   <p:clrMapOvr>
     <a:masterClrMapping/>
   </p:clrMapOvr>
+  <p:timing>
+    <p:tnLst>
+      <p:par>
+        <p:cTn id="1" dur="indefinite" restart="never" nodeType="tmRoot"/>
+      </p:par>
+    </p:tnLst>
+  </p:timing>
 </p:sld>
 </file>
 
@@ -19014,7 +19247,7 @@
           <p:cNvPr id="2" name="Title 1">
             <a:extLst>
               <a:ext uri="{FF2B5EF4-FFF2-40B4-BE49-F238E27FC236}">
-                <a16:creationId xmlns:a16="http://schemas.microsoft.com/office/drawing/2014/main" id="{AFBDB16E-A08B-4238-BBED-8AB5E3DFEE44}"/>
+                <a16:creationId xmlns:a16="http://schemas.microsoft.com/office/drawing/2014/main" xmlns="" id="{AFBDB16E-A08B-4238-BBED-8AB5E3DFEE44}"/>
               </a:ext>
             </a:extLst>
           </p:cNvPr>
@@ -19042,7 +19275,7 @@
           <p:cNvPr id="5" name="Content Placeholder 4">
             <a:extLst>
               <a:ext uri="{FF2B5EF4-FFF2-40B4-BE49-F238E27FC236}">
-                <a16:creationId xmlns:a16="http://schemas.microsoft.com/office/drawing/2014/main" id="{4C22EF6D-B517-48DE-8E4D-40B0C719F1D4}"/>
+                <a16:creationId xmlns:a16="http://schemas.microsoft.com/office/drawing/2014/main" xmlns="" id="{4C22EF6D-B517-48DE-8E4D-40B0C719F1D4}"/>
               </a:ext>
             </a:extLst>
           </p:cNvPr>
@@ -19071,7 +19304,7 @@
           <p:cNvPr id="6" name="Content Placeholder 2">
             <a:extLst>
               <a:ext uri="{FF2B5EF4-FFF2-40B4-BE49-F238E27FC236}">
-                <a16:creationId xmlns:a16="http://schemas.microsoft.com/office/drawing/2014/main" id="{1DDC1536-9C74-4053-AD73-882B81C94F4D}"/>
+                <a16:creationId xmlns:a16="http://schemas.microsoft.com/office/drawing/2014/main" xmlns="" id="{1DDC1536-9C74-4053-AD73-882B81C94F4D}"/>
               </a:ext>
             </a:extLst>
           </p:cNvPr>
@@ -19385,7 +19618,7 @@
           <p:cNvPr id="7" name="TextBox 6">
             <a:extLst>
               <a:ext uri="{FF2B5EF4-FFF2-40B4-BE49-F238E27FC236}">
-                <a16:creationId xmlns:a16="http://schemas.microsoft.com/office/drawing/2014/main" id="{2406A06F-5F3B-45F6-BC51-9D18B2478468}"/>
+                <a16:creationId xmlns:a16="http://schemas.microsoft.com/office/drawing/2014/main" xmlns="" id="{2406A06F-5F3B-45F6-BC51-9D18B2478468}"/>
               </a:ext>
             </a:extLst>
           </p:cNvPr>
@@ -19425,6 +19658,13 @@
   <p:clrMapOvr>
     <a:masterClrMapping/>
   </p:clrMapOvr>
+  <p:timing>
+    <p:tnLst>
+      <p:par>
+        <p:cTn id="1" dur="indefinite" restart="never" nodeType="tmRoot"/>
+      </p:par>
+    </p:tnLst>
+  </p:timing>
 </p:sld>
 </file>
 
@@ -19450,7 +19690,7 @@
           <p:cNvPr id="2" name="Title 1">
             <a:extLst>
               <a:ext uri="{FF2B5EF4-FFF2-40B4-BE49-F238E27FC236}">
-                <a16:creationId xmlns:a16="http://schemas.microsoft.com/office/drawing/2014/main" id="{40607BEA-D51C-42F3-B709-83B206B428E0}"/>
+                <a16:creationId xmlns:a16="http://schemas.microsoft.com/office/drawing/2014/main" xmlns="" id="{40607BEA-D51C-42F3-B709-83B206B428E0}"/>
               </a:ext>
             </a:extLst>
           </p:cNvPr>
@@ -19478,7 +19718,7 @@
           <p:cNvPr id="4" name="Content Placeholder 3">
             <a:extLst>
               <a:ext uri="{FF2B5EF4-FFF2-40B4-BE49-F238E27FC236}">
-                <a16:creationId xmlns:a16="http://schemas.microsoft.com/office/drawing/2014/main" id="{B51321D9-9717-4BD5-A05A-13B4E9B36DE3}"/>
+                <a16:creationId xmlns:a16="http://schemas.microsoft.com/office/drawing/2014/main" xmlns="" id="{B51321D9-9717-4BD5-A05A-13B4E9B36DE3}"/>
               </a:ext>
             </a:extLst>
           </p:cNvPr>
@@ -19509,7 +19749,7 @@
           <p:cNvPr id="5" name="TextBox 4">
             <a:extLst>
               <a:ext uri="{FF2B5EF4-FFF2-40B4-BE49-F238E27FC236}">
-                <a16:creationId xmlns:a16="http://schemas.microsoft.com/office/drawing/2014/main" id="{4529AEDF-07CA-4E97-A58C-86079BE9F555}"/>
+                <a16:creationId xmlns:a16="http://schemas.microsoft.com/office/drawing/2014/main" xmlns="" id="{4529AEDF-07CA-4E97-A58C-86079BE9F555}"/>
               </a:ext>
             </a:extLst>
           </p:cNvPr>
@@ -19549,6 +19789,13 @@
   <p:clrMapOvr>
     <a:masterClrMapping/>
   </p:clrMapOvr>
+  <p:timing>
+    <p:tnLst>
+      <p:par>
+        <p:cTn id="1" dur="indefinite" restart="never" nodeType="tmRoot"/>
+      </p:par>
+    </p:tnLst>
+  </p:timing>
 </p:sld>
 </file>
 
@@ -19574,7 +19821,7 @@
           <p:cNvPr id="2" name="Title 1">
             <a:extLst>
               <a:ext uri="{FF2B5EF4-FFF2-40B4-BE49-F238E27FC236}">
-                <a16:creationId xmlns:a16="http://schemas.microsoft.com/office/drawing/2014/main" id="{7C6D503B-DB02-4E78-B9A5-56F5E94FA5B0}"/>
+                <a16:creationId xmlns:a16="http://schemas.microsoft.com/office/drawing/2014/main" xmlns="" id="{7C6D503B-DB02-4E78-B9A5-56F5E94FA5B0}"/>
               </a:ext>
             </a:extLst>
           </p:cNvPr>
@@ -19602,7 +19849,7 @@
           <p:cNvPr id="3" name="Content Placeholder 2">
             <a:extLst>
               <a:ext uri="{FF2B5EF4-FFF2-40B4-BE49-F238E27FC236}">
-                <a16:creationId xmlns:a16="http://schemas.microsoft.com/office/drawing/2014/main" id="{1676C687-A84F-4C0B-9EBF-413D62A2172D}"/>
+                <a16:creationId xmlns:a16="http://schemas.microsoft.com/office/drawing/2014/main" xmlns="" id="{1676C687-A84F-4C0B-9EBF-413D62A2172D}"/>
               </a:ext>
             </a:extLst>
           </p:cNvPr>
@@ -19666,7 +19913,7 @@
           <p:cNvPr id="4" name="TextBox 3">
             <a:extLst>
               <a:ext uri="{FF2B5EF4-FFF2-40B4-BE49-F238E27FC236}">
-                <a16:creationId xmlns:a16="http://schemas.microsoft.com/office/drawing/2014/main" id="{ACE0CCC9-1ABB-40EF-A4B4-CB5F0DDD9216}"/>
+                <a16:creationId xmlns:a16="http://schemas.microsoft.com/office/drawing/2014/main" xmlns="" id="{ACE0CCC9-1ABB-40EF-A4B4-CB5F0DDD9216}"/>
               </a:ext>
             </a:extLst>
           </p:cNvPr>
@@ -19706,6 +19953,13 @@
   <p:clrMapOvr>
     <a:masterClrMapping/>
   </p:clrMapOvr>
+  <p:timing>
+    <p:tnLst>
+      <p:par>
+        <p:cTn id="1" dur="indefinite" restart="never" nodeType="tmRoot"/>
+      </p:par>
+    </p:tnLst>
+  </p:timing>
 </p:sld>
 </file>
 
@@ -19731,7 +19985,7 @@
           <p:cNvPr id="2" name="Title 1">
             <a:extLst>
               <a:ext uri="{FF2B5EF4-FFF2-40B4-BE49-F238E27FC236}">
-                <a16:creationId xmlns:a16="http://schemas.microsoft.com/office/drawing/2014/main" id="{9BC0EF46-B24D-4C8E-9625-B1B18DD1A7B0}"/>
+                <a16:creationId xmlns:a16="http://schemas.microsoft.com/office/drawing/2014/main" xmlns="" id="{9BC0EF46-B24D-4C8E-9625-B1B18DD1A7B0}"/>
               </a:ext>
             </a:extLst>
           </p:cNvPr>
@@ -19759,7 +20013,7 @@
           <p:cNvPr id="3" name="Content Placeholder 2">
             <a:extLst>
               <a:ext uri="{FF2B5EF4-FFF2-40B4-BE49-F238E27FC236}">
-                <a16:creationId xmlns:a16="http://schemas.microsoft.com/office/drawing/2014/main" id="{76B191F3-4128-444A-91F4-A7980D868776}"/>
+                <a16:creationId xmlns:a16="http://schemas.microsoft.com/office/drawing/2014/main" xmlns="" id="{76B191F3-4128-444A-91F4-A7980D868776}"/>
               </a:ext>
             </a:extLst>
           </p:cNvPr>
@@ -19817,7 +20071,7 @@
           <p:cNvPr id="4" name="TextBox 3">
             <a:extLst>
               <a:ext uri="{FF2B5EF4-FFF2-40B4-BE49-F238E27FC236}">
-                <a16:creationId xmlns:a16="http://schemas.microsoft.com/office/drawing/2014/main" id="{384AACFA-724B-4449-B0B5-7792FB624F2C}"/>
+                <a16:creationId xmlns:a16="http://schemas.microsoft.com/office/drawing/2014/main" xmlns="" id="{384AACFA-724B-4449-B0B5-7792FB624F2C}"/>
               </a:ext>
             </a:extLst>
           </p:cNvPr>
@@ -19857,6 +20111,13 @@
   <p:clrMapOvr>
     <a:masterClrMapping/>
   </p:clrMapOvr>
+  <p:timing>
+    <p:tnLst>
+      <p:par>
+        <p:cTn id="1" dur="indefinite" restart="never" nodeType="tmRoot"/>
+      </p:par>
+    </p:tnLst>
+  </p:timing>
 </p:sld>
 </file>
 
@@ -19882,7 +20143,7 @@
           <p:cNvPr id="2" name="Title 1">
             <a:extLst>
               <a:ext uri="{FF2B5EF4-FFF2-40B4-BE49-F238E27FC236}">
-                <a16:creationId xmlns:a16="http://schemas.microsoft.com/office/drawing/2014/main" id="{9C231F7C-0D7C-4E32-8265-C163B81DA9A2}"/>
+                <a16:creationId xmlns:a16="http://schemas.microsoft.com/office/drawing/2014/main" xmlns="" id="{9C231F7C-0D7C-4E32-8265-C163B81DA9A2}"/>
               </a:ext>
             </a:extLst>
           </p:cNvPr>
@@ -19910,7 +20171,7 @@
           <p:cNvPr id="3" name="Content Placeholder 2">
             <a:extLst>
               <a:ext uri="{FF2B5EF4-FFF2-40B4-BE49-F238E27FC236}">
-                <a16:creationId xmlns:a16="http://schemas.microsoft.com/office/drawing/2014/main" id="{0E699B6B-7621-40E6-9735-A011EDD9FE54}"/>
+                <a16:creationId xmlns:a16="http://schemas.microsoft.com/office/drawing/2014/main" xmlns="" id="{0E699B6B-7621-40E6-9735-A011EDD9FE54}"/>
               </a:ext>
             </a:extLst>
           </p:cNvPr>
@@ -20018,7 +20279,7 @@
           <p:cNvPr id="4" name="TextBox 3">
             <a:extLst>
               <a:ext uri="{FF2B5EF4-FFF2-40B4-BE49-F238E27FC236}">
-                <a16:creationId xmlns:a16="http://schemas.microsoft.com/office/drawing/2014/main" id="{AFD3CAD6-5660-4C26-8D7A-E939C6B82503}"/>
+                <a16:creationId xmlns:a16="http://schemas.microsoft.com/office/drawing/2014/main" xmlns="" id="{AFD3CAD6-5660-4C26-8D7A-E939C6B82503}"/>
               </a:ext>
             </a:extLst>
           </p:cNvPr>
@@ -20042,9 +20303,10 @@
           <a:lstStyle/>
           <a:p>
             <a:r>
-              <a:rPr lang="en-US" b="1" dirty="0"/>
+              <a:rPr lang="en-US" b="1" dirty="0" smtClean="0"/>
               <a:t>RPA</a:t>
             </a:r>
+            <a:endParaRPr lang="en-US" b="1" dirty="0"/>
           </a:p>
         </p:txBody>
       </p:sp>
@@ -20058,6 +20320,13 @@
   <p:clrMapOvr>
     <a:masterClrMapping/>
   </p:clrMapOvr>
+  <p:timing>
+    <p:tnLst>
+      <p:par>
+        <p:cTn id="1" dur="indefinite" restart="never" nodeType="tmRoot"/>
+      </p:par>
+    </p:tnLst>
+  </p:timing>
 </p:sld>
 </file>
 
